--- a/docs/퍼블_모달작업.pptx
+++ b/docs/퍼블_모달작업.pptx
@@ -5,20 +5,22 @@
     <p:sldMasterId id="2147483648" r:id="rId1"/>
   </p:sldMasterIdLst>
   <p:notesMasterIdLst>
-    <p:notesMasterId r:id="rId13"/>
+    <p:notesMasterId r:id="rId15"/>
   </p:notesMasterIdLst>
   <p:sldIdLst>
     <p:sldId id="388" r:id="rId2"/>
     <p:sldId id="396" r:id="rId3"/>
     <p:sldId id="395" r:id="rId4"/>
-    <p:sldId id="392" r:id="rId5"/>
-    <p:sldId id="381" r:id="rId6"/>
-    <p:sldId id="386" r:id="rId7"/>
-    <p:sldId id="428" r:id="rId8"/>
-    <p:sldId id="429" r:id="rId9"/>
-    <p:sldId id="430" r:id="rId10"/>
-    <p:sldId id="393" r:id="rId11"/>
-    <p:sldId id="411" r:id="rId12"/>
+    <p:sldId id="431" r:id="rId5"/>
+    <p:sldId id="392" r:id="rId6"/>
+    <p:sldId id="381" r:id="rId7"/>
+    <p:sldId id="386" r:id="rId8"/>
+    <p:sldId id="428" r:id="rId9"/>
+    <p:sldId id="429" r:id="rId10"/>
+    <p:sldId id="430" r:id="rId11"/>
+    <p:sldId id="393" r:id="rId12"/>
+    <p:sldId id="411" r:id="rId13"/>
+    <p:sldId id="432" r:id="rId14"/>
   </p:sldIdLst>
   <p:sldSz cx="12192000" cy="6858000"/>
   <p:notesSz cx="6858000" cy="9144000"/>
@@ -207,7 +209,7 @@
           <a:p>
             <a:fld id="{C9E2D283-24E8-43BF-8699-4850E5B0C771}" type="datetimeFigureOut">
               <a:rPr lang="ko-KR" altLang="en-US" smtClean="0"/>
-              <a:t>2021-08-20</a:t>
+              <a:t>2021-08-23</a:t>
             </a:fld>
             <a:endParaRPr lang="ko-KR" altLang="en-US"/>
           </a:p>
@@ -562,6 +564,182 @@
 </p:notes>
 </file>
 
+<file path=ppt/notesSlides/notesSlide10.xml><?xml version="1.0" encoding="utf-8"?>
+<p:notes xmlns:a="http://schemas.openxmlformats.org/drawingml/2006/main" xmlns:r="http://schemas.openxmlformats.org/officeDocument/2006/relationships" xmlns:p="http://schemas.openxmlformats.org/presentationml/2006/main">
+  <p:cSld>
+    <p:spTree>
+      <p:nvGrpSpPr>
+        <p:cNvPr id="1" name=""/>
+        <p:cNvGrpSpPr/>
+        <p:nvPr/>
+      </p:nvGrpSpPr>
+      <p:grpSpPr>
+        <a:xfrm>
+          <a:off x="0" y="0"/>
+          <a:ext cx="0" cy="0"/>
+          <a:chOff x="0" y="0"/>
+          <a:chExt cx="0" cy="0"/>
+        </a:xfrm>
+      </p:grpSpPr>
+      <p:sp>
+        <p:nvSpPr>
+          <p:cNvPr id="2" name="슬라이드 이미지 개체 틀 1"/>
+          <p:cNvSpPr>
+            <a:spLocks noGrp="1" noRot="1" noChangeAspect="1"/>
+          </p:cNvSpPr>
+          <p:nvPr>
+            <p:ph type="sldImg"/>
+          </p:nvPr>
+        </p:nvSpPr>
+        <p:spPr/>
+      </p:sp>
+      <p:sp>
+        <p:nvSpPr>
+          <p:cNvPr id="3" name="슬라이드 노트 개체 틀 2"/>
+          <p:cNvSpPr>
+            <a:spLocks noGrp="1"/>
+          </p:cNvSpPr>
+          <p:nvPr>
+            <p:ph type="body" idx="1"/>
+          </p:nvPr>
+        </p:nvSpPr>
+        <p:spPr/>
+        <p:txBody>
+          <a:bodyPr/>
+          <a:lstStyle/>
+          <a:p>
+            <a:endParaRPr lang="en-US" altLang="ko-KR" sz="1200" dirty="0">
+              <a:solidFill>
+                <a:srgbClr val="FF0000"/>
+              </a:solidFill>
+            </a:endParaRPr>
+          </a:p>
+        </p:txBody>
+      </p:sp>
+      <p:sp>
+        <p:nvSpPr>
+          <p:cNvPr id="4" name="슬라이드 번호 개체 틀 3"/>
+          <p:cNvSpPr>
+            <a:spLocks noGrp="1"/>
+          </p:cNvSpPr>
+          <p:nvPr>
+            <p:ph type="sldNum" sz="quarter" idx="10"/>
+          </p:nvPr>
+        </p:nvSpPr>
+        <p:spPr/>
+        <p:txBody>
+          <a:bodyPr/>
+          <a:lstStyle/>
+          <a:p>
+            <a:fld id="{7DB34C37-C895-434E-BBE2-9A61276AE486}" type="slidenum">
+              <a:rPr lang="ko-KR" altLang="en-US" smtClean="0"/>
+              <a:t>12</a:t>
+            </a:fld>
+            <a:endParaRPr lang="ko-KR" altLang="en-US"/>
+          </a:p>
+        </p:txBody>
+      </p:sp>
+    </p:spTree>
+    <p:extLst>
+      <p:ext uri="{BB962C8B-B14F-4D97-AF65-F5344CB8AC3E}">
+        <p14:creationId xmlns:p14="http://schemas.microsoft.com/office/powerpoint/2010/main" val="1540933972"/>
+      </p:ext>
+    </p:extLst>
+  </p:cSld>
+  <p:clrMapOvr>
+    <a:masterClrMapping/>
+  </p:clrMapOvr>
+</p:notes>
+</file>
+
+<file path=ppt/notesSlides/notesSlide11.xml><?xml version="1.0" encoding="utf-8"?>
+<p:notes xmlns:a="http://schemas.openxmlformats.org/drawingml/2006/main" xmlns:r="http://schemas.openxmlformats.org/officeDocument/2006/relationships" xmlns:p="http://schemas.openxmlformats.org/presentationml/2006/main">
+  <p:cSld>
+    <p:spTree>
+      <p:nvGrpSpPr>
+        <p:cNvPr id="1" name=""/>
+        <p:cNvGrpSpPr/>
+        <p:nvPr/>
+      </p:nvGrpSpPr>
+      <p:grpSpPr>
+        <a:xfrm>
+          <a:off x="0" y="0"/>
+          <a:ext cx="0" cy="0"/>
+          <a:chOff x="0" y="0"/>
+          <a:chExt cx="0" cy="0"/>
+        </a:xfrm>
+      </p:grpSpPr>
+      <p:sp>
+        <p:nvSpPr>
+          <p:cNvPr id="2" name="슬라이드 이미지 개체 틀 1"/>
+          <p:cNvSpPr>
+            <a:spLocks noGrp="1" noRot="1" noChangeAspect="1"/>
+          </p:cNvSpPr>
+          <p:nvPr>
+            <p:ph type="sldImg"/>
+          </p:nvPr>
+        </p:nvSpPr>
+        <p:spPr/>
+      </p:sp>
+      <p:sp>
+        <p:nvSpPr>
+          <p:cNvPr id="3" name="슬라이드 노트 개체 틀 2"/>
+          <p:cNvSpPr>
+            <a:spLocks noGrp="1"/>
+          </p:cNvSpPr>
+          <p:nvPr>
+            <p:ph type="body" idx="1"/>
+          </p:nvPr>
+        </p:nvSpPr>
+        <p:spPr/>
+        <p:txBody>
+          <a:bodyPr/>
+          <a:lstStyle/>
+          <a:p>
+            <a:endParaRPr lang="en-US" altLang="ko-KR" sz="1200" dirty="0">
+              <a:solidFill>
+                <a:srgbClr val="FF0000"/>
+              </a:solidFill>
+            </a:endParaRPr>
+          </a:p>
+        </p:txBody>
+      </p:sp>
+      <p:sp>
+        <p:nvSpPr>
+          <p:cNvPr id="4" name="슬라이드 번호 개체 틀 3"/>
+          <p:cNvSpPr>
+            <a:spLocks noGrp="1"/>
+          </p:cNvSpPr>
+          <p:nvPr>
+            <p:ph type="sldNum" sz="quarter" idx="10"/>
+          </p:nvPr>
+        </p:nvSpPr>
+        <p:spPr/>
+        <p:txBody>
+          <a:bodyPr/>
+          <a:lstStyle/>
+          <a:p>
+            <a:fld id="{7DB34C37-C895-434E-BBE2-9A61276AE486}" type="slidenum">
+              <a:rPr lang="ko-KR" altLang="en-US" smtClean="0"/>
+              <a:t>13</a:t>
+            </a:fld>
+            <a:endParaRPr lang="ko-KR" altLang="en-US"/>
+          </a:p>
+        </p:txBody>
+      </p:sp>
+    </p:spTree>
+    <p:extLst>
+      <p:ext uri="{BB962C8B-B14F-4D97-AF65-F5344CB8AC3E}">
+        <p14:creationId xmlns:p14="http://schemas.microsoft.com/office/powerpoint/2010/main" val="4202239931"/>
+      </p:ext>
+    </p:extLst>
+  </p:cSld>
+  <p:clrMapOvr>
+    <a:masterClrMapping/>
+  </p:clrMapOvr>
+</p:notes>
+</file>
+
 <file path=ppt/notesSlides/notesSlide2.xml><?xml version="1.0" encoding="utf-8"?>
 <p:notes xmlns:a="http://schemas.openxmlformats.org/drawingml/2006/main" xmlns:r="http://schemas.openxmlformats.org/officeDocument/2006/relationships" xmlns:p="http://schemas.openxmlformats.org/presentationml/2006/main">
   <p:cSld>
@@ -816,7 +994,7 @@
     </p:spTree>
     <p:extLst>
       <p:ext uri="{BB962C8B-B14F-4D97-AF65-F5344CB8AC3E}">
-        <p14:creationId xmlns:p14="http://schemas.microsoft.com/office/powerpoint/2010/main" val="820409598"/>
+        <p14:creationId xmlns:p14="http://schemas.microsoft.com/office/powerpoint/2010/main" val="678979616"/>
       </p:ext>
     </p:extLst>
   </p:cSld>
@@ -904,7 +1082,7 @@
     </p:spTree>
     <p:extLst>
       <p:ext uri="{BB962C8B-B14F-4D97-AF65-F5344CB8AC3E}">
-        <p14:creationId xmlns:p14="http://schemas.microsoft.com/office/powerpoint/2010/main" val="2176086687"/>
+        <p14:creationId xmlns:p14="http://schemas.microsoft.com/office/powerpoint/2010/main" val="820409598"/>
       </p:ext>
     </p:extLst>
   </p:cSld>
@@ -992,7 +1170,7 @@
     </p:spTree>
     <p:extLst>
       <p:ext uri="{BB962C8B-B14F-4D97-AF65-F5344CB8AC3E}">
-        <p14:creationId xmlns:p14="http://schemas.microsoft.com/office/powerpoint/2010/main" val="1478858446"/>
+        <p14:creationId xmlns:p14="http://schemas.microsoft.com/office/powerpoint/2010/main" val="2176086687"/>
       </p:ext>
     </p:extLst>
   </p:cSld>
@@ -1080,7 +1258,7 @@
     </p:spTree>
     <p:extLst>
       <p:ext uri="{BB962C8B-B14F-4D97-AF65-F5344CB8AC3E}">
-        <p14:creationId xmlns:p14="http://schemas.microsoft.com/office/powerpoint/2010/main" val="321744416"/>
+        <p14:creationId xmlns:p14="http://schemas.microsoft.com/office/powerpoint/2010/main" val="1478858446"/>
       </p:ext>
     </p:extLst>
   </p:cSld>
@@ -1159,7 +1337,7 @@
           <a:p>
             <a:fld id="{7DB34C37-C895-434E-BBE2-9A61276AE486}" type="slidenum">
               <a:rPr lang="ko-KR" altLang="en-US" smtClean="0"/>
-              <a:t>10</a:t>
+              <a:t>8</a:t>
             </a:fld>
             <a:endParaRPr lang="ko-KR" altLang="en-US"/>
           </a:p>
@@ -1168,7 +1346,7 @@
     </p:spTree>
     <p:extLst>
       <p:ext uri="{BB962C8B-B14F-4D97-AF65-F5344CB8AC3E}">
-        <p14:creationId xmlns:p14="http://schemas.microsoft.com/office/powerpoint/2010/main" val="1446202111"/>
+        <p14:creationId xmlns:p14="http://schemas.microsoft.com/office/powerpoint/2010/main" val="321744416"/>
       </p:ext>
     </p:extLst>
   </p:cSld>
@@ -1256,7 +1434,7 @@
     </p:spTree>
     <p:extLst>
       <p:ext uri="{BB962C8B-B14F-4D97-AF65-F5344CB8AC3E}">
-        <p14:creationId xmlns:p14="http://schemas.microsoft.com/office/powerpoint/2010/main" val="1540933972"/>
+        <p14:creationId xmlns:p14="http://schemas.microsoft.com/office/powerpoint/2010/main" val="1446202111"/>
       </p:ext>
     </p:extLst>
   </p:cSld>
@@ -1413,7 +1591,7 @@
           <a:p>
             <a:fld id="{EEF404DD-73CD-47E6-A613-3FD5CC73BA8C}" type="datetimeFigureOut">
               <a:rPr lang="ko-KR" altLang="en-US" smtClean="0"/>
-              <a:t>2021-08-20</a:t>
+              <a:t>2021-08-23</a:t>
             </a:fld>
             <a:endParaRPr lang="ko-KR" altLang="en-US"/>
           </a:p>
@@ -1611,7 +1789,7 @@
           <a:p>
             <a:fld id="{EEF404DD-73CD-47E6-A613-3FD5CC73BA8C}" type="datetimeFigureOut">
               <a:rPr lang="ko-KR" altLang="en-US" smtClean="0"/>
-              <a:t>2021-08-20</a:t>
+              <a:t>2021-08-23</a:t>
             </a:fld>
             <a:endParaRPr lang="ko-KR" altLang="en-US"/>
           </a:p>
@@ -1819,7 +1997,7 @@
           <a:p>
             <a:fld id="{EEF404DD-73CD-47E6-A613-3FD5CC73BA8C}" type="datetimeFigureOut">
               <a:rPr lang="ko-KR" altLang="en-US" smtClean="0"/>
-              <a:t>2021-08-20</a:t>
+              <a:t>2021-08-23</a:t>
             </a:fld>
             <a:endParaRPr lang="ko-KR" altLang="en-US"/>
           </a:p>
@@ -5827,7 +6005,7 @@
           <a:p>
             <a:fld id="{EEF404DD-73CD-47E6-A613-3FD5CC73BA8C}" type="datetimeFigureOut">
               <a:rPr lang="ko-KR" altLang="en-US" smtClean="0"/>
-              <a:t>2021-08-20</a:t>
+              <a:t>2021-08-23</a:t>
             </a:fld>
             <a:endParaRPr lang="ko-KR" altLang="en-US"/>
           </a:p>
@@ -6102,7 +6280,7 @@
           <a:p>
             <a:fld id="{EEF404DD-73CD-47E6-A613-3FD5CC73BA8C}" type="datetimeFigureOut">
               <a:rPr lang="ko-KR" altLang="en-US" smtClean="0"/>
-              <a:t>2021-08-20</a:t>
+              <a:t>2021-08-23</a:t>
             </a:fld>
             <a:endParaRPr lang="ko-KR" altLang="en-US"/>
           </a:p>
@@ -6367,7 +6545,7 @@
           <a:p>
             <a:fld id="{EEF404DD-73CD-47E6-A613-3FD5CC73BA8C}" type="datetimeFigureOut">
               <a:rPr lang="ko-KR" altLang="en-US" smtClean="0"/>
-              <a:t>2021-08-20</a:t>
+              <a:t>2021-08-23</a:t>
             </a:fld>
             <a:endParaRPr lang="ko-KR" altLang="en-US"/>
           </a:p>
@@ -6779,7 +6957,7 @@
           <a:p>
             <a:fld id="{EEF404DD-73CD-47E6-A613-3FD5CC73BA8C}" type="datetimeFigureOut">
               <a:rPr lang="ko-KR" altLang="en-US" smtClean="0"/>
-              <a:t>2021-08-20</a:t>
+              <a:t>2021-08-23</a:t>
             </a:fld>
             <a:endParaRPr lang="ko-KR" altLang="en-US"/>
           </a:p>
@@ -6920,7 +7098,7 @@
           <a:p>
             <a:fld id="{EEF404DD-73CD-47E6-A613-3FD5CC73BA8C}" type="datetimeFigureOut">
               <a:rPr lang="ko-KR" altLang="en-US" smtClean="0"/>
-              <a:t>2021-08-20</a:t>
+              <a:t>2021-08-23</a:t>
             </a:fld>
             <a:endParaRPr lang="ko-KR" altLang="en-US"/>
           </a:p>
@@ -7033,7 +7211,7 @@
           <a:p>
             <a:fld id="{EEF404DD-73CD-47E6-A613-3FD5CC73BA8C}" type="datetimeFigureOut">
               <a:rPr lang="ko-KR" altLang="en-US" smtClean="0"/>
-              <a:t>2021-08-20</a:t>
+              <a:t>2021-08-23</a:t>
             </a:fld>
             <a:endParaRPr lang="ko-KR" altLang="en-US"/>
           </a:p>
@@ -7344,7 +7522,7 @@
           <a:p>
             <a:fld id="{EEF404DD-73CD-47E6-A613-3FD5CC73BA8C}" type="datetimeFigureOut">
               <a:rPr lang="ko-KR" altLang="en-US" smtClean="0"/>
-              <a:t>2021-08-20</a:t>
+              <a:t>2021-08-23</a:t>
             </a:fld>
             <a:endParaRPr lang="ko-KR" altLang="en-US"/>
           </a:p>
@@ -7632,7 +7810,7 @@
           <a:p>
             <a:fld id="{EEF404DD-73CD-47E6-A613-3FD5CC73BA8C}" type="datetimeFigureOut">
               <a:rPr lang="ko-KR" altLang="en-US" smtClean="0"/>
-              <a:t>2021-08-20</a:t>
+              <a:t>2021-08-23</a:t>
             </a:fld>
             <a:endParaRPr lang="ko-KR" altLang="en-US"/>
           </a:p>
@@ -7873,7 +8051,7 @@
           <a:p>
             <a:fld id="{EEF404DD-73CD-47E6-A613-3FD5CC73BA8C}" type="datetimeFigureOut">
               <a:rPr lang="ko-KR" altLang="en-US" smtClean="0"/>
-              <a:t>2021-08-20</a:t>
+              <a:t>2021-08-23</a:t>
             </a:fld>
             <a:endParaRPr lang="ko-KR" altLang="en-US"/>
           </a:p>
@@ -12579,6 +12757,1214 @@
       </p:grpSpPr>
       <p:sp>
         <p:nvSpPr>
+          <p:cNvPr id="2" name="텍스트 개체 틀 1">
+            <a:extLst>
+              <a:ext uri="{FF2B5EF4-FFF2-40B4-BE49-F238E27FC236}">
+                <a16:creationId xmlns:a16="http://schemas.microsoft.com/office/drawing/2014/main" id="{43CB7990-13B9-406D-8618-269741DC2243}"/>
+              </a:ext>
+            </a:extLst>
+          </p:cNvPr>
+          <p:cNvSpPr>
+            <a:spLocks noGrp="1"/>
+          </p:cNvSpPr>
+          <p:nvPr>
+            <p:ph type="body" sz="quarter" idx="12"/>
+          </p:nvPr>
+        </p:nvSpPr>
+        <p:spPr/>
+        <p:txBody>
+          <a:bodyPr>
+            <a:normAutofit lnSpcReduction="10000"/>
+          </a:bodyPr>
+          <a:lstStyle/>
+          <a:p>
+            <a:endParaRPr lang="ko-KR" altLang="en-US"/>
+          </a:p>
+        </p:txBody>
+      </p:sp>
+      <p:sp>
+        <p:nvSpPr>
+          <p:cNvPr id="3" name="직사각형 2">
+            <a:extLst>
+              <a:ext uri="{FF2B5EF4-FFF2-40B4-BE49-F238E27FC236}">
+                <a16:creationId xmlns:a16="http://schemas.microsoft.com/office/drawing/2014/main" id="{507B737C-DC42-4C57-BD35-26CA53D63244}"/>
+              </a:ext>
+            </a:extLst>
+          </p:cNvPr>
+          <p:cNvSpPr/>
+          <p:nvPr/>
+        </p:nvSpPr>
+        <p:spPr>
+          <a:xfrm>
+            <a:off x="4166822" y="3759844"/>
+            <a:ext cx="732303" cy="180000"/>
+          </a:xfrm>
+          <a:prstGeom prst="rect">
+            <a:avLst/>
+          </a:prstGeom>
+        </p:spPr>
+        <p:style>
+          <a:lnRef idx="2">
+            <a:schemeClr val="accent1">
+              <a:shade val="50000"/>
+            </a:schemeClr>
+          </a:lnRef>
+          <a:fillRef idx="1">
+            <a:schemeClr val="accent1"/>
+          </a:fillRef>
+          <a:effectRef idx="0">
+            <a:schemeClr val="accent1"/>
+          </a:effectRef>
+          <a:fontRef idx="minor">
+            <a:schemeClr val="lt1"/>
+          </a:fontRef>
+        </p:style>
+        <p:txBody>
+          <a:bodyPr rtlCol="0" anchor="ctr"/>
+          <a:lstStyle/>
+          <a:p>
+            <a:pPr algn="ctr"/>
+            <a:r>
+              <a:rPr lang="ko-KR" altLang="en-US" sz="800" dirty="0"/>
+              <a:t>저장</a:t>
+            </a:r>
+          </a:p>
+        </p:txBody>
+      </p:sp>
+      <p:sp>
+        <p:nvSpPr>
+          <p:cNvPr id="4" name="직사각형 3">
+            <a:extLst>
+              <a:ext uri="{FF2B5EF4-FFF2-40B4-BE49-F238E27FC236}">
+                <a16:creationId xmlns:a16="http://schemas.microsoft.com/office/drawing/2014/main" id="{6820039F-73E1-4DF7-B345-4F436921FF7E}"/>
+              </a:ext>
+            </a:extLst>
+          </p:cNvPr>
+          <p:cNvSpPr/>
+          <p:nvPr/>
+        </p:nvSpPr>
+        <p:spPr>
+          <a:xfrm>
+            <a:off x="3813786" y="3041336"/>
+            <a:ext cx="1788793" cy="180000"/>
+          </a:xfrm>
+          <a:prstGeom prst="rect">
+            <a:avLst/>
+          </a:prstGeom>
+          <a:solidFill>
+            <a:schemeClr val="bg2">
+              <a:lumMod val="90000"/>
+            </a:schemeClr>
+          </a:solidFill>
+        </p:spPr>
+        <p:style>
+          <a:lnRef idx="2">
+            <a:schemeClr val="accent1">
+              <a:shade val="50000"/>
+            </a:schemeClr>
+          </a:lnRef>
+          <a:fillRef idx="1">
+            <a:schemeClr val="accent1"/>
+          </a:fillRef>
+          <a:effectRef idx="0">
+            <a:schemeClr val="accent1"/>
+          </a:effectRef>
+          <a:fontRef idx="minor">
+            <a:schemeClr val="lt1"/>
+          </a:fontRef>
+        </p:style>
+        <p:txBody>
+          <a:bodyPr rtlCol="0" anchor="ctr"/>
+          <a:lstStyle/>
+          <a:p>
+            <a:pPr algn="ctr"/>
+            <a:r>
+              <a:rPr lang="ko-KR" altLang="en-US" sz="800" dirty="0">
+                <a:solidFill>
+                  <a:schemeClr val="tx1"/>
+                </a:solidFill>
+              </a:rPr>
+              <a:t>소속</a:t>
+            </a:r>
+          </a:p>
+        </p:txBody>
+      </p:sp>
+      <p:sp>
+        <p:nvSpPr>
+          <p:cNvPr id="5" name="직사각형 4">
+            <a:extLst>
+              <a:ext uri="{FF2B5EF4-FFF2-40B4-BE49-F238E27FC236}">
+                <a16:creationId xmlns:a16="http://schemas.microsoft.com/office/drawing/2014/main" id="{FC1C7662-A525-4F40-9C8A-44066889A2DA}"/>
+              </a:ext>
+            </a:extLst>
+          </p:cNvPr>
+          <p:cNvSpPr/>
+          <p:nvPr/>
+        </p:nvSpPr>
+        <p:spPr>
+          <a:xfrm>
+            <a:off x="3329531" y="3040551"/>
+            <a:ext cx="467186" cy="180000"/>
+          </a:xfrm>
+          <a:prstGeom prst="rect">
+            <a:avLst/>
+          </a:prstGeom>
+          <a:solidFill>
+            <a:schemeClr val="bg2">
+              <a:lumMod val="90000"/>
+            </a:schemeClr>
+          </a:solidFill>
+        </p:spPr>
+        <p:style>
+          <a:lnRef idx="2">
+            <a:schemeClr val="accent1">
+              <a:shade val="50000"/>
+            </a:schemeClr>
+          </a:lnRef>
+          <a:fillRef idx="1">
+            <a:schemeClr val="accent1"/>
+          </a:fillRef>
+          <a:effectRef idx="0">
+            <a:schemeClr val="accent1"/>
+          </a:effectRef>
+          <a:fontRef idx="minor">
+            <a:schemeClr val="lt1"/>
+          </a:fontRef>
+        </p:style>
+        <p:txBody>
+          <a:bodyPr rtlCol="0" anchor="ctr"/>
+          <a:lstStyle/>
+          <a:p>
+            <a:pPr algn="ctr"/>
+            <a:r>
+              <a:rPr lang="ko-KR" altLang="en-US" sz="800" dirty="0">
+                <a:solidFill>
+                  <a:schemeClr val="tx1"/>
+                </a:solidFill>
+              </a:rPr>
+              <a:t>이름</a:t>
+            </a:r>
+          </a:p>
+        </p:txBody>
+      </p:sp>
+      <p:sp>
+        <p:nvSpPr>
+          <p:cNvPr id="6" name="직사각형 5">
+            <a:extLst>
+              <a:ext uri="{FF2B5EF4-FFF2-40B4-BE49-F238E27FC236}">
+                <a16:creationId xmlns:a16="http://schemas.microsoft.com/office/drawing/2014/main" id="{94C11375-B069-460C-94C8-940453CF352C}"/>
+              </a:ext>
+            </a:extLst>
+          </p:cNvPr>
+          <p:cNvSpPr/>
+          <p:nvPr/>
+        </p:nvSpPr>
+        <p:spPr>
+          <a:xfrm>
+            <a:off x="2556620" y="3026936"/>
+            <a:ext cx="726120" cy="180000"/>
+          </a:xfrm>
+          <a:prstGeom prst="rect">
+            <a:avLst/>
+          </a:prstGeom>
+          <a:noFill/>
+        </p:spPr>
+        <p:style>
+          <a:lnRef idx="2">
+            <a:schemeClr val="accent1">
+              <a:shade val="50000"/>
+            </a:schemeClr>
+          </a:lnRef>
+          <a:fillRef idx="1">
+            <a:schemeClr val="accent1"/>
+          </a:fillRef>
+          <a:effectRef idx="0">
+            <a:schemeClr val="accent1"/>
+          </a:effectRef>
+          <a:fontRef idx="minor">
+            <a:schemeClr val="lt1"/>
+          </a:fontRef>
+        </p:style>
+        <p:txBody>
+          <a:bodyPr rtlCol="0" anchor="ctr"/>
+          <a:lstStyle/>
+          <a:p>
+            <a:pPr algn="ctr"/>
+            <a:r>
+              <a:rPr lang="ko-KR" altLang="en-US" sz="800">
+                <a:solidFill>
+                  <a:schemeClr val="tx1"/>
+                </a:solidFill>
+              </a:rPr>
+              <a:t>사번</a:t>
+            </a:r>
+            <a:endParaRPr lang="ko-KR" altLang="en-US" sz="800" dirty="0">
+              <a:solidFill>
+                <a:schemeClr val="tx1"/>
+              </a:solidFill>
+            </a:endParaRPr>
+          </a:p>
+        </p:txBody>
+      </p:sp>
+      <p:sp>
+        <p:nvSpPr>
+          <p:cNvPr id="7" name="직사각형 6">
+            <a:extLst>
+              <a:ext uri="{FF2B5EF4-FFF2-40B4-BE49-F238E27FC236}">
+                <a16:creationId xmlns:a16="http://schemas.microsoft.com/office/drawing/2014/main" id="{535B9C45-DEF6-425C-A0A0-B189402EEE00}"/>
+              </a:ext>
+            </a:extLst>
+          </p:cNvPr>
+          <p:cNvSpPr/>
+          <p:nvPr/>
+        </p:nvSpPr>
+        <p:spPr>
+          <a:xfrm>
+            <a:off x="5649370" y="3040551"/>
+            <a:ext cx="435018" cy="175327"/>
+          </a:xfrm>
+          <a:prstGeom prst="rect">
+            <a:avLst/>
+          </a:prstGeom>
+        </p:spPr>
+        <p:style>
+          <a:lnRef idx="2">
+            <a:schemeClr val="accent1">
+              <a:shade val="50000"/>
+            </a:schemeClr>
+          </a:lnRef>
+          <a:fillRef idx="1">
+            <a:schemeClr val="accent1"/>
+          </a:fillRef>
+          <a:effectRef idx="0">
+            <a:schemeClr val="accent1"/>
+          </a:effectRef>
+          <a:fontRef idx="minor">
+            <a:schemeClr val="lt1"/>
+          </a:fontRef>
+        </p:style>
+        <p:txBody>
+          <a:bodyPr rtlCol="0" anchor="ctr"/>
+          <a:lstStyle/>
+          <a:p>
+            <a:pPr algn="ctr"/>
+            <a:r>
+              <a:rPr lang="ko-KR" altLang="en-US" sz="800" dirty="0"/>
+              <a:t>찾기</a:t>
+            </a:r>
+          </a:p>
+        </p:txBody>
+      </p:sp>
+      <p:sp>
+        <p:nvSpPr>
+          <p:cNvPr id="8" name="직사각형 7">
+            <a:extLst>
+              <a:ext uri="{FF2B5EF4-FFF2-40B4-BE49-F238E27FC236}">
+                <a16:creationId xmlns:a16="http://schemas.microsoft.com/office/drawing/2014/main" id="{828EFCED-7E47-450B-B9D5-E87DCCCE36CC}"/>
+              </a:ext>
+            </a:extLst>
+          </p:cNvPr>
+          <p:cNvSpPr/>
+          <p:nvPr/>
+        </p:nvSpPr>
+        <p:spPr>
+          <a:xfrm>
+            <a:off x="1664068" y="1805405"/>
+            <a:ext cx="4601718" cy="2331801"/>
+          </a:xfrm>
+          <a:prstGeom prst="rect">
+            <a:avLst/>
+          </a:prstGeom>
+          <a:noFill/>
+        </p:spPr>
+        <p:style>
+          <a:lnRef idx="2">
+            <a:schemeClr val="accent1">
+              <a:shade val="50000"/>
+            </a:schemeClr>
+          </a:lnRef>
+          <a:fillRef idx="1">
+            <a:schemeClr val="accent1"/>
+          </a:fillRef>
+          <a:effectRef idx="0">
+            <a:schemeClr val="accent1"/>
+          </a:effectRef>
+          <a:fontRef idx="minor">
+            <a:schemeClr val="lt1"/>
+          </a:fontRef>
+        </p:style>
+        <p:txBody>
+          <a:bodyPr rtlCol="0" anchor="ctr"/>
+          <a:lstStyle/>
+          <a:p>
+            <a:pPr algn="ctr"/>
+            <a:endParaRPr lang="ko-KR" altLang="en-US"/>
+          </a:p>
+        </p:txBody>
+      </p:sp>
+      <p:sp>
+        <p:nvSpPr>
+          <p:cNvPr id="9" name="직사각형 8">
+            <a:extLst>
+              <a:ext uri="{FF2B5EF4-FFF2-40B4-BE49-F238E27FC236}">
+                <a16:creationId xmlns:a16="http://schemas.microsoft.com/office/drawing/2014/main" id="{557EFC7B-F595-4F9E-91E2-3B8BADBB5280}"/>
+              </a:ext>
+            </a:extLst>
+          </p:cNvPr>
+          <p:cNvSpPr/>
+          <p:nvPr/>
+        </p:nvSpPr>
+        <p:spPr>
+          <a:xfrm>
+            <a:off x="2017938" y="2052893"/>
+            <a:ext cx="531341" cy="173587"/>
+          </a:xfrm>
+          <a:prstGeom prst="rect">
+            <a:avLst/>
+          </a:prstGeom>
+          <a:noFill/>
+          <a:ln>
+            <a:noFill/>
+          </a:ln>
+        </p:spPr>
+        <p:style>
+          <a:lnRef idx="2">
+            <a:schemeClr val="accent1">
+              <a:shade val="50000"/>
+            </a:schemeClr>
+          </a:lnRef>
+          <a:fillRef idx="1">
+            <a:schemeClr val="accent1"/>
+          </a:fillRef>
+          <a:effectRef idx="0">
+            <a:schemeClr val="accent1"/>
+          </a:effectRef>
+          <a:fontRef idx="minor">
+            <a:schemeClr val="lt1"/>
+          </a:fontRef>
+        </p:style>
+        <p:txBody>
+          <a:bodyPr rtlCol="0" anchor="ctr"/>
+          <a:lstStyle/>
+          <a:p>
+            <a:r>
+              <a:rPr lang="ko-KR" altLang="en-US" sz="900" dirty="0">
+                <a:solidFill>
+                  <a:schemeClr val="tx1"/>
+                </a:solidFill>
+              </a:rPr>
+              <a:t>지급일</a:t>
+            </a:r>
+            <a:endParaRPr lang="en-US" altLang="ko-KR" sz="900" b="1" u="sng" dirty="0">
+              <a:solidFill>
+                <a:schemeClr val="tx1"/>
+              </a:solidFill>
+            </a:endParaRPr>
+          </a:p>
+        </p:txBody>
+      </p:sp>
+      <p:sp>
+        <p:nvSpPr>
+          <p:cNvPr id="10" name="직사각형 9">
+            <a:extLst>
+              <a:ext uri="{FF2B5EF4-FFF2-40B4-BE49-F238E27FC236}">
+                <a16:creationId xmlns:a16="http://schemas.microsoft.com/office/drawing/2014/main" id="{0AC6078E-4B08-4736-85FF-93BA5BC02C06}"/>
+              </a:ext>
+            </a:extLst>
+          </p:cNvPr>
+          <p:cNvSpPr/>
+          <p:nvPr/>
+        </p:nvSpPr>
+        <p:spPr>
+          <a:xfrm>
+            <a:off x="2566347" y="2050093"/>
+            <a:ext cx="883693" cy="176387"/>
+          </a:xfrm>
+          <a:prstGeom prst="rect">
+            <a:avLst/>
+          </a:prstGeom>
+          <a:noFill/>
+        </p:spPr>
+        <p:style>
+          <a:lnRef idx="2">
+            <a:schemeClr val="accent1">
+              <a:shade val="50000"/>
+            </a:schemeClr>
+          </a:lnRef>
+          <a:fillRef idx="1">
+            <a:schemeClr val="accent1"/>
+          </a:fillRef>
+          <a:effectRef idx="0">
+            <a:schemeClr val="accent1"/>
+          </a:effectRef>
+          <a:fontRef idx="minor">
+            <a:schemeClr val="lt1"/>
+          </a:fontRef>
+        </p:style>
+        <p:txBody>
+          <a:bodyPr rtlCol="0" anchor="ctr"/>
+          <a:lstStyle/>
+          <a:p>
+            <a:pPr algn="ctr"/>
+            <a:r>
+              <a:rPr lang="en-US" altLang="ko-KR" sz="800" dirty="0">
+                <a:solidFill>
+                  <a:schemeClr val="tx1"/>
+                </a:solidFill>
+              </a:rPr>
+              <a:t>YYYY-MM-DD</a:t>
+            </a:r>
+            <a:endParaRPr lang="ko-KR" altLang="en-US" sz="800" dirty="0">
+              <a:solidFill>
+                <a:schemeClr val="tx1"/>
+              </a:solidFill>
+            </a:endParaRPr>
+          </a:p>
+        </p:txBody>
+      </p:sp>
+      <p:sp>
+        <p:nvSpPr>
+          <p:cNvPr id="12" name="직사각형 11">
+            <a:extLst>
+              <a:ext uri="{FF2B5EF4-FFF2-40B4-BE49-F238E27FC236}">
+                <a16:creationId xmlns:a16="http://schemas.microsoft.com/office/drawing/2014/main" id="{5A6C93AC-BCDE-4A83-9A7F-9E03BDFCF0EF}"/>
+              </a:ext>
+            </a:extLst>
+          </p:cNvPr>
+          <p:cNvSpPr/>
+          <p:nvPr/>
+        </p:nvSpPr>
+        <p:spPr>
+          <a:xfrm>
+            <a:off x="1839498" y="2269273"/>
+            <a:ext cx="709781" cy="171563"/>
+          </a:xfrm>
+          <a:prstGeom prst="rect">
+            <a:avLst/>
+          </a:prstGeom>
+          <a:noFill/>
+          <a:ln>
+            <a:noFill/>
+          </a:ln>
+        </p:spPr>
+        <p:style>
+          <a:lnRef idx="2">
+            <a:schemeClr val="accent1">
+              <a:shade val="50000"/>
+            </a:schemeClr>
+          </a:lnRef>
+          <a:fillRef idx="1">
+            <a:schemeClr val="accent1"/>
+          </a:fillRef>
+          <a:effectRef idx="0">
+            <a:schemeClr val="accent1"/>
+          </a:effectRef>
+          <a:fontRef idx="minor">
+            <a:schemeClr val="lt1"/>
+          </a:fontRef>
+        </p:style>
+        <p:txBody>
+          <a:bodyPr rtlCol="0" anchor="ctr"/>
+          <a:lstStyle/>
+          <a:p>
+            <a:pPr algn="r"/>
+            <a:r>
+              <a:rPr lang="ko-KR" altLang="en-US" sz="900" dirty="0">
+                <a:solidFill>
+                  <a:schemeClr val="tx1"/>
+                </a:solidFill>
+              </a:rPr>
+              <a:t>보호구명</a:t>
+            </a:r>
+            <a:endParaRPr lang="en-US" altLang="ko-KR" sz="900" b="1" u="sng" dirty="0">
+              <a:solidFill>
+                <a:schemeClr val="tx1"/>
+              </a:solidFill>
+            </a:endParaRPr>
+          </a:p>
+        </p:txBody>
+      </p:sp>
+      <p:sp>
+        <p:nvSpPr>
+          <p:cNvPr id="13" name="직사각형 12">
+            <a:extLst>
+              <a:ext uri="{FF2B5EF4-FFF2-40B4-BE49-F238E27FC236}">
+                <a16:creationId xmlns:a16="http://schemas.microsoft.com/office/drawing/2014/main" id="{EF255332-7E40-469E-9FA6-2C1C561F4B94}"/>
+              </a:ext>
+            </a:extLst>
+          </p:cNvPr>
+          <p:cNvSpPr/>
+          <p:nvPr/>
+        </p:nvSpPr>
+        <p:spPr>
+          <a:xfrm>
+            <a:off x="2566347" y="2266473"/>
+            <a:ext cx="2426030" cy="170503"/>
+          </a:xfrm>
+          <a:prstGeom prst="rect">
+            <a:avLst/>
+          </a:prstGeom>
+          <a:noFill/>
+        </p:spPr>
+        <p:style>
+          <a:lnRef idx="2">
+            <a:schemeClr val="accent1">
+              <a:shade val="50000"/>
+            </a:schemeClr>
+          </a:lnRef>
+          <a:fillRef idx="1">
+            <a:schemeClr val="accent1"/>
+          </a:fillRef>
+          <a:effectRef idx="0">
+            <a:schemeClr val="accent1"/>
+          </a:effectRef>
+          <a:fontRef idx="minor">
+            <a:schemeClr val="lt1"/>
+          </a:fontRef>
+        </p:style>
+        <p:txBody>
+          <a:bodyPr rtlCol="0" anchor="ctr"/>
+          <a:lstStyle/>
+          <a:p>
+            <a:pPr algn="ctr"/>
+            <a:r>
+              <a:rPr lang="ko-KR" altLang="en-US" sz="800" dirty="0" err="1">
+                <a:solidFill>
+                  <a:schemeClr val="tx1"/>
+                </a:solidFill>
+              </a:rPr>
+              <a:t>ㅇㅇ</a:t>
+            </a:r>
+            <a:endParaRPr lang="ko-KR" altLang="en-US" sz="800" dirty="0">
+              <a:solidFill>
+                <a:schemeClr val="tx1"/>
+              </a:solidFill>
+            </a:endParaRPr>
+          </a:p>
+        </p:txBody>
+      </p:sp>
+      <p:sp>
+        <p:nvSpPr>
+          <p:cNvPr id="14" name="직사각형 13">
+            <a:extLst>
+              <a:ext uri="{FF2B5EF4-FFF2-40B4-BE49-F238E27FC236}">
+                <a16:creationId xmlns:a16="http://schemas.microsoft.com/office/drawing/2014/main" id="{B59740CC-AF64-4814-AC2A-FC33EB87CBCD}"/>
+              </a:ext>
+            </a:extLst>
+          </p:cNvPr>
+          <p:cNvSpPr/>
+          <p:nvPr/>
+        </p:nvSpPr>
+        <p:spPr>
+          <a:xfrm>
+            <a:off x="1839498" y="2784893"/>
+            <a:ext cx="709781" cy="171563"/>
+          </a:xfrm>
+          <a:prstGeom prst="rect">
+            <a:avLst/>
+          </a:prstGeom>
+          <a:noFill/>
+          <a:ln>
+            <a:noFill/>
+          </a:ln>
+        </p:spPr>
+        <p:style>
+          <a:lnRef idx="2">
+            <a:schemeClr val="accent1">
+              <a:shade val="50000"/>
+            </a:schemeClr>
+          </a:lnRef>
+          <a:fillRef idx="1">
+            <a:schemeClr val="accent1"/>
+          </a:fillRef>
+          <a:effectRef idx="0">
+            <a:schemeClr val="accent1"/>
+          </a:effectRef>
+          <a:fontRef idx="minor">
+            <a:schemeClr val="lt1"/>
+          </a:fontRef>
+        </p:style>
+        <p:txBody>
+          <a:bodyPr rtlCol="0" anchor="ctr"/>
+          <a:lstStyle/>
+          <a:p>
+            <a:pPr algn="r"/>
+            <a:r>
+              <a:rPr lang="ko-KR" altLang="en-US" sz="900" dirty="0">
+                <a:solidFill>
+                  <a:schemeClr val="tx1"/>
+                </a:solidFill>
+              </a:rPr>
+              <a:t>수량</a:t>
+            </a:r>
+            <a:endParaRPr lang="en-US" altLang="ko-KR" sz="900" b="1" u="sng" dirty="0">
+              <a:solidFill>
+                <a:schemeClr val="tx1"/>
+              </a:solidFill>
+            </a:endParaRPr>
+          </a:p>
+        </p:txBody>
+      </p:sp>
+      <p:sp>
+        <p:nvSpPr>
+          <p:cNvPr id="15" name="직사각형 14">
+            <a:extLst>
+              <a:ext uri="{FF2B5EF4-FFF2-40B4-BE49-F238E27FC236}">
+                <a16:creationId xmlns:a16="http://schemas.microsoft.com/office/drawing/2014/main" id="{11493B14-1EBB-4164-A2E6-F18BCE4E4FE8}"/>
+              </a:ext>
+            </a:extLst>
+          </p:cNvPr>
+          <p:cNvSpPr/>
+          <p:nvPr/>
+        </p:nvSpPr>
+        <p:spPr>
+          <a:xfrm>
+            <a:off x="2566347" y="2782093"/>
+            <a:ext cx="433835" cy="174363"/>
+          </a:xfrm>
+          <a:prstGeom prst="rect">
+            <a:avLst/>
+          </a:prstGeom>
+          <a:noFill/>
+        </p:spPr>
+        <p:style>
+          <a:lnRef idx="2">
+            <a:schemeClr val="accent1">
+              <a:shade val="50000"/>
+            </a:schemeClr>
+          </a:lnRef>
+          <a:fillRef idx="1">
+            <a:schemeClr val="accent1"/>
+          </a:fillRef>
+          <a:effectRef idx="0">
+            <a:schemeClr val="accent1"/>
+          </a:effectRef>
+          <a:fontRef idx="minor">
+            <a:schemeClr val="lt1"/>
+          </a:fontRef>
+        </p:style>
+        <p:txBody>
+          <a:bodyPr rtlCol="0" anchor="ctr"/>
+          <a:lstStyle/>
+          <a:p>
+            <a:pPr algn="ctr"/>
+            <a:r>
+              <a:rPr lang="en-US" altLang="ko-KR" sz="800" dirty="0">
+                <a:solidFill>
+                  <a:schemeClr val="tx1"/>
+                </a:solidFill>
+              </a:rPr>
+              <a:t>1</a:t>
+            </a:r>
+            <a:endParaRPr lang="ko-KR" altLang="en-US" sz="800" dirty="0">
+              <a:solidFill>
+                <a:schemeClr val="tx1"/>
+              </a:solidFill>
+            </a:endParaRPr>
+          </a:p>
+        </p:txBody>
+      </p:sp>
+      <p:sp>
+        <p:nvSpPr>
+          <p:cNvPr id="16" name="직사각형 15">
+            <a:extLst>
+              <a:ext uri="{FF2B5EF4-FFF2-40B4-BE49-F238E27FC236}">
+                <a16:creationId xmlns:a16="http://schemas.microsoft.com/office/drawing/2014/main" id="{3001E1D2-E8A3-43DF-9ABD-ED1C88885B28}"/>
+              </a:ext>
+            </a:extLst>
+          </p:cNvPr>
+          <p:cNvSpPr/>
+          <p:nvPr/>
+        </p:nvSpPr>
+        <p:spPr>
+          <a:xfrm>
+            <a:off x="1846839" y="3061079"/>
+            <a:ext cx="709781" cy="171563"/>
+          </a:xfrm>
+          <a:prstGeom prst="rect">
+            <a:avLst/>
+          </a:prstGeom>
+          <a:noFill/>
+          <a:ln>
+            <a:noFill/>
+          </a:ln>
+        </p:spPr>
+        <p:style>
+          <a:lnRef idx="2">
+            <a:schemeClr val="accent1">
+              <a:shade val="50000"/>
+            </a:schemeClr>
+          </a:lnRef>
+          <a:fillRef idx="1">
+            <a:schemeClr val="accent1"/>
+          </a:fillRef>
+          <a:effectRef idx="0">
+            <a:schemeClr val="accent1"/>
+          </a:effectRef>
+          <a:fontRef idx="minor">
+            <a:schemeClr val="lt1"/>
+          </a:fontRef>
+        </p:style>
+        <p:txBody>
+          <a:bodyPr rtlCol="0" anchor="ctr"/>
+          <a:lstStyle/>
+          <a:p>
+            <a:pPr algn="r"/>
+            <a:r>
+              <a:rPr lang="ko-KR" altLang="en-US" sz="900" dirty="0">
+                <a:solidFill>
+                  <a:schemeClr val="tx1"/>
+                </a:solidFill>
+              </a:rPr>
+              <a:t>수령인</a:t>
+            </a:r>
+            <a:endParaRPr lang="en-US" altLang="ko-KR" sz="900" b="1" u="sng" dirty="0">
+              <a:solidFill>
+                <a:schemeClr val="tx1"/>
+              </a:solidFill>
+            </a:endParaRPr>
+          </a:p>
+        </p:txBody>
+      </p:sp>
+      <p:sp>
+        <p:nvSpPr>
+          <p:cNvPr id="17" name="직사각형 16">
+            <a:extLst>
+              <a:ext uri="{FF2B5EF4-FFF2-40B4-BE49-F238E27FC236}">
+                <a16:creationId xmlns:a16="http://schemas.microsoft.com/office/drawing/2014/main" id="{9DCB5045-0139-4BDF-9BBC-50B97213FF05}"/>
+              </a:ext>
+            </a:extLst>
+          </p:cNvPr>
+          <p:cNvSpPr/>
+          <p:nvPr/>
+        </p:nvSpPr>
+        <p:spPr>
+          <a:xfrm>
+            <a:off x="3813786" y="3320382"/>
+            <a:ext cx="1788793" cy="180000"/>
+          </a:xfrm>
+          <a:prstGeom prst="rect">
+            <a:avLst/>
+          </a:prstGeom>
+          <a:solidFill>
+            <a:schemeClr val="bg2">
+              <a:lumMod val="90000"/>
+            </a:schemeClr>
+          </a:solidFill>
+        </p:spPr>
+        <p:style>
+          <a:lnRef idx="2">
+            <a:schemeClr val="accent1">
+              <a:shade val="50000"/>
+            </a:schemeClr>
+          </a:lnRef>
+          <a:fillRef idx="1">
+            <a:schemeClr val="accent1"/>
+          </a:fillRef>
+          <a:effectRef idx="0">
+            <a:schemeClr val="accent1"/>
+          </a:effectRef>
+          <a:fontRef idx="minor">
+            <a:schemeClr val="lt1"/>
+          </a:fontRef>
+        </p:style>
+        <p:txBody>
+          <a:bodyPr rtlCol="0" anchor="ctr"/>
+          <a:lstStyle/>
+          <a:p>
+            <a:pPr algn="ctr"/>
+            <a:r>
+              <a:rPr lang="ko-KR" altLang="en-US" sz="800" dirty="0">
+                <a:solidFill>
+                  <a:schemeClr val="tx1"/>
+                </a:solidFill>
+              </a:rPr>
+              <a:t>소속</a:t>
+            </a:r>
+          </a:p>
+        </p:txBody>
+      </p:sp>
+      <p:sp>
+        <p:nvSpPr>
+          <p:cNvPr id="18" name="직사각형 17">
+            <a:extLst>
+              <a:ext uri="{FF2B5EF4-FFF2-40B4-BE49-F238E27FC236}">
+                <a16:creationId xmlns:a16="http://schemas.microsoft.com/office/drawing/2014/main" id="{409EECA4-7BEA-4ECF-8745-225C32019EDC}"/>
+              </a:ext>
+            </a:extLst>
+          </p:cNvPr>
+          <p:cNvSpPr/>
+          <p:nvPr/>
+        </p:nvSpPr>
+        <p:spPr>
+          <a:xfrm>
+            <a:off x="3329531" y="3319597"/>
+            <a:ext cx="467186" cy="180000"/>
+          </a:xfrm>
+          <a:prstGeom prst="rect">
+            <a:avLst/>
+          </a:prstGeom>
+          <a:solidFill>
+            <a:schemeClr val="bg2">
+              <a:lumMod val="90000"/>
+            </a:schemeClr>
+          </a:solidFill>
+        </p:spPr>
+        <p:style>
+          <a:lnRef idx="2">
+            <a:schemeClr val="accent1">
+              <a:shade val="50000"/>
+            </a:schemeClr>
+          </a:lnRef>
+          <a:fillRef idx="1">
+            <a:schemeClr val="accent1"/>
+          </a:fillRef>
+          <a:effectRef idx="0">
+            <a:schemeClr val="accent1"/>
+          </a:effectRef>
+          <a:fontRef idx="minor">
+            <a:schemeClr val="lt1"/>
+          </a:fontRef>
+        </p:style>
+        <p:txBody>
+          <a:bodyPr rtlCol="0" anchor="ctr"/>
+          <a:lstStyle/>
+          <a:p>
+            <a:pPr algn="ctr"/>
+            <a:r>
+              <a:rPr lang="ko-KR" altLang="en-US" sz="800" dirty="0">
+                <a:solidFill>
+                  <a:schemeClr val="tx1"/>
+                </a:solidFill>
+              </a:rPr>
+              <a:t>이름</a:t>
+            </a:r>
+          </a:p>
+        </p:txBody>
+      </p:sp>
+      <p:sp>
+        <p:nvSpPr>
+          <p:cNvPr id="19" name="직사각형 18">
+            <a:extLst>
+              <a:ext uri="{FF2B5EF4-FFF2-40B4-BE49-F238E27FC236}">
+                <a16:creationId xmlns:a16="http://schemas.microsoft.com/office/drawing/2014/main" id="{D0C30FF1-4FF6-4173-B9EA-D2AF5BA40626}"/>
+              </a:ext>
+            </a:extLst>
+          </p:cNvPr>
+          <p:cNvSpPr/>
+          <p:nvPr/>
+        </p:nvSpPr>
+        <p:spPr>
+          <a:xfrm>
+            <a:off x="2556620" y="3305982"/>
+            <a:ext cx="726120" cy="180000"/>
+          </a:xfrm>
+          <a:prstGeom prst="rect">
+            <a:avLst/>
+          </a:prstGeom>
+          <a:noFill/>
+        </p:spPr>
+        <p:style>
+          <a:lnRef idx="2">
+            <a:schemeClr val="accent1">
+              <a:shade val="50000"/>
+            </a:schemeClr>
+          </a:lnRef>
+          <a:fillRef idx="1">
+            <a:schemeClr val="accent1"/>
+          </a:fillRef>
+          <a:effectRef idx="0">
+            <a:schemeClr val="accent1"/>
+          </a:effectRef>
+          <a:fontRef idx="minor">
+            <a:schemeClr val="lt1"/>
+          </a:fontRef>
+        </p:style>
+        <p:txBody>
+          <a:bodyPr rtlCol="0" anchor="ctr"/>
+          <a:lstStyle/>
+          <a:p>
+            <a:pPr algn="ctr"/>
+            <a:r>
+              <a:rPr lang="ko-KR" altLang="en-US" sz="800">
+                <a:solidFill>
+                  <a:schemeClr val="tx1"/>
+                </a:solidFill>
+              </a:rPr>
+              <a:t>사번</a:t>
+            </a:r>
+            <a:endParaRPr lang="ko-KR" altLang="en-US" sz="800" dirty="0">
+              <a:solidFill>
+                <a:schemeClr val="tx1"/>
+              </a:solidFill>
+            </a:endParaRPr>
+          </a:p>
+        </p:txBody>
+      </p:sp>
+      <p:sp>
+        <p:nvSpPr>
+          <p:cNvPr id="20" name="직사각형 19">
+            <a:extLst>
+              <a:ext uri="{FF2B5EF4-FFF2-40B4-BE49-F238E27FC236}">
+                <a16:creationId xmlns:a16="http://schemas.microsoft.com/office/drawing/2014/main" id="{0F8009C6-A3DC-4C2F-9587-02EB8214CE5C}"/>
+              </a:ext>
+            </a:extLst>
+          </p:cNvPr>
+          <p:cNvSpPr/>
+          <p:nvPr/>
+        </p:nvSpPr>
+        <p:spPr>
+          <a:xfrm>
+            <a:off x="5649370" y="3319597"/>
+            <a:ext cx="435018" cy="175327"/>
+          </a:xfrm>
+          <a:prstGeom prst="rect">
+            <a:avLst/>
+          </a:prstGeom>
+        </p:spPr>
+        <p:style>
+          <a:lnRef idx="2">
+            <a:schemeClr val="accent1">
+              <a:shade val="50000"/>
+            </a:schemeClr>
+          </a:lnRef>
+          <a:fillRef idx="1">
+            <a:schemeClr val="accent1"/>
+          </a:fillRef>
+          <a:effectRef idx="0">
+            <a:schemeClr val="accent1"/>
+          </a:effectRef>
+          <a:fontRef idx="minor">
+            <a:schemeClr val="lt1"/>
+          </a:fontRef>
+        </p:style>
+        <p:txBody>
+          <a:bodyPr rtlCol="0" anchor="ctr"/>
+          <a:lstStyle/>
+          <a:p>
+            <a:pPr algn="ctr"/>
+            <a:r>
+              <a:rPr lang="ko-KR" altLang="en-US" sz="800" dirty="0"/>
+              <a:t>찾기</a:t>
+            </a:r>
+          </a:p>
+        </p:txBody>
+      </p:sp>
+      <p:sp>
+        <p:nvSpPr>
+          <p:cNvPr id="21" name="직사각형 20">
+            <a:extLst>
+              <a:ext uri="{FF2B5EF4-FFF2-40B4-BE49-F238E27FC236}">
+                <a16:creationId xmlns:a16="http://schemas.microsoft.com/office/drawing/2014/main" id="{2C4D4DD3-0F4E-4C57-B5C5-DECCA56E6902}"/>
+              </a:ext>
+            </a:extLst>
+          </p:cNvPr>
+          <p:cNvSpPr/>
+          <p:nvPr/>
+        </p:nvSpPr>
+        <p:spPr>
+          <a:xfrm>
+            <a:off x="1846839" y="3340125"/>
+            <a:ext cx="709781" cy="171563"/>
+          </a:xfrm>
+          <a:prstGeom prst="rect">
+            <a:avLst/>
+          </a:prstGeom>
+          <a:noFill/>
+          <a:ln>
+            <a:noFill/>
+          </a:ln>
+        </p:spPr>
+        <p:style>
+          <a:lnRef idx="2">
+            <a:schemeClr val="accent1">
+              <a:shade val="50000"/>
+            </a:schemeClr>
+          </a:lnRef>
+          <a:fillRef idx="1">
+            <a:schemeClr val="accent1"/>
+          </a:fillRef>
+          <a:effectRef idx="0">
+            <a:schemeClr val="accent1"/>
+          </a:effectRef>
+          <a:fontRef idx="minor">
+            <a:schemeClr val="lt1"/>
+          </a:fontRef>
+        </p:style>
+        <p:txBody>
+          <a:bodyPr rtlCol="0" anchor="ctr"/>
+          <a:lstStyle/>
+          <a:p>
+            <a:pPr algn="r"/>
+            <a:r>
+              <a:rPr lang="ko-KR" altLang="en-US" sz="900" dirty="0">
+                <a:solidFill>
+                  <a:schemeClr val="tx1"/>
+                </a:solidFill>
+              </a:rPr>
+              <a:t>지급담당</a:t>
+            </a:r>
+            <a:endParaRPr lang="en-US" altLang="ko-KR" sz="900" b="1" u="sng" dirty="0">
+              <a:solidFill>
+                <a:schemeClr val="tx1"/>
+              </a:solidFill>
+            </a:endParaRPr>
+          </a:p>
+        </p:txBody>
+      </p:sp>
+      <p:sp>
+        <p:nvSpPr>
+          <p:cNvPr id="22" name="직사각형 21">
+            <a:extLst>
+              <a:ext uri="{FF2B5EF4-FFF2-40B4-BE49-F238E27FC236}">
+                <a16:creationId xmlns:a16="http://schemas.microsoft.com/office/drawing/2014/main" id="{F9C72838-7DDB-4D58-B515-AB2A9F7EE5DF}"/>
+              </a:ext>
+            </a:extLst>
+          </p:cNvPr>
+          <p:cNvSpPr/>
+          <p:nvPr/>
+        </p:nvSpPr>
+        <p:spPr>
+          <a:xfrm>
+            <a:off x="1636637" y="2522261"/>
+            <a:ext cx="902916" cy="174363"/>
+          </a:xfrm>
+          <a:prstGeom prst="rect">
+            <a:avLst/>
+          </a:prstGeom>
+          <a:noFill/>
+          <a:ln>
+            <a:noFill/>
+          </a:ln>
+        </p:spPr>
+        <p:style>
+          <a:lnRef idx="2">
+            <a:schemeClr val="accent1">
+              <a:shade val="50000"/>
+            </a:schemeClr>
+          </a:lnRef>
+          <a:fillRef idx="1">
+            <a:schemeClr val="accent1"/>
+          </a:fillRef>
+          <a:effectRef idx="0">
+            <a:schemeClr val="accent1"/>
+          </a:effectRef>
+          <a:fontRef idx="minor">
+            <a:schemeClr val="lt1"/>
+          </a:fontRef>
+        </p:style>
+        <p:txBody>
+          <a:bodyPr rtlCol="0" anchor="ctr"/>
+          <a:lstStyle/>
+          <a:p>
+            <a:pPr algn="r"/>
+            <a:r>
+              <a:rPr lang="ko-KR" altLang="en-US" sz="900">
+                <a:solidFill>
+                  <a:schemeClr val="tx1"/>
+                </a:solidFill>
+              </a:rPr>
+              <a:t>안전인증번호</a:t>
+            </a:r>
+            <a:endParaRPr lang="en-US" altLang="ko-KR" sz="900" b="1" u="sng" dirty="0">
+              <a:solidFill>
+                <a:schemeClr val="tx1"/>
+              </a:solidFill>
+            </a:endParaRPr>
+          </a:p>
+        </p:txBody>
+      </p:sp>
+      <p:sp>
+        <p:nvSpPr>
+          <p:cNvPr id="23" name="직사각형 22">
+            <a:extLst>
+              <a:ext uri="{FF2B5EF4-FFF2-40B4-BE49-F238E27FC236}">
+                <a16:creationId xmlns:a16="http://schemas.microsoft.com/office/drawing/2014/main" id="{5A725CDD-1536-4139-8DE2-B94B9F80F51A}"/>
+              </a:ext>
+            </a:extLst>
+          </p:cNvPr>
+          <p:cNvSpPr/>
+          <p:nvPr/>
+        </p:nvSpPr>
+        <p:spPr>
+          <a:xfrm>
+            <a:off x="2556620" y="2522261"/>
+            <a:ext cx="2426030" cy="170503"/>
+          </a:xfrm>
+          <a:prstGeom prst="rect">
+            <a:avLst/>
+          </a:prstGeom>
+          <a:noFill/>
+        </p:spPr>
+        <p:style>
+          <a:lnRef idx="2">
+            <a:schemeClr val="accent1">
+              <a:shade val="50000"/>
+            </a:schemeClr>
+          </a:lnRef>
+          <a:fillRef idx="1">
+            <a:schemeClr val="accent1"/>
+          </a:fillRef>
+          <a:effectRef idx="0">
+            <a:schemeClr val="accent1"/>
+          </a:effectRef>
+          <a:fontRef idx="minor">
+            <a:schemeClr val="lt1"/>
+          </a:fontRef>
+        </p:style>
+        <p:txBody>
+          <a:bodyPr rtlCol="0" anchor="ctr"/>
+          <a:lstStyle/>
+          <a:p>
+            <a:pPr algn="ctr"/>
+            <a:r>
+              <a:rPr lang="ko-KR" altLang="en-US" sz="800" dirty="0" err="1">
+                <a:solidFill>
+                  <a:schemeClr val="tx1"/>
+                </a:solidFill>
+              </a:rPr>
+              <a:t>ㅇㅇ</a:t>
+            </a:r>
+            <a:endParaRPr lang="ko-KR" altLang="en-US" sz="800" dirty="0">
+              <a:solidFill>
+                <a:schemeClr val="tx1"/>
+              </a:solidFill>
+            </a:endParaRPr>
+          </a:p>
+        </p:txBody>
+      </p:sp>
+    </p:spTree>
+    <p:extLst>
+      <p:ext uri="{BB962C8B-B14F-4D97-AF65-F5344CB8AC3E}">
+        <p14:creationId xmlns:p14="http://schemas.microsoft.com/office/powerpoint/2010/main" val="1847558677"/>
+      </p:ext>
+    </p:extLst>
+  </p:cSld>
+  <p:clrMapOvr>
+    <a:masterClrMapping/>
+  </p:clrMapOvr>
+</p:sld>
+</file>
+
+<file path=ppt/slides/slide11.xml><?xml version="1.0" encoding="utf-8"?>
+<p:sld xmlns:a="http://schemas.openxmlformats.org/drawingml/2006/main" xmlns:r="http://schemas.openxmlformats.org/officeDocument/2006/relationships" xmlns:p="http://schemas.openxmlformats.org/presentationml/2006/main">
+  <p:cSld>
+    <p:spTree>
+      <p:nvGrpSpPr>
+        <p:cNvPr id="1" name=""/>
+        <p:cNvGrpSpPr/>
+        <p:nvPr/>
+      </p:nvGrpSpPr>
+      <p:grpSpPr>
+        <a:xfrm>
+          <a:off x="0" y="0"/>
+          <a:ext cx="0" cy="0"/>
+          <a:chOff x="0" y="0"/>
+          <a:chExt cx="0" cy="0"/>
+        </a:xfrm>
+      </p:grpSpPr>
+      <p:sp>
+        <p:nvSpPr>
           <p:cNvPr id="54" name="직사각형 53"/>
           <p:cNvSpPr/>
           <p:nvPr/>
@@ -14096,7 +15482,7 @@
 </p:sld>
 </file>
 
-<file path=ppt/slides/slide11.xml><?xml version="1.0" encoding="utf-8"?>
+<file path=ppt/slides/slide12.xml><?xml version="1.0" encoding="utf-8"?>
 <p:sld xmlns:a="http://schemas.openxmlformats.org/drawingml/2006/main" xmlns:r="http://schemas.openxmlformats.org/officeDocument/2006/relationships" xmlns:p="http://schemas.openxmlformats.org/presentationml/2006/main">
   <p:cSld>
     <p:spTree>
@@ -17731,6 +19117,4305 @@
 </p:sld>
 </file>
 
+<file path=ppt/slides/slide13.xml><?xml version="1.0" encoding="utf-8"?>
+<p:sld xmlns:a="http://schemas.openxmlformats.org/drawingml/2006/main" xmlns:r="http://schemas.openxmlformats.org/officeDocument/2006/relationships" xmlns:p="http://schemas.openxmlformats.org/presentationml/2006/main">
+  <p:cSld>
+    <p:spTree>
+      <p:nvGrpSpPr>
+        <p:cNvPr id="1" name=""/>
+        <p:cNvGrpSpPr/>
+        <p:nvPr/>
+      </p:nvGrpSpPr>
+      <p:grpSpPr>
+        <a:xfrm>
+          <a:off x="0" y="0"/>
+          <a:ext cx="0" cy="0"/>
+          <a:chOff x="0" y="0"/>
+          <a:chExt cx="0" cy="0"/>
+        </a:xfrm>
+      </p:grpSpPr>
+      <p:graphicFrame>
+        <p:nvGraphicFramePr>
+          <p:cNvPr id="38" name="표 37"/>
+          <p:cNvGraphicFramePr>
+            <a:graphicFrameLocks noGrp="1"/>
+          </p:cNvGraphicFramePr>
+          <p:nvPr>
+            <p:extLst>
+              <p:ext uri="{D42A27DB-BD31-4B8C-83A1-F6EECF244321}">
+                <p14:modId xmlns:p14="http://schemas.microsoft.com/office/powerpoint/2010/main" val="2261876"/>
+              </p:ext>
+            </p:extLst>
+          </p:nvPr>
+        </p:nvGraphicFramePr>
+        <p:xfrm>
+          <a:off x="332980" y="3238487"/>
+          <a:ext cx="7519807" cy="1117130"/>
+        </p:xfrm>
+        <a:graphic>
+          <a:graphicData uri="http://schemas.openxmlformats.org/drawingml/2006/table">
+            <a:tbl>
+              <a:tblPr firstRow="1" bandRow="1">
+                <a:tableStyleId>{5C22544A-7EE6-4342-B048-85BDC9FD1C3A}</a:tableStyleId>
+              </a:tblPr>
+              <a:tblGrid>
+                <a:gridCol w="1164584">
+                  <a:extLst>
+                    <a:ext uri="{9D8B030D-6E8A-4147-A177-3AD203B41FA5}">
+                      <a16:colId xmlns:a16="http://schemas.microsoft.com/office/drawing/2014/main" val="20001"/>
+                    </a:ext>
+                  </a:extLst>
+                </a:gridCol>
+                <a:gridCol w="769448">
+                  <a:extLst>
+                    <a:ext uri="{9D8B030D-6E8A-4147-A177-3AD203B41FA5}">
+                      <a16:colId xmlns:a16="http://schemas.microsoft.com/office/drawing/2014/main" val="20002"/>
+                    </a:ext>
+                  </a:extLst>
+                </a:gridCol>
+                <a:gridCol w="1509657">
+                  <a:extLst>
+                    <a:ext uri="{9D8B030D-6E8A-4147-A177-3AD203B41FA5}">
+                      <a16:colId xmlns:a16="http://schemas.microsoft.com/office/drawing/2014/main" val="20003"/>
+                    </a:ext>
+                  </a:extLst>
+                </a:gridCol>
+                <a:gridCol w="769448">
+                  <a:extLst>
+                    <a:ext uri="{9D8B030D-6E8A-4147-A177-3AD203B41FA5}">
+                      <a16:colId xmlns:a16="http://schemas.microsoft.com/office/drawing/2014/main" val="20004"/>
+                    </a:ext>
+                  </a:extLst>
+                </a:gridCol>
+                <a:gridCol w="1221481">
+                  <a:extLst>
+                    <a:ext uri="{9D8B030D-6E8A-4147-A177-3AD203B41FA5}">
+                      <a16:colId xmlns:a16="http://schemas.microsoft.com/office/drawing/2014/main" val="20005"/>
+                    </a:ext>
+                  </a:extLst>
+                </a:gridCol>
+                <a:gridCol w="1444473">
+                  <a:extLst>
+                    <a:ext uri="{9D8B030D-6E8A-4147-A177-3AD203B41FA5}">
+                      <a16:colId xmlns:a16="http://schemas.microsoft.com/office/drawing/2014/main" val="20006"/>
+                    </a:ext>
+                  </a:extLst>
+                </a:gridCol>
+                <a:gridCol w="640716">
+                  <a:extLst>
+                    <a:ext uri="{9D8B030D-6E8A-4147-A177-3AD203B41FA5}">
+                      <a16:colId xmlns:a16="http://schemas.microsoft.com/office/drawing/2014/main" val="20007"/>
+                    </a:ext>
+                  </a:extLst>
+                </a:gridCol>
+              </a:tblGrid>
+              <a:tr h="0">
+                <a:tc>
+                  <a:txBody>
+                    <a:bodyPr/>
+                    <a:lstStyle/>
+                    <a:p>
+                      <a:pPr marL="0" marR="0" indent="0" algn="ctr" defTabSz="914400" rtl="0" eaLnBrk="1" fontAlgn="auto" latinLnBrk="1" hangingPunct="1">
+                        <a:lnSpc>
+                          <a:spcPct val="100000"/>
+                        </a:lnSpc>
+                        <a:spcBef>
+                          <a:spcPts val="0"/>
+                        </a:spcBef>
+                        <a:spcAft>
+                          <a:spcPts val="0"/>
+                        </a:spcAft>
+                        <a:buClrTx/>
+                        <a:buSzTx/>
+                        <a:buFontTx/>
+                        <a:buNone/>
+                        <a:tabLst/>
+                        <a:defRPr/>
+                      </a:pPr>
+                      <a:r>
+                        <a:rPr lang="ko-KR" altLang="en-US" sz="900" b="0" dirty="0" err="1">
+                          <a:solidFill>
+                            <a:schemeClr val="tx1"/>
+                          </a:solidFill>
+                        </a:rPr>
+                        <a:t>등록일시</a:t>
+                      </a:r>
+                      <a:endParaRPr lang="ko-KR" altLang="en-US" sz="900" b="0" dirty="0">
+                        <a:solidFill>
+                          <a:schemeClr val="tx1"/>
+                        </a:solidFill>
+                      </a:endParaRPr>
+                    </a:p>
+                  </a:txBody>
+                  <a:tcPr marL="36000" marR="36000" marB="46800" anchor="ctr">
+                    <a:lnL w="3175" cap="flat" cmpd="sng" algn="ctr">
+                      <a:solidFill>
+                        <a:schemeClr val="bg2">
+                          <a:lumMod val="50000"/>
+                        </a:schemeClr>
+                      </a:solidFill>
+                      <a:prstDash val="solid"/>
+                      <a:round/>
+                      <a:headEnd type="none" w="med" len="med"/>
+                      <a:tailEnd type="none" w="med" len="med"/>
+                    </a:lnL>
+                    <a:lnR w="3175" cap="flat" cmpd="sng" algn="ctr">
+                      <a:solidFill>
+                        <a:schemeClr val="bg2">
+                          <a:lumMod val="50000"/>
+                        </a:schemeClr>
+                      </a:solidFill>
+                      <a:prstDash val="solid"/>
+                      <a:round/>
+                      <a:headEnd type="none" w="med" len="med"/>
+                      <a:tailEnd type="none" w="med" len="med"/>
+                    </a:lnR>
+                    <a:lnT w="6350" cap="flat" cmpd="sng" algn="ctr">
+                      <a:solidFill>
+                        <a:schemeClr val="tx1"/>
+                      </a:solidFill>
+                      <a:prstDash val="solid"/>
+                      <a:round/>
+                      <a:headEnd type="none" w="med" len="med"/>
+                      <a:tailEnd type="none" w="med" len="med"/>
+                    </a:lnT>
+                    <a:lnB w="3175" cap="flat" cmpd="sng" algn="ctr">
+                      <a:solidFill>
+                        <a:schemeClr val="bg2">
+                          <a:lumMod val="50000"/>
+                        </a:schemeClr>
+                      </a:solidFill>
+                      <a:prstDash val="solid"/>
+                      <a:round/>
+                      <a:headEnd type="none" w="med" len="med"/>
+                      <a:tailEnd type="none" w="med" len="med"/>
+                    </a:lnB>
+                    <a:solidFill>
+                      <a:schemeClr val="bg2"/>
+                    </a:solidFill>
+                  </a:tcPr>
+                </a:tc>
+                <a:tc>
+                  <a:txBody>
+                    <a:bodyPr/>
+                    <a:lstStyle/>
+                    <a:p>
+                      <a:pPr marL="0" marR="0" indent="0" algn="ctr" defTabSz="914400" rtl="0" eaLnBrk="1" fontAlgn="auto" latinLnBrk="1" hangingPunct="1">
+                        <a:lnSpc>
+                          <a:spcPct val="100000"/>
+                        </a:lnSpc>
+                        <a:spcBef>
+                          <a:spcPts val="0"/>
+                        </a:spcBef>
+                        <a:spcAft>
+                          <a:spcPts val="0"/>
+                        </a:spcAft>
+                        <a:buClrTx/>
+                        <a:buSzTx/>
+                        <a:buFontTx/>
+                        <a:buNone/>
+                        <a:tabLst/>
+                        <a:defRPr/>
+                      </a:pPr>
+                      <a:r>
+                        <a:rPr lang="ko-KR" altLang="en-US" sz="900" b="0" dirty="0">
+                          <a:solidFill>
+                            <a:schemeClr val="tx1"/>
+                          </a:solidFill>
+                        </a:rPr>
+                        <a:t>등록</a:t>
+                      </a:r>
+                      <a:r>
+                        <a:rPr lang="en-US" altLang="ko-KR" sz="900" b="0" dirty="0">
+                          <a:solidFill>
+                            <a:schemeClr val="tx1"/>
+                          </a:solidFill>
+                        </a:rPr>
+                        <a:t>ID</a:t>
+                      </a:r>
+                      <a:endParaRPr lang="ko-KR" altLang="en-US" sz="900" b="0" dirty="0">
+                        <a:solidFill>
+                          <a:schemeClr val="tx1"/>
+                        </a:solidFill>
+                      </a:endParaRPr>
+                    </a:p>
+                  </a:txBody>
+                  <a:tcPr marL="36000" marR="36000" marB="46800" anchor="ctr">
+                    <a:lnL w="3175" cap="flat" cmpd="sng" algn="ctr">
+                      <a:solidFill>
+                        <a:schemeClr val="bg2">
+                          <a:lumMod val="50000"/>
+                        </a:schemeClr>
+                      </a:solidFill>
+                      <a:prstDash val="solid"/>
+                      <a:round/>
+                      <a:headEnd type="none" w="med" len="med"/>
+                      <a:tailEnd type="none" w="med" len="med"/>
+                    </a:lnL>
+                    <a:lnR w="3175" cap="flat" cmpd="sng" algn="ctr">
+                      <a:solidFill>
+                        <a:schemeClr val="bg2">
+                          <a:lumMod val="50000"/>
+                        </a:schemeClr>
+                      </a:solidFill>
+                      <a:prstDash val="solid"/>
+                      <a:round/>
+                      <a:headEnd type="none" w="med" len="med"/>
+                      <a:tailEnd type="none" w="med" len="med"/>
+                    </a:lnR>
+                    <a:lnT w="6350" cap="flat" cmpd="sng" algn="ctr">
+                      <a:solidFill>
+                        <a:schemeClr val="tx1"/>
+                      </a:solidFill>
+                      <a:prstDash val="solid"/>
+                      <a:round/>
+                      <a:headEnd type="none" w="med" len="med"/>
+                      <a:tailEnd type="none" w="med" len="med"/>
+                    </a:lnT>
+                    <a:lnB w="3175" cap="flat" cmpd="sng" algn="ctr">
+                      <a:solidFill>
+                        <a:schemeClr val="bg2">
+                          <a:lumMod val="50000"/>
+                        </a:schemeClr>
+                      </a:solidFill>
+                      <a:prstDash val="solid"/>
+                      <a:round/>
+                      <a:headEnd type="none" w="med" len="med"/>
+                      <a:tailEnd type="none" w="med" len="med"/>
+                    </a:lnB>
+                    <a:solidFill>
+                      <a:schemeClr val="bg2"/>
+                    </a:solidFill>
+                  </a:tcPr>
+                </a:tc>
+                <a:tc>
+                  <a:txBody>
+                    <a:bodyPr/>
+                    <a:lstStyle/>
+                    <a:p>
+                      <a:pPr marL="0" marR="0" indent="0" algn="ctr" defTabSz="914400" rtl="0" eaLnBrk="1" fontAlgn="auto" latinLnBrk="1" hangingPunct="1">
+                        <a:lnSpc>
+                          <a:spcPct val="100000"/>
+                        </a:lnSpc>
+                        <a:spcBef>
+                          <a:spcPts val="0"/>
+                        </a:spcBef>
+                        <a:spcAft>
+                          <a:spcPts val="0"/>
+                        </a:spcAft>
+                        <a:buClrTx/>
+                        <a:buSzTx/>
+                        <a:buFontTx/>
+                        <a:buNone/>
+                        <a:tabLst/>
+                        <a:defRPr/>
+                      </a:pPr>
+                      <a:r>
+                        <a:rPr lang="ko-KR" altLang="en-US" sz="900" b="0" dirty="0">
+                          <a:solidFill>
+                            <a:schemeClr val="tx1"/>
+                          </a:solidFill>
+                        </a:rPr>
+                        <a:t>서류유형</a:t>
+                      </a:r>
+                    </a:p>
+                  </a:txBody>
+                  <a:tcPr marL="36000" marR="36000" marB="46800" anchor="ctr">
+                    <a:lnL w="3175" cap="flat" cmpd="sng" algn="ctr">
+                      <a:solidFill>
+                        <a:schemeClr val="bg2">
+                          <a:lumMod val="50000"/>
+                        </a:schemeClr>
+                      </a:solidFill>
+                      <a:prstDash val="solid"/>
+                      <a:round/>
+                      <a:headEnd type="none" w="med" len="med"/>
+                      <a:tailEnd type="none" w="med" len="med"/>
+                    </a:lnL>
+                    <a:lnR w="6350" cap="flat" cmpd="sng" algn="ctr">
+                      <a:solidFill>
+                        <a:schemeClr val="tx1"/>
+                      </a:solidFill>
+                      <a:prstDash val="solid"/>
+                      <a:round/>
+                      <a:headEnd type="none" w="med" len="med"/>
+                      <a:tailEnd type="none" w="med" len="med"/>
+                    </a:lnR>
+                    <a:lnT w="6350" cap="flat" cmpd="sng" algn="ctr">
+                      <a:solidFill>
+                        <a:schemeClr val="tx1"/>
+                      </a:solidFill>
+                      <a:prstDash val="solid"/>
+                      <a:round/>
+                      <a:headEnd type="none" w="med" len="med"/>
+                      <a:tailEnd type="none" w="med" len="med"/>
+                    </a:lnT>
+                    <a:lnB w="3175" cap="flat" cmpd="sng" algn="ctr">
+                      <a:solidFill>
+                        <a:schemeClr val="bg2">
+                          <a:lumMod val="50000"/>
+                        </a:schemeClr>
+                      </a:solidFill>
+                      <a:prstDash val="solid"/>
+                      <a:round/>
+                      <a:headEnd type="none" w="med" len="med"/>
+                      <a:tailEnd type="none" w="med" len="med"/>
+                    </a:lnB>
+                    <a:solidFill>
+                      <a:schemeClr val="bg2"/>
+                    </a:solidFill>
+                  </a:tcPr>
+                </a:tc>
+                <a:tc>
+                  <a:txBody>
+                    <a:bodyPr/>
+                    <a:lstStyle/>
+                    <a:p>
+                      <a:pPr marL="0" marR="0" indent="0" algn="ctr" defTabSz="914400" rtl="0" eaLnBrk="1" fontAlgn="auto" latinLnBrk="1" hangingPunct="1">
+                        <a:lnSpc>
+                          <a:spcPct val="100000"/>
+                        </a:lnSpc>
+                        <a:spcBef>
+                          <a:spcPts val="0"/>
+                        </a:spcBef>
+                        <a:spcAft>
+                          <a:spcPts val="0"/>
+                        </a:spcAft>
+                        <a:buClrTx/>
+                        <a:buSzTx/>
+                        <a:buFontTx/>
+                        <a:buNone/>
+                        <a:tabLst/>
+                        <a:defRPr/>
+                      </a:pPr>
+                      <a:r>
+                        <a:rPr lang="ko-KR" altLang="en-US" sz="900" b="0" dirty="0" err="1">
+                          <a:solidFill>
+                            <a:schemeClr val="tx1"/>
+                          </a:solidFill>
+                        </a:rPr>
+                        <a:t>등록자사번</a:t>
+                      </a:r>
+                      <a:endParaRPr lang="ko-KR" altLang="en-US" sz="900" b="0" dirty="0">
+                        <a:solidFill>
+                          <a:schemeClr val="tx1"/>
+                        </a:solidFill>
+                      </a:endParaRPr>
+                    </a:p>
+                  </a:txBody>
+                  <a:tcPr marL="36000" marR="36000" marB="46800" anchor="ctr">
+                    <a:lnL w="6350" cap="flat" cmpd="sng" algn="ctr">
+                      <a:solidFill>
+                        <a:schemeClr val="tx1"/>
+                      </a:solidFill>
+                      <a:prstDash val="solid"/>
+                      <a:round/>
+                      <a:headEnd type="none" w="med" len="med"/>
+                      <a:tailEnd type="none" w="med" len="med"/>
+                    </a:lnL>
+                    <a:lnR w="6350" cap="flat" cmpd="sng" algn="ctr">
+                      <a:solidFill>
+                        <a:schemeClr val="tx1"/>
+                      </a:solidFill>
+                      <a:prstDash val="solid"/>
+                      <a:round/>
+                      <a:headEnd type="none" w="med" len="med"/>
+                      <a:tailEnd type="none" w="med" len="med"/>
+                    </a:lnR>
+                    <a:lnT w="6350" cap="flat" cmpd="sng" algn="ctr">
+                      <a:solidFill>
+                        <a:schemeClr val="tx1"/>
+                      </a:solidFill>
+                      <a:prstDash val="solid"/>
+                      <a:round/>
+                      <a:headEnd type="none" w="med" len="med"/>
+                      <a:tailEnd type="none" w="med" len="med"/>
+                    </a:lnT>
+                    <a:lnB w="3175" cap="flat" cmpd="sng" algn="ctr">
+                      <a:solidFill>
+                        <a:schemeClr val="bg2">
+                          <a:lumMod val="50000"/>
+                        </a:schemeClr>
+                      </a:solidFill>
+                      <a:prstDash val="solid"/>
+                      <a:round/>
+                      <a:headEnd type="none" w="med" len="med"/>
+                      <a:tailEnd type="none" w="med" len="med"/>
+                    </a:lnB>
+                    <a:solidFill>
+                      <a:schemeClr val="bg2"/>
+                    </a:solidFill>
+                  </a:tcPr>
+                </a:tc>
+                <a:tc>
+                  <a:txBody>
+                    <a:bodyPr/>
+                    <a:lstStyle/>
+                    <a:p>
+                      <a:pPr marL="0" marR="0" indent="0" algn="ctr" defTabSz="914400" rtl="0" eaLnBrk="1" fontAlgn="auto" latinLnBrk="1" hangingPunct="1">
+                        <a:lnSpc>
+                          <a:spcPct val="100000"/>
+                        </a:lnSpc>
+                        <a:spcBef>
+                          <a:spcPts val="0"/>
+                        </a:spcBef>
+                        <a:spcAft>
+                          <a:spcPts val="0"/>
+                        </a:spcAft>
+                        <a:buClrTx/>
+                        <a:buSzTx/>
+                        <a:buFontTx/>
+                        <a:buNone/>
+                        <a:tabLst/>
+                        <a:defRPr/>
+                      </a:pPr>
+                      <a:r>
+                        <a:rPr lang="ko-KR" altLang="en-US" sz="900" b="0" dirty="0">
+                          <a:solidFill>
+                            <a:schemeClr val="tx1"/>
+                          </a:solidFill>
+                        </a:rPr>
+                        <a:t>등록자 명</a:t>
+                      </a:r>
+                    </a:p>
+                  </a:txBody>
+                  <a:tcPr marL="36000" marR="36000" marB="46800" anchor="ctr">
+                    <a:lnL w="6350" cap="flat" cmpd="sng" algn="ctr">
+                      <a:solidFill>
+                        <a:schemeClr val="tx1"/>
+                      </a:solidFill>
+                      <a:prstDash val="solid"/>
+                      <a:round/>
+                      <a:headEnd type="none" w="med" len="med"/>
+                      <a:tailEnd type="none" w="med" len="med"/>
+                    </a:lnL>
+                    <a:lnR w="6350" cap="flat" cmpd="sng" algn="ctr">
+                      <a:solidFill>
+                        <a:schemeClr val="tx1"/>
+                      </a:solidFill>
+                      <a:prstDash val="solid"/>
+                      <a:round/>
+                      <a:headEnd type="none" w="med" len="med"/>
+                      <a:tailEnd type="none" w="med" len="med"/>
+                    </a:lnR>
+                    <a:lnT w="6350" cap="flat" cmpd="sng" algn="ctr">
+                      <a:solidFill>
+                        <a:schemeClr val="tx1"/>
+                      </a:solidFill>
+                      <a:prstDash val="solid"/>
+                      <a:round/>
+                      <a:headEnd type="none" w="med" len="med"/>
+                      <a:tailEnd type="none" w="med" len="med"/>
+                    </a:lnT>
+                    <a:lnB w="3175" cap="flat" cmpd="sng" algn="ctr">
+                      <a:solidFill>
+                        <a:schemeClr val="bg2">
+                          <a:lumMod val="50000"/>
+                        </a:schemeClr>
+                      </a:solidFill>
+                      <a:prstDash val="solid"/>
+                      <a:round/>
+                      <a:headEnd type="none" w="med" len="med"/>
+                      <a:tailEnd type="none" w="med" len="med"/>
+                    </a:lnB>
+                    <a:solidFill>
+                      <a:schemeClr val="bg2"/>
+                    </a:solidFill>
+                  </a:tcPr>
+                </a:tc>
+                <a:tc>
+                  <a:txBody>
+                    <a:bodyPr/>
+                    <a:lstStyle/>
+                    <a:p>
+                      <a:pPr marL="0" marR="0" indent="0" algn="ctr" defTabSz="914400" rtl="0" eaLnBrk="1" fontAlgn="auto" latinLnBrk="1" hangingPunct="1">
+                        <a:lnSpc>
+                          <a:spcPct val="100000"/>
+                        </a:lnSpc>
+                        <a:spcBef>
+                          <a:spcPts val="0"/>
+                        </a:spcBef>
+                        <a:spcAft>
+                          <a:spcPts val="0"/>
+                        </a:spcAft>
+                        <a:buClrTx/>
+                        <a:buSzTx/>
+                        <a:buFontTx/>
+                        <a:buNone/>
+                        <a:tabLst/>
+                        <a:defRPr/>
+                      </a:pPr>
+                      <a:r>
+                        <a:rPr lang="ko-KR" altLang="en-US" sz="900" b="0" dirty="0">
+                          <a:solidFill>
+                            <a:schemeClr val="tx1"/>
+                          </a:solidFill>
+                        </a:rPr>
+                        <a:t>소속</a:t>
+                      </a:r>
+                    </a:p>
+                  </a:txBody>
+                  <a:tcPr marL="36000" marR="36000" marB="46800" anchor="ctr">
+                    <a:lnL w="6350" cap="flat" cmpd="sng" algn="ctr">
+                      <a:solidFill>
+                        <a:schemeClr val="tx1"/>
+                      </a:solidFill>
+                      <a:prstDash val="solid"/>
+                      <a:round/>
+                      <a:headEnd type="none" w="med" len="med"/>
+                      <a:tailEnd type="none" w="med" len="med"/>
+                    </a:lnL>
+                    <a:lnR w="6350" cap="flat" cmpd="sng" algn="ctr">
+                      <a:solidFill>
+                        <a:schemeClr val="tx1"/>
+                      </a:solidFill>
+                      <a:prstDash val="solid"/>
+                      <a:round/>
+                      <a:headEnd type="none" w="med" len="med"/>
+                      <a:tailEnd type="none" w="med" len="med"/>
+                    </a:lnR>
+                    <a:lnT w="6350" cap="flat" cmpd="sng" algn="ctr">
+                      <a:solidFill>
+                        <a:schemeClr val="tx1"/>
+                      </a:solidFill>
+                      <a:prstDash val="solid"/>
+                      <a:round/>
+                      <a:headEnd type="none" w="med" len="med"/>
+                      <a:tailEnd type="none" w="med" len="med"/>
+                    </a:lnT>
+                    <a:lnB w="3175" cap="flat" cmpd="sng" algn="ctr">
+                      <a:solidFill>
+                        <a:schemeClr val="bg2">
+                          <a:lumMod val="50000"/>
+                        </a:schemeClr>
+                      </a:solidFill>
+                      <a:prstDash val="solid"/>
+                      <a:round/>
+                      <a:headEnd type="none" w="med" len="med"/>
+                      <a:tailEnd type="none" w="med" len="med"/>
+                    </a:lnB>
+                    <a:solidFill>
+                      <a:schemeClr val="bg2"/>
+                    </a:solidFill>
+                  </a:tcPr>
+                </a:tc>
+                <a:tc>
+                  <a:txBody>
+                    <a:bodyPr/>
+                    <a:lstStyle/>
+                    <a:p>
+                      <a:pPr marL="0" marR="0" indent="0" algn="ctr" defTabSz="914400" rtl="0" eaLnBrk="1" fontAlgn="auto" latinLnBrk="1" hangingPunct="1">
+                        <a:lnSpc>
+                          <a:spcPct val="100000"/>
+                        </a:lnSpc>
+                        <a:spcBef>
+                          <a:spcPts val="0"/>
+                        </a:spcBef>
+                        <a:spcAft>
+                          <a:spcPts val="0"/>
+                        </a:spcAft>
+                        <a:buClrTx/>
+                        <a:buSzTx/>
+                        <a:buFontTx/>
+                        <a:buNone/>
+                        <a:tabLst/>
+                        <a:defRPr/>
+                      </a:pPr>
+                      <a:r>
+                        <a:rPr lang="ko-KR" altLang="en-US" sz="900" b="0" dirty="0">
+                          <a:solidFill>
+                            <a:schemeClr val="tx1"/>
+                          </a:solidFill>
+                        </a:rPr>
+                        <a:t>진행상태</a:t>
+                      </a:r>
+                      <a:endParaRPr lang="en-US" altLang="ko-KR" sz="900" b="0" dirty="0">
+                        <a:solidFill>
+                          <a:schemeClr val="tx1"/>
+                        </a:solidFill>
+                      </a:endParaRPr>
+                    </a:p>
+                  </a:txBody>
+                  <a:tcPr marL="36000" marR="36000" marB="46800" anchor="ctr">
+                    <a:lnL w="6350" cap="flat" cmpd="sng" algn="ctr">
+                      <a:solidFill>
+                        <a:schemeClr val="tx1"/>
+                      </a:solidFill>
+                      <a:prstDash val="solid"/>
+                      <a:round/>
+                      <a:headEnd type="none" w="med" len="med"/>
+                      <a:tailEnd type="none" w="med" len="med"/>
+                    </a:lnL>
+                    <a:lnR w="6350" cap="flat" cmpd="sng" algn="ctr">
+                      <a:solidFill>
+                        <a:schemeClr val="tx1"/>
+                      </a:solidFill>
+                      <a:prstDash val="solid"/>
+                      <a:round/>
+                      <a:headEnd type="none" w="med" len="med"/>
+                      <a:tailEnd type="none" w="med" len="med"/>
+                    </a:lnR>
+                    <a:lnT w="6350" cap="flat" cmpd="sng" algn="ctr">
+                      <a:solidFill>
+                        <a:schemeClr val="tx1"/>
+                      </a:solidFill>
+                      <a:prstDash val="solid"/>
+                      <a:round/>
+                      <a:headEnd type="none" w="med" len="med"/>
+                      <a:tailEnd type="none" w="med" len="med"/>
+                    </a:lnT>
+                    <a:lnB w="3175" cap="flat" cmpd="sng" algn="ctr">
+                      <a:solidFill>
+                        <a:schemeClr val="bg2">
+                          <a:lumMod val="50000"/>
+                        </a:schemeClr>
+                      </a:solidFill>
+                      <a:prstDash val="solid"/>
+                      <a:round/>
+                      <a:headEnd type="none" w="med" len="med"/>
+                      <a:tailEnd type="none" w="med" len="med"/>
+                    </a:lnB>
+                    <a:solidFill>
+                      <a:schemeClr val="bg2"/>
+                    </a:solidFill>
+                  </a:tcPr>
+                </a:tc>
+                <a:extLst>
+                  <a:ext uri="{0D108BD9-81ED-4DB2-BD59-A6C34878D82A}">
+                    <a16:rowId xmlns:a16="http://schemas.microsoft.com/office/drawing/2014/main" val="10000"/>
+                  </a:ext>
+                </a:extLst>
+              </a:tr>
+              <a:tr h="201650">
+                <a:tc>
+                  <a:txBody>
+                    <a:bodyPr/>
+                    <a:lstStyle/>
+                    <a:p>
+                      <a:pPr marL="0" marR="0" indent="0" algn="ctr" defTabSz="914400" rtl="0" eaLnBrk="1" fontAlgn="auto" latinLnBrk="1" hangingPunct="1">
+                        <a:lnSpc>
+                          <a:spcPct val="100000"/>
+                        </a:lnSpc>
+                        <a:spcBef>
+                          <a:spcPts val="0"/>
+                        </a:spcBef>
+                        <a:spcAft>
+                          <a:spcPts val="0"/>
+                        </a:spcAft>
+                        <a:buClrTx/>
+                        <a:buSzTx/>
+                        <a:buFontTx/>
+                        <a:buNone/>
+                        <a:tabLst/>
+                        <a:defRPr/>
+                      </a:pPr>
+                      <a:r>
+                        <a:rPr lang="en-US" altLang="ko-KR" sz="900" b="0" dirty="0">
+                          <a:solidFill>
+                            <a:schemeClr val="tx1"/>
+                          </a:solidFill>
+                        </a:rPr>
+                        <a:t>2020-01-02 23:00</a:t>
+                      </a:r>
+                      <a:endParaRPr lang="ko-KR" altLang="en-US" sz="900" b="0" dirty="0"/>
+                    </a:p>
+                  </a:txBody>
+                  <a:tcPr marL="36000" marR="36000" marB="0">
+                    <a:lnL w="3175" cap="flat" cmpd="sng" algn="ctr">
+                      <a:solidFill>
+                        <a:schemeClr val="bg2">
+                          <a:lumMod val="50000"/>
+                        </a:schemeClr>
+                      </a:solidFill>
+                      <a:prstDash val="solid"/>
+                      <a:round/>
+                      <a:headEnd type="none" w="med" len="med"/>
+                      <a:tailEnd type="none" w="med" len="med"/>
+                    </a:lnL>
+                    <a:lnR w="3175" cap="flat" cmpd="sng" algn="ctr">
+                      <a:solidFill>
+                        <a:schemeClr val="bg2">
+                          <a:lumMod val="50000"/>
+                        </a:schemeClr>
+                      </a:solidFill>
+                      <a:prstDash val="solid"/>
+                      <a:round/>
+                      <a:headEnd type="none" w="med" len="med"/>
+                      <a:tailEnd type="none" w="med" len="med"/>
+                    </a:lnR>
+                    <a:lnT w="3175" cap="flat" cmpd="sng" algn="ctr">
+                      <a:solidFill>
+                        <a:schemeClr val="bg2">
+                          <a:lumMod val="50000"/>
+                        </a:schemeClr>
+                      </a:solidFill>
+                      <a:prstDash val="solid"/>
+                      <a:round/>
+                      <a:headEnd type="none" w="med" len="med"/>
+                      <a:tailEnd type="none" w="med" len="med"/>
+                    </a:lnT>
+                    <a:lnB w="3175" cap="flat" cmpd="sng" algn="ctr">
+                      <a:solidFill>
+                        <a:schemeClr val="bg2">
+                          <a:lumMod val="50000"/>
+                        </a:schemeClr>
+                      </a:solidFill>
+                      <a:prstDash val="solid"/>
+                      <a:round/>
+                      <a:headEnd type="none" w="med" len="med"/>
+                      <a:tailEnd type="none" w="med" len="med"/>
+                    </a:lnB>
+                    <a:solidFill>
+                      <a:schemeClr val="bg1"/>
+                    </a:solidFill>
+                  </a:tcPr>
+                </a:tc>
+                <a:tc>
+                  <a:txBody>
+                    <a:bodyPr/>
+                    <a:lstStyle/>
+                    <a:p>
+                      <a:pPr algn="ctr" latinLnBrk="1"/>
+                      <a:r>
+                        <a:rPr lang="en-US" altLang="ko-KR" sz="900" b="0" u="none" dirty="0">
+                          <a:solidFill>
+                            <a:schemeClr val="tx1"/>
+                          </a:solidFill>
+                        </a:rPr>
+                        <a:t>123456789</a:t>
+                      </a:r>
+                      <a:endParaRPr lang="ko-KR" altLang="en-US" sz="900" b="0" u="none" dirty="0">
+                        <a:solidFill>
+                          <a:schemeClr val="tx1"/>
+                        </a:solidFill>
+                      </a:endParaRPr>
+                    </a:p>
+                  </a:txBody>
+                  <a:tcPr marL="36000" marR="36000" marB="0">
+                    <a:lnL w="3175" cap="flat" cmpd="sng" algn="ctr">
+                      <a:solidFill>
+                        <a:schemeClr val="bg2">
+                          <a:lumMod val="50000"/>
+                        </a:schemeClr>
+                      </a:solidFill>
+                      <a:prstDash val="solid"/>
+                      <a:round/>
+                      <a:headEnd type="none" w="med" len="med"/>
+                      <a:tailEnd type="none" w="med" len="med"/>
+                    </a:lnL>
+                    <a:lnR w="3175" cap="flat" cmpd="sng" algn="ctr">
+                      <a:solidFill>
+                        <a:schemeClr val="bg2">
+                          <a:lumMod val="50000"/>
+                        </a:schemeClr>
+                      </a:solidFill>
+                      <a:prstDash val="solid"/>
+                      <a:round/>
+                      <a:headEnd type="none" w="med" len="med"/>
+                      <a:tailEnd type="none" w="med" len="med"/>
+                    </a:lnR>
+                    <a:lnT w="3175" cap="flat" cmpd="sng" algn="ctr">
+                      <a:solidFill>
+                        <a:schemeClr val="bg2">
+                          <a:lumMod val="50000"/>
+                        </a:schemeClr>
+                      </a:solidFill>
+                      <a:prstDash val="solid"/>
+                      <a:round/>
+                      <a:headEnd type="none" w="med" len="med"/>
+                      <a:tailEnd type="none" w="med" len="med"/>
+                    </a:lnT>
+                    <a:lnB w="3175" cap="flat" cmpd="sng" algn="ctr">
+                      <a:solidFill>
+                        <a:schemeClr val="bg2">
+                          <a:lumMod val="50000"/>
+                        </a:schemeClr>
+                      </a:solidFill>
+                      <a:prstDash val="solid"/>
+                      <a:round/>
+                      <a:headEnd type="none" w="med" len="med"/>
+                      <a:tailEnd type="none" w="med" len="med"/>
+                    </a:lnB>
+                    <a:solidFill>
+                      <a:schemeClr val="bg1"/>
+                    </a:solidFill>
+                  </a:tcPr>
+                </a:tc>
+                <a:tc>
+                  <a:txBody>
+                    <a:bodyPr/>
+                    <a:lstStyle/>
+                    <a:p>
+                      <a:pPr algn="ctr" latinLnBrk="1"/>
+                      <a:r>
+                        <a:rPr lang="en-US" altLang="ko-KR" sz="900" b="0" dirty="0"/>
+                        <a:t>XXXXXXXXXXXXXXXXXX</a:t>
+                      </a:r>
+                      <a:endParaRPr lang="ko-KR" altLang="en-US" sz="900" b="0" dirty="0"/>
+                    </a:p>
+                  </a:txBody>
+                  <a:tcPr marL="36000" marR="36000" marB="0">
+                    <a:lnL w="3175" cap="flat" cmpd="sng" algn="ctr">
+                      <a:solidFill>
+                        <a:schemeClr val="bg2">
+                          <a:lumMod val="50000"/>
+                        </a:schemeClr>
+                      </a:solidFill>
+                      <a:prstDash val="solid"/>
+                      <a:round/>
+                      <a:headEnd type="none" w="med" len="med"/>
+                      <a:tailEnd type="none" w="med" len="med"/>
+                    </a:lnL>
+                    <a:lnR w="6350" cap="flat" cmpd="sng" algn="ctr">
+                      <a:solidFill>
+                        <a:schemeClr val="tx1"/>
+                      </a:solidFill>
+                      <a:prstDash val="solid"/>
+                      <a:round/>
+                      <a:headEnd type="none" w="med" len="med"/>
+                      <a:tailEnd type="none" w="med" len="med"/>
+                    </a:lnR>
+                    <a:lnT w="3175" cap="flat" cmpd="sng" algn="ctr">
+                      <a:solidFill>
+                        <a:schemeClr val="bg2">
+                          <a:lumMod val="50000"/>
+                        </a:schemeClr>
+                      </a:solidFill>
+                      <a:prstDash val="solid"/>
+                      <a:round/>
+                      <a:headEnd type="none" w="med" len="med"/>
+                      <a:tailEnd type="none" w="med" len="med"/>
+                    </a:lnT>
+                    <a:lnB w="3175" cap="flat" cmpd="sng" algn="ctr">
+                      <a:solidFill>
+                        <a:schemeClr val="bg2">
+                          <a:lumMod val="50000"/>
+                        </a:schemeClr>
+                      </a:solidFill>
+                      <a:prstDash val="solid"/>
+                      <a:round/>
+                      <a:headEnd type="none" w="med" len="med"/>
+                      <a:tailEnd type="none" w="med" len="med"/>
+                    </a:lnB>
+                    <a:solidFill>
+                      <a:schemeClr val="bg1"/>
+                    </a:solidFill>
+                  </a:tcPr>
+                </a:tc>
+                <a:tc>
+                  <a:txBody>
+                    <a:bodyPr/>
+                    <a:lstStyle/>
+                    <a:p>
+                      <a:pPr algn="ctr" latinLnBrk="1"/>
+                      <a:r>
+                        <a:rPr lang="en-US" altLang="ko-KR" sz="900" b="0" dirty="0"/>
+                        <a:t>11010101</a:t>
+                      </a:r>
+                      <a:endParaRPr lang="ko-KR" altLang="en-US" sz="900" b="0" dirty="0"/>
+                    </a:p>
+                  </a:txBody>
+                  <a:tcPr marL="36000" marR="36000" marB="0">
+                    <a:lnL w="6350" cap="flat" cmpd="sng" algn="ctr">
+                      <a:solidFill>
+                        <a:schemeClr val="tx1"/>
+                      </a:solidFill>
+                      <a:prstDash val="solid"/>
+                      <a:round/>
+                      <a:headEnd type="none" w="med" len="med"/>
+                      <a:tailEnd type="none" w="med" len="med"/>
+                    </a:lnL>
+                    <a:lnR w="6350" cap="flat" cmpd="sng" algn="ctr">
+                      <a:solidFill>
+                        <a:schemeClr val="tx1"/>
+                      </a:solidFill>
+                      <a:prstDash val="solid"/>
+                      <a:round/>
+                      <a:headEnd type="none" w="med" len="med"/>
+                      <a:tailEnd type="none" w="med" len="med"/>
+                    </a:lnR>
+                    <a:lnT w="3175" cap="flat" cmpd="sng" algn="ctr">
+                      <a:solidFill>
+                        <a:schemeClr val="bg2">
+                          <a:lumMod val="50000"/>
+                        </a:schemeClr>
+                      </a:solidFill>
+                      <a:prstDash val="solid"/>
+                      <a:round/>
+                      <a:headEnd type="none" w="med" len="med"/>
+                      <a:tailEnd type="none" w="med" len="med"/>
+                    </a:lnT>
+                    <a:lnB w="3175" cap="flat" cmpd="sng" algn="ctr">
+                      <a:solidFill>
+                        <a:schemeClr val="bg2">
+                          <a:lumMod val="50000"/>
+                        </a:schemeClr>
+                      </a:solidFill>
+                      <a:prstDash val="solid"/>
+                      <a:round/>
+                      <a:headEnd type="none" w="med" len="med"/>
+                      <a:tailEnd type="none" w="med" len="med"/>
+                    </a:lnB>
+                    <a:solidFill>
+                      <a:schemeClr val="bg1"/>
+                    </a:solidFill>
+                  </a:tcPr>
+                </a:tc>
+                <a:tc>
+                  <a:txBody>
+                    <a:bodyPr/>
+                    <a:lstStyle/>
+                    <a:p>
+                      <a:pPr algn="ctr" latinLnBrk="1"/>
+                      <a:r>
+                        <a:rPr lang="ko-KR" altLang="en-US" sz="900" b="0" dirty="0"/>
+                        <a:t>홍길동</a:t>
+                      </a:r>
+                    </a:p>
+                  </a:txBody>
+                  <a:tcPr marL="36000" marR="36000" marB="0">
+                    <a:lnL w="6350" cap="flat" cmpd="sng" algn="ctr">
+                      <a:solidFill>
+                        <a:schemeClr val="tx1"/>
+                      </a:solidFill>
+                      <a:prstDash val="solid"/>
+                      <a:round/>
+                      <a:headEnd type="none" w="med" len="med"/>
+                      <a:tailEnd type="none" w="med" len="med"/>
+                    </a:lnL>
+                    <a:lnR w="6350" cap="flat" cmpd="sng" algn="ctr">
+                      <a:solidFill>
+                        <a:schemeClr val="tx1"/>
+                      </a:solidFill>
+                      <a:prstDash val="solid"/>
+                      <a:round/>
+                      <a:headEnd type="none" w="med" len="med"/>
+                      <a:tailEnd type="none" w="med" len="med"/>
+                    </a:lnR>
+                    <a:lnT w="3175" cap="flat" cmpd="sng" algn="ctr">
+                      <a:solidFill>
+                        <a:schemeClr val="bg2">
+                          <a:lumMod val="50000"/>
+                        </a:schemeClr>
+                      </a:solidFill>
+                      <a:prstDash val="solid"/>
+                      <a:round/>
+                      <a:headEnd type="none" w="med" len="med"/>
+                      <a:tailEnd type="none" w="med" len="med"/>
+                    </a:lnT>
+                    <a:lnB w="3175" cap="flat" cmpd="sng" algn="ctr">
+                      <a:solidFill>
+                        <a:schemeClr val="bg2">
+                          <a:lumMod val="50000"/>
+                        </a:schemeClr>
+                      </a:solidFill>
+                      <a:prstDash val="solid"/>
+                      <a:round/>
+                      <a:headEnd type="none" w="med" len="med"/>
+                      <a:tailEnd type="none" w="med" len="med"/>
+                    </a:lnB>
+                    <a:solidFill>
+                      <a:schemeClr val="bg1"/>
+                    </a:solidFill>
+                  </a:tcPr>
+                </a:tc>
+                <a:tc>
+                  <a:txBody>
+                    <a:bodyPr/>
+                    <a:lstStyle/>
+                    <a:p>
+                      <a:pPr algn="ctr" latinLnBrk="1"/>
+                      <a:r>
+                        <a:rPr lang="ko-KR" altLang="en-US" sz="900" b="0" dirty="0" err="1"/>
+                        <a:t>ㅇㅇㅇㅇㅇ</a:t>
+                      </a:r>
+                      <a:r>
+                        <a:rPr lang="en-US" altLang="ko-KR" sz="900" b="0" dirty="0"/>
+                        <a:t>&gt;</a:t>
+                      </a:r>
+                      <a:r>
+                        <a:rPr lang="ko-KR" altLang="en-US" sz="900" b="0" dirty="0" err="1"/>
+                        <a:t>ㅇㅇㅇㅇㅇ</a:t>
+                      </a:r>
+                      <a:endParaRPr lang="ko-KR" altLang="en-US" sz="900" b="0" dirty="0"/>
+                    </a:p>
+                  </a:txBody>
+                  <a:tcPr marL="36000" marR="36000" marB="0">
+                    <a:lnL w="6350" cap="flat" cmpd="sng" algn="ctr">
+                      <a:solidFill>
+                        <a:schemeClr val="tx1"/>
+                      </a:solidFill>
+                      <a:prstDash val="solid"/>
+                      <a:round/>
+                      <a:headEnd type="none" w="med" len="med"/>
+                      <a:tailEnd type="none" w="med" len="med"/>
+                    </a:lnL>
+                    <a:lnR w="6350" cap="flat" cmpd="sng" algn="ctr">
+                      <a:solidFill>
+                        <a:schemeClr val="tx1"/>
+                      </a:solidFill>
+                      <a:prstDash val="solid"/>
+                      <a:round/>
+                      <a:headEnd type="none" w="med" len="med"/>
+                      <a:tailEnd type="none" w="med" len="med"/>
+                    </a:lnR>
+                    <a:lnT w="3175" cap="flat" cmpd="sng" algn="ctr">
+                      <a:solidFill>
+                        <a:schemeClr val="bg2">
+                          <a:lumMod val="50000"/>
+                        </a:schemeClr>
+                      </a:solidFill>
+                      <a:prstDash val="solid"/>
+                      <a:round/>
+                      <a:headEnd type="none" w="med" len="med"/>
+                      <a:tailEnd type="none" w="med" len="med"/>
+                    </a:lnT>
+                    <a:lnB w="3175" cap="flat" cmpd="sng" algn="ctr">
+                      <a:solidFill>
+                        <a:schemeClr val="bg2">
+                          <a:lumMod val="50000"/>
+                        </a:schemeClr>
+                      </a:solidFill>
+                      <a:prstDash val="solid"/>
+                      <a:round/>
+                      <a:headEnd type="none" w="med" len="med"/>
+                      <a:tailEnd type="none" w="med" len="med"/>
+                    </a:lnB>
+                    <a:solidFill>
+                      <a:schemeClr val="bg1"/>
+                    </a:solidFill>
+                  </a:tcPr>
+                </a:tc>
+                <a:tc>
+                  <a:txBody>
+                    <a:bodyPr/>
+                    <a:lstStyle/>
+                    <a:p>
+                      <a:pPr algn="ctr" latinLnBrk="1"/>
+                      <a:r>
+                        <a:rPr lang="ko-KR" altLang="en-US" sz="900" b="0" dirty="0" err="1"/>
+                        <a:t>작성중</a:t>
+                      </a:r>
+                      <a:endParaRPr lang="ko-KR" altLang="en-US" sz="900" b="0" dirty="0"/>
+                    </a:p>
+                  </a:txBody>
+                  <a:tcPr marL="36000" marR="36000" marB="0">
+                    <a:lnL w="6350" cap="flat" cmpd="sng" algn="ctr">
+                      <a:solidFill>
+                        <a:schemeClr val="tx1"/>
+                      </a:solidFill>
+                      <a:prstDash val="solid"/>
+                      <a:round/>
+                      <a:headEnd type="none" w="med" len="med"/>
+                      <a:tailEnd type="none" w="med" len="med"/>
+                    </a:lnL>
+                    <a:lnR w="6350" cap="flat" cmpd="sng" algn="ctr">
+                      <a:solidFill>
+                        <a:schemeClr val="tx1"/>
+                      </a:solidFill>
+                      <a:prstDash val="solid"/>
+                      <a:round/>
+                      <a:headEnd type="none" w="med" len="med"/>
+                      <a:tailEnd type="none" w="med" len="med"/>
+                    </a:lnR>
+                    <a:lnT w="3175" cap="flat" cmpd="sng" algn="ctr">
+                      <a:solidFill>
+                        <a:schemeClr val="bg2">
+                          <a:lumMod val="50000"/>
+                        </a:schemeClr>
+                      </a:solidFill>
+                      <a:prstDash val="solid"/>
+                      <a:round/>
+                      <a:headEnd type="none" w="med" len="med"/>
+                      <a:tailEnd type="none" w="med" len="med"/>
+                    </a:lnT>
+                    <a:lnB w="3175" cap="flat" cmpd="sng" algn="ctr">
+                      <a:solidFill>
+                        <a:schemeClr val="bg2">
+                          <a:lumMod val="50000"/>
+                        </a:schemeClr>
+                      </a:solidFill>
+                      <a:prstDash val="solid"/>
+                      <a:round/>
+                      <a:headEnd type="none" w="med" len="med"/>
+                      <a:tailEnd type="none" w="med" len="med"/>
+                    </a:lnB>
+                    <a:solidFill>
+                      <a:schemeClr val="bg1"/>
+                    </a:solidFill>
+                  </a:tcPr>
+                </a:tc>
+                <a:extLst>
+                  <a:ext uri="{0D108BD9-81ED-4DB2-BD59-A6C34878D82A}">
+                    <a16:rowId xmlns:a16="http://schemas.microsoft.com/office/drawing/2014/main" val="10001"/>
+                  </a:ext>
+                </a:extLst>
+              </a:tr>
+              <a:tr h="159480">
+                <a:tc>
+                  <a:txBody>
+                    <a:bodyPr/>
+                    <a:lstStyle/>
+                    <a:p>
+                      <a:pPr marL="0" marR="0" indent="0" algn="ctr" defTabSz="914400" rtl="0" eaLnBrk="1" fontAlgn="auto" latinLnBrk="1" hangingPunct="1">
+                        <a:lnSpc>
+                          <a:spcPct val="100000"/>
+                        </a:lnSpc>
+                        <a:spcBef>
+                          <a:spcPts val="0"/>
+                        </a:spcBef>
+                        <a:spcAft>
+                          <a:spcPts val="0"/>
+                        </a:spcAft>
+                        <a:buClrTx/>
+                        <a:buSzTx/>
+                        <a:buFontTx/>
+                        <a:buNone/>
+                        <a:tabLst/>
+                        <a:defRPr/>
+                      </a:pPr>
+                      <a:r>
+                        <a:rPr lang="en-US" altLang="ko-KR" sz="900" b="0" dirty="0">
+                          <a:solidFill>
+                            <a:schemeClr val="tx1"/>
+                          </a:solidFill>
+                        </a:rPr>
+                        <a:t>2020-01-02 23:00</a:t>
+                      </a:r>
+                      <a:endParaRPr lang="ko-KR" altLang="en-US" sz="900" b="0" dirty="0"/>
+                    </a:p>
+                  </a:txBody>
+                  <a:tcPr marL="36000" marR="36000" marB="0">
+                    <a:lnL w="3175" cap="flat" cmpd="sng" algn="ctr">
+                      <a:solidFill>
+                        <a:schemeClr val="bg2">
+                          <a:lumMod val="50000"/>
+                        </a:schemeClr>
+                      </a:solidFill>
+                      <a:prstDash val="solid"/>
+                      <a:round/>
+                      <a:headEnd type="none" w="med" len="med"/>
+                      <a:tailEnd type="none" w="med" len="med"/>
+                    </a:lnL>
+                    <a:lnR w="3175" cap="flat" cmpd="sng" algn="ctr">
+                      <a:solidFill>
+                        <a:schemeClr val="bg2">
+                          <a:lumMod val="50000"/>
+                        </a:schemeClr>
+                      </a:solidFill>
+                      <a:prstDash val="solid"/>
+                      <a:round/>
+                      <a:headEnd type="none" w="med" len="med"/>
+                      <a:tailEnd type="none" w="med" len="med"/>
+                    </a:lnR>
+                    <a:lnT w="3175" cap="flat" cmpd="sng" algn="ctr">
+                      <a:solidFill>
+                        <a:schemeClr val="bg2">
+                          <a:lumMod val="50000"/>
+                        </a:schemeClr>
+                      </a:solidFill>
+                      <a:prstDash val="solid"/>
+                      <a:round/>
+                      <a:headEnd type="none" w="med" len="med"/>
+                      <a:tailEnd type="none" w="med" len="med"/>
+                    </a:lnT>
+                    <a:lnB w="3175" cap="flat" cmpd="sng" algn="ctr">
+                      <a:solidFill>
+                        <a:schemeClr val="bg2">
+                          <a:lumMod val="50000"/>
+                        </a:schemeClr>
+                      </a:solidFill>
+                      <a:prstDash val="solid"/>
+                      <a:round/>
+                      <a:headEnd type="none" w="med" len="med"/>
+                      <a:tailEnd type="none" w="med" len="med"/>
+                    </a:lnB>
+                    <a:solidFill>
+                      <a:schemeClr val="bg1"/>
+                    </a:solidFill>
+                  </a:tcPr>
+                </a:tc>
+                <a:tc>
+                  <a:txBody>
+                    <a:bodyPr/>
+                    <a:lstStyle/>
+                    <a:p>
+                      <a:pPr algn="ctr" latinLnBrk="1"/>
+                      <a:r>
+                        <a:rPr lang="en-US" altLang="ko-KR" sz="900" b="0" u="none" dirty="0">
+                          <a:solidFill>
+                            <a:schemeClr val="tx1"/>
+                          </a:solidFill>
+                        </a:rPr>
+                        <a:t>123456719</a:t>
+                      </a:r>
+                      <a:endParaRPr lang="ko-KR" altLang="en-US" sz="900" b="0" u="none" dirty="0">
+                        <a:solidFill>
+                          <a:schemeClr val="tx1"/>
+                        </a:solidFill>
+                      </a:endParaRPr>
+                    </a:p>
+                  </a:txBody>
+                  <a:tcPr marL="36000" marR="36000" marB="0">
+                    <a:lnL w="3175" cap="flat" cmpd="sng" algn="ctr">
+                      <a:solidFill>
+                        <a:schemeClr val="bg2">
+                          <a:lumMod val="50000"/>
+                        </a:schemeClr>
+                      </a:solidFill>
+                      <a:prstDash val="solid"/>
+                      <a:round/>
+                      <a:headEnd type="none" w="med" len="med"/>
+                      <a:tailEnd type="none" w="med" len="med"/>
+                    </a:lnL>
+                    <a:lnR w="3175" cap="flat" cmpd="sng" algn="ctr">
+                      <a:solidFill>
+                        <a:schemeClr val="bg2">
+                          <a:lumMod val="50000"/>
+                        </a:schemeClr>
+                      </a:solidFill>
+                      <a:prstDash val="solid"/>
+                      <a:round/>
+                      <a:headEnd type="none" w="med" len="med"/>
+                      <a:tailEnd type="none" w="med" len="med"/>
+                    </a:lnR>
+                    <a:lnT w="3175" cap="flat" cmpd="sng" algn="ctr">
+                      <a:solidFill>
+                        <a:schemeClr val="bg2">
+                          <a:lumMod val="50000"/>
+                        </a:schemeClr>
+                      </a:solidFill>
+                      <a:prstDash val="solid"/>
+                      <a:round/>
+                      <a:headEnd type="none" w="med" len="med"/>
+                      <a:tailEnd type="none" w="med" len="med"/>
+                    </a:lnT>
+                    <a:lnB w="3175" cap="flat" cmpd="sng" algn="ctr">
+                      <a:solidFill>
+                        <a:schemeClr val="bg2">
+                          <a:lumMod val="50000"/>
+                        </a:schemeClr>
+                      </a:solidFill>
+                      <a:prstDash val="solid"/>
+                      <a:round/>
+                      <a:headEnd type="none" w="med" len="med"/>
+                      <a:tailEnd type="none" w="med" len="med"/>
+                    </a:lnB>
+                    <a:solidFill>
+                      <a:schemeClr val="bg1"/>
+                    </a:solidFill>
+                  </a:tcPr>
+                </a:tc>
+                <a:tc>
+                  <a:txBody>
+                    <a:bodyPr/>
+                    <a:lstStyle/>
+                    <a:p>
+                      <a:pPr algn="ctr" latinLnBrk="1"/>
+                      <a:r>
+                        <a:rPr lang="en-US" altLang="ko-KR" sz="900" b="0" dirty="0"/>
+                        <a:t>XXXXXXXXXXXXXXXXX</a:t>
+                      </a:r>
+                      <a:endParaRPr lang="ko-KR" altLang="en-US" sz="900" b="0" dirty="0"/>
+                    </a:p>
+                  </a:txBody>
+                  <a:tcPr marL="36000" marR="36000" marB="0">
+                    <a:lnL w="3175" cap="flat" cmpd="sng" algn="ctr">
+                      <a:solidFill>
+                        <a:schemeClr val="bg2">
+                          <a:lumMod val="50000"/>
+                        </a:schemeClr>
+                      </a:solidFill>
+                      <a:prstDash val="solid"/>
+                      <a:round/>
+                      <a:headEnd type="none" w="med" len="med"/>
+                      <a:tailEnd type="none" w="med" len="med"/>
+                    </a:lnL>
+                    <a:lnR w="6350" cap="flat" cmpd="sng" algn="ctr">
+                      <a:solidFill>
+                        <a:schemeClr val="tx1"/>
+                      </a:solidFill>
+                      <a:prstDash val="solid"/>
+                      <a:round/>
+                      <a:headEnd type="none" w="med" len="med"/>
+                      <a:tailEnd type="none" w="med" len="med"/>
+                    </a:lnR>
+                    <a:lnT w="3175" cap="flat" cmpd="sng" algn="ctr">
+                      <a:solidFill>
+                        <a:schemeClr val="bg2">
+                          <a:lumMod val="50000"/>
+                        </a:schemeClr>
+                      </a:solidFill>
+                      <a:prstDash val="solid"/>
+                      <a:round/>
+                      <a:headEnd type="none" w="med" len="med"/>
+                      <a:tailEnd type="none" w="med" len="med"/>
+                    </a:lnT>
+                    <a:lnB w="3175" cap="flat" cmpd="sng" algn="ctr">
+                      <a:solidFill>
+                        <a:schemeClr val="bg2">
+                          <a:lumMod val="50000"/>
+                        </a:schemeClr>
+                      </a:solidFill>
+                      <a:prstDash val="solid"/>
+                      <a:round/>
+                      <a:headEnd type="none" w="med" len="med"/>
+                      <a:tailEnd type="none" w="med" len="med"/>
+                    </a:lnB>
+                    <a:solidFill>
+                      <a:schemeClr val="bg1"/>
+                    </a:solidFill>
+                  </a:tcPr>
+                </a:tc>
+                <a:tc>
+                  <a:txBody>
+                    <a:bodyPr/>
+                    <a:lstStyle/>
+                    <a:p>
+                      <a:pPr algn="ctr" latinLnBrk="1"/>
+                      <a:r>
+                        <a:rPr lang="en-US" altLang="ko-KR" sz="900" b="0" dirty="0"/>
+                        <a:t>11010101</a:t>
+                      </a:r>
+                      <a:endParaRPr lang="ko-KR" altLang="en-US" sz="900" b="0" dirty="0"/>
+                    </a:p>
+                  </a:txBody>
+                  <a:tcPr marL="36000" marR="36000" marB="0">
+                    <a:lnL w="6350" cap="flat" cmpd="sng" algn="ctr">
+                      <a:solidFill>
+                        <a:schemeClr val="tx1"/>
+                      </a:solidFill>
+                      <a:prstDash val="solid"/>
+                      <a:round/>
+                      <a:headEnd type="none" w="med" len="med"/>
+                      <a:tailEnd type="none" w="med" len="med"/>
+                    </a:lnL>
+                    <a:lnR w="6350" cap="flat" cmpd="sng" algn="ctr">
+                      <a:solidFill>
+                        <a:schemeClr val="tx1"/>
+                      </a:solidFill>
+                      <a:prstDash val="solid"/>
+                      <a:round/>
+                      <a:headEnd type="none" w="med" len="med"/>
+                      <a:tailEnd type="none" w="med" len="med"/>
+                    </a:lnR>
+                    <a:lnT w="3175" cap="flat" cmpd="sng" algn="ctr">
+                      <a:solidFill>
+                        <a:schemeClr val="bg2">
+                          <a:lumMod val="50000"/>
+                        </a:schemeClr>
+                      </a:solidFill>
+                      <a:prstDash val="solid"/>
+                      <a:round/>
+                      <a:headEnd type="none" w="med" len="med"/>
+                      <a:tailEnd type="none" w="med" len="med"/>
+                    </a:lnT>
+                    <a:lnB w="3175" cap="flat" cmpd="sng" algn="ctr">
+                      <a:solidFill>
+                        <a:schemeClr val="bg2">
+                          <a:lumMod val="50000"/>
+                        </a:schemeClr>
+                      </a:solidFill>
+                      <a:prstDash val="solid"/>
+                      <a:round/>
+                      <a:headEnd type="none" w="med" len="med"/>
+                      <a:tailEnd type="none" w="med" len="med"/>
+                    </a:lnB>
+                    <a:solidFill>
+                      <a:schemeClr val="bg1"/>
+                    </a:solidFill>
+                  </a:tcPr>
+                </a:tc>
+                <a:tc>
+                  <a:txBody>
+                    <a:bodyPr/>
+                    <a:lstStyle/>
+                    <a:p>
+                      <a:pPr marL="0" marR="0" lvl="0" indent="0" algn="ctr" defTabSz="914400" rtl="0" eaLnBrk="1" fontAlgn="auto" latinLnBrk="1" hangingPunct="1">
+                        <a:lnSpc>
+                          <a:spcPct val="100000"/>
+                        </a:lnSpc>
+                        <a:spcBef>
+                          <a:spcPts val="0"/>
+                        </a:spcBef>
+                        <a:spcAft>
+                          <a:spcPts val="0"/>
+                        </a:spcAft>
+                        <a:buClrTx/>
+                        <a:buSzTx/>
+                        <a:buFontTx/>
+                        <a:buNone/>
+                        <a:tabLst/>
+                        <a:defRPr/>
+                      </a:pPr>
+                      <a:endParaRPr lang="ko-KR" altLang="en-US" sz="900" b="0" dirty="0"/>
+                    </a:p>
+                  </a:txBody>
+                  <a:tcPr marL="36000" marR="36000" marB="0">
+                    <a:lnL w="6350" cap="flat" cmpd="sng" algn="ctr">
+                      <a:solidFill>
+                        <a:schemeClr val="tx1"/>
+                      </a:solidFill>
+                      <a:prstDash val="solid"/>
+                      <a:round/>
+                      <a:headEnd type="none" w="med" len="med"/>
+                      <a:tailEnd type="none" w="med" len="med"/>
+                    </a:lnL>
+                    <a:lnR w="6350" cap="flat" cmpd="sng" algn="ctr">
+                      <a:solidFill>
+                        <a:schemeClr val="tx1"/>
+                      </a:solidFill>
+                      <a:prstDash val="solid"/>
+                      <a:round/>
+                      <a:headEnd type="none" w="med" len="med"/>
+                      <a:tailEnd type="none" w="med" len="med"/>
+                    </a:lnR>
+                    <a:lnT w="3175" cap="flat" cmpd="sng" algn="ctr">
+                      <a:solidFill>
+                        <a:schemeClr val="bg2">
+                          <a:lumMod val="50000"/>
+                        </a:schemeClr>
+                      </a:solidFill>
+                      <a:prstDash val="solid"/>
+                      <a:round/>
+                      <a:headEnd type="none" w="med" len="med"/>
+                      <a:tailEnd type="none" w="med" len="med"/>
+                    </a:lnT>
+                    <a:lnB w="3175" cap="flat" cmpd="sng" algn="ctr">
+                      <a:solidFill>
+                        <a:schemeClr val="bg2">
+                          <a:lumMod val="50000"/>
+                        </a:schemeClr>
+                      </a:solidFill>
+                      <a:prstDash val="solid"/>
+                      <a:round/>
+                      <a:headEnd type="none" w="med" len="med"/>
+                      <a:tailEnd type="none" w="med" len="med"/>
+                    </a:lnB>
+                    <a:solidFill>
+                      <a:schemeClr val="bg1"/>
+                    </a:solidFill>
+                  </a:tcPr>
+                </a:tc>
+                <a:tc>
+                  <a:txBody>
+                    <a:bodyPr/>
+                    <a:lstStyle/>
+                    <a:p>
+                      <a:pPr marL="0" marR="0" lvl="0" indent="0" algn="ctr" defTabSz="914400" rtl="0" eaLnBrk="1" fontAlgn="auto" latinLnBrk="1" hangingPunct="1">
+                        <a:lnSpc>
+                          <a:spcPct val="100000"/>
+                        </a:lnSpc>
+                        <a:spcBef>
+                          <a:spcPts val="0"/>
+                        </a:spcBef>
+                        <a:spcAft>
+                          <a:spcPts val="0"/>
+                        </a:spcAft>
+                        <a:buClrTx/>
+                        <a:buSzTx/>
+                        <a:buFontTx/>
+                        <a:buNone/>
+                        <a:tabLst/>
+                        <a:defRPr/>
+                      </a:pPr>
+                      <a:endParaRPr lang="ko-KR" altLang="en-US" sz="900" b="0" dirty="0"/>
+                    </a:p>
+                  </a:txBody>
+                  <a:tcPr marL="36000" marR="36000" marB="0">
+                    <a:lnL w="6350" cap="flat" cmpd="sng" algn="ctr">
+                      <a:solidFill>
+                        <a:schemeClr val="tx1"/>
+                      </a:solidFill>
+                      <a:prstDash val="solid"/>
+                      <a:round/>
+                      <a:headEnd type="none" w="med" len="med"/>
+                      <a:tailEnd type="none" w="med" len="med"/>
+                    </a:lnL>
+                    <a:lnR w="6350" cap="flat" cmpd="sng" algn="ctr">
+                      <a:solidFill>
+                        <a:schemeClr val="tx1"/>
+                      </a:solidFill>
+                      <a:prstDash val="solid"/>
+                      <a:round/>
+                      <a:headEnd type="none" w="med" len="med"/>
+                      <a:tailEnd type="none" w="med" len="med"/>
+                    </a:lnR>
+                    <a:lnT w="3175" cap="flat" cmpd="sng" algn="ctr">
+                      <a:solidFill>
+                        <a:schemeClr val="bg2">
+                          <a:lumMod val="50000"/>
+                        </a:schemeClr>
+                      </a:solidFill>
+                      <a:prstDash val="solid"/>
+                      <a:round/>
+                      <a:headEnd type="none" w="med" len="med"/>
+                      <a:tailEnd type="none" w="med" len="med"/>
+                    </a:lnT>
+                    <a:lnB w="3175" cap="flat" cmpd="sng" algn="ctr">
+                      <a:solidFill>
+                        <a:schemeClr val="bg2">
+                          <a:lumMod val="50000"/>
+                        </a:schemeClr>
+                      </a:solidFill>
+                      <a:prstDash val="solid"/>
+                      <a:round/>
+                      <a:headEnd type="none" w="med" len="med"/>
+                      <a:tailEnd type="none" w="med" len="med"/>
+                    </a:lnB>
+                    <a:solidFill>
+                      <a:schemeClr val="bg1"/>
+                    </a:solidFill>
+                  </a:tcPr>
+                </a:tc>
+                <a:tc>
+                  <a:txBody>
+                    <a:bodyPr/>
+                    <a:lstStyle/>
+                    <a:p>
+                      <a:pPr algn="ctr" latinLnBrk="1"/>
+                      <a:r>
+                        <a:rPr lang="ko-KR" altLang="en-US" sz="900" b="0" dirty="0"/>
+                        <a:t>승인신청</a:t>
+                      </a:r>
+                    </a:p>
+                  </a:txBody>
+                  <a:tcPr marL="36000" marR="36000" marB="0">
+                    <a:lnL w="6350" cap="flat" cmpd="sng" algn="ctr">
+                      <a:solidFill>
+                        <a:schemeClr val="tx1"/>
+                      </a:solidFill>
+                      <a:prstDash val="solid"/>
+                      <a:round/>
+                      <a:headEnd type="none" w="med" len="med"/>
+                      <a:tailEnd type="none" w="med" len="med"/>
+                    </a:lnL>
+                    <a:lnR w="6350" cap="flat" cmpd="sng" algn="ctr">
+                      <a:solidFill>
+                        <a:schemeClr val="tx1"/>
+                      </a:solidFill>
+                      <a:prstDash val="solid"/>
+                      <a:round/>
+                      <a:headEnd type="none" w="med" len="med"/>
+                      <a:tailEnd type="none" w="med" len="med"/>
+                    </a:lnR>
+                    <a:lnT w="3175" cap="flat" cmpd="sng" algn="ctr">
+                      <a:solidFill>
+                        <a:schemeClr val="bg2">
+                          <a:lumMod val="50000"/>
+                        </a:schemeClr>
+                      </a:solidFill>
+                      <a:prstDash val="solid"/>
+                      <a:round/>
+                      <a:headEnd type="none" w="med" len="med"/>
+                      <a:tailEnd type="none" w="med" len="med"/>
+                    </a:lnT>
+                    <a:lnB w="3175" cap="flat" cmpd="sng" algn="ctr">
+                      <a:solidFill>
+                        <a:schemeClr val="bg2">
+                          <a:lumMod val="50000"/>
+                        </a:schemeClr>
+                      </a:solidFill>
+                      <a:prstDash val="solid"/>
+                      <a:round/>
+                      <a:headEnd type="none" w="med" len="med"/>
+                      <a:tailEnd type="none" w="med" len="med"/>
+                    </a:lnB>
+                    <a:solidFill>
+                      <a:schemeClr val="bg1"/>
+                    </a:solidFill>
+                  </a:tcPr>
+                </a:tc>
+                <a:extLst>
+                  <a:ext uri="{0D108BD9-81ED-4DB2-BD59-A6C34878D82A}">
+                    <a16:rowId xmlns:a16="http://schemas.microsoft.com/office/drawing/2014/main" val="10002"/>
+                  </a:ext>
+                </a:extLst>
+              </a:tr>
+              <a:tr h="159480">
+                <a:tc>
+                  <a:txBody>
+                    <a:bodyPr/>
+                    <a:lstStyle/>
+                    <a:p>
+                      <a:pPr marL="0" marR="0" indent="0" algn="ctr" defTabSz="914400" rtl="0" eaLnBrk="1" fontAlgn="auto" latinLnBrk="1" hangingPunct="1">
+                        <a:lnSpc>
+                          <a:spcPct val="100000"/>
+                        </a:lnSpc>
+                        <a:spcBef>
+                          <a:spcPts val="0"/>
+                        </a:spcBef>
+                        <a:spcAft>
+                          <a:spcPts val="0"/>
+                        </a:spcAft>
+                        <a:buClrTx/>
+                        <a:buSzTx/>
+                        <a:buFontTx/>
+                        <a:buNone/>
+                        <a:tabLst/>
+                        <a:defRPr/>
+                      </a:pPr>
+                      <a:r>
+                        <a:rPr lang="en-US" altLang="ko-KR" sz="900" b="0" dirty="0">
+                          <a:solidFill>
+                            <a:schemeClr val="tx1"/>
+                          </a:solidFill>
+                        </a:rPr>
+                        <a:t>2020-01-02 23:00</a:t>
+                      </a:r>
+                      <a:endParaRPr lang="ko-KR" altLang="en-US" sz="900" b="0" dirty="0"/>
+                    </a:p>
+                  </a:txBody>
+                  <a:tcPr marL="36000" marR="36000" marB="0">
+                    <a:lnL w="3175" cap="flat" cmpd="sng" algn="ctr">
+                      <a:solidFill>
+                        <a:schemeClr val="bg2">
+                          <a:lumMod val="50000"/>
+                        </a:schemeClr>
+                      </a:solidFill>
+                      <a:prstDash val="solid"/>
+                      <a:round/>
+                      <a:headEnd type="none" w="med" len="med"/>
+                      <a:tailEnd type="none" w="med" len="med"/>
+                    </a:lnL>
+                    <a:lnR w="3175" cap="flat" cmpd="sng" algn="ctr">
+                      <a:solidFill>
+                        <a:schemeClr val="bg2">
+                          <a:lumMod val="50000"/>
+                        </a:schemeClr>
+                      </a:solidFill>
+                      <a:prstDash val="solid"/>
+                      <a:round/>
+                      <a:headEnd type="none" w="med" len="med"/>
+                      <a:tailEnd type="none" w="med" len="med"/>
+                    </a:lnR>
+                    <a:lnT w="3175" cap="flat" cmpd="sng" algn="ctr">
+                      <a:solidFill>
+                        <a:schemeClr val="bg2">
+                          <a:lumMod val="50000"/>
+                        </a:schemeClr>
+                      </a:solidFill>
+                      <a:prstDash val="solid"/>
+                      <a:round/>
+                      <a:headEnd type="none" w="med" len="med"/>
+                      <a:tailEnd type="none" w="med" len="med"/>
+                    </a:lnT>
+                    <a:lnB w="3175" cap="flat" cmpd="sng" algn="ctr">
+                      <a:solidFill>
+                        <a:schemeClr val="bg2">
+                          <a:lumMod val="50000"/>
+                        </a:schemeClr>
+                      </a:solidFill>
+                      <a:prstDash val="solid"/>
+                      <a:round/>
+                      <a:headEnd type="none" w="med" len="med"/>
+                      <a:tailEnd type="none" w="med" len="med"/>
+                    </a:lnB>
+                    <a:solidFill>
+                      <a:schemeClr val="bg1"/>
+                    </a:solidFill>
+                  </a:tcPr>
+                </a:tc>
+                <a:tc>
+                  <a:txBody>
+                    <a:bodyPr/>
+                    <a:lstStyle/>
+                    <a:p>
+                      <a:pPr algn="ctr" latinLnBrk="1"/>
+                      <a:r>
+                        <a:rPr lang="en-US" altLang="ko-KR" sz="900" b="0" u="none" dirty="0">
+                          <a:solidFill>
+                            <a:schemeClr val="tx1"/>
+                          </a:solidFill>
+                        </a:rPr>
+                        <a:t>123456719</a:t>
+                      </a:r>
+                      <a:endParaRPr lang="ko-KR" altLang="en-US" sz="900" b="0" u="none" dirty="0">
+                        <a:solidFill>
+                          <a:schemeClr val="tx1"/>
+                        </a:solidFill>
+                      </a:endParaRPr>
+                    </a:p>
+                  </a:txBody>
+                  <a:tcPr marL="36000" marR="36000" marB="0">
+                    <a:lnL w="3175" cap="flat" cmpd="sng" algn="ctr">
+                      <a:solidFill>
+                        <a:schemeClr val="bg2">
+                          <a:lumMod val="50000"/>
+                        </a:schemeClr>
+                      </a:solidFill>
+                      <a:prstDash val="solid"/>
+                      <a:round/>
+                      <a:headEnd type="none" w="med" len="med"/>
+                      <a:tailEnd type="none" w="med" len="med"/>
+                    </a:lnL>
+                    <a:lnR w="3175" cap="flat" cmpd="sng" algn="ctr">
+                      <a:solidFill>
+                        <a:schemeClr val="bg2">
+                          <a:lumMod val="50000"/>
+                        </a:schemeClr>
+                      </a:solidFill>
+                      <a:prstDash val="solid"/>
+                      <a:round/>
+                      <a:headEnd type="none" w="med" len="med"/>
+                      <a:tailEnd type="none" w="med" len="med"/>
+                    </a:lnR>
+                    <a:lnT w="3175" cap="flat" cmpd="sng" algn="ctr">
+                      <a:solidFill>
+                        <a:schemeClr val="bg2">
+                          <a:lumMod val="50000"/>
+                        </a:schemeClr>
+                      </a:solidFill>
+                      <a:prstDash val="solid"/>
+                      <a:round/>
+                      <a:headEnd type="none" w="med" len="med"/>
+                      <a:tailEnd type="none" w="med" len="med"/>
+                    </a:lnT>
+                    <a:lnB w="3175" cap="flat" cmpd="sng" algn="ctr">
+                      <a:solidFill>
+                        <a:schemeClr val="bg2">
+                          <a:lumMod val="50000"/>
+                        </a:schemeClr>
+                      </a:solidFill>
+                      <a:prstDash val="solid"/>
+                      <a:round/>
+                      <a:headEnd type="none" w="med" len="med"/>
+                      <a:tailEnd type="none" w="med" len="med"/>
+                    </a:lnB>
+                    <a:solidFill>
+                      <a:schemeClr val="bg1"/>
+                    </a:solidFill>
+                  </a:tcPr>
+                </a:tc>
+                <a:tc>
+                  <a:txBody>
+                    <a:bodyPr/>
+                    <a:lstStyle/>
+                    <a:p>
+                      <a:pPr algn="ctr" latinLnBrk="1"/>
+                      <a:r>
+                        <a:rPr lang="en-US" altLang="ko-KR" sz="900" b="0" dirty="0"/>
+                        <a:t>XXXXXXXXXXXXXXXXX</a:t>
+                      </a:r>
+                      <a:endParaRPr lang="ko-KR" altLang="en-US" sz="900" b="0" dirty="0"/>
+                    </a:p>
+                  </a:txBody>
+                  <a:tcPr marL="36000" marR="36000" marB="0">
+                    <a:lnL w="3175" cap="flat" cmpd="sng" algn="ctr">
+                      <a:solidFill>
+                        <a:schemeClr val="bg2">
+                          <a:lumMod val="50000"/>
+                        </a:schemeClr>
+                      </a:solidFill>
+                      <a:prstDash val="solid"/>
+                      <a:round/>
+                      <a:headEnd type="none" w="med" len="med"/>
+                      <a:tailEnd type="none" w="med" len="med"/>
+                    </a:lnL>
+                    <a:lnR w="6350" cap="flat" cmpd="sng" algn="ctr">
+                      <a:solidFill>
+                        <a:schemeClr val="tx1"/>
+                      </a:solidFill>
+                      <a:prstDash val="solid"/>
+                      <a:round/>
+                      <a:headEnd type="none" w="med" len="med"/>
+                      <a:tailEnd type="none" w="med" len="med"/>
+                    </a:lnR>
+                    <a:lnT w="3175" cap="flat" cmpd="sng" algn="ctr">
+                      <a:solidFill>
+                        <a:schemeClr val="bg2">
+                          <a:lumMod val="50000"/>
+                        </a:schemeClr>
+                      </a:solidFill>
+                      <a:prstDash val="solid"/>
+                      <a:round/>
+                      <a:headEnd type="none" w="med" len="med"/>
+                      <a:tailEnd type="none" w="med" len="med"/>
+                    </a:lnT>
+                    <a:lnB w="3175" cap="flat" cmpd="sng" algn="ctr">
+                      <a:solidFill>
+                        <a:schemeClr val="bg2">
+                          <a:lumMod val="50000"/>
+                        </a:schemeClr>
+                      </a:solidFill>
+                      <a:prstDash val="solid"/>
+                      <a:round/>
+                      <a:headEnd type="none" w="med" len="med"/>
+                      <a:tailEnd type="none" w="med" len="med"/>
+                    </a:lnB>
+                    <a:solidFill>
+                      <a:schemeClr val="bg1"/>
+                    </a:solidFill>
+                  </a:tcPr>
+                </a:tc>
+                <a:tc>
+                  <a:txBody>
+                    <a:bodyPr/>
+                    <a:lstStyle/>
+                    <a:p>
+                      <a:pPr algn="ctr" latinLnBrk="1"/>
+                      <a:r>
+                        <a:rPr lang="en-US" altLang="ko-KR" sz="900" b="0" dirty="0"/>
+                        <a:t>11010101</a:t>
+                      </a:r>
+                      <a:endParaRPr lang="ko-KR" altLang="en-US" sz="900" b="0" dirty="0"/>
+                    </a:p>
+                  </a:txBody>
+                  <a:tcPr marL="36000" marR="36000" marB="0">
+                    <a:lnL w="6350" cap="flat" cmpd="sng" algn="ctr">
+                      <a:solidFill>
+                        <a:schemeClr val="tx1"/>
+                      </a:solidFill>
+                      <a:prstDash val="solid"/>
+                      <a:round/>
+                      <a:headEnd type="none" w="med" len="med"/>
+                      <a:tailEnd type="none" w="med" len="med"/>
+                    </a:lnL>
+                    <a:lnR w="6350" cap="flat" cmpd="sng" algn="ctr">
+                      <a:solidFill>
+                        <a:schemeClr val="tx1"/>
+                      </a:solidFill>
+                      <a:prstDash val="solid"/>
+                      <a:round/>
+                      <a:headEnd type="none" w="med" len="med"/>
+                      <a:tailEnd type="none" w="med" len="med"/>
+                    </a:lnR>
+                    <a:lnT w="3175" cap="flat" cmpd="sng" algn="ctr">
+                      <a:solidFill>
+                        <a:schemeClr val="bg2">
+                          <a:lumMod val="50000"/>
+                        </a:schemeClr>
+                      </a:solidFill>
+                      <a:prstDash val="solid"/>
+                      <a:round/>
+                      <a:headEnd type="none" w="med" len="med"/>
+                      <a:tailEnd type="none" w="med" len="med"/>
+                    </a:lnT>
+                    <a:lnB w="3175" cap="flat" cmpd="sng" algn="ctr">
+                      <a:solidFill>
+                        <a:schemeClr val="bg2">
+                          <a:lumMod val="50000"/>
+                        </a:schemeClr>
+                      </a:solidFill>
+                      <a:prstDash val="solid"/>
+                      <a:round/>
+                      <a:headEnd type="none" w="med" len="med"/>
+                      <a:tailEnd type="none" w="med" len="med"/>
+                    </a:lnB>
+                    <a:solidFill>
+                      <a:schemeClr val="bg1"/>
+                    </a:solidFill>
+                  </a:tcPr>
+                </a:tc>
+                <a:tc>
+                  <a:txBody>
+                    <a:bodyPr/>
+                    <a:lstStyle/>
+                    <a:p>
+                      <a:pPr marL="0" marR="0" lvl="0" indent="0" algn="ctr" defTabSz="914400" rtl="0" eaLnBrk="1" fontAlgn="auto" latinLnBrk="1" hangingPunct="1">
+                        <a:lnSpc>
+                          <a:spcPct val="100000"/>
+                        </a:lnSpc>
+                        <a:spcBef>
+                          <a:spcPts val="0"/>
+                        </a:spcBef>
+                        <a:spcAft>
+                          <a:spcPts val="0"/>
+                        </a:spcAft>
+                        <a:buClrTx/>
+                        <a:buSzTx/>
+                        <a:buFontTx/>
+                        <a:buNone/>
+                        <a:tabLst/>
+                        <a:defRPr/>
+                      </a:pPr>
+                      <a:endParaRPr lang="ko-KR" altLang="en-US" sz="900" b="0" dirty="0"/>
+                    </a:p>
+                  </a:txBody>
+                  <a:tcPr marL="36000" marR="36000" marB="0">
+                    <a:lnL w="6350" cap="flat" cmpd="sng" algn="ctr">
+                      <a:solidFill>
+                        <a:schemeClr val="tx1"/>
+                      </a:solidFill>
+                      <a:prstDash val="solid"/>
+                      <a:round/>
+                      <a:headEnd type="none" w="med" len="med"/>
+                      <a:tailEnd type="none" w="med" len="med"/>
+                    </a:lnL>
+                    <a:lnR w="6350" cap="flat" cmpd="sng" algn="ctr">
+                      <a:solidFill>
+                        <a:schemeClr val="tx1"/>
+                      </a:solidFill>
+                      <a:prstDash val="solid"/>
+                      <a:round/>
+                      <a:headEnd type="none" w="med" len="med"/>
+                      <a:tailEnd type="none" w="med" len="med"/>
+                    </a:lnR>
+                    <a:lnT w="3175" cap="flat" cmpd="sng" algn="ctr">
+                      <a:solidFill>
+                        <a:schemeClr val="bg2">
+                          <a:lumMod val="50000"/>
+                        </a:schemeClr>
+                      </a:solidFill>
+                      <a:prstDash val="solid"/>
+                      <a:round/>
+                      <a:headEnd type="none" w="med" len="med"/>
+                      <a:tailEnd type="none" w="med" len="med"/>
+                    </a:lnT>
+                    <a:lnB w="3175" cap="flat" cmpd="sng" algn="ctr">
+                      <a:solidFill>
+                        <a:schemeClr val="bg2">
+                          <a:lumMod val="50000"/>
+                        </a:schemeClr>
+                      </a:solidFill>
+                      <a:prstDash val="solid"/>
+                      <a:round/>
+                      <a:headEnd type="none" w="med" len="med"/>
+                      <a:tailEnd type="none" w="med" len="med"/>
+                    </a:lnB>
+                    <a:solidFill>
+                      <a:schemeClr val="bg1"/>
+                    </a:solidFill>
+                  </a:tcPr>
+                </a:tc>
+                <a:tc>
+                  <a:txBody>
+                    <a:bodyPr/>
+                    <a:lstStyle/>
+                    <a:p>
+                      <a:pPr marL="0" marR="0" lvl="0" indent="0" algn="ctr" defTabSz="914400" rtl="0" eaLnBrk="1" fontAlgn="auto" latinLnBrk="1" hangingPunct="1">
+                        <a:lnSpc>
+                          <a:spcPct val="100000"/>
+                        </a:lnSpc>
+                        <a:spcBef>
+                          <a:spcPts val="0"/>
+                        </a:spcBef>
+                        <a:spcAft>
+                          <a:spcPts val="0"/>
+                        </a:spcAft>
+                        <a:buClrTx/>
+                        <a:buSzTx/>
+                        <a:buFontTx/>
+                        <a:buNone/>
+                        <a:tabLst/>
+                        <a:defRPr/>
+                      </a:pPr>
+                      <a:endParaRPr lang="ko-KR" altLang="en-US" sz="900" b="0" dirty="0"/>
+                    </a:p>
+                  </a:txBody>
+                  <a:tcPr marL="36000" marR="36000" marB="0">
+                    <a:lnL w="6350" cap="flat" cmpd="sng" algn="ctr">
+                      <a:solidFill>
+                        <a:schemeClr val="tx1"/>
+                      </a:solidFill>
+                      <a:prstDash val="solid"/>
+                      <a:round/>
+                      <a:headEnd type="none" w="med" len="med"/>
+                      <a:tailEnd type="none" w="med" len="med"/>
+                    </a:lnL>
+                    <a:lnR w="6350" cap="flat" cmpd="sng" algn="ctr">
+                      <a:solidFill>
+                        <a:schemeClr val="tx1"/>
+                      </a:solidFill>
+                      <a:prstDash val="solid"/>
+                      <a:round/>
+                      <a:headEnd type="none" w="med" len="med"/>
+                      <a:tailEnd type="none" w="med" len="med"/>
+                    </a:lnR>
+                    <a:lnT w="3175" cap="flat" cmpd="sng" algn="ctr">
+                      <a:solidFill>
+                        <a:schemeClr val="bg2">
+                          <a:lumMod val="50000"/>
+                        </a:schemeClr>
+                      </a:solidFill>
+                      <a:prstDash val="solid"/>
+                      <a:round/>
+                      <a:headEnd type="none" w="med" len="med"/>
+                      <a:tailEnd type="none" w="med" len="med"/>
+                    </a:lnT>
+                    <a:lnB w="3175" cap="flat" cmpd="sng" algn="ctr">
+                      <a:solidFill>
+                        <a:schemeClr val="bg2">
+                          <a:lumMod val="50000"/>
+                        </a:schemeClr>
+                      </a:solidFill>
+                      <a:prstDash val="solid"/>
+                      <a:round/>
+                      <a:headEnd type="none" w="med" len="med"/>
+                      <a:tailEnd type="none" w="med" len="med"/>
+                    </a:lnB>
+                    <a:solidFill>
+                      <a:schemeClr val="bg1"/>
+                    </a:solidFill>
+                  </a:tcPr>
+                </a:tc>
+                <a:tc>
+                  <a:txBody>
+                    <a:bodyPr/>
+                    <a:lstStyle/>
+                    <a:p>
+                      <a:pPr algn="ctr" latinLnBrk="1"/>
+                      <a:r>
+                        <a:rPr lang="ko-KR" altLang="en-US" sz="900" b="0" dirty="0"/>
+                        <a:t>완료</a:t>
+                      </a:r>
+                    </a:p>
+                  </a:txBody>
+                  <a:tcPr marL="36000" marR="36000" marB="0">
+                    <a:lnL w="6350" cap="flat" cmpd="sng" algn="ctr">
+                      <a:solidFill>
+                        <a:schemeClr val="tx1"/>
+                      </a:solidFill>
+                      <a:prstDash val="solid"/>
+                      <a:round/>
+                      <a:headEnd type="none" w="med" len="med"/>
+                      <a:tailEnd type="none" w="med" len="med"/>
+                    </a:lnL>
+                    <a:lnR w="6350" cap="flat" cmpd="sng" algn="ctr">
+                      <a:solidFill>
+                        <a:schemeClr val="tx1"/>
+                      </a:solidFill>
+                      <a:prstDash val="solid"/>
+                      <a:round/>
+                      <a:headEnd type="none" w="med" len="med"/>
+                      <a:tailEnd type="none" w="med" len="med"/>
+                    </a:lnR>
+                    <a:lnT w="3175" cap="flat" cmpd="sng" algn="ctr">
+                      <a:solidFill>
+                        <a:schemeClr val="bg2">
+                          <a:lumMod val="50000"/>
+                        </a:schemeClr>
+                      </a:solidFill>
+                      <a:prstDash val="solid"/>
+                      <a:round/>
+                      <a:headEnd type="none" w="med" len="med"/>
+                      <a:tailEnd type="none" w="med" len="med"/>
+                    </a:lnT>
+                    <a:lnB w="3175" cap="flat" cmpd="sng" algn="ctr">
+                      <a:solidFill>
+                        <a:schemeClr val="bg2">
+                          <a:lumMod val="50000"/>
+                        </a:schemeClr>
+                      </a:solidFill>
+                      <a:prstDash val="solid"/>
+                      <a:round/>
+                      <a:headEnd type="none" w="med" len="med"/>
+                      <a:tailEnd type="none" w="med" len="med"/>
+                    </a:lnB>
+                    <a:solidFill>
+                      <a:schemeClr val="bg1"/>
+                    </a:solidFill>
+                  </a:tcPr>
+                </a:tc>
+                <a:extLst>
+                  <a:ext uri="{0D108BD9-81ED-4DB2-BD59-A6C34878D82A}">
+                    <a16:rowId xmlns:a16="http://schemas.microsoft.com/office/drawing/2014/main" val="10003"/>
+                  </a:ext>
+                </a:extLst>
+              </a:tr>
+              <a:tr h="159480">
+                <a:tc>
+                  <a:txBody>
+                    <a:bodyPr/>
+                    <a:lstStyle/>
+                    <a:p>
+                      <a:endParaRPr lang="ko-KR" altLang="en-US" dirty="0"/>
+                    </a:p>
+                  </a:txBody>
+                  <a:tcPr marL="36000" marR="36000" marB="0">
+                    <a:lnL w="3175" cap="flat" cmpd="sng" algn="ctr">
+                      <a:solidFill>
+                        <a:schemeClr val="bg2">
+                          <a:lumMod val="50000"/>
+                        </a:schemeClr>
+                      </a:solidFill>
+                      <a:prstDash val="solid"/>
+                      <a:round/>
+                      <a:headEnd type="none" w="med" len="med"/>
+                      <a:tailEnd type="none" w="med" len="med"/>
+                    </a:lnL>
+                    <a:lnR w="3175" cap="flat" cmpd="sng" algn="ctr">
+                      <a:solidFill>
+                        <a:schemeClr val="bg2">
+                          <a:lumMod val="50000"/>
+                        </a:schemeClr>
+                      </a:solidFill>
+                      <a:prstDash val="solid"/>
+                      <a:round/>
+                      <a:headEnd type="none" w="med" len="med"/>
+                      <a:tailEnd type="none" w="med" len="med"/>
+                    </a:lnR>
+                    <a:lnT w="3175" cap="flat" cmpd="sng" algn="ctr">
+                      <a:solidFill>
+                        <a:schemeClr val="bg2">
+                          <a:lumMod val="50000"/>
+                        </a:schemeClr>
+                      </a:solidFill>
+                      <a:prstDash val="solid"/>
+                      <a:round/>
+                      <a:headEnd type="none" w="med" len="med"/>
+                      <a:tailEnd type="none" w="med" len="med"/>
+                    </a:lnT>
+                    <a:lnB w="3175" cap="flat" cmpd="sng" algn="ctr">
+                      <a:solidFill>
+                        <a:schemeClr val="bg2">
+                          <a:lumMod val="50000"/>
+                        </a:schemeClr>
+                      </a:solidFill>
+                      <a:prstDash val="solid"/>
+                      <a:round/>
+                      <a:headEnd type="none" w="med" len="med"/>
+                      <a:tailEnd type="none" w="med" len="med"/>
+                    </a:lnB>
+                    <a:solidFill>
+                      <a:schemeClr val="bg1"/>
+                    </a:solidFill>
+                  </a:tcPr>
+                </a:tc>
+                <a:tc>
+                  <a:txBody>
+                    <a:bodyPr/>
+                    <a:lstStyle/>
+                    <a:p>
+                      <a:endParaRPr lang="ko-KR" altLang="en-US" dirty="0"/>
+                    </a:p>
+                  </a:txBody>
+                  <a:tcPr marL="36000" marR="36000" marB="0">
+                    <a:lnL w="3175" cap="flat" cmpd="sng" algn="ctr">
+                      <a:solidFill>
+                        <a:schemeClr val="bg2">
+                          <a:lumMod val="50000"/>
+                        </a:schemeClr>
+                      </a:solidFill>
+                      <a:prstDash val="solid"/>
+                      <a:round/>
+                      <a:headEnd type="none" w="med" len="med"/>
+                      <a:tailEnd type="none" w="med" len="med"/>
+                    </a:lnL>
+                    <a:lnR w="3175" cap="flat" cmpd="sng" algn="ctr">
+                      <a:solidFill>
+                        <a:schemeClr val="bg2">
+                          <a:lumMod val="50000"/>
+                        </a:schemeClr>
+                      </a:solidFill>
+                      <a:prstDash val="solid"/>
+                      <a:round/>
+                      <a:headEnd type="none" w="med" len="med"/>
+                      <a:tailEnd type="none" w="med" len="med"/>
+                    </a:lnR>
+                    <a:lnT w="3175" cap="flat" cmpd="sng" algn="ctr">
+                      <a:solidFill>
+                        <a:schemeClr val="bg2">
+                          <a:lumMod val="50000"/>
+                        </a:schemeClr>
+                      </a:solidFill>
+                      <a:prstDash val="solid"/>
+                      <a:round/>
+                      <a:headEnd type="none" w="med" len="med"/>
+                      <a:tailEnd type="none" w="med" len="med"/>
+                    </a:lnT>
+                    <a:lnB w="3175" cap="flat" cmpd="sng" algn="ctr">
+                      <a:solidFill>
+                        <a:schemeClr val="bg2">
+                          <a:lumMod val="50000"/>
+                        </a:schemeClr>
+                      </a:solidFill>
+                      <a:prstDash val="solid"/>
+                      <a:round/>
+                      <a:headEnd type="none" w="med" len="med"/>
+                      <a:tailEnd type="none" w="med" len="med"/>
+                    </a:lnB>
+                    <a:solidFill>
+                      <a:schemeClr val="bg1"/>
+                    </a:solidFill>
+                  </a:tcPr>
+                </a:tc>
+                <a:tc>
+                  <a:txBody>
+                    <a:bodyPr/>
+                    <a:lstStyle/>
+                    <a:p>
+                      <a:endParaRPr lang="ko-KR" altLang="en-US"/>
+                    </a:p>
+                  </a:txBody>
+                  <a:tcPr marL="36000" marR="36000" marB="0">
+                    <a:lnL w="3175" cap="flat" cmpd="sng" algn="ctr">
+                      <a:solidFill>
+                        <a:schemeClr val="bg2">
+                          <a:lumMod val="50000"/>
+                        </a:schemeClr>
+                      </a:solidFill>
+                      <a:prstDash val="solid"/>
+                      <a:round/>
+                      <a:headEnd type="none" w="med" len="med"/>
+                      <a:tailEnd type="none" w="med" len="med"/>
+                    </a:lnL>
+                    <a:lnR w="6350" cap="flat" cmpd="sng" algn="ctr">
+                      <a:solidFill>
+                        <a:schemeClr val="tx1"/>
+                      </a:solidFill>
+                      <a:prstDash val="solid"/>
+                      <a:round/>
+                      <a:headEnd type="none" w="med" len="med"/>
+                      <a:tailEnd type="none" w="med" len="med"/>
+                    </a:lnR>
+                    <a:lnT w="3175" cap="flat" cmpd="sng" algn="ctr">
+                      <a:solidFill>
+                        <a:schemeClr val="bg2">
+                          <a:lumMod val="50000"/>
+                        </a:schemeClr>
+                      </a:solidFill>
+                      <a:prstDash val="solid"/>
+                      <a:round/>
+                      <a:headEnd type="none" w="med" len="med"/>
+                      <a:tailEnd type="none" w="med" len="med"/>
+                    </a:lnT>
+                    <a:lnB w="3175" cap="flat" cmpd="sng" algn="ctr">
+                      <a:solidFill>
+                        <a:schemeClr val="bg2">
+                          <a:lumMod val="50000"/>
+                        </a:schemeClr>
+                      </a:solidFill>
+                      <a:prstDash val="solid"/>
+                      <a:round/>
+                      <a:headEnd type="none" w="med" len="med"/>
+                      <a:tailEnd type="none" w="med" len="med"/>
+                    </a:lnB>
+                    <a:solidFill>
+                      <a:schemeClr val="bg1"/>
+                    </a:solidFill>
+                  </a:tcPr>
+                </a:tc>
+                <a:tc>
+                  <a:txBody>
+                    <a:bodyPr/>
+                    <a:lstStyle/>
+                    <a:p>
+                      <a:endParaRPr lang="ko-KR" altLang="en-US" dirty="0"/>
+                    </a:p>
+                  </a:txBody>
+                  <a:tcPr marL="36000" marR="36000" marB="0">
+                    <a:lnL w="6350" cap="flat" cmpd="sng" algn="ctr">
+                      <a:solidFill>
+                        <a:schemeClr val="tx1"/>
+                      </a:solidFill>
+                      <a:prstDash val="solid"/>
+                      <a:round/>
+                      <a:headEnd type="none" w="med" len="med"/>
+                      <a:tailEnd type="none" w="med" len="med"/>
+                    </a:lnL>
+                    <a:lnR w="6350" cap="flat" cmpd="sng" algn="ctr">
+                      <a:solidFill>
+                        <a:schemeClr val="tx1"/>
+                      </a:solidFill>
+                      <a:prstDash val="solid"/>
+                      <a:round/>
+                      <a:headEnd type="none" w="med" len="med"/>
+                      <a:tailEnd type="none" w="med" len="med"/>
+                    </a:lnR>
+                    <a:lnT w="3175" cap="flat" cmpd="sng" algn="ctr">
+                      <a:solidFill>
+                        <a:schemeClr val="bg2">
+                          <a:lumMod val="50000"/>
+                        </a:schemeClr>
+                      </a:solidFill>
+                      <a:prstDash val="solid"/>
+                      <a:round/>
+                      <a:headEnd type="none" w="med" len="med"/>
+                      <a:tailEnd type="none" w="med" len="med"/>
+                    </a:lnT>
+                    <a:lnB w="3175" cap="flat" cmpd="sng" algn="ctr">
+                      <a:solidFill>
+                        <a:schemeClr val="bg2">
+                          <a:lumMod val="50000"/>
+                        </a:schemeClr>
+                      </a:solidFill>
+                      <a:prstDash val="solid"/>
+                      <a:round/>
+                      <a:headEnd type="none" w="med" len="med"/>
+                      <a:tailEnd type="none" w="med" len="med"/>
+                    </a:lnB>
+                    <a:solidFill>
+                      <a:schemeClr val="bg1"/>
+                    </a:solidFill>
+                  </a:tcPr>
+                </a:tc>
+                <a:tc>
+                  <a:txBody>
+                    <a:bodyPr/>
+                    <a:lstStyle/>
+                    <a:p>
+                      <a:endParaRPr lang="ko-KR" altLang="en-US" dirty="0"/>
+                    </a:p>
+                  </a:txBody>
+                  <a:tcPr marL="36000" marR="36000" marB="0">
+                    <a:lnL w="6350" cap="flat" cmpd="sng" algn="ctr">
+                      <a:solidFill>
+                        <a:schemeClr val="tx1"/>
+                      </a:solidFill>
+                      <a:prstDash val="solid"/>
+                      <a:round/>
+                      <a:headEnd type="none" w="med" len="med"/>
+                      <a:tailEnd type="none" w="med" len="med"/>
+                    </a:lnL>
+                    <a:lnR w="6350" cap="flat" cmpd="sng" algn="ctr">
+                      <a:solidFill>
+                        <a:schemeClr val="tx1"/>
+                      </a:solidFill>
+                      <a:prstDash val="solid"/>
+                      <a:round/>
+                      <a:headEnd type="none" w="med" len="med"/>
+                      <a:tailEnd type="none" w="med" len="med"/>
+                    </a:lnR>
+                    <a:lnT w="3175" cap="flat" cmpd="sng" algn="ctr">
+                      <a:solidFill>
+                        <a:schemeClr val="bg2">
+                          <a:lumMod val="50000"/>
+                        </a:schemeClr>
+                      </a:solidFill>
+                      <a:prstDash val="solid"/>
+                      <a:round/>
+                      <a:headEnd type="none" w="med" len="med"/>
+                      <a:tailEnd type="none" w="med" len="med"/>
+                    </a:lnT>
+                    <a:lnB w="3175" cap="flat" cmpd="sng" algn="ctr">
+                      <a:solidFill>
+                        <a:schemeClr val="bg2">
+                          <a:lumMod val="50000"/>
+                        </a:schemeClr>
+                      </a:solidFill>
+                      <a:prstDash val="solid"/>
+                      <a:round/>
+                      <a:headEnd type="none" w="med" len="med"/>
+                      <a:tailEnd type="none" w="med" len="med"/>
+                    </a:lnB>
+                    <a:solidFill>
+                      <a:schemeClr val="bg1"/>
+                    </a:solidFill>
+                  </a:tcPr>
+                </a:tc>
+                <a:tc>
+                  <a:txBody>
+                    <a:bodyPr/>
+                    <a:lstStyle/>
+                    <a:p>
+                      <a:endParaRPr lang="ko-KR" altLang="en-US" dirty="0"/>
+                    </a:p>
+                  </a:txBody>
+                  <a:tcPr marL="36000" marR="36000" marB="0">
+                    <a:lnL w="6350" cap="flat" cmpd="sng" algn="ctr">
+                      <a:solidFill>
+                        <a:schemeClr val="tx1"/>
+                      </a:solidFill>
+                      <a:prstDash val="solid"/>
+                      <a:round/>
+                      <a:headEnd type="none" w="med" len="med"/>
+                      <a:tailEnd type="none" w="med" len="med"/>
+                    </a:lnL>
+                    <a:lnR w="6350" cap="flat" cmpd="sng" algn="ctr">
+                      <a:solidFill>
+                        <a:schemeClr val="tx1"/>
+                      </a:solidFill>
+                      <a:prstDash val="solid"/>
+                      <a:round/>
+                      <a:headEnd type="none" w="med" len="med"/>
+                      <a:tailEnd type="none" w="med" len="med"/>
+                    </a:lnR>
+                    <a:lnT w="3175" cap="flat" cmpd="sng" algn="ctr">
+                      <a:solidFill>
+                        <a:schemeClr val="bg2">
+                          <a:lumMod val="50000"/>
+                        </a:schemeClr>
+                      </a:solidFill>
+                      <a:prstDash val="solid"/>
+                      <a:round/>
+                      <a:headEnd type="none" w="med" len="med"/>
+                      <a:tailEnd type="none" w="med" len="med"/>
+                    </a:lnT>
+                    <a:lnB w="3175" cap="flat" cmpd="sng" algn="ctr">
+                      <a:solidFill>
+                        <a:schemeClr val="bg2">
+                          <a:lumMod val="50000"/>
+                        </a:schemeClr>
+                      </a:solidFill>
+                      <a:prstDash val="solid"/>
+                      <a:round/>
+                      <a:headEnd type="none" w="med" len="med"/>
+                      <a:tailEnd type="none" w="med" len="med"/>
+                    </a:lnB>
+                    <a:solidFill>
+                      <a:schemeClr val="bg1"/>
+                    </a:solidFill>
+                  </a:tcPr>
+                </a:tc>
+                <a:tc>
+                  <a:txBody>
+                    <a:bodyPr/>
+                    <a:lstStyle/>
+                    <a:p>
+                      <a:endParaRPr lang="ko-KR" altLang="en-US" dirty="0"/>
+                    </a:p>
+                  </a:txBody>
+                  <a:tcPr marL="36000" marR="36000" marB="0">
+                    <a:lnL w="6350" cap="flat" cmpd="sng" algn="ctr">
+                      <a:solidFill>
+                        <a:schemeClr val="tx1"/>
+                      </a:solidFill>
+                      <a:prstDash val="solid"/>
+                      <a:round/>
+                      <a:headEnd type="none" w="med" len="med"/>
+                      <a:tailEnd type="none" w="med" len="med"/>
+                    </a:lnL>
+                    <a:lnR w="6350" cap="flat" cmpd="sng" algn="ctr">
+                      <a:solidFill>
+                        <a:schemeClr val="tx1"/>
+                      </a:solidFill>
+                      <a:prstDash val="solid"/>
+                      <a:round/>
+                      <a:headEnd type="none" w="med" len="med"/>
+                      <a:tailEnd type="none" w="med" len="med"/>
+                    </a:lnR>
+                    <a:lnT w="3175" cap="flat" cmpd="sng" algn="ctr">
+                      <a:solidFill>
+                        <a:schemeClr val="bg2">
+                          <a:lumMod val="50000"/>
+                        </a:schemeClr>
+                      </a:solidFill>
+                      <a:prstDash val="solid"/>
+                      <a:round/>
+                      <a:headEnd type="none" w="med" len="med"/>
+                      <a:tailEnd type="none" w="med" len="med"/>
+                    </a:lnT>
+                    <a:lnB w="3175" cap="flat" cmpd="sng" algn="ctr">
+                      <a:solidFill>
+                        <a:schemeClr val="bg2">
+                          <a:lumMod val="50000"/>
+                        </a:schemeClr>
+                      </a:solidFill>
+                      <a:prstDash val="solid"/>
+                      <a:round/>
+                      <a:headEnd type="none" w="med" len="med"/>
+                      <a:tailEnd type="none" w="med" len="med"/>
+                    </a:lnB>
+                    <a:solidFill>
+                      <a:schemeClr val="bg1"/>
+                    </a:solidFill>
+                  </a:tcPr>
+                </a:tc>
+                <a:extLst>
+                  <a:ext uri="{0D108BD9-81ED-4DB2-BD59-A6C34878D82A}">
+                    <a16:rowId xmlns:a16="http://schemas.microsoft.com/office/drawing/2014/main" val="10004"/>
+                  </a:ext>
+                </a:extLst>
+              </a:tr>
+            </a:tbl>
+          </a:graphicData>
+        </a:graphic>
+      </p:graphicFrame>
+      <p:sp>
+        <p:nvSpPr>
+          <p:cNvPr id="44" name="직사각형 43"/>
+          <p:cNvSpPr/>
+          <p:nvPr/>
+        </p:nvSpPr>
+        <p:spPr>
+          <a:xfrm>
+            <a:off x="-223575" y="1539610"/>
+            <a:ext cx="1044059" cy="216000"/>
+          </a:xfrm>
+          <a:prstGeom prst="rect">
+            <a:avLst/>
+          </a:prstGeom>
+          <a:noFill/>
+          <a:ln>
+            <a:noFill/>
+          </a:ln>
+        </p:spPr>
+        <p:style>
+          <a:lnRef idx="2">
+            <a:schemeClr val="accent1">
+              <a:shade val="50000"/>
+            </a:schemeClr>
+          </a:lnRef>
+          <a:fillRef idx="1">
+            <a:schemeClr val="accent1"/>
+          </a:fillRef>
+          <a:effectRef idx="0">
+            <a:schemeClr val="accent1"/>
+          </a:effectRef>
+          <a:fontRef idx="minor">
+            <a:schemeClr val="lt1"/>
+          </a:fontRef>
+        </p:style>
+        <p:txBody>
+          <a:bodyPr rtlCol="0" anchor="ctr"/>
+          <a:lstStyle/>
+          <a:p>
+            <a:pPr algn="r"/>
+            <a:r>
+              <a:rPr lang="ko-KR" altLang="en-US" sz="900" dirty="0">
+                <a:solidFill>
+                  <a:schemeClr val="tx1"/>
+                </a:solidFill>
+              </a:rPr>
+              <a:t>등록자</a:t>
+            </a:r>
+          </a:p>
+        </p:txBody>
+      </p:sp>
+      <p:sp>
+        <p:nvSpPr>
+          <p:cNvPr id="45" name="직사각형 44"/>
+          <p:cNvSpPr/>
+          <p:nvPr/>
+        </p:nvSpPr>
+        <p:spPr>
+          <a:xfrm>
+            <a:off x="772957" y="1231227"/>
+            <a:ext cx="3801451" cy="180000"/>
+          </a:xfrm>
+          <a:prstGeom prst="rect">
+            <a:avLst/>
+          </a:prstGeom>
+          <a:solidFill>
+            <a:schemeClr val="bg1">
+              <a:lumMod val="95000"/>
+            </a:schemeClr>
+          </a:solidFill>
+        </p:spPr>
+        <p:style>
+          <a:lnRef idx="2">
+            <a:schemeClr val="accent1">
+              <a:shade val="50000"/>
+            </a:schemeClr>
+          </a:lnRef>
+          <a:fillRef idx="1">
+            <a:schemeClr val="accent1"/>
+          </a:fillRef>
+          <a:effectRef idx="0">
+            <a:schemeClr val="accent1"/>
+          </a:effectRef>
+          <a:fontRef idx="minor">
+            <a:schemeClr val="lt1"/>
+          </a:fontRef>
+        </p:style>
+        <p:txBody>
+          <a:bodyPr rtlCol="0" anchor="ctr"/>
+          <a:lstStyle/>
+          <a:p>
+            <a:pPr algn="ctr"/>
+            <a:r>
+              <a:rPr lang="ko-KR" altLang="en-US" sz="900" dirty="0" err="1">
+                <a:solidFill>
+                  <a:schemeClr val="tx1"/>
+                </a:solidFill>
+              </a:rPr>
+              <a:t>직영시</a:t>
+            </a:r>
+            <a:r>
+              <a:rPr lang="ko-KR" altLang="en-US" sz="900" dirty="0">
+                <a:solidFill>
+                  <a:schemeClr val="tx1"/>
+                </a:solidFill>
+              </a:rPr>
+              <a:t> </a:t>
+            </a:r>
+            <a:r>
+              <a:rPr lang="ko-KR" altLang="en-US" sz="900" dirty="0" err="1">
+                <a:solidFill>
+                  <a:schemeClr val="tx1"/>
+                </a:solidFill>
+              </a:rPr>
+              <a:t>조직명</a:t>
+            </a:r>
+            <a:r>
+              <a:rPr lang="en-US" altLang="ko-KR" sz="900" dirty="0">
+                <a:solidFill>
+                  <a:schemeClr val="tx1"/>
+                </a:solidFill>
+              </a:rPr>
+              <a:t>+</a:t>
+            </a:r>
+            <a:r>
+              <a:rPr lang="ko-KR" altLang="en-US" sz="900" dirty="0">
+                <a:solidFill>
+                  <a:schemeClr val="tx1"/>
+                </a:solidFill>
+              </a:rPr>
+              <a:t>년도  공사는 </a:t>
+            </a:r>
+            <a:r>
+              <a:rPr lang="ko-KR" altLang="en-US" sz="900" dirty="0" err="1">
+                <a:solidFill>
+                  <a:schemeClr val="tx1"/>
+                </a:solidFill>
+              </a:rPr>
+              <a:t>공사명</a:t>
+            </a:r>
+            <a:r>
+              <a:rPr lang="ko-KR" altLang="en-US" sz="900" dirty="0">
+                <a:solidFill>
+                  <a:schemeClr val="tx1"/>
+                </a:solidFill>
+              </a:rPr>
+              <a:t> </a:t>
+            </a:r>
+            <a:r>
+              <a:rPr lang="en-US" altLang="ko-KR" sz="900" dirty="0">
+                <a:solidFill>
+                  <a:schemeClr val="tx1"/>
+                </a:solidFill>
+              </a:rPr>
+              <a:t>+ </a:t>
+            </a:r>
+            <a:r>
+              <a:rPr lang="ko-KR" altLang="en-US" sz="900" dirty="0">
+                <a:solidFill>
+                  <a:schemeClr val="tx1"/>
+                </a:solidFill>
+              </a:rPr>
+              <a:t>기간</a:t>
+            </a:r>
+          </a:p>
+        </p:txBody>
+      </p:sp>
+      <p:sp>
+        <p:nvSpPr>
+          <p:cNvPr id="52" name="직사각형 51"/>
+          <p:cNvSpPr/>
+          <p:nvPr/>
+        </p:nvSpPr>
+        <p:spPr>
+          <a:xfrm>
+            <a:off x="37694" y="1235023"/>
+            <a:ext cx="956048" cy="180000"/>
+          </a:xfrm>
+          <a:prstGeom prst="rect">
+            <a:avLst/>
+          </a:prstGeom>
+          <a:noFill/>
+          <a:ln>
+            <a:noFill/>
+          </a:ln>
+        </p:spPr>
+        <p:style>
+          <a:lnRef idx="2">
+            <a:schemeClr val="accent1">
+              <a:shade val="50000"/>
+            </a:schemeClr>
+          </a:lnRef>
+          <a:fillRef idx="1">
+            <a:schemeClr val="accent1"/>
+          </a:fillRef>
+          <a:effectRef idx="0">
+            <a:schemeClr val="accent1"/>
+          </a:effectRef>
+          <a:fontRef idx="minor">
+            <a:schemeClr val="lt1"/>
+          </a:fontRef>
+        </p:style>
+        <p:txBody>
+          <a:bodyPr rtlCol="0" anchor="ctr"/>
+          <a:lstStyle/>
+          <a:p>
+            <a:pPr algn="ctr"/>
+            <a:r>
+              <a:rPr lang="ko-KR" altLang="en-US" sz="900" dirty="0">
+                <a:solidFill>
+                  <a:schemeClr val="tx1"/>
+                </a:solidFill>
+              </a:rPr>
+              <a:t>공사번호</a:t>
+            </a:r>
+          </a:p>
+        </p:txBody>
+      </p:sp>
+      <p:sp>
+        <p:nvSpPr>
+          <p:cNvPr id="124" name="직사각형 123"/>
+          <p:cNvSpPr/>
+          <p:nvPr/>
+        </p:nvSpPr>
+        <p:spPr>
+          <a:xfrm>
+            <a:off x="7110729" y="2930696"/>
+            <a:ext cx="742058" cy="180000"/>
+          </a:xfrm>
+          <a:prstGeom prst="rect">
+            <a:avLst/>
+          </a:prstGeom>
+        </p:spPr>
+        <p:style>
+          <a:lnRef idx="2">
+            <a:schemeClr val="accent1">
+              <a:shade val="50000"/>
+            </a:schemeClr>
+          </a:lnRef>
+          <a:fillRef idx="1">
+            <a:schemeClr val="accent1"/>
+          </a:fillRef>
+          <a:effectRef idx="0">
+            <a:schemeClr val="accent1"/>
+          </a:effectRef>
+          <a:fontRef idx="minor">
+            <a:schemeClr val="lt1"/>
+          </a:fontRef>
+        </p:style>
+        <p:txBody>
+          <a:bodyPr rtlCol="0" anchor="ctr"/>
+          <a:lstStyle/>
+          <a:p>
+            <a:pPr algn="ctr"/>
+            <a:r>
+              <a:rPr lang="ko-KR" altLang="en-US" sz="1000" dirty="0"/>
+              <a:t>조회</a:t>
+            </a:r>
+          </a:p>
+        </p:txBody>
+      </p:sp>
+      <p:sp>
+        <p:nvSpPr>
+          <p:cNvPr id="211" name="직사각형 210"/>
+          <p:cNvSpPr/>
+          <p:nvPr/>
+        </p:nvSpPr>
+        <p:spPr>
+          <a:xfrm>
+            <a:off x="772957" y="1509093"/>
+            <a:ext cx="760775" cy="180000"/>
+          </a:xfrm>
+          <a:prstGeom prst="rect">
+            <a:avLst/>
+          </a:prstGeom>
+          <a:noFill/>
+        </p:spPr>
+        <p:style>
+          <a:lnRef idx="2">
+            <a:schemeClr val="accent1">
+              <a:shade val="50000"/>
+            </a:schemeClr>
+          </a:lnRef>
+          <a:fillRef idx="1">
+            <a:schemeClr val="accent1"/>
+          </a:fillRef>
+          <a:effectRef idx="0">
+            <a:schemeClr val="accent1"/>
+          </a:effectRef>
+          <a:fontRef idx="minor">
+            <a:schemeClr val="lt1"/>
+          </a:fontRef>
+        </p:style>
+        <p:txBody>
+          <a:bodyPr rtlCol="0" anchor="ctr"/>
+          <a:lstStyle/>
+          <a:p>
+            <a:pPr algn="ctr"/>
+            <a:endParaRPr lang="ko-KR" altLang="en-US" dirty="0">
+              <a:solidFill>
+                <a:schemeClr val="bg2">
+                  <a:lumMod val="90000"/>
+                </a:schemeClr>
+              </a:solidFill>
+            </a:endParaRPr>
+          </a:p>
+        </p:txBody>
+      </p:sp>
+      <p:sp>
+        <p:nvSpPr>
+          <p:cNvPr id="212" name="직사각형 211"/>
+          <p:cNvSpPr/>
+          <p:nvPr/>
+        </p:nvSpPr>
+        <p:spPr>
+          <a:xfrm>
+            <a:off x="4656196" y="1509093"/>
+            <a:ext cx="546141" cy="180000"/>
+          </a:xfrm>
+          <a:prstGeom prst="rect">
+            <a:avLst/>
+          </a:prstGeom>
+        </p:spPr>
+        <p:style>
+          <a:lnRef idx="2">
+            <a:schemeClr val="accent1">
+              <a:shade val="50000"/>
+            </a:schemeClr>
+          </a:lnRef>
+          <a:fillRef idx="1">
+            <a:schemeClr val="accent1"/>
+          </a:fillRef>
+          <a:effectRef idx="0">
+            <a:schemeClr val="accent1"/>
+          </a:effectRef>
+          <a:fontRef idx="minor">
+            <a:schemeClr val="lt1"/>
+          </a:fontRef>
+        </p:style>
+        <p:txBody>
+          <a:bodyPr rtlCol="0" anchor="ctr"/>
+          <a:lstStyle/>
+          <a:p>
+            <a:pPr algn="ctr"/>
+            <a:r>
+              <a:rPr lang="ko-KR" altLang="en-US" sz="1000" dirty="0"/>
+              <a:t>찾기</a:t>
+            </a:r>
+          </a:p>
+        </p:txBody>
+      </p:sp>
+      <p:sp>
+        <p:nvSpPr>
+          <p:cNvPr id="98" name="직사각형 97"/>
+          <p:cNvSpPr/>
+          <p:nvPr/>
+        </p:nvSpPr>
+        <p:spPr>
+          <a:xfrm>
+            <a:off x="105141" y="2940601"/>
+            <a:ext cx="956048" cy="180000"/>
+          </a:xfrm>
+          <a:prstGeom prst="rect">
+            <a:avLst/>
+          </a:prstGeom>
+          <a:noFill/>
+          <a:ln>
+            <a:noFill/>
+          </a:ln>
+        </p:spPr>
+        <p:style>
+          <a:lnRef idx="2">
+            <a:schemeClr val="accent1">
+              <a:shade val="50000"/>
+            </a:schemeClr>
+          </a:lnRef>
+          <a:fillRef idx="1">
+            <a:schemeClr val="accent1"/>
+          </a:fillRef>
+          <a:effectRef idx="0">
+            <a:schemeClr val="accent1"/>
+          </a:effectRef>
+          <a:fontRef idx="minor">
+            <a:schemeClr val="lt1"/>
+          </a:fontRef>
+        </p:style>
+        <p:txBody>
+          <a:bodyPr rtlCol="0" anchor="ctr"/>
+          <a:lstStyle/>
+          <a:p>
+            <a:pPr algn="ctr"/>
+            <a:r>
+              <a:rPr lang="ko-KR" altLang="en-US" sz="900" dirty="0">
+                <a:solidFill>
+                  <a:schemeClr val="tx1"/>
+                </a:solidFill>
+              </a:rPr>
+              <a:t>총 </a:t>
+            </a:r>
+            <a:r>
+              <a:rPr lang="en-US" altLang="ko-KR" sz="900" dirty="0">
+                <a:solidFill>
+                  <a:schemeClr val="tx1"/>
+                </a:solidFill>
+              </a:rPr>
+              <a:t>NNN </a:t>
+            </a:r>
+            <a:r>
+              <a:rPr lang="ko-KR" altLang="en-US" sz="900" dirty="0">
+                <a:solidFill>
+                  <a:schemeClr val="tx1"/>
+                </a:solidFill>
+              </a:rPr>
+              <a:t>건</a:t>
+            </a:r>
+          </a:p>
+        </p:txBody>
+      </p:sp>
+      <p:sp>
+        <p:nvSpPr>
+          <p:cNvPr id="41" name="직사각형 40"/>
+          <p:cNvSpPr/>
+          <p:nvPr/>
+        </p:nvSpPr>
+        <p:spPr>
+          <a:xfrm>
+            <a:off x="5964585" y="952286"/>
+            <a:ext cx="1912744" cy="180000"/>
+          </a:xfrm>
+          <a:prstGeom prst="rect">
+            <a:avLst/>
+          </a:prstGeom>
+          <a:noFill/>
+        </p:spPr>
+        <p:style>
+          <a:lnRef idx="2">
+            <a:schemeClr val="accent1">
+              <a:shade val="50000"/>
+            </a:schemeClr>
+          </a:lnRef>
+          <a:fillRef idx="1">
+            <a:schemeClr val="accent1"/>
+          </a:fillRef>
+          <a:effectRef idx="0">
+            <a:schemeClr val="accent1"/>
+          </a:effectRef>
+          <a:fontRef idx="minor">
+            <a:schemeClr val="lt1"/>
+          </a:fontRef>
+        </p:style>
+        <p:txBody>
+          <a:bodyPr rtlCol="0" anchor="ctr"/>
+          <a:lstStyle/>
+          <a:p>
+            <a:pPr algn="ctr"/>
+            <a:r>
+              <a:rPr lang="ko-KR" altLang="en-US" sz="900" dirty="0">
+                <a:solidFill>
+                  <a:schemeClr val="tx1"/>
+                </a:solidFill>
+              </a:rPr>
+              <a:t>전체</a:t>
+            </a:r>
+          </a:p>
+        </p:txBody>
+      </p:sp>
+      <p:sp>
+        <p:nvSpPr>
+          <p:cNvPr id="43" name="직사각형 42"/>
+          <p:cNvSpPr/>
+          <p:nvPr/>
+        </p:nvSpPr>
+        <p:spPr>
+          <a:xfrm>
+            <a:off x="5336460" y="958844"/>
+            <a:ext cx="692458" cy="180000"/>
+          </a:xfrm>
+          <a:prstGeom prst="rect">
+            <a:avLst/>
+          </a:prstGeom>
+          <a:noFill/>
+          <a:ln>
+            <a:noFill/>
+          </a:ln>
+        </p:spPr>
+        <p:style>
+          <a:lnRef idx="2">
+            <a:schemeClr val="accent1">
+              <a:shade val="50000"/>
+            </a:schemeClr>
+          </a:lnRef>
+          <a:fillRef idx="1">
+            <a:schemeClr val="accent1"/>
+          </a:fillRef>
+          <a:effectRef idx="0">
+            <a:schemeClr val="accent1"/>
+          </a:effectRef>
+          <a:fontRef idx="minor">
+            <a:schemeClr val="lt1"/>
+          </a:fontRef>
+        </p:style>
+        <p:txBody>
+          <a:bodyPr rtlCol="0" anchor="ctr"/>
+          <a:lstStyle/>
+          <a:p>
+            <a:pPr algn="ctr"/>
+            <a:r>
+              <a:rPr lang="ko-KR" altLang="en-US" sz="900" dirty="0">
+                <a:solidFill>
+                  <a:schemeClr val="tx1"/>
+                </a:solidFill>
+              </a:rPr>
+              <a:t>진행상태</a:t>
+            </a:r>
+          </a:p>
+        </p:txBody>
+      </p:sp>
+      <p:sp>
+        <p:nvSpPr>
+          <p:cNvPr id="54" name="직사각형 53"/>
+          <p:cNvSpPr/>
+          <p:nvPr/>
+        </p:nvSpPr>
+        <p:spPr>
+          <a:xfrm>
+            <a:off x="1669170" y="371486"/>
+            <a:ext cx="1584559" cy="150592"/>
+          </a:xfrm>
+          <a:prstGeom prst="rect">
+            <a:avLst/>
+          </a:prstGeom>
+          <a:noFill/>
+          <a:ln>
+            <a:noFill/>
+          </a:ln>
+        </p:spPr>
+        <p:style>
+          <a:lnRef idx="2">
+            <a:schemeClr val="accent1">
+              <a:shade val="50000"/>
+            </a:schemeClr>
+          </a:lnRef>
+          <a:fillRef idx="1">
+            <a:schemeClr val="accent1"/>
+          </a:fillRef>
+          <a:effectRef idx="0">
+            <a:schemeClr val="accent1"/>
+          </a:effectRef>
+          <a:fontRef idx="minor">
+            <a:schemeClr val="lt1"/>
+          </a:fontRef>
+        </p:style>
+        <p:txBody>
+          <a:bodyPr rtlCol="0" anchor="ctr"/>
+          <a:lstStyle/>
+          <a:p>
+            <a:pPr algn="r"/>
+            <a:r>
+              <a:rPr lang="ko-KR" altLang="en-US" sz="900" dirty="0">
+                <a:solidFill>
+                  <a:schemeClr val="tx1"/>
+                </a:solidFill>
+              </a:rPr>
+              <a:t>등록 서류 검색 </a:t>
+            </a:r>
+            <a:r>
+              <a:rPr lang="en-US" altLang="ko-KR" sz="900" dirty="0">
+                <a:solidFill>
+                  <a:schemeClr val="tx1"/>
+                </a:solidFill>
+              </a:rPr>
+              <a:t>(</a:t>
+            </a:r>
+            <a:r>
+              <a:rPr lang="ko-KR" altLang="en-US" sz="900" dirty="0" err="1">
+                <a:solidFill>
+                  <a:schemeClr val="tx1"/>
+                </a:solidFill>
+              </a:rPr>
+              <a:t>모달</a:t>
+            </a:r>
+            <a:r>
+              <a:rPr lang="ko-KR" altLang="en-US" sz="900" dirty="0">
+                <a:solidFill>
+                  <a:schemeClr val="tx1"/>
+                </a:solidFill>
+              </a:rPr>
+              <a:t> 팝업</a:t>
+            </a:r>
+            <a:r>
+              <a:rPr lang="en-US" altLang="ko-KR" sz="900" dirty="0">
+                <a:solidFill>
+                  <a:schemeClr val="tx1"/>
+                </a:solidFill>
+              </a:rPr>
+              <a:t>)</a:t>
+            </a:r>
+            <a:endParaRPr lang="ko-KR" altLang="en-US" sz="900" dirty="0">
+              <a:solidFill>
+                <a:schemeClr val="tx1"/>
+              </a:solidFill>
+            </a:endParaRPr>
+          </a:p>
+        </p:txBody>
+      </p:sp>
+      <p:sp>
+        <p:nvSpPr>
+          <p:cNvPr id="27" name="직사각형 26"/>
+          <p:cNvSpPr/>
+          <p:nvPr/>
+        </p:nvSpPr>
+        <p:spPr>
+          <a:xfrm>
+            <a:off x="-223575" y="922844"/>
+            <a:ext cx="1044059" cy="216000"/>
+          </a:xfrm>
+          <a:prstGeom prst="rect">
+            <a:avLst/>
+          </a:prstGeom>
+          <a:noFill/>
+          <a:ln>
+            <a:noFill/>
+          </a:ln>
+        </p:spPr>
+        <p:style>
+          <a:lnRef idx="2">
+            <a:schemeClr val="accent1">
+              <a:shade val="50000"/>
+            </a:schemeClr>
+          </a:lnRef>
+          <a:fillRef idx="1">
+            <a:schemeClr val="accent1"/>
+          </a:fillRef>
+          <a:effectRef idx="0">
+            <a:schemeClr val="accent1"/>
+          </a:effectRef>
+          <a:fontRef idx="minor">
+            <a:schemeClr val="lt1"/>
+          </a:fontRef>
+        </p:style>
+        <p:txBody>
+          <a:bodyPr rtlCol="0" anchor="ctr"/>
+          <a:lstStyle/>
+          <a:p>
+            <a:pPr algn="r"/>
+            <a:r>
+              <a:rPr lang="ko-KR" altLang="en-US" sz="900" dirty="0">
+                <a:solidFill>
+                  <a:schemeClr val="tx1"/>
+                </a:solidFill>
+              </a:rPr>
+              <a:t>서류유형</a:t>
+            </a:r>
+          </a:p>
+        </p:txBody>
+      </p:sp>
+      <p:sp>
+        <p:nvSpPr>
+          <p:cNvPr id="29" name="직사각형 28"/>
+          <p:cNvSpPr/>
+          <p:nvPr/>
+        </p:nvSpPr>
+        <p:spPr>
+          <a:xfrm>
+            <a:off x="772957" y="922844"/>
+            <a:ext cx="1912744" cy="180000"/>
+          </a:xfrm>
+          <a:prstGeom prst="rect">
+            <a:avLst/>
+          </a:prstGeom>
+          <a:noFill/>
+        </p:spPr>
+        <p:style>
+          <a:lnRef idx="2">
+            <a:schemeClr val="accent1">
+              <a:shade val="50000"/>
+            </a:schemeClr>
+          </a:lnRef>
+          <a:fillRef idx="1">
+            <a:schemeClr val="accent1"/>
+          </a:fillRef>
+          <a:effectRef idx="0">
+            <a:schemeClr val="accent1"/>
+          </a:effectRef>
+          <a:fontRef idx="minor">
+            <a:schemeClr val="lt1"/>
+          </a:fontRef>
+        </p:style>
+        <p:txBody>
+          <a:bodyPr rtlCol="0" anchor="ctr"/>
+          <a:lstStyle/>
+          <a:p>
+            <a:pPr algn="ctr"/>
+            <a:r>
+              <a:rPr lang="ko-KR" altLang="en-US" sz="900" dirty="0">
+                <a:solidFill>
+                  <a:schemeClr val="tx1"/>
+                </a:solidFill>
+              </a:rPr>
+              <a:t>서류분류 전체</a:t>
+            </a:r>
+          </a:p>
+        </p:txBody>
+      </p:sp>
+      <p:sp>
+        <p:nvSpPr>
+          <p:cNvPr id="48" name="직사각형 47"/>
+          <p:cNvSpPr/>
+          <p:nvPr/>
+        </p:nvSpPr>
+        <p:spPr>
+          <a:xfrm>
+            <a:off x="1595181" y="1518763"/>
+            <a:ext cx="749185" cy="180000"/>
+          </a:xfrm>
+          <a:prstGeom prst="rect">
+            <a:avLst/>
+          </a:prstGeom>
+          <a:solidFill>
+            <a:schemeClr val="bg1">
+              <a:lumMod val="95000"/>
+            </a:schemeClr>
+          </a:solidFill>
+        </p:spPr>
+        <p:style>
+          <a:lnRef idx="2">
+            <a:schemeClr val="accent1">
+              <a:shade val="50000"/>
+            </a:schemeClr>
+          </a:lnRef>
+          <a:fillRef idx="1">
+            <a:schemeClr val="accent1"/>
+          </a:fillRef>
+          <a:effectRef idx="0">
+            <a:schemeClr val="accent1"/>
+          </a:effectRef>
+          <a:fontRef idx="minor">
+            <a:schemeClr val="lt1"/>
+          </a:fontRef>
+        </p:style>
+        <p:txBody>
+          <a:bodyPr rtlCol="0" anchor="ctr"/>
+          <a:lstStyle/>
+          <a:p>
+            <a:pPr algn="ctr"/>
+            <a:r>
+              <a:rPr lang="ko-KR" altLang="en-US" sz="900">
+                <a:solidFill>
+                  <a:schemeClr val="tx1"/>
+                </a:solidFill>
+              </a:rPr>
+              <a:t>이름</a:t>
+            </a:r>
+            <a:endParaRPr lang="ko-KR" altLang="en-US" sz="900" dirty="0">
+              <a:solidFill>
+                <a:schemeClr val="tx1"/>
+              </a:solidFill>
+            </a:endParaRPr>
+          </a:p>
+        </p:txBody>
+      </p:sp>
+      <p:sp>
+        <p:nvSpPr>
+          <p:cNvPr id="2" name="직사각형 1"/>
+          <p:cNvSpPr/>
+          <p:nvPr/>
+        </p:nvSpPr>
+        <p:spPr>
+          <a:xfrm>
+            <a:off x="2961134" y="4592650"/>
+            <a:ext cx="2620712" cy="253218"/>
+          </a:xfrm>
+          <a:prstGeom prst="rect">
+            <a:avLst/>
+          </a:prstGeom>
+        </p:spPr>
+        <p:style>
+          <a:lnRef idx="2">
+            <a:schemeClr val="accent1">
+              <a:shade val="50000"/>
+            </a:schemeClr>
+          </a:lnRef>
+          <a:fillRef idx="1">
+            <a:schemeClr val="accent1"/>
+          </a:fillRef>
+          <a:effectRef idx="0">
+            <a:schemeClr val="accent1"/>
+          </a:effectRef>
+          <a:fontRef idx="minor">
+            <a:schemeClr val="lt1"/>
+          </a:fontRef>
+        </p:style>
+        <p:txBody>
+          <a:bodyPr rtlCol="0" anchor="ctr"/>
+          <a:lstStyle/>
+          <a:p>
+            <a:pPr algn="ctr"/>
+            <a:r>
+              <a:rPr lang="en-US" altLang="ko-KR" sz="1000" dirty="0"/>
+              <a:t>PAGER</a:t>
+            </a:r>
+            <a:endParaRPr lang="ko-KR" altLang="en-US" sz="1000" dirty="0"/>
+          </a:p>
+        </p:txBody>
+      </p:sp>
+      <p:sp>
+        <p:nvSpPr>
+          <p:cNvPr id="35" name="직사각형 34"/>
+          <p:cNvSpPr/>
+          <p:nvPr/>
+        </p:nvSpPr>
+        <p:spPr>
+          <a:xfrm>
+            <a:off x="4656196" y="1229257"/>
+            <a:ext cx="546141" cy="180000"/>
+          </a:xfrm>
+          <a:prstGeom prst="rect">
+            <a:avLst/>
+          </a:prstGeom>
+        </p:spPr>
+        <p:style>
+          <a:lnRef idx="2">
+            <a:schemeClr val="accent1">
+              <a:shade val="50000"/>
+            </a:schemeClr>
+          </a:lnRef>
+          <a:fillRef idx="1">
+            <a:schemeClr val="accent1"/>
+          </a:fillRef>
+          <a:effectRef idx="0">
+            <a:schemeClr val="accent1"/>
+          </a:effectRef>
+          <a:fontRef idx="minor">
+            <a:schemeClr val="lt1"/>
+          </a:fontRef>
+        </p:style>
+        <p:txBody>
+          <a:bodyPr rtlCol="0" anchor="ctr"/>
+          <a:lstStyle/>
+          <a:p>
+            <a:pPr algn="ctr"/>
+            <a:r>
+              <a:rPr lang="ko-KR" altLang="en-US" sz="1000" dirty="0"/>
+              <a:t>찾기</a:t>
+            </a:r>
+          </a:p>
+        </p:txBody>
+      </p:sp>
+      <p:graphicFrame>
+        <p:nvGraphicFramePr>
+          <p:cNvPr id="4" name="표 3"/>
+          <p:cNvGraphicFramePr>
+            <a:graphicFrameLocks noGrp="1"/>
+          </p:cNvGraphicFramePr>
+          <p:nvPr/>
+        </p:nvGraphicFramePr>
+        <p:xfrm>
+          <a:off x="9353294" y="1353946"/>
+          <a:ext cx="2670569" cy="914400"/>
+        </p:xfrm>
+        <a:graphic>
+          <a:graphicData uri="http://schemas.openxmlformats.org/drawingml/2006/table">
+            <a:tbl>
+              <a:tblPr firstRow="1" bandRow="1">
+                <a:tableStyleId>{5C22544A-7EE6-4342-B048-85BDC9FD1C3A}</a:tableStyleId>
+              </a:tblPr>
+              <a:tblGrid>
+                <a:gridCol w="745924">
+                  <a:extLst>
+                    <a:ext uri="{9D8B030D-6E8A-4147-A177-3AD203B41FA5}">
+                      <a16:colId xmlns:a16="http://schemas.microsoft.com/office/drawing/2014/main" val="20000"/>
+                    </a:ext>
+                  </a:extLst>
+                </a:gridCol>
+                <a:gridCol w="1924645">
+                  <a:extLst>
+                    <a:ext uri="{9D8B030D-6E8A-4147-A177-3AD203B41FA5}">
+                      <a16:colId xmlns:a16="http://schemas.microsoft.com/office/drawing/2014/main" val="20001"/>
+                    </a:ext>
+                  </a:extLst>
+                </a:gridCol>
+              </a:tblGrid>
+              <a:tr h="0">
+                <a:tc>
+                  <a:txBody>
+                    <a:bodyPr/>
+                    <a:lstStyle/>
+                    <a:p>
+                      <a:pPr latinLnBrk="1"/>
+                      <a:r>
+                        <a:rPr lang="ko-KR" altLang="en-US" sz="800" dirty="0"/>
+                        <a:t>항목명</a:t>
+                      </a:r>
+                    </a:p>
+                  </a:txBody>
+                  <a:tcPr/>
+                </a:tc>
+                <a:tc>
+                  <a:txBody>
+                    <a:bodyPr/>
+                    <a:lstStyle/>
+                    <a:p>
+                      <a:pPr latinLnBrk="1"/>
+                      <a:r>
+                        <a:rPr lang="ko-KR" altLang="en-US" sz="800" dirty="0"/>
+                        <a:t>설명</a:t>
+                      </a:r>
+                    </a:p>
+                  </a:txBody>
+                  <a:tcPr/>
+                </a:tc>
+                <a:extLst>
+                  <a:ext uri="{0D108BD9-81ED-4DB2-BD59-A6C34878D82A}">
+                    <a16:rowId xmlns:a16="http://schemas.microsoft.com/office/drawing/2014/main" val="10000"/>
+                  </a:ext>
+                </a:extLst>
+              </a:tr>
+              <a:tr h="0">
+                <a:tc>
+                  <a:txBody>
+                    <a:bodyPr/>
+                    <a:lstStyle/>
+                    <a:p>
+                      <a:pPr latinLnBrk="1"/>
+                      <a:r>
+                        <a:rPr lang="ko-KR" altLang="en-US" sz="800" dirty="0"/>
+                        <a:t>확인</a:t>
+                      </a:r>
+                    </a:p>
+                  </a:txBody>
+                  <a:tcPr/>
+                </a:tc>
+                <a:tc>
+                  <a:txBody>
+                    <a:bodyPr/>
+                    <a:lstStyle/>
+                    <a:p>
+                      <a:pPr marL="0" marR="0" lvl="0" indent="0" algn="l" defTabSz="914400" rtl="0" eaLnBrk="1" fontAlgn="auto" latinLnBrk="1" hangingPunct="1">
+                        <a:lnSpc>
+                          <a:spcPct val="100000"/>
+                        </a:lnSpc>
+                        <a:spcBef>
+                          <a:spcPts val="0"/>
+                        </a:spcBef>
+                        <a:spcAft>
+                          <a:spcPts val="0"/>
+                        </a:spcAft>
+                        <a:buClrTx/>
+                        <a:buSzTx/>
+                        <a:buFontTx/>
+                        <a:buNone/>
+                        <a:tabLst/>
+                        <a:defRPr/>
+                      </a:pPr>
+                      <a:r>
+                        <a:rPr lang="ko-KR" altLang="en-US" sz="800" dirty="0">
+                          <a:solidFill>
+                            <a:schemeClr val="tx1"/>
+                          </a:solidFill>
+                        </a:rPr>
+                        <a:t>특정 </a:t>
+                      </a:r>
+                      <a:r>
+                        <a:rPr lang="en-US" altLang="ko-KR" sz="800" dirty="0">
+                          <a:solidFill>
+                            <a:schemeClr val="tx1"/>
+                          </a:solidFill>
+                        </a:rPr>
+                        <a:t>ROW</a:t>
+                      </a:r>
+                      <a:r>
+                        <a:rPr lang="ko-KR" altLang="en-US" sz="800" dirty="0">
+                          <a:solidFill>
+                            <a:schemeClr val="tx1"/>
+                          </a:solidFill>
+                        </a:rPr>
+                        <a:t>를 선택하고 확인 클릭</a:t>
+                      </a:r>
+                      <a:r>
+                        <a:rPr lang="ko-KR" altLang="en-US" sz="800" baseline="0" dirty="0">
+                          <a:solidFill>
+                            <a:schemeClr val="tx1"/>
+                          </a:solidFill>
+                        </a:rPr>
+                        <a:t> 시 해당 </a:t>
+                      </a:r>
+                      <a:r>
+                        <a:rPr lang="en-US" altLang="ko-KR" sz="800" baseline="0" dirty="0">
+                          <a:solidFill>
+                            <a:schemeClr val="tx1"/>
+                          </a:solidFill>
+                        </a:rPr>
+                        <a:t>ROW</a:t>
+                      </a:r>
+                      <a:r>
+                        <a:rPr lang="ko-KR" altLang="en-US" sz="800" baseline="0" dirty="0">
+                          <a:solidFill>
+                            <a:schemeClr val="tx1"/>
+                          </a:solidFill>
+                        </a:rPr>
+                        <a:t>를 </a:t>
+                      </a:r>
+                      <a:r>
+                        <a:rPr lang="en-US" altLang="ko-KR" sz="800" baseline="0" dirty="0">
+                          <a:solidFill>
+                            <a:schemeClr val="tx1"/>
+                          </a:solidFill>
+                        </a:rPr>
+                        <a:t>RETURN</a:t>
+                      </a:r>
+                      <a:endParaRPr lang="en-US" altLang="ko-KR" sz="800" dirty="0">
+                        <a:solidFill>
+                          <a:schemeClr val="tx1"/>
+                        </a:solidFill>
+                      </a:endParaRPr>
+                    </a:p>
+                    <a:p>
+                      <a:pPr latinLnBrk="1"/>
+                      <a:endParaRPr lang="en-US" altLang="ko-KR" sz="800" dirty="0"/>
+                    </a:p>
+                    <a:p>
+                      <a:pPr latinLnBrk="1"/>
+                      <a:r>
+                        <a:rPr lang="ko-KR" altLang="en-US" sz="800" dirty="0"/>
+                        <a:t>특정 </a:t>
+                      </a:r>
+                      <a:r>
+                        <a:rPr lang="en-US" altLang="ko-KR" sz="800" dirty="0"/>
+                        <a:t>ROW</a:t>
+                      </a:r>
+                      <a:r>
+                        <a:rPr lang="ko-KR" altLang="en-US" sz="800" dirty="0"/>
+                        <a:t>를 </a:t>
+                      </a:r>
+                      <a:r>
+                        <a:rPr lang="en-US" altLang="ko-KR" sz="800" dirty="0"/>
+                        <a:t>DOUBLE CLICK</a:t>
+                      </a:r>
+                      <a:r>
+                        <a:rPr lang="en-US" altLang="ko-KR" sz="800" baseline="0" dirty="0"/>
+                        <a:t> </a:t>
+                      </a:r>
+                      <a:r>
+                        <a:rPr lang="ko-KR" altLang="en-US" sz="800" baseline="0" dirty="0"/>
+                        <a:t>시 도 동일하게 처리</a:t>
+                      </a:r>
+                      <a:endParaRPr lang="ko-KR" altLang="en-US" sz="800" dirty="0"/>
+                    </a:p>
+                  </a:txBody>
+                  <a:tcPr/>
+                </a:tc>
+                <a:extLst>
+                  <a:ext uri="{0D108BD9-81ED-4DB2-BD59-A6C34878D82A}">
+                    <a16:rowId xmlns:a16="http://schemas.microsoft.com/office/drawing/2014/main" val="10001"/>
+                  </a:ext>
+                </a:extLst>
+              </a:tr>
+            </a:tbl>
+          </a:graphicData>
+        </a:graphic>
+      </p:graphicFrame>
+      <p:sp>
+        <p:nvSpPr>
+          <p:cNvPr id="40" name="직사각형 39"/>
+          <p:cNvSpPr/>
+          <p:nvPr/>
+        </p:nvSpPr>
+        <p:spPr>
+          <a:xfrm>
+            <a:off x="9517353" y="2854687"/>
+            <a:ext cx="2467745" cy="646331"/>
+          </a:xfrm>
+          <a:prstGeom prst="rect">
+            <a:avLst/>
+          </a:prstGeom>
+          <a:noFill/>
+          <a:ln>
+            <a:noFill/>
+          </a:ln>
+        </p:spPr>
+        <p:style>
+          <a:lnRef idx="2">
+            <a:schemeClr val="accent1">
+              <a:shade val="50000"/>
+            </a:schemeClr>
+          </a:lnRef>
+          <a:fillRef idx="1">
+            <a:schemeClr val="accent1"/>
+          </a:fillRef>
+          <a:effectRef idx="0">
+            <a:schemeClr val="accent1"/>
+          </a:effectRef>
+          <a:fontRef idx="minor">
+            <a:schemeClr val="lt1"/>
+          </a:fontRef>
+        </p:style>
+        <p:txBody>
+          <a:bodyPr rtlCol="0" anchor="t" anchorCtr="0">
+            <a:spAutoFit/>
+          </a:bodyPr>
+          <a:lstStyle/>
+          <a:p>
+            <a:r>
+              <a:rPr lang="ko-KR" altLang="en-US" sz="900" dirty="0">
+                <a:solidFill>
+                  <a:schemeClr val="tx1"/>
+                </a:solidFill>
+              </a:rPr>
+              <a:t>질의사항 </a:t>
+            </a:r>
+            <a:endParaRPr lang="en-US" altLang="ko-KR" sz="900" dirty="0">
+              <a:solidFill>
+                <a:schemeClr val="tx1"/>
+              </a:solidFill>
+            </a:endParaRPr>
+          </a:p>
+          <a:p>
+            <a:endParaRPr lang="en-US" altLang="ko-KR" sz="900" dirty="0">
+              <a:solidFill>
+                <a:schemeClr val="tx1"/>
+              </a:solidFill>
+            </a:endParaRPr>
+          </a:p>
+          <a:p>
+            <a:endParaRPr lang="en-US" altLang="ko-KR" sz="900" dirty="0">
+              <a:solidFill>
+                <a:schemeClr val="tx1"/>
+              </a:solidFill>
+            </a:endParaRPr>
+          </a:p>
+          <a:p>
+            <a:endParaRPr lang="ko-KR" altLang="en-US" sz="900" dirty="0">
+              <a:solidFill>
+                <a:schemeClr val="tx1"/>
+              </a:solidFill>
+            </a:endParaRPr>
+          </a:p>
+        </p:txBody>
+      </p:sp>
+      <p:sp>
+        <p:nvSpPr>
+          <p:cNvPr id="32" name="직사각형 31"/>
+          <p:cNvSpPr/>
+          <p:nvPr/>
+        </p:nvSpPr>
+        <p:spPr>
+          <a:xfrm>
+            <a:off x="2741736" y="922844"/>
+            <a:ext cx="1912744" cy="180000"/>
+          </a:xfrm>
+          <a:prstGeom prst="rect">
+            <a:avLst/>
+          </a:prstGeom>
+          <a:noFill/>
+        </p:spPr>
+        <p:style>
+          <a:lnRef idx="2">
+            <a:schemeClr val="accent1">
+              <a:shade val="50000"/>
+            </a:schemeClr>
+          </a:lnRef>
+          <a:fillRef idx="1">
+            <a:schemeClr val="accent1"/>
+          </a:fillRef>
+          <a:effectRef idx="0">
+            <a:schemeClr val="accent1"/>
+          </a:effectRef>
+          <a:fontRef idx="minor">
+            <a:schemeClr val="lt1"/>
+          </a:fontRef>
+        </p:style>
+        <p:txBody>
+          <a:bodyPr rtlCol="0" anchor="ctr"/>
+          <a:lstStyle/>
+          <a:p>
+            <a:pPr algn="ctr"/>
+            <a:r>
+              <a:rPr lang="ko-KR" altLang="en-US" sz="900" dirty="0">
+                <a:solidFill>
+                  <a:schemeClr val="tx1"/>
+                </a:solidFill>
+              </a:rPr>
+              <a:t>서류 유형 전체</a:t>
+            </a:r>
+          </a:p>
+        </p:txBody>
+      </p:sp>
+      <p:sp>
+        <p:nvSpPr>
+          <p:cNvPr id="39" name="직사각형 38"/>
+          <p:cNvSpPr/>
+          <p:nvPr/>
+        </p:nvSpPr>
+        <p:spPr>
+          <a:xfrm>
+            <a:off x="2461450" y="919048"/>
+            <a:ext cx="231494" cy="180000"/>
+          </a:xfrm>
+          <a:prstGeom prst="rect">
+            <a:avLst/>
+          </a:prstGeom>
+          <a:noFill/>
+        </p:spPr>
+        <p:style>
+          <a:lnRef idx="2">
+            <a:schemeClr val="accent1">
+              <a:shade val="50000"/>
+            </a:schemeClr>
+          </a:lnRef>
+          <a:fillRef idx="1">
+            <a:schemeClr val="accent1"/>
+          </a:fillRef>
+          <a:effectRef idx="0">
+            <a:schemeClr val="accent1"/>
+          </a:effectRef>
+          <a:fontRef idx="minor">
+            <a:schemeClr val="lt1"/>
+          </a:fontRef>
+        </p:style>
+        <p:txBody>
+          <a:bodyPr rtlCol="0" anchor="ctr"/>
+          <a:lstStyle/>
+          <a:p>
+            <a:pPr algn="ctr"/>
+            <a:r>
+              <a:rPr lang="en-US" altLang="ko-KR" sz="900" dirty="0">
+                <a:solidFill>
+                  <a:schemeClr val="tx1"/>
+                </a:solidFill>
+              </a:rPr>
+              <a:t>V</a:t>
+            </a:r>
+            <a:endParaRPr lang="ko-KR" altLang="en-US" sz="900" dirty="0">
+              <a:solidFill>
+                <a:schemeClr val="tx1"/>
+              </a:solidFill>
+            </a:endParaRPr>
+          </a:p>
+        </p:txBody>
+      </p:sp>
+      <p:sp>
+        <p:nvSpPr>
+          <p:cNvPr id="46" name="직사각형 45"/>
+          <p:cNvSpPr/>
+          <p:nvPr/>
+        </p:nvSpPr>
+        <p:spPr>
+          <a:xfrm>
+            <a:off x="4446314" y="919048"/>
+            <a:ext cx="231494" cy="180000"/>
+          </a:xfrm>
+          <a:prstGeom prst="rect">
+            <a:avLst/>
+          </a:prstGeom>
+          <a:noFill/>
+        </p:spPr>
+        <p:style>
+          <a:lnRef idx="2">
+            <a:schemeClr val="accent1">
+              <a:shade val="50000"/>
+            </a:schemeClr>
+          </a:lnRef>
+          <a:fillRef idx="1">
+            <a:schemeClr val="accent1"/>
+          </a:fillRef>
+          <a:effectRef idx="0">
+            <a:schemeClr val="accent1"/>
+          </a:effectRef>
+          <a:fontRef idx="minor">
+            <a:schemeClr val="lt1"/>
+          </a:fontRef>
+        </p:style>
+        <p:txBody>
+          <a:bodyPr rtlCol="0" anchor="ctr"/>
+          <a:lstStyle/>
+          <a:p>
+            <a:pPr algn="ctr"/>
+            <a:r>
+              <a:rPr lang="en-US" altLang="ko-KR" sz="900" dirty="0">
+                <a:solidFill>
+                  <a:schemeClr val="tx1"/>
+                </a:solidFill>
+              </a:rPr>
+              <a:t>V</a:t>
+            </a:r>
+            <a:endParaRPr lang="ko-KR" altLang="en-US" sz="900" dirty="0">
+              <a:solidFill>
+                <a:schemeClr val="tx1"/>
+              </a:solidFill>
+            </a:endParaRPr>
+          </a:p>
+        </p:txBody>
+      </p:sp>
+      <p:sp>
+        <p:nvSpPr>
+          <p:cNvPr id="47" name="직사각형 46"/>
+          <p:cNvSpPr/>
+          <p:nvPr/>
+        </p:nvSpPr>
+        <p:spPr>
+          <a:xfrm>
+            <a:off x="7664738" y="952286"/>
+            <a:ext cx="231494" cy="180000"/>
+          </a:xfrm>
+          <a:prstGeom prst="rect">
+            <a:avLst/>
+          </a:prstGeom>
+          <a:noFill/>
+        </p:spPr>
+        <p:style>
+          <a:lnRef idx="2">
+            <a:schemeClr val="accent1">
+              <a:shade val="50000"/>
+            </a:schemeClr>
+          </a:lnRef>
+          <a:fillRef idx="1">
+            <a:schemeClr val="accent1"/>
+          </a:fillRef>
+          <a:effectRef idx="0">
+            <a:schemeClr val="accent1"/>
+          </a:effectRef>
+          <a:fontRef idx="minor">
+            <a:schemeClr val="lt1"/>
+          </a:fontRef>
+        </p:style>
+        <p:txBody>
+          <a:bodyPr rtlCol="0" anchor="ctr"/>
+          <a:lstStyle/>
+          <a:p>
+            <a:pPr algn="ctr"/>
+            <a:r>
+              <a:rPr lang="en-US" altLang="ko-KR" sz="900" dirty="0">
+                <a:solidFill>
+                  <a:schemeClr val="tx1"/>
+                </a:solidFill>
+              </a:rPr>
+              <a:t>V</a:t>
+            </a:r>
+            <a:endParaRPr lang="ko-KR" altLang="en-US" sz="900" dirty="0">
+              <a:solidFill>
+                <a:schemeClr val="tx1"/>
+              </a:solidFill>
+            </a:endParaRPr>
+          </a:p>
+        </p:txBody>
+      </p:sp>
+      <p:sp>
+        <p:nvSpPr>
+          <p:cNvPr id="37" name="직사각형 36"/>
+          <p:cNvSpPr/>
+          <p:nvPr/>
+        </p:nvSpPr>
+        <p:spPr>
+          <a:xfrm>
+            <a:off x="2391433" y="1503610"/>
+            <a:ext cx="2217695" cy="180000"/>
+          </a:xfrm>
+          <a:prstGeom prst="rect">
+            <a:avLst/>
+          </a:prstGeom>
+          <a:solidFill>
+            <a:schemeClr val="bg1">
+              <a:lumMod val="95000"/>
+            </a:schemeClr>
+          </a:solidFill>
+        </p:spPr>
+        <p:style>
+          <a:lnRef idx="2">
+            <a:schemeClr val="accent1">
+              <a:shade val="50000"/>
+            </a:schemeClr>
+          </a:lnRef>
+          <a:fillRef idx="1">
+            <a:schemeClr val="accent1"/>
+          </a:fillRef>
+          <a:effectRef idx="0">
+            <a:schemeClr val="accent1"/>
+          </a:effectRef>
+          <a:fontRef idx="minor">
+            <a:schemeClr val="lt1"/>
+          </a:fontRef>
+        </p:style>
+        <p:txBody>
+          <a:bodyPr rtlCol="0" anchor="ctr"/>
+          <a:lstStyle/>
+          <a:p>
+            <a:pPr algn="ctr"/>
+            <a:r>
+              <a:rPr lang="ko-KR" altLang="en-US" sz="900" dirty="0">
+                <a:solidFill>
+                  <a:schemeClr val="tx1"/>
+                </a:solidFill>
+              </a:rPr>
+              <a:t>소속</a:t>
+            </a:r>
+          </a:p>
+        </p:txBody>
+      </p:sp>
+      <p:sp>
+        <p:nvSpPr>
+          <p:cNvPr id="49" name="직사각형 48"/>
+          <p:cNvSpPr/>
+          <p:nvPr/>
+        </p:nvSpPr>
+        <p:spPr>
+          <a:xfrm>
+            <a:off x="3529432" y="5935156"/>
+            <a:ext cx="742058" cy="180000"/>
+          </a:xfrm>
+          <a:prstGeom prst="rect">
+            <a:avLst/>
+          </a:prstGeom>
+        </p:spPr>
+        <p:style>
+          <a:lnRef idx="2">
+            <a:schemeClr val="accent1">
+              <a:shade val="50000"/>
+            </a:schemeClr>
+          </a:lnRef>
+          <a:fillRef idx="1">
+            <a:schemeClr val="accent1"/>
+          </a:fillRef>
+          <a:effectRef idx="0">
+            <a:schemeClr val="accent1"/>
+          </a:effectRef>
+          <a:fontRef idx="minor">
+            <a:schemeClr val="lt1"/>
+          </a:fontRef>
+        </p:style>
+        <p:txBody>
+          <a:bodyPr rtlCol="0" anchor="ctr"/>
+          <a:lstStyle/>
+          <a:p>
+            <a:pPr algn="ctr"/>
+            <a:r>
+              <a:rPr lang="ko-KR" altLang="en-US" sz="1000"/>
+              <a:t>확인</a:t>
+            </a:r>
+            <a:endParaRPr lang="ko-KR" altLang="en-US" sz="1000" dirty="0"/>
+          </a:p>
+        </p:txBody>
+      </p:sp>
+      <p:sp>
+        <p:nvSpPr>
+          <p:cNvPr id="50" name="직사각형 49"/>
+          <p:cNvSpPr/>
+          <p:nvPr/>
+        </p:nvSpPr>
+        <p:spPr>
+          <a:xfrm>
+            <a:off x="4315412" y="5935156"/>
+            <a:ext cx="742058" cy="180000"/>
+          </a:xfrm>
+          <a:prstGeom prst="rect">
+            <a:avLst/>
+          </a:prstGeom>
+        </p:spPr>
+        <p:style>
+          <a:lnRef idx="2">
+            <a:schemeClr val="accent1">
+              <a:shade val="50000"/>
+            </a:schemeClr>
+          </a:lnRef>
+          <a:fillRef idx="1">
+            <a:schemeClr val="accent1"/>
+          </a:fillRef>
+          <a:effectRef idx="0">
+            <a:schemeClr val="accent1"/>
+          </a:effectRef>
+          <a:fontRef idx="minor">
+            <a:schemeClr val="lt1"/>
+          </a:fontRef>
+        </p:style>
+        <p:txBody>
+          <a:bodyPr rtlCol="0" anchor="ctr"/>
+          <a:lstStyle/>
+          <a:p>
+            <a:pPr algn="ctr"/>
+            <a:r>
+              <a:rPr lang="ko-KR" altLang="en-US" sz="1000" dirty="0"/>
+              <a:t>취소</a:t>
+            </a:r>
+          </a:p>
+        </p:txBody>
+      </p:sp>
+      <p:sp>
+        <p:nvSpPr>
+          <p:cNvPr id="31" name="직사각형 30"/>
+          <p:cNvSpPr/>
+          <p:nvPr/>
+        </p:nvSpPr>
+        <p:spPr>
+          <a:xfrm>
+            <a:off x="9311021" y="857279"/>
+            <a:ext cx="2467745" cy="230832"/>
+          </a:xfrm>
+          <a:prstGeom prst="rect">
+            <a:avLst/>
+          </a:prstGeom>
+          <a:noFill/>
+          <a:ln>
+            <a:noFill/>
+          </a:ln>
+        </p:spPr>
+        <p:style>
+          <a:lnRef idx="2">
+            <a:schemeClr val="accent1">
+              <a:shade val="50000"/>
+            </a:schemeClr>
+          </a:lnRef>
+          <a:fillRef idx="1">
+            <a:schemeClr val="accent1"/>
+          </a:fillRef>
+          <a:effectRef idx="0">
+            <a:schemeClr val="accent1"/>
+          </a:effectRef>
+          <a:fontRef idx="minor">
+            <a:schemeClr val="lt1"/>
+          </a:fontRef>
+        </p:style>
+        <p:txBody>
+          <a:bodyPr rtlCol="0" anchor="t" anchorCtr="0">
+            <a:spAutoFit/>
+          </a:bodyPr>
+          <a:lstStyle/>
+          <a:p>
+            <a:r>
+              <a:rPr lang="ko-KR" altLang="en-US" sz="900" dirty="0">
+                <a:solidFill>
+                  <a:schemeClr val="tx1"/>
+                </a:solidFill>
+              </a:rPr>
+              <a:t>등록한 혹은 등록중인 서류를 찾기 검색</a:t>
+            </a:r>
+          </a:p>
+        </p:txBody>
+      </p:sp>
+      <p:sp>
+        <p:nvSpPr>
+          <p:cNvPr id="28" name="직사각형 27">
+            <a:extLst>
+              <a:ext uri="{FF2B5EF4-FFF2-40B4-BE49-F238E27FC236}">
+                <a16:creationId xmlns:a16="http://schemas.microsoft.com/office/drawing/2014/main" id="{08CA5ED6-110F-45A7-A738-91FD27CA2EAC}"/>
+              </a:ext>
+            </a:extLst>
+          </p:cNvPr>
+          <p:cNvSpPr/>
+          <p:nvPr/>
+        </p:nvSpPr>
+        <p:spPr>
+          <a:xfrm>
+            <a:off x="-247611" y="1770550"/>
+            <a:ext cx="1044059" cy="216000"/>
+          </a:xfrm>
+          <a:prstGeom prst="rect">
+            <a:avLst/>
+          </a:prstGeom>
+          <a:noFill/>
+          <a:ln>
+            <a:noFill/>
+          </a:ln>
+        </p:spPr>
+        <p:style>
+          <a:lnRef idx="2">
+            <a:schemeClr val="accent1">
+              <a:shade val="50000"/>
+            </a:schemeClr>
+          </a:lnRef>
+          <a:fillRef idx="1">
+            <a:schemeClr val="accent1"/>
+          </a:fillRef>
+          <a:effectRef idx="0">
+            <a:schemeClr val="accent1"/>
+          </a:effectRef>
+          <a:fontRef idx="minor">
+            <a:schemeClr val="lt1"/>
+          </a:fontRef>
+        </p:style>
+        <p:txBody>
+          <a:bodyPr rtlCol="0" anchor="ctr"/>
+          <a:lstStyle/>
+          <a:p>
+            <a:pPr algn="r"/>
+            <a:r>
+              <a:rPr lang="ko-KR" altLang="en-US" sz="900" dirty="0">
+                <a:solidFill>
+                  <a:schemeClr val="tx1"/>
+                </a:solidFill>
+              </a:rPr>
+              <a:t>작업지시</a:t>
+            </a:r>
+            <a:r>
+              <a:rPr lang="en-US" altLang="ko-KR" sz="900" dirty="0">
+                <a:solidFill>
+                  <a:schemeClr val="tx1"/>
+                </a:solidFill>
+              </a:rPr>
+              <a:t> ID</a:t>
+            </a:r>
+            <a:endParaRPr lang="ko-KR" altLang="en-US" sz="900" dirty="0">
+              <a:solidFill>
+                <a:schemeClr val="tx1"/>
+              </a:solidFill>
+            </a:endParaRPr>
+          </a:p>
+        </p:txBody>
+      </p:sp>
+      <p:sp>
+        <p:nvSpPr>
+          <p:cNvPr id="30" name="직사각형 29">
+            <a:extLst>
+              <a:ext uri="{FF2B5EF4-FFF2-40B4-BE49-F238E27FC236}">
+                <a16:creationId xmlns:a16="http://schemas.microsoft.com/office/drawing/2014/main" id="{AB20A123-E65D-4C48-B67E-D936E0A1A0C8}"/>
+              </a:ext>
+            </a:extLst>
+          </p:cNvPr>
+          <p:cNvSpPr/>
+          <p:nvPr/>
+        </p:nvSpPr>
+        <p:spPr>
+          <a:xfrm>
+            <a:off x="764076" y="1775245"/>
+            <a:ext cx="760775" cy="180000"/>
+          </a:xfrm>
+          <a:prstGeom prst="rect">
+            <a:avLst/>
+          </a:prstGeom>
+          <a:noFill/>
+        </p:spPr>
+        <p:style>
+          <a:lnRef idx="2">
+            <a:schemeClr val="accent1">
+              <a:shade val="50000"/>
+            </a:schemeClr>
+          </a:lnRef>
+          <a:fillRef idx="1">
+            <a:schemeClr val="accent1"/>
+          </a:fillRef>
+          <a:effectRef idx="0">
+            <a:schemeClr val="accent1"/>
+          </a:effectRef>
+          <a:fontRef idx="minor">
+            <a:schemeClr val="lt1"/>
+          </a:fontRef>
+        </p:style>
+        <p:txBody>
+          <a:bodyPr rtlCol="0" anchor="ctr"/>
+          <a:lstStyle/>
+          <a:p>
+            <a:pPr algn="ctr"/>
+            <a:endParaRPr lang="ko-KR" altLang="en-US" dirty="0">
+              <a:solidFill>
+                <a:schemeClr val="bg2">
+                  <a:lumMod val="90000"/>
+                </a:schemeClr>
+              </a:solidFill>
+            </a:endParaRPr>
+          </a:p>
+        </p:txBody>
+      </p:sp>
+      <p:sp>
+        <p:nvSpPr>
+          <p:cNvPr id="33" name="직사각형 32">
+            <a:extLst>
+              <a:ext uri="{FF2B5EF4-FFF2-40B4-BE49-F238E27FC236}">
+                <a16:creationId xmlns:a16="http://schemas.microsoft.com/office/drawing/2014/main" id="{C6859955-84F2-403A-8543-8DB7634614C8}"/>
+              </a:ext>
+            </a:extLst>
+          </p:cNvPr>
+          <p:cNvSpPr/>
+          <p:nvPr/>
+        </p:nvSpPr>
+        <p:spPr>
+          <a:xfrm>
+            <a:off x="2297452" y="1784771"/>
+            <a:ext cx="2377005" cy="170474"/>
+          </a:xfrm>
+          <a:prstGeom prst="rect">
+            <a:avLst/>
+          </a:prstGeom>
+          <a:solidFill>
+            <a:schemeClr val="bg1">
+              <a:lumMod val="95000"/>
+            </a:schemeClr>
+          </a:solidFill>
+        </p:spPr>
+        <p:style>
+          <a:lnRef idx="2">
+            <a:schemeClr val="accent1">
+              <a:shade val="50000"/>
+            </a:schemeClr>
+          </a:lnRef>
+          <a:fillRef idx="1">
+            <a:schemeClr val="accent1"/>
+          </a:fillRef>
+          <a:effectRef idx="0">
+            <a:schemeClr val="accent1"/>
+          </a:effectRef>
+          <a:fontRef idx="minor">
+            <a:schemeClr val="lt1"/>
+          </a:fontRef>
+        </p:style>
+        <p:txBody>
+          <a:bodyPr rtlCol="0" anchor="ctr"/>
+          <a:lstStyle/>
+          <a:p>
+            <a:pPr algn="ctr"/>
+            <a:r>
+              <a:rPr lang="ko-KR" altLang="en-US" sz="900" dirty="0">
+                <a:solidFill>
+                  <a:schemeClr val="tx1"/>
+                </a:solidFill>
+              </a:rPr>
+              <a:t>소속</a:t>
+            </a:r>
+          </a:p>
+        </p:txBody>
+      </p:sp>
+      <p:sp>
+        <p:nvSpPr>
+          <p:cNvPr id="34" name="직사각형 33">
+            <a:extLst>
+              <a:ext uri="{FF2B5EF4-FFF2-40B4-BE49-F238E27FC236}">
+                <a16:creationId xmlns:a16="http://schemas.microsoft.com/office/drawing/2014/main" id="{C5F1B857-719D-4B9A-B7A7-AF69B51C5191}"/>
+              </a:ext>
+            </a:extLst>
+          </p:cNvPr>
+          <p:cNvSpPr/>
+          <p:nvPr/>
+        </p:nvSpPr>
+        <p:spPr>
+          <a:xfrm>
+            <a:off x="1286105" y="1784771"/>
+            <a:ext cx="1044059" cy="216000"/>
+          </a:xfrm>
+          <a:prstGeom prst="rect">
+            <a:avLst/>
+          </a:prstGeom>
+          <a:noFill/>
+          <a:ln>
+            <a:noFill/>
+          </a:ln>
+        </p:spPr>
+        <p:style>
+          <a:lnRef idx="2">
+            <a:schemeClr val="accent1">
+              <a:shade val="50000"/>
+            </a:schemeClr>
+          </a:lnRef>
+          <a:fillRef idx="1">
+            <a:schemeClr val="accent1"/>
+          </a:fillRef>
+          <a:effectRef idx="0">
+            <a:schemeClr val="accent1"/>
+          </a:effectRef>
+          <a:fontRef idx="minor">
+            <a:schemeClr val="lt1"/>
+          </a:fontRef>
+        </p:style>
+        <p:txBody>
+          <a:bodyPr rtlCol="0" anchor="ctr"/>
+          <a:lstStyle/>
+          <a:p>
+            <a:pPr algn="r"/>
+            <a:r>
+              <a:rPr lang="ko-KR" altLang="en-US" sz="900" dirty="0">
+                <a:solidFill>
+                  <a:schemeClr val="tx1"/>
+                </a:solidFill>
+              </a:rPr>
+              <a:t>작업지시</a:t>
+            </a:r>
+            <a:r>
+              <a:rPr lang="en-US" altLang="ko-KR" sz="900" dirty="0">
+                <a:solidFill>
+                  <a:schemeClr val="tx1"/>
+                </a:solidFill>
+              </a:rPr>
+              <a:t> </a:t>
+            </a:r>
+            <a:r>
+              <a:rPr lang="ko-KR" altLang="en-US" sz="900" dirty="0">
+                <a:solidFill>
+                  <a:schemeClr val="tx1"/>
+                </a:solidFill>
+              </a:rPr>
+              <a:t>명</a:t>
+            </a:r>
+          </a:p>
+        </p:txBody>
+      </p:sp>
+    </p:spTree>
+    <p:extLst>
+      <p:ext uri="{BB962C8B-B14F-4D97-AF65-F5344CB8AC3E}">
+        <p14:creationId xmlns:p14="http://schemas.microsoft.com/office/powerpoint/2010/main" val="1530256209"/>
+      </p:ext>
+    </p:extLst>
+  </p:cSld>
+  <p:clrMapOvr>
+    <a:masterClrMapping/>
+  </p:clrMapOvr>
+</p:sld>
+</file>
+
 <file path=ppt/slides/slide2.xml><?xml version="1.0" encoding="utf-8"?>
 <p:sld xmlns:a="http://schemas.openxmlformats.org/drawingml/2006/main" xmlns:r="http://schemas.openxmlformats.org/officeDocument/2006/relationships" xmlns:p="http://schemas.openxmlformats.org/presentationml/2006/main">
   <p:cSld>
@@ -25564,6 +31249,332 @@
         </p:nvSpPr>
         <p:spPr>
           <a:xfrm>
+            <a:off x="1452403" y="193446"/>
+            <a:ext cx="2271367" cy="137811"/>
+          </a:xfrm>
+          <a:prstGeom prst="rect">
+            <a:avLst/>
+          </a:prstGeom>
+          <a:noFill/>
+          <a:ln>
+            <a:noFill/>
+          </a:ln>
+        </p:spPr>
+        <p:style>
+          <a:lnRef idx="2">
+            <a:schemeClr val="accent1">
+              <a:shade val="50000"/>
+            </a:schemeClr>
+          </a:lnRef>
+          <a:fillRef idx="1">
+            <a:schemeClr val="accent1"/>
+          </a:fillRef>
+          <a:effectRef idx="0">
+            <a:schemeClr val="accent1"/>
+          </a:effectRef>
+          <a:fontRef idx="minor">
+            <a:schemeClr val="lt1"/>
+          </a:fontRef>
+        </p:style>
+        <p:txBody>
+          <a:bodyPr rtlCol="0" anchor="ctr"/>
+          <a:lstStyle/>
+          <a:p>
+            <a:r>
+              <a:rPr lang="ko-KR" altLang="en-US" sz="900" dirty="0">
+                <a:solidFill>
+                  <a:schemeClr val="tx1"/>
+                </a:solidFill>
+              </a:rPr>
+              <a:t>권한 부여 팝업</a:t>
+            </a:r>
+          </a:p>
+        </p:txBody>
+      </p:sp>
+      <p:sp>
+        <p:nvSpPr>
+          <p:cNvPr id="42" name="직사각형 41"/>
+          <p:cNvSpPr/>
+          <p:nvPr/>
+        </p:nvSpPr>
+        <p:spPr>
+          <a:xfrm>
+            <a:off x="9955056" y="377366"/>
+            <a:ext cx="824912" cy="230832"/>
+          </a:xfrm>
+          <a:prstGeom prst="rect">
+            <a:avLst/>
+          </a:prstGeom>
+          <a:noFill/>
+          <a:ln>
+            <a:noFill/>
+          </a:ln>
+        </p:spPr>
+        <p:style>
+          <a:lnRef idx="2">
+            <a:schemeClr val="accent1">
+              <a:shade val="50000"/>
+            </a:schemeClr>
+          </a:lnRef>
+          <a:fillRef idx="1">
+            <a:schemeClr val="accent1"/>
+          </a:fillRef>
+          <a:effectRef idx="0">
+            <a:schemeClr val="accent1"/>
+          </a:effectRef>
+          <a:fontRef idx="minor">
+            <a:schemeClr val="lt1"/>
+          </a:fontRef>
+        </p:style>
+        <p:txBody>
+          <a:bodyPr wrap="square" rtlCol="0" anchor="ctr">
+            <a:spAutoFit/>
+          </a:bodyPr>
+          <a:lstStyle/>
+          <a:p>
+            <a:r>
+              <a:rPr lang="ko-KR" altLang="en-US" sz="900" dirty="0">
+                <a:solidFill>
+                  <a:schemeClr val="tx1"/>
+                </a:solidFill>
+              </a:rPr>
+              <a:t>페이지</a:t>
+            </a:r>
+          </a:p>
+        </p:txBody>
+      </p:sp>
+      <p:sp>
+        <p:nvSpPr>
+          <p:cNvPr id="43" name="직사각형 42"/>
+          <p:cNvSpPr/>
+          <p:nvPr/>
+        </p:nvSpPr>
+        <p:spPr>
+          <a:xfrm>
+            <a:off x="9955056" y="146534"/>
+            <a:ext cx="824912" cy="230832"/>
+          </a:xfrm>
+          <a:prstGeom prst="rect">
+            <a:avLst/>
+          </a:prstGeom>
+          <a:noFill/>
+          <a:ln>
+            <a:noFill/>
+          </a:ln>
+        </p:spPr>
+        <p:style>
+          <a:lnRef idx="2">
+            <a:schemeClr val="accent1">
+              <a:shade val="50000"/>
+            </a:schemeClr>
+          </a:lnRef>
+          <a:fillRef idx="1">
+            <a:schemeClr val="accent1"/>
+          </a:fillRef>
+          <a:effectRef idx="0">
+            <a:schemeClr val="accent1"/>
+          </a:effectRef>
+          <a:fontRef idx="minor">
+            <a:schemeClr val="lt1"/>
+          </a:fontRef>
+        </p:style>
+        <p:txBody>
+          <a:bodyPr wrap="square" rtlCol="0" anchor="ctr">
+            <a:spAutoFit/>
+          </a:bodyPr>
+          <a:lstStyle/>
+          <a:p>
+            <a:r>
+              <a:rPr lang="ko-KR" altLang="en-US" sz="900" dirty="0">
+                <a:solidFill>
+                  <a:schemeClr val="tx1"/>
+                </a:solidFill>
+              </a:rPr>
+              <a:t>웹</a:t>
+            </a:r>
+          </a:p>
+        </p:txBody>
+      </p:sp>
+      <p:pic>
+        <p:nvPicPr>
+          <p:cNvPr id="6" name="그림 5" descr="텍스트, 모니터, 스크린샷, 검은색이(가) 표시된 사진&#10;&#10;자동 생성된 설명">
+            <a:extLst>
+              <a:ext uri="{FF2B5EF4-FFF2-40B4-BE49-F238E27FC236}">
+                <a16:creationId xmlns:a16="http://schemas.microsoft.com/office/drawing/2014/main" id="{D5AB8A02-ED91-43CD-A5C4-A4EFE7D2E8AF}"/>
+              </a:ext>
+            </a:extLst>
+          </p:cNvPr>
+          <p:cNvPicPr>
+            <a:picLocks noChangeAspect="1"/>
+          </p:cNvPicPr>
+          <p:nvPr/>
+        </p:nvPicPr>
+        <p:blipFill>
+          <a:blip r:embed="rId3">
+            <a:extLst>
+              <a:ext uri="{28A0092B-C50C-407E-A947-70E740481C1C}">
+                <a14:useLocalDpi xmlns:a14="http://schemas.microsoft.com/office/drawing/2010/main" val="0"/>
+              </a:ext>
+            </a:extLst>
+          </a:blip>
+          <a:stretch>
+            <a:fillRect/>
+          </a:stretch>
+        </p:blipFill>
+        <p:spPr>
+          <a:xfrm>
+            <a:off x="920496" y="1161288"/>
+            <a:ext cx="5846508" cy="3429000"/>
+          </a:xfrm>
+          <a:prstGeom prst="rect">
+            <a:avLst/>
+          </a:prstGeom>
+        </p:spPr>
+      </p:pic>
+      <p:sp>
+        <p:nvSpPr>
+          <p:cNvPr id="40" name="직사각형 39">
+            <a:extLst>
+              <a:ext uri="{FF2B5EF4-FFF2-40B4-BE49-F238E27FC236}">
+                <a16:creationId xmlns:a16="http://schemas.microsoft.com/office/drawing/2014/main" id="{74D73BD9-8B21-4866-8698-3E0832AD3099}"/>
+              </a:ext>
+            </a:extLst>
+          </p:cNvPr>
+          <p:cNvSpPr/>
+          <p:nvPr/>
+        </p:nvSpPr>
+        <p:spPr>
+          <a:xfrm>
+            <a:off x="4788015" y="3867912"/>
+            <a:ext cx="6226083" cy="886808"/>
+          </a:xfrm>
+          <a:prstGeom prst="rect">
+            <a:avLst/>
+          </a:prstGeom>
+          <a:solidFill>
+            <a:schemeClr val="accent6"/>
+          </a:solidFill>
+        </p:spPr>
+        <p:style>
+          <a:lnRef idx="2">
+            <a:schemeClr val="accent1">
+              <a:shade val="50000"/>
+            </a:schemeClr>
+          </a:lnRef>
+          <a:fillRef idx="1">
+            <a:schemeClr val="accent1"/>
+          </a:fillRef>
+          <a:effectRef idx="0">
+            <a:schemeClr val="accent1"/>
+          </a:effectRef>
+          <a:fontRef idx="minor">
+            <a:schemeClr val="lt1"/>
+          </a:fontRef>
+        </p:style>
+        <p:txBody>
+          <a:bodyPr rtlCol="0" anchor="ctr"/>
+          <a:lstStyle/>
+          <a:p>
+            <a:pPr marL="228600" indent="-228600">
+              <a:buAutoNum type="arabicPeriod"/>
+            </a:pPr>
+            <a:r>
+              <a:rPr lang="ko-KR" altLang="en-US" sz="1200" b="1" dirty="0" err="1">
+                <a:solidFill>
+                  <a:schemeClr val="tx1"/>
+                </a:solidFill>
+              </a:rPr>
+              <a:t>캡쳐된</a:t>
+            </a:r>
+            <a:r>
+              <a:rPr lang="ko-KR" altLang="en-US" sz="1200" b="1" dirty="0">
+                <a:solidFill>
+                  <a:schemeClr val="tx1"/>
+                </a:solidFill>
+              </a:rPr>
+              <a:t> 화면은 권한이 한 개이지만 </a:t>
+            </a:r>
+            <a:r>
+              <a:rPr lang="en-US" altLang="ko-KR" sz="1200" b="1" dirty="0">
+                <a:solidFill>
+                  <a:schemeClr val="tx1"/>
+                </a:solidFill>
+              </a:rPr>
+              <a:t>5</a:t>
+            </a:r>
+            <a:r>
+              <a:rPr lang="ko-KR" altLang="en-US" sz="1200" b="1" dirty="0">
+                <a:solidFill>
+                  <a:schemeClr val="tx1"/>
+                </a:solidFill>
+              </a:rPr>
+              <a:t>개 정도 존재합니다</a:t>
+            </a:r>
+            <a:r>
+              <a:rPr lang="en-US" altLang="ko-KR" sz="1200" b="1" dirty="0">
+                <a:solidFill>
+                  <a:schemeClr val="tx1"/>
+                </a:solidFill>
+              </a:rPr>
+              <a:t>(</a:t>
+            </a:r>
+            <a:r>
+              <a:rPr lang="ko-KR" altLang="en-US" sz="1200" b="1" dirty="0">
+                <a:solidFill>
+                  <a:schemeClr val="tx1"/>
+                </a:solidFill>
+              </a:rPr>
+              <a:t>스위치 스타일로 반영해주시면 됩니다</a:t>
+            </a:r>
+            <a:r>
+              <a:rPr lang="en-US" altLang="ko-KR" sz="1200" b="1" dirty="0">
+                <a:solidFill>
+                  <a:schemeClr val="tx1"/>
+                </a:solidFill>
+              </a:rPr>
+              <a:t>)</a:t>
+            </a:r>
+          </a:p>
+        </p:txBody>
+      </p:sp>
+    </p:spTree>
+    <p:extLst>
+      <p:ext uri="{BB962C8B-B14F-4D97-AF65-F5344CB8AC3E}">
+        <p14:creationId xmlns:p14="http://schemas.microsoft.com/office/powerpoint/2010/main" val="2341374985"/>
+      </p:ext>
+    </p:extLst>
+  </p:cSld>
+  <p:clrMapOvr>
+    <a:masterClrMapping/>
+  </p:clrMapOvr>
+</p:sld>
+</file>
+
+<file path=ppt/slides/slide5.xml><?xml version="1.0" encoding="utf-8"?>
+<p:sld xmlns:a="http://schemas.openxmlformats.org/drawingml/2006/main" xmlns:r="http://schemas.openxmlformats.org/officeDocument/2006/relationships" xmlns:p="http://schemas.openxmlformats.org/presentationml/2006/main">
+  <p:cSld>
+    <p:spTree>
+      <p:nvGrpSpPr>
+        <p:cNvPr id="1" name=""/>
+        <p:cNvGrpSpPr/>
+        <p:nvPr/>
+      </p:nvGrpSpPr>
+      <p:grpSpPr>
+        <a:xfrm>
+          <a:off x="0" y="0"/>
+          <a:ext cx="0" cy="0"/>
+          <a:chOff x="0" y="0"/>
+          <a:chExt cx="0" cy="0"/>
+        </a:xfrm>
+      </p:grpSpPr>
+      <p:sp>
+        <p:nvSpPr>
+          <p:cNvPr id="54" name="직사각형 53"/>
+          <p:cNvSpPr/>
+          <p:nvPr/>
+        </p:nvSpPr>
+        <p:spPr>
+          <a:xfrm>
             <a:off x="1444864" y="230538"/>
             <a:ext cx="2271367" cy="137811"/>
           </a:xfrm>
@@ -28166,7 +34177,7 @@
 </p:sld>
 </file>
 
-<file path=ppt/slides/slide5.xml><?xml version="1.0" encoding="utf-8"?>
+<file path=ppt/slides/slide6.xml><?xml version="1.0" encoding="utf-8"?>
 <p:sld xmlns:a="http://schemas.openxmlformats.org/drawingml/2006/main" xmlns:r="http://schemas.openxmlformats.org/officeDocument/2006/relationships" xmlns:p="http://schemas.openxmlformats.org/presentationml/2006/main">
   <p:cSld>
     <p:spTree>
@@ -31047,7 +37058,7 @@
 </p:sld>
 </file>
 
-<file path=ppt/slides/slide6.xml><?xml version="1.0" encoding="utf-8"?>
+<file path=ppt/slides/slide7.xml><?xml version="1.0" encoding="utf-8"?>
 <p:sld xmlns:a="http://schemas.openxmlformats.org/drawingml/2006/main" xmlns:r="http://schemas.openxmlformats.org/officeDocument/2006/relationships" xmlns:p="http://schemas.openxmlformats.org/presentationml/2006/main">
   <p:cSld>
     <p:spTree>
@@ -33648,7 +39659,7 @@
 </p:sld>
 </file>
 
-<file path=ppt/slides/slide7.xml><?xml version="1.0" encoding="utf-8"?>
+<file path=ppt/slides/slide8.xml><?xml version="1.0" encoding="utf-8"?>
 <p:sld xmlns:a="http://schemas.openxmlformats.org/drawingml/2006/main" xmlns:r="http://schemas.openxmlformats.org/officeDocument/2006/relationships" xmlns:p="http://schemas.openxmlformats.org/presentationml/2006/main">
   <p:cSld>
     <p:spTree>
@@ -35579,7 +41590,7 @@
 </p:sld>
 </file>
 
-<file path=ppt/slides/slide8.xml><?xml version="1.0" encoding="utf-8"?>
+<file path=ppt/slides/slide9.xml><?xml version="1.0" encoding="utf-8"?>
 <p:sld xmlns:a="http://schemas.openxmlformats.org/drawingml/2006/main" xmlns:r="http://schemas.openxmlformats.org/officeDocument/2006/relationships" xmlns:p="http://schemas.openxmlformats.org/presentationml/2006/main">
   <p:cSld>
     <p:spTree>
@@ -35885,1214 +41896,6 @@
     <p:extLst>
       <p:ext uri="{BB962C8B-B14F-4D97-AF65-F5344CB8AC3E}">
         <p14:creationId xmlns:p14="http://schemas.microsoft.com/office/powerpoint/2010/main" val="954349898"/>
-      </p:ext>
-    </p:extLst>
-  </p:cSld>
-  <p:clrMapOvr>
-    <a:masterClrMapping/>
-  </p:clrMapOvr>
-</p:sld>
-</file>
-
-<file path=ppt/slides/slide9.xml><?xml version="1.0" encoding="utf-8"?>
-<p:sld xmlns:a="http://schemas.openxmlformats.org/drawingml/2006/main" xmlns:r="http://schemas.openxmlformats.org/officeDocument/2006/relationships" xmlns:p="http://schemas.openxmlformats.org/presentationml/2006/main">
-  <p:cSld>
-    <p:spTree>
-      <p:nvGrpSpPr>
-        <p:cNvPr id="1" name=""/>
-        <p:cNvGrpSpPr/>
-        <p:nvPr/>
-      </p:nvGrpSpPr>
-      <p:grpSpPr>
-        <a:xfrm>
-          <a:off x="0" y="0"/>
-          <a:ext cx="0" cy="0"/>
-          <a:chOff x="0" y="0"/>
-          <a:chExt cx="0" cy="0"/>
-        </a:xfrm>
-      </p:grpSpPr>
-      <p:sp>
-        <p:nvSpPr>
-          <p:cNvPr id="2" name="텍스트 개체 틀 1">
-            <a:extLst>
-              <a:ext uri="{FF2B5EF4-FFF2-40B4-BE49-F238E27FC236}">
-                <a16:creationId xmlns:a16="http://schemas.microsoft.com/office/drawing/2014/main" id="{43CB7990-13B9-406D-8618-269741DC2243}"/>
-              </a:ext>
-            </a:extLst>
-          </p:cNvPr>
-          <p:cNvSpPr>
-            <a:spLocks noGrp="1"/>
-          </p:cNvSpPr>
-          <p:nvPr>
-            <p:ph type="body" sz="quarter" idx="12"/>
-          </p:nvPr>
-        </p:nvSpPr>
-        <p:spPr/>
-        <p:txBody>
-          <a:bodyPr>
-            <a:normAutofit lnSpcReduction="10000"/>
-          </a:bodyPr>
-          <a:lstStyle/>
-          <a:p>
-            <a:endParaRPr lang="ko-KR" altLang="en-US"/>
-          </a:p>
-        </p:txBody>
-      </p:sp>
-      <p:sp>
-        <p:nvSpPr>
-          <p:cNvPr id="3" name="직사각형 2">
-            <a:extLst>
-              <a:ext uri="{FF2B5EF4-FFF2-40B4-BE49-F238E27FC236}">
-                <a16:creationId xmlns:a16="http://schemas.microsoft.com/office/drawing/2014/main" id="{507B737C-DC42-4C57-BD35-26CA53D63244}"/>
-              </a:ext>
-            </a:extLst>
-          </p:cNvPr>
-          <p:cNvSpPr/>
-          <p:nvPr/>
-        </p:nvSpPr>
-        <p:spPr>
-          <a:xfrm>
-            <a:off x="4166822" y="3759844"/>
-            <a:ext cx="732303" cy="180000"/>
-          </a:xfrm>
-          <a:prstGeom prst="rect">
-            <a:avLst/>
-          </a:prstGeom>
-        </p:spPr>
-        <p:style>
-          <a:lnRef idx="2">
-            <a:schemeClr val="accent1">
-              <a:shade val="50000"/>
-            </a:schemeClr>
-          </a:lnRef>
-          <a:fillRef idx="1">
-            <a:schemeClr val="accent1"/>
-          </a:fillRef>
-          <a:effectRef idx="0">
-            <a:schemeClr val="accent1"/>
-          </a:effectRef>
-          <a:fontRef idx="minor">
-            <a:schemeClr val="lt1"/>
-          </a:fontRef>
-        </p:style>
-        <p:txBody>
-          <a:bodyPr rtlCol="0" anchor="ctr"/>
-          <a:lstStyle/>
-          <a:p>
-            <a:pPr algn="ctr"/>
-            <a:r>
-              <a:rPr lang="ko-KR" altLang="en-US" sz="800" dirty="0"/>
-              <a:t>저장</a:t>
-            </a:r>
-          </a:p>
-        </p:txBody>
-      </p:sp>
-      <p:sp>
-        <p:nvSpPr>
-          <p:cNvPr id="4" name="직사각형 3">
-            <a:extLst>
-              <a:ext uri="{FF2B5EF4-FFF2-40B4-BE49-F238E27FC236}">
-                <a16:creationId xmlns:a16="http://schemas.microsoft.com/office/drawing/2014/main" id="{6820039F-73E1-4DF7-B345-4F436921FF7E}"/>
-              </a:ext>
-            </a:extLst>
-          </p:cNvPr>
-          <p:cNvSpPr/>
-          <p:nvPr/>
-        </p:nvSpPr>
-        <p:spPr>
-          <a:xfrm>
-            <a:off x="3813786" y="3041336"/>
-            <a:ext cx="1788793" cy="180000"/>
-          </a:xfrm>
-          <a:prstGeom prst="rect">
-            <a:avLst/>
-          </a:prstGeom>
-          <a:solidFill>
-            <a:schemeClr val="bg2">
-              <a:lumMod val="90000"/>
-            </a:schemeClr>
-          </a:solidFill>
-        </p:spPr>
-        <p:style>
-          <a:lnRef idx="2">
-            <a:schemeClr val="accent1">
-              <a:shade val="50000"/>
-            </a:schemeClr>
-          </a:lnRef>
-          <a:fillRef idx="1">
-            <a:schemeClr val="accent1"/>
-          </a:fillRef>
-          <a:effectRef idx="0">
-            <a:schemeClr val="accent1"/>
-          </a:effectRef>
-          <a:fontRef idx="minor">
-            <a:schemeClr val="lt1"/>
-          </a:fontRef>
-        </p:style>
-        <p:txBody>
-          <a:bodyPr rtlCol="0" anchor="ctr"/>
-          <a:lstStyle/>
-          <a:p>
-            <a:pPr algn="ctr"/>
-            <a:r>
-              <a:rPr lang="ko-KR" altLang="en-US" sz="800" dirty="0">
-                <a:solidFill>
-                  <a:schemeClr val="tx1"/>
-                </a:solidFill>
-              </a:rPr>
-              <a:t>소속</a:t>
-            </a:r>
-          </a:p>
-        </p:txBody>
-      </p:sp>
-      <p:sp>
-        <p:nvSpPr>
-          <p:cNvPr id="5" name="직사각형 4">
-            <a:extLst>
-              <a:ext uri="{FF2B5EF4-FFF2-40B4-BE49-F238E27FC236}">
-                <a16:creationId xmlns:a16="http://schemas.microsoft.com/office/drawing/2014/main" id="{FC1C7662-A525-4F40-9C8A-44066889A2DA}"/>
-              </a:ext>
-            </a:extLst>
-          </p:cNvPr>
-          <p:cNvSpPr/>
-          <p:nvPr/>
-        </p:nvSpPr>
-        <p:spPr>
-          <a:xfrm>
-            <a:off x="3329531" y="3040551"/>
-            <a:ext cx="467186" cy="180000"/>
-          </a:xfrm>
-          <a:prstGeom prst="rect">
-            <a:avLst/>
-          </a:prstGeom>
-          <a:solidFill>
-            <a:schemeClr val="bg2">
-              <a:lumMod val="90000"/>
-            </a:schemeClr>
-          </a:solidFill>
-        </p:spPr>
-        <p:style>
-          <a:lnRef idx="2">
-            <a:schemeClr val="accent1">
-              <a:shade val="50000"/>
-            </a:schemeClr>
-          </a:lnRef>
-          <a:fillRef idx="1">
-            <a:schemeClr val="accent1"/>
-          </a:fillRef>
-          <a:effectRef idx="0">
-            <a:schemeClr val="accent1"/>
-          </a:effectRef>
-          <a:fontRef idx="minor">
-            <a:schemeClr val="lt1"/>
-          </a:fontRef>
-        </p:style>
-        <p:txBody>
-          <a:bodyPr rtlCol="0" anchor="ctr"/>
-          <a:lstStyle/>
-          <a:p>
-            <a:pPr algn="ctr"/>
-            <a:r>
-              <a:rPr lang="ko-KR" altLang="en-US" sz="800" dirty="0">
-                <a:solidFill>
-                  <a:schemeClr val="tx1"/>
-                </a:solidFill>
-              </a:rPr>
-              <a:t>이름</a:t>
-            </a:r>
-          </a:p>
-        </p:txBody>
-      </p:sp>
-      <p:sp>
-        <p:nvSpPr>
-          <p:cNvPr id="6" name="직사각형 5">
-            <a:extLst>
-              <a:ext uri="{FF2B5EF4-FFF2-40B4-BE49-F238E27FC236}">
-                <a16:creationId xmlns:a16="http://schemas.microsoft.com/office/drawing/2014/main" id="{94C11375-B069-460C-94C8-940453CF352C}"/>
-              </a:ext>
-            </a:extLst>
-          </p:cNvPr>
-          <p:cNvSpPr/>
-          <p:nvPr/>
-        </p:nvSpPr>
-        <p:spPr>
-          <a:xfrm>
-            <a:off x="2556620" y="3026936"/>
-            <a:ext cx="726120" cy="180000"/>
-          </a:xfrm>
-          <a:prstGeom prst="rect">
-            <a:avLst/>
-          </a:prstGeom>
-          <a:noFill/>
-        </p:spPr>
-        <p:style>
-          <a:lnRef idx="2">
-            <a:schemeClr val="accent1">
-              <a:shade val="50000"/>
-            </a:schemeClr>
-          </a:lnRef>
-          <a:fillRef idx="1">
-            <a:schemeClr val="accent1"/>
-          </a:fillRef>
-          <a:effectRef idx="0">
-            <a:schemeClr val="accent1"/>
-          </a:effectRef>
-          <a:fontRef idx="minor">
-            <a:schemeClr val="lt1"/>
-          </a:fontRef>
-        </p:style>
-        <p:txBody>
-          <a:bodyPr rtlCol="0" anchor="ctr"/>
-          <a:lstStyle/>
-          <a:p>
-            <a:pPr algn="ctr"/>
-            <a:r>
-              <a:rPr lang="ko-KR" altLang="en-US" sz="800">
-                <a:solidFill>
-                  <a:schemeClr val="tx1"/>
-                </a:solidFill>
-              </a:rPr>
-              <a:t>사번</a:t>
-            </a:r>
-            <a:endParaRPr lang="ko-KR" altLang="en-US" sz="800" dirty="0">
-              <a:solidFill>
-                <a:schemeClr val="tx1"/>
-              </a:solidFill>
-            </a:endParaRPr>
-          </a:p>
-        </p:txBody>
-      </p:sp>
-      <p:sp>
-        <p:nvSpPr>
-          <p:cNvPr id="7" name="직사각형 6">
-            <a:extLst>
-              <a:ext uri="{FF2B5EF4-FFF2-40B4-BE49-F238E27FC236}">
-                <a16:creationId xmlns:a16="http://schemas.microsoft.com/office/drawing/2014/main" id="{535B9C45-DEF6-425C-A0A0-B189402EEE00}"/>
-              </a:ext>
-            </a:extLst>
-          </p:cNvPr>
-          <p:cNvSpPr/>
-          <p:nvPr/>
-        </p:nvSpPr>
-        <p:spPr>
-          <a:xfrm>
-            <a:off x="5649370" y="3040551"/>
-            <a:ext cx="435018" cy="175327"/>
-          </a:xfrm>
-          <a:prstGeom prst="rect">
-            <a:avLst/>
-          </a:prstGeom>
-        </p:spPr>
-        <p:style>
-          <a:lnRef idx="2">
-            <a:schemeClr val="accent1">
-              <a:shade val="50000"/>
-            </a:schemeClr>
-          </a:lnRef>
-          <a:fillRef idx="1">
-            <a:schemeClr val="accent1"/>
-          </a:fillRef>
-          <a:effectRef idx="0">
-            <a:schemeClr val="accent1"/>
-          </a:effectRef>
-          <a:fontRef idx="minor">
-            <a:schemeClr val="lt1"/>
-          </a:fontRef>
-        </p:style>
-        <p:txBody>
-          <a:bodyPr rtlCol="0" anchor="ctr"/>
-          <a:lstStyle/>
-          <a:p>
-            <a:pPr algn="ctr"/>
-            <a:r>
-              <a:rPr lang="ko-KR" altLang="en-US" sz="800" dirty="0"/>
-              <a:t>찾기</a:t>
-            </a:r>
-          </a:p>
-        </p:txBody>
-      </p:sp>
-      <p:sp>
-        <p:nvSpPr>
-          <p:cNvPr id="8" name="직사각형 7">
-            <a:extLst>
-              <a:ext uri="{FF2B5EF4-FFF2-40B4-BE49-F238E27FC236}">
-                <a16:creationId xmlns:a16="http://schemas.microsoft.com/office/drawing/2014/main" id="{828EFCED-7E47-450B-B9D5-E87DCCCE36CC}"/>
-              </a:ext>
-            </a:extLst>
-          </p:cNvPr>
-          <p:cNvSpPr/>
-          <p:nvPr/>
-        </p:nvSpPr>
-        <p:spPr>
-          <a:xfrm>
-            <a:off x="1664068" y="1805405"/>
-            <a:ext cx="4601718" cy="2331801"/>
-          </a:xfrm>
-          <a:prstGeom prst="rect">
-            <a:avLst/>
-          </a:prstGeom>
-          <a:noFill/>
-        </p:spPr>
-        <p:style>
-          <a:lnRef idx="2">
-            <a:schemeClr val="accent1">
-              <a:shade val="50000"/>
-            </a:schemeClr>
-          </a:lnRef>
-          <a:fillRef idx="1">
-            <a:schemeClr val="accent1"/>
-          </a:fillRef>
-          <a:effectRef idx="0">
-            <a:schemeClr val="accent1"/>
-          </a:effectRef>
-          <a:fontRef idx="minor">
-            <a:schemeClr val="lt1"/>
-          </a:fontRef>
-        </p:style>
-        <p:txBody>
-          <a:bodyPr rtlCol="0" anchor="ctr"/>
-          <a:lstStyle/>
-          <a:p>
-            <a:pPr algn="ctr"/>
-            <a:endParaRPr lang="ko-KR" altLang="en-US"/>
-          </a:p>
-        </p:txBody>
-      </p:sp>
-      <p:sp>
-        <p:nvSpPr>
-          <p:cNvPr id="9" name="직사각형 8">
-            <a:extLst>
-              <a:ext uri="{FF2B5EF4-FFF2-40B4-BE49-F238E27FC236}">
-                <a16:creationId xmlns:a16="http://schemas.microsoft.com/office/drawing/2014/main" id="{557EFC7B-F595-4F9E-91E2-3B8BADBB5280}"/>
-              </a:ext>
-            </a:extLst>
-          </p:cNvPr>
-          <p:cNvSpPr/>
-          <p:nvPr/>
-        </p:nvSpPr>
-        <p:spPr>
-          <a:xfrm>
-            <a:off x="2017938" y="2052893"/>
-            <a:ext cx="531341" cy="173587"/>
-          </a:xfrm>
-          <a:prstGeom prst="rect">
-            <a:avLst/>
-          </a:prstGeom>
-          <a:noFill/>
-          <a:ln>
-            <a:noFill/>
-          </a:ln>
-        </p:spPr>
-        <p:style>
-          <a:lnRef idx="2">
-            <a:schemeClr val="accent1">
-              <a:shade val="50000"/>
-            </a:schemeClr>
-          </a:lnRef>
-          <a:fillRef idx="1">
-            <a:schemeClr val="accent1"/>
-          </a:fillRef>
-          <a:effectRef idx="0">
-            <a:schemeClr val="accent1"/>
-          </a:effectRef>
-          <a:fontRef idx="minor">
-            <a:schemeClr val="lt1"/>
-          </a:fontRef>
-        </p:style>
-        <p:txBody>
-          <a:bodyPr rtlCol="0" anchor="ctr"/>
-          <a:lstStyle/>
-          <a:p>
-            <a:r>
-              <a:rPr lang="ko-KR" altLang="en-US" sz="900" dirty="0">
-                <a:solidFill>
-                  <a:schemeClr val="tx1"/>
-                </a:solidFill>
-              </a:rPr>
-              <a:t>지급일</a:t>
-            </a:r>
-            <a:endParaRPr lang="en-US" altLang="ko-KR" sz="900" b="1" u="sng" dirty="0">
-              <a:solidFill>
-                <a:schemeClr val="tx1"/>
-              </a:solidFill>
-            </a:endParaRPr>
-          </a:p>
-        </p:txBody>
-      </p:sp>
-      <p:sp>
-        <p:nvSpPr>
-          <p:cNvPr id="10" name="직사각형 9">
-            <a:extLst>
-              <a:ext uri="{FF2B5EF4-FFF2-40B4-BE49-F238E27FC236}">
-                <a16:creationId xmlns:a16="http://schemas.microsoft.com/office/drawing/2014/main" id="{0AC6078E-4B08-4736-85FF-93BA5BC02C06}"/>
-              </a:ext>
-            </a:extLst>
-          </p:cNvPr>
-          <p:cNvSpPr/>
-          <p:nvPr/>
-        </p:nvSpPr>
-        <p:spPr>
-          <a:xfrm>
-            <a:off x="2566347" y="2050093"/>
-            <a:ext cx="883693" cy="176387"/>
-          </a:xfrm>
-          <a:prstGeom prst="rect">
-            <a:avLst/>
-          </a:prstGeom>
-          <a:noFill/>
-        </p:spPr>
-        <p:style>
-          <a:lnRef idx="2">
-            <a:schemeClr val="accent1">
-              <a:shade val="50000"/>
-            </a:schemeClr>
-          </a:lnRef>
-          <a:fillRef idx="1">
-            <a:schemeClr val="accent1"/>
-          </a:fillRef>
-          <a:effectRef idx="0">
-            <a:schemeClr val="accent1"/>
-          </a:effectRef>
-          <a:fontRef idx="minor">
-            <a:schemeClr val="lt1"/>
-          </a:fontRef>
-        </p:style>
-        <p:txBody>
-          <a:bodyPr rtlCol="0" anchor="ctr"/>
-          <a:lstStyle/>
-          <a:p>
-            <a:pPr algn="ctr"/>
-            <a:r>
-              <a:rPr lang="en-US" altLang="ko-KR" sz="800" dirty="0">
-                <a:solidFill>
-                  <a:schemeClr val="tx1"/>
-                </a:solidFill>
-              </a:rPr>
-              <a:t>YYYY-MM-DD</a:t>
-            </a:r>
-            <a:endParaRPr lang="ko-KR" altLang="en-US" sz="800" dirty="0">
-              <a:solidFill>
-                <a:schemeClr val="tx1"/>
-              </a:solidFill>
-            </a:endParaRPr>
-          </a:p>
-        </p:txBody>
-      </p:sp>
-      <p:sp>
-        <p:nvSpPr>
-          <p:cNvPr id="12" name="직사각형 11">
-            <a:extLst>
-              <a:ext uri="{FF2B5EF4-FFF2-40B4-BE49-F238E27FC236}">
-                <a16:creationId xmlns:a16="http://schemas.microsoft.com/office/drawing/2014/main" id="{5A6C93AC-BCDE-4A83-9A7F-9E03BDFCF0EF}"/>
-              </a:ext>
-            </a:extLst>
-          </p:cNvPr>
-          <p:cNvSpPr/>
-          <p:nvPr/>
-        </p:nvSpPr>
-        <p:spPr>
-          <a:xfrm>
-            <a:off x="1839498" y="2269273"/>
-            <a:ext cx="709781" cy="171563"/>
-          </a:xfrm>
-          <a:prstGeom prst="rect">
-            <a:avLst/>
-          </a:prstGeom>
-          <a:noFill/>
-          <a:ln>
-            <a:noFill/>
-          </a:ln>
-        </p:spPr>
-        <p:style>
-          <a:lnRef idx="2">
-            <a:schemeClr val="accent1">
-              <a:shade val="50000"/>
-            </a:schemeClr>
-          </a:lnRef>
-          <a:fillRef idx="1">
-            <a:schemeClr val="accent1"/>
-          </a:fillRef>
-          <a:effectRef idx="0">
-            <a:schemeClr val="accent1"/>
-          </a:effectRef>
-          <a:fontRef idx="minor">
-            <a:schemeClr val="lt1"/>
-          </a:fontRef>
-        </p:style>
-        <p:txBody>
-          <a:bodyPr rtlCol="0" anchor="ctr"/>
-          <a:lstStyle/>
-          <a:p>
-            <a:pPr algn="r"/>
-            <a:r>
-              <a:rPr lang="ko-KR" altLang="en-US" sz="900" dirty="0">
-                <a:solidFill>
-                  <a:schemeClr val="tx1"/>
-                </a:solidFill>
-              </a:rPr>
-              <a:t>보호구명</a:t>
-            </a:r>
-            <a:endParaRPr lang="en-US" altLang="ko-KR" sz="900" b="1" u="sng" dirty="0">
-              <a:solidFill>
-                <a:schemeClr val="tx1"/>
-              </a:solidFill>
-            </a:endParaRPr>
-          </a:p>
-        </p:txBody>
-      </p:sp>
-      <p:sp>
-        <p:nvSpPr>
-          <p:cNvPr id="13" name="직사각형 12">
-            <a:extLst>
-              <a:ext uri="{FF2B5EF4-FFF2-40B4-BE49-F238E27FC236}">
-                <a16:creationId xmlns:a16="http://schemas.microsoft.com/office/drawing/2014/main" id="{EF255332-7E40-469E-9FA6-2C1C561F4B94}"/>
-              </a:ext>
-            </a:extLst>
-          </p:cNvPr>
-          <p:cNvSpPr/>
-          <p:nvPr/>
-        </p:nvSpPr>
-        <p:spPr>
-          <a:xfrm>
-            <a:off x="2566347" y="2266473"/>
-            <a:ext cx="2426030" cy="170503"/>
-          </a:xfrm>
-          <a:prstGeom prst="rect">
-            <a:avLst/>
-          </a:prstGeom>
-          <a:noFill/>
-        </p:spPr>
-        <p:style>
-          <a:lnRef idx="2">
-            <a:schemeClr val="accent1">
-              <a:shade val="50000"/>
-            </a:schemeClr>
-          </a:lnRef>
-          <a:fillRef idx="1">
-            <a:schemeClr val="accent1"/>
-          </a:fillRef>
-          <a:effectRef idx="0">
-            <a:schemeClr val="accent1"/>
-          </a:effectRef>
-          <a:fontRef idx="minor">
-            <a:schemeClr val="lt1"/>
-          </a:fontRef>
-        </p:style>
-        <p:txBody>
-          <a:bodyPr rtlCol="0" anchor="ctr"/>
-          <a:lstStyle/>
-          <a:p>
-            <a:pPr algn="ctr"/>
-            <a:r>
-              <a:rPr lang="ko-KR" altLang="en-US" sz="800" dirty="0" err="1">
-                <a:solidFill>
-                  <a:schemeClr val="tx1"/>
-                </a:solidFill>
-              </a:rPr>
-              <a:t>ㅇㅇ</a:t>
-            </a:r>
-            <a:endParaRPr lang="ko-KR" altLang="en-US" sz="800" dirty="0">
-              <a:solidFill>
-                <a:schemeClr val="tx1"/>
-              </a:solidFill>
-            </a:endParaRPr>
-          </a:p>
-        </p:txBody>
-      </p:sp>
-      <p:sp>
-        <p:nvSpPr>
-          <p:cNvPr id="14" name="직사각형 13">
-            <a:extLst>
-              <a:ext uri="{FF2B5EF4-FFF2-40B4-BE49-F238E27FC236}">
-                <a16:creationId xmlns:a16="http://schemas.microsoft.com/office/drawing/2014/main" id="{B59740CC-AF64-4814-AC2A-FC33EB87CBCD}"/>
-              </a:ext>
-            </a:extLst>
-          </p:cNvPr>
-          <p:cNvSpPr/>
-          <p:nvPr/>
-        </p:nvSpPr>
-        <p:spPr>
-          <a:xfrm>
-            <a:off x="1839498" y="2784893"/>
-            <a:ext cx="709781" cy="171563"/>
-          </a:xfrm>
-          <a:prstGeom prst="rect">
-            <a:avLst/>
-          </a:prstGeom>
-          <a:noFill/>
-          <a:ln>
-            <a:noFill/>
-          </a:ln>
-        </p:spPr>
-        <p:style>
-          <a:lnRef idx="2">
-            <a:schemeClr val="accent1">
-              <a:shade val="50000"/>
-            </a:schemeClr>
-          </a:lnRef>
-          <a:fillRef idx="1">
-            <a:schemeClr val="accent1"/>
-          </a:fillRef>
-          <a:effectRef idx="0">
-            <a:schemeClr val="accent1"/>
-          </a:effectRef>
-          <a:fontRef idx="minor">
-            <a:schemeClr val="lt1"/>
-          </a:fontRef>
-        </p:style>
-        <p:txBody>
-          <a:bodyPr rtlCol="0" anchor="ctr"/>
-          <a:lstStyle/>
-          <a:p>
-            <a:pPr algn="r"/>
-            <a:r>
-              <a:rPr lang="ko-KR" altLang="en-US" sz="900" dirty="0">
-                <a:solidFill>
-                  <a:schemeClr val="tx1"/>
-                </a:solidFill>
-              </a:rPr>
-              <a:t>수량</a:t>
-            </a:r>
-            <a:endParaRPr lang="en-US" altLang="ko-KR" sz="900" b="1" u="sng" dirty="0">
-              <a:solidFill>
-                <a:schemeClr val="tx1"/>
-              </a:solidFill>
-            </a:endParaRPr>
-          </a:p>
-        </p:txBody>
-      </p:sp>
-      <p:sp>
-        <p:nvSpPr>
-          <p:cNvPr id="15" name="직사각형 14">
-            <a:extLst>
-              <a:ext uri="{FF2B5EF4-FFF2-40B4-BE49-F238E27FC236}">
-                <a16:creationId xmlns:a16="http://schemas.microsoft.com/office/drawing/2014/main" id="{11493B14-1EBB-4164-A2E6-F18BCE4E4FE8}"/>
-              </a:ext>
-            </a:extLst>
-          </p:cNvPr>
-          <p:cNvSpPr/>
-          <p:nvPr/>
-        </p:nvSpPr>
-        <p:spPr>
-          <a:xfrm>
-            <a:off x="2566347" y="2782093"/>
-            <a:ext cx="433835" cy="174363"/>
-          </a:xfrm>
-          <a:prstGeom prst="rect">
-            <a:avLst/>
-          </a:prstGeom>
-          <a:noFill/>
-        </p:spPr>
-        <p:style>
-          <a:lnRef idx="2">
-            <a:schemeClr val="accent1">
-              <a:shade val="50000"/>
-            </a:schemeClr>
-          </a:lnRef>
-          <a:fillRef idx="1">
-            <a:schemeClr val="accent1"/>
-          </a:fillRef>
-          <a:effectRef idx="0">
-            <a:schemeClr val="accent1"/>
-          </a:effectRef>
-          <a:fontRef idx="minor">
-            <a:schemeClr val="lt1"/>
-          </a:fontRef>
-        </p:style>
-        <p:txBody>
-          <a:bodyPr rtlCol="0" anchor="ctr"/>
-          <a:lstStyle/>
-          <a:p>
-            <a:pPr algn="ctr"/>
-            <a:r>
-              <a:rPr lang="en-US" altLang="ko-KR" sz="800" dirty="0">
-                <a:solidFill>
-                  <a:schemeClr val="tx1"/>
-                </a:solidFill>
-              </a:rPr>
-              <a:t>1</a:t>
-            </a:r>
-            <a:endParaRPr lang="ko-KR" altLang="en-US" sz="800" dirty="0">
-              <a:solidFill>
-                <a:schemeClr val="tx1"/>
-              </a:solidFill>
-            </a:endParaRPr>
-          </a:p>
-        </p:txBody>
-      </p:sp>
-      <p:sp>
-        <p:nvSpPr>
-          <p:cNvPr id="16" name="직사각형 15">
-            <a:extLst>
-              <a:ext uri="{FF2B5EF4-FFF2-40B4-BE49-F238E27FC236}">
-                <a16:creationId xmlns:a16="http://schemas.microsoft.com/office/drawing/2014/main" id="{3001E1D2-E8A3-43DF-9ABD-ED1C88885B28}"/>
-              </a:ext>
-            </a:extLst>
-          </p:cNvPr>
-          <p:cNvSpPr/>
-          <p:nvPr/>
-        </p:nvSpPr>
-        <p:spPr>
-          <a:xfrm>
-            <a:off x="1846839" y="3061079"/>
-            <a:ext cx="709781" cy="171563"/>
-          </a:xfrm>
-          <a:prstGeom prst="rect">
-            <a:avLst/>
-          </a:prstGeom>
-          <a:noFill/>
-          <a:ln>
-            <a:noFill/>
-          </a:ln>
-        </p:spPr>
-        <p:style>
-          <a:lnRef idx="2">
-            <a:schemeClr val="accent1">
-              <a:shade val="50000"/>
-            </a:schemeClr>
-          </a:lnRef>
-          <a:fillRef idx="1">
-            <a:schemeClr val="accent1"/>
-          </a:fillRef>
-          <a:effectRef idx="0">
-            <a:schemeClr val="accent1"/>
-          </a:effectRef>
-          <a:fontRef idx="minor">
-            <a:schemeClr val="lt1"/>
-          </a:fontRef>
-        </p:style>
-        <p:txBody>
-          <a:bodyPr rtlCol="0" anchor="ctr"/>
-          <a:lstStyle/>
-          <a:p>
-            <a:pPr algn="r"/>
-            <a:r>
-              <a:rPr lang="ko-KR" altLang="en-US" sz="900" dirty="0">
-                <a:solidFill>
-                  <a:schemeClr val="tx1"/>
-                </a:solidFill>
-              </a:rPr>
-              <a:t>수령인</a:t>
-            </a:r>
-            <a:endParaRPr lang="en-US" altLang="ko-KR" sz="900" b="1" u="sng" dirty="0">
-              <a:solidFill>
-                <a:schemeClr val="tx1"/>
-              </a:solidFill>
-            </a:endParaRPr>
-          </a:p>
-        </p:txBody>
-      </p:sp>
-      <p:sp>
-        <p:nvSpPr>
-          <p:cNvPr id="17" name="직사각형 16">
-            <a:extLst>
-              <a:ext uri="{FF2B5EF4-FFF2-40B4-BE49-F238E27FC236}">
-                <a16:creationId xmlns:a16="http://schemas.microsoft.com/office/drawing/2014/main" id="{9DCB5045-0139-4BDF-9BBC-50B97213FF05}"/>
-              </a:ext>
-            </a:extLst>
-          </p:cNvPr>
-          <p:cNvSpPr/>
-          <p:nvPr/>
-        </p:nvSpPr>
-        <p:spPr>
-          <a:xfrm>
-            <a:off x="3813786" y="3320382"/>
-            <a:ext cx="1788793" cy="180000"/>
-          </a:xfrm>
-          <a:prstGeom prst="rect">
-            <a:avLst/>
-          </a:prstGeom>
-          <a:solidFill>
-            <a:schemeClr val="bg2">
-              <a:lumMod val="90000"/>
-            </a:schemeClr>
-          </a:solidFill>
-        </p:spPr>
-        <p:style>
-          <a:lnRef idx="2">
-            <a:schemeClr val="accent1">
-              <a:shade val="50000"/>
-            </a:schemeClr>
-          </a:lnRef>
-          <a:fillRef idx="1">
-            <a:schemeClr val="accent1"/>
-          </a:fillRef>
-          <a:effectRef idx="0">
-            <a:schemeClr val="accent1"/>
-          </a:effectRef>
-          <a:fontRef idx="minor">
-            <a:schemeClr val="lt1"/>
-          </a:fontRef>
-        </p:style>
-        <p:txBody>
-          <a:bodyPr rtlCol="0" anchor="ctr"/>
-          <a:lstStyle/>
-          <a:p>
-            <a:pPr algn="ctr"/>
-            <a:r>
-              <a:rPr lang="ko-KR" altLang="en-US" sz="800" dirty="0">
-                <a:solidFill>
-                  <a:schemeClr val="tx1"/>
-                </a:solidFill>
-              </a:rPr>
-              <a:t>소속</a:t>
-            </a:r>
-          </a:p>
-        </p:txBody>
-      </p:sp>
-      <p:sp>
-        <p:nvSpPr>
-          <p:cNvPr id="18" name="직사각형 17">
-            <a:extLst>
-              <a:ext uri="{FF2B5EF4-FFF2-40B4-BE49-F238E27FC236}">
-                <a16:creationId xmlns:a16="http://schemas.microsoft.com/office/drawing/2014/main" id="{409EECA4-7BEA-4ECF-8745-225C32019EDC}"/>
-              </a:ext>
-            </a:extLst>
-          </p:cNvPr>
-          <p:cNvSpPr/>
-          <p:nvPr/>
-        </p:nvSpPr>
-        <p:spPr>
-          <a:xfrm>
-            <a:off x="3329531" y="3319597"/>
-            <a:ext cx="467186" cy="180000"/>
-          </a:xfrm>
-          <a:prstGeom prst="rect">
-            <a:avLst/>
-          </a:prstGeom>
-          <a:solidFill>
-            <a:schemeClr val="bg2">
-              <a:lumMod val="90000"/>
-            </a:schemeClr>
-          </a:solidFill>
-        </p:spPr>
-        <p:style>
-          <a:lnRef idx="2">
-            <a:schemeClr val="accent1">
-              <a:shade val="50000"/>
-            </a:schemeClr>
-          </a:lnRef>
-          <a:fillRef idx="1">
-            <a:schemeClr val="accent1"/>
-          </a:fillRef>
-          <a:effectRef idx="0">
-            <a:schemeClr val="accent1"/>
-          </a:effectRef>
-          <a:fontRef idx="minor">
-            <a:schemeClr val="lt1"/>
-          </a:fontRef>
-        </p:style>
-        <p:txBody>
-          <a:bodyPr rtlCol="0" anchor="ctr"/>
-          <a:lstStyle/>
-          <a:p>
-            <a:pPr algn="ctr"/>
-            <a:r>
-              <a:rPr lang="ko-KR" altLang="en-US" sz="800" dirty="0">
-                <a:solidFill>
-                  <a:schemeClr val="tx1"/>
-                </a:solidFill>
-              </a:rPr>
-              <a:t>이름</a:t>
-            </a:r>
-          </a:p>
-        </p:txBody>
-      </p:sp>
-      <p:sp>
-        <p:nvSpPr>
-          <p:cNvPr id="19" name="직사각형 18">
-            <a:extLst>
-              <a:ext uri="{FF2B5EF4-FFF2-40B4-BE49-F238E27FC236}">
-                <a16:creationId xmlns:a16="http://schemas.microsoft.com/office/drawing/2014/main" id="{D0C30FF1-4FF6-4173-B9EA-D2AF5BA40626}"/>
-              </a:ext>
-            </a:extLst>
-          </p:cNvPr>
-          <p:cNvSpPr/>
-          <p:nvPr/>
-        </p:nvSpPr>
-        <p:spPr>
-          <a:xfrm>
-            <a:off x="2556620" y="3305982"/>
-            <a:ext cx="726120" cy="180000"/>
-          </a:xfrm>
-          <a:prstGeom prst="rect">
-            <a:avLst/>
-          </a:prstGeom>
-          <a:noFill/>
-        </p:spPr>
-        <p:style>
-          <a:lnRef idx="2">
-            <a:schemeClr val="accent1">
-              <a:shade val="50000"/>
-            </a:schemeClr>
-          </a:lnRef>
-          <a:fillRef idx="1">
-            <a:schemeClr val="accent1"/>
-          </a:fillRef>
-          <a:effectRef idx="0">
-            <a:schemeClr val="accent1"/>
-          </a:effectRef>
-          <a:fontRef idx="minor">
-            <a:schemeClr val="lt1"/>
-          </a:fontRef>
-        </p:style>
-        <p:txBody>
-          <a:bodyPr rtlCol="0" anchor="ctr"/>
-          <a:lstStyle/>
-          <a:p>
-            <a:pPr algn="ctr"/>
-            <a:r>
-              <a:rPr lang="ko-KR" altLang="en-US" sz="800">
-                <a:solidFill>
-                  <a:schemeClr val="tx1"/>
-                </a:solidFill>
-              </a:rPr>
-              <a:t>사번</a:t>
-            </a:r>
-            <a:endParaRPr lang="ko-KR" altLang="en-US" sz="800" dirty="0">
-              <a:solidFill>
-                <a:schemeClr val="tx1"/>
-              </a:solidFill>
-            </a:endParaRPr>
-          </a:p>
-        </p:txBody>
-      </p:sp>
-      <p:sp>
-        <p:nvSpPr>
-          <p:cNvPr id="20" name="직사각형 19">
-            <a:extLst>
-              <a:ext uri="{FF2B5EF4-FFF2-40B4-BE49-F238E27FC236}">
-                <a16:creationId xmlns:a16="http://schemas.microsoft.com/office/drawing/2014/main" id="{0F8009C6-A3DC-4C2F-9587-02EB8214CE5C}"/>
-              </a:ext>
-            </a:extLst>
-          </p:cNvPr>
-          <p:cNvSpPr/>
-          <p:nvPr/>
-        </p:nvSpPr>
-        <p:spPr>
-          <a:xfrm>
-            <a:off x="5649370" y="3319597"/>
-            <a:ext cx="435018" cy="175327"/>
-          </a:xfrm>
-          <a:prstGeom prst="rect">
-            <a:avLst/>
-          </a:prstGeom>
-        </p:spPr>
-        <p:style>
-          <a:lnRef idx="2">
-            <a:schemeClr val="accent1">
-              <a:shade val="50000"/>
-            </a:schemeClr>
-          </a:lnRef>
-          <a:fillRef idx="1">
-            <a:schemeClr val="accent1"/>
-          </a:fillRef>
-          <a:effectRef idx="0">
-            <a:schemeClr val="accent1"/>
-          </a:effectRef>
-          <a:fontRef idx="minor">
-            <a:schemeClr val="lt1"/>
-          </a:fontRef>
-        </p:style>
-        <p:txBody>
-          <a:bodyPr rtlCol="0" anchor="ctr"/>
-          <a:lstStyle/>
-          <a:p>
-            <a:pPr algn="ctr"/>
-            <a:r>
-              <a:rPr lang="ko-KR" altLang="en-US" sz="800" dirty="0"/>
-              <a:t>찾기</a:t>
-            </a:r>
-          </a:p>
-        </p:txBody>
-      </p:sp>
-      <p:sp>
-        <p:nvSpPr>
-          <p:cNvPr id="21" name="직사각형 20">
-            <a:extLst>
-              <a:ext uri="{FF2B5EF4-FFF2-40B4-BE49-F238E27FC236}">
-                <a16:creationId xmlns:a16="http://schemas.microsoft.com/office/drawing/2014/main" id="{2C4D4DD3-0F4E-4C57-B5C5-DECCA56E6902}"/>
-              </a:ext>
-            </a:extLst>
-          </p:cNvPr>
-          <p:cNvSpPr/>
-          <p:nvPr/>
-        </p:nvSpPr>
-        <p:spPr>
-          <a:xfrm>
-            <a:off x="1846839" y="3340125"/>
-            <a:ext cx="709781" cy="171563"/>
-          </a:xfrm>
-          <a:prstGeom prst="rect">
-            <a:avLst/>
-          </a:prstGeom>
-          <a:noFill/>
-          <a:ln>
-            <a:noFill/>
-          </a:ln>
-        </p:spPr>
-        <p:style>
-          <a:lnRef idx="2">
-            <a:schemeClr val="accent1">
-              <a:shade val="50000"/>
-            </a:schemeClr>
-          </a:lnRef>
-          <a:fillRef idx="1">
-            <a:schemeClr val="accent1"/>
-          </a:fillRef>
-          <a:effectRef idx="0">
-            <a:schemeClr val="accent1"/>
-          </a:effectRef>
-          <a:fontRef idx="minor">
-            <a:schemeClr val="lt1"/>
-          </a:fontRef>
-        </p:style>
-        <p:txBody>
-          <a:bodyPr rtlCol="0" anchor="ctr"/>
-          <a:lstStyle/>
-          <a:p>
-            <a:pPr algn="r"/>
-            <a:r>
-              <a:rPr lang="ko-KR" altLang="en-US" sz="900" dirty="0">
-                <a:solidFill>
-                  <a:schemeClr val="tx1"/>
-                </a:solidFill>
-              </a:rPr>
-              <a:t>지급담당</a:t>
-            </a:r>
-            <a:endParaRPr lang="en-US" altLang="ko-KR" sz="900" b="1" u="sng" dirty="0">
-              <a:solidFill>
-                <a:schemeClr val="tx1"/>
-              </a:solidFill>
-            </a:endParaRPr>
-          </a:p>
-        </p:txBody>
-      </p:sp>
-      <p:sp>
-        <p:nvSpPr>
-          <p:cNvPr id="22" name="직사각형 21">
-            <a:extLst>
-              <a:ext uri="{FF2B5EF4-FFF2-40B4-BE49-F238E27FC236}">
-                <a16:creationId xmlns:a16="http://schemas.microsoft.com/office/drawing/2014/main" id="{F9C72838-7DDB-4D58-B515-AB2A9F7EE5DF}"/>
-              </a:ext>
-            </a:extLst>
-          </p:cNvPr>
-          <p:cNvSpPr/>
-          <p:nvPr/>
-        </p:nvSpPr>
-        <p:spPr>
-          <a:xfrm>
-            <a:off x="1636637" y="2522261"/>
-            <a:ext cx="902916" cy="174363"/>
-          </a:xfrm>
-          <a:prstGeom prst="rect">
-            <a:avLst/>
-          </a:prstGeom>
-          <a:noFill/>
-          <a:ln>
-            <a:noFill/>
-          </a:ln>
-        </p:spPr>
-        <p:style>
-          <a:lnRef idx="2">
-            <a:schemeClr val="accent1">
-              <a:shade val="50000"/>
-            </a:schemeClr>
-          </a:lnRef>
-          <a:fillRef idx="1">
-            <a:schemeClr val="accent1"/>
-          </a:fillRef>
-          <a:effectRef idx="0">
-            <a:schemeClr val="accent1"/>
-          </a:effectRef>
-          <a:fontRef idx="minor">
-            <a:schemeClr val="lt1"/>
-          </a:fontRef>
-        </p:style>
-        <p:txBody>
-          <a:bodyPr rtlCol="0" anchor="ctr"/>
-          <a:lstStyle/>
-          <a:p>
-            <a:pPr algn="r"/>
-            <a:r>
-              <a:rPr lang="ko-KR" altLang="en-US" sz="900">
-                <a:solidFill>
-                  <a:schemeClr val="tx1"/>
-                </a:solidFill>
-              </a:rPr>
-              <a:t>안전인증번호</a:t>
-            </a:r>
-            <a:endParaRPr lang="en-US" altLang="ko-KR" sz="900" b="1" u="sng" dirty="0">
-              <a:solidFill>
-                <a:schemeClr val="tx1"/>
-              </a:solidFill>
-            </a:endParaRPr>
-          </a:p>
-        </p:txBody>
-      </p:sp>
-      <p:sp>
-        <p:nvSpPr>
-          <p:cNvPr id="23" name="직사각형 22">
-            <a:extLst>
-              <a:ext uri="{FF2B5EF4-FFF2-40B4-BE49-F238E27FC236}">
-                <a16:creationId xmlns:a16="http://schemas.microsoft.com/office/drawing/2014/main" id="{5A725CDD-1536-4139-8DE2-B94B9F80F51A}"/>
-              </a:ext>
-            </a:extLst>
-          </p:cNvPr>
-          <p:cNvSpPr/>
-          <p:nvPr/>
-        </p:nvSpPr>
-        <p:spPr>
-          <a:xfrm>
-            <a:off x="2556620" y="2522261"/>
-            <a:ext cx="2426030" cy="170503"/>
-          </a:xfrm>
-          <a:prstGeom prst="rect">
-            <a:avLst/>
-          </a:prstGeom>
-          <a:noFill/>
-        </p:spPr>
-        <p:style>
-          <a:lnRef idx="2">
-            <a:schemeClr val="accent1">
-              <a:shade val="50000"/>
-            </a:schemeClr>
-          </a:lnRef>
-          <a:fillRef idx="1">
-            <a:schemeClr val="accent1"/>
-          </a:fillRef>
-          <a:effectRef idx="0">
-            <a:schemeClr val="accent1"/>
-          </a:effectRef>
-          <a:fontRef idx="minor">
-            <a:schemeClr val="lt1"/>
-          </a:fontRef>
-        </p:style>
-        <p:txBody>
-          <a:bodyPr rtlCol="0" anchor="ctr"/>
-          <a:lstStyle/>
-          <a:p>
-            <a:pPr algn="ctr"/>
-            <a:r>
-              <a:rPr lang="ko-KR" altLang="en-US" sz="800" dirty="0" err="1">
-                <a:solidFill>
-                  <a:schemeClr val="tx1"/>
-                </a:solidFill>
-              </a:rPr>
-              <a:t>ㅇㅇ</a:t>
-            </a:r>
-            <a:endParaRPr lang="ko-KR" altLang="en-US" sz="800" dirty="0">
-              <a:solidFill>
-                <a:schemeClr val="tx1"/>
-              </a:solidFill>
-            </a:endParaRPr>
-          </a:p>
-        </p:txBody>
-      </p:sp>
-    </p:spTree>
-    <p:extLst>
-      <p:ext uri="{BB962C8B-B14F-4D97-AF65-F5344CB8AC3E}">
-        <p14:creationId xmlns:p14="http://schemas.microsoft.com/office/powerpoint/2010/main" val="1847558677"/>
       </p:ext>
     </p:extLst>
   </p:cSld>

--- a/docs/퍼블_모달작업.pptx
+++ b/docs/퍼블_모달작업.pptx
@@ -5,7 +5,7 @@
     <p:sldMasterId id="2147483648" r:id="rId1"/>
   </p:sldMasterIdLst>
   <p:notesMasterIdLst>
-    <p:notesMasterId r:id="rId15"/>
+    <p:notesMasterId r:id="rId17"/>
   </p:notesMasterIdLst>
   <p:sldIdLst>
     <p:sldId id="388" r:id="rId2"/>
@@ -21,6 +21,8 @@
     <p:sldId id="393" r:id="rId12"/>
     <p:sldId id="411" r:id="rId13"/>
     <p:sldId id="432" r:id="rId14"/>
+    <p:sldId id="387" r:id="rId15"/>
+    <p:sldId id="398" r:id="rId16"/>
   </p:sldIdLst>
   <p:sldSz cx="12192000" cy="6858000"/>
   <p:notesSz cx="6858000" cy="9144000"/>
@@ -209,7 +211,7 @@
           <a:p>
             <a:fld id="{C9E2D283-24E8-43BF-8699-4850E5B0C771}" type="datetimeFigureOut">
               <a:rPr lang="ko-KR" altLang="en-US" smtClean="0"/>
-              <a:t>2021-08-23</a:t>
+              <a:t>2021-08-24</a:t>
             </a:fld>
             <a:endParaRPr lang="ko-KR" altLang="en-US"/>
           </a:p>
@@ -740,6 +742,182 @@
 </p:notes>
 </file>
 
+<file path=ppt/notesSlides/notesSlide12.xml><?xml version="1.0" encoding="utf-8"?>
+<p:notes xmlns:a="http://schemas.openxmlformats.org/drawingml/2006/main" xmlns:r="http://schemas.openxmlformats.org/officeDocument/2006/relationships" xmlns:p="http://schemas.openxmlformats.org/presentationml/2006/main">
+  <p:cSld>
+    <p:spTree>
+      <p:nvGrpSpPr>
+        <p:cNvPr id="1" name=""/>
+        <p:cNvGrpSpPr/>
+        <p:nvPr/>
+      </p:nvGrpSpPr>
+      <p:grpSpPr>
+        <a:xfrm>
+          <a:off x="0" y="0"/>
+          <a:ext cx="0" cy="0"/>
+          <a:chOff x="0" y="0"/>
+          <a:chExt cx="0" cy="0"/>
+        </a:xfrm>
+      </p:grpSpPr>
+      <p:sp>
+        <p:nvSpPr>
+          <p:cNvPr id="2" name="슬라이드 이미지 개체 틀 1"/>
+          <p:cNvSpPr>
+            <a:spLocks noGrp="1" noRot="1" noChangeAspect="1"/>
+          </p:cNvSpPr>
+          <p:nvPr>
+            <p:ph type="sldImg"/>
+          </p:nvPr>
+        </p:nvSpPr>
+        <p:spPr/>
+      </p:sp>
+      <p:sp>
+        <p:nvSpPr>
+          <p:cNvPr id="3" name="슬라이드 노트 개체 틀 2"/>
+          <p:cNvSpPr>
+            <a:spLocks noGrp="1"/>
+          </p:cNvSpPr>
+          <p:nvPr>
+            <p:ph type="body" idx="1"/>
+          </p:nvPr>
+        </p:nvSpPr>
+        <p:spPr/>
+        <p:txBody>
+          <a:bodyPr/>
+          <a:lstStyle/>
+          <a:p>
+            <a:endParaRPr lang="en-US" altLang="ko-KR" sz="1200" dirty="0">
+              <a:solidFill>
+                <a:srgbClr val="FF0000"/>
+              </a:solidFill>
+            </a:endParaRPr>
+          </a:p>
+        </p:txBody>
+      </p:sp>
+      <p:sp>
+        <p:nvSpPr>
+          <p:cNvPr id="4" name="슬라이드 번호 개체 틀 3"/>
+          <p:cNvSpPr>
+            <a:spLocks noGrp="1"/>
+          </p:cNvSpPr>
+          <p:nvPr>
+            <p:ph type="sldNum" sz="quarter" idx="10"/>
+          </p:nvPr>
+        </p:nvSpPr>
+        <p:spPr/>
+        <p:txBody>
+          <a:bodyPr/>
+          <a:lstStyle/>
+          <a:p>
+            <a:fld id="{7DB34C37-C895-434E-BBE2-9A61276AE486}" type="slidenum">
+              <a:rPr lang="ko-KR" altLang="en-US" smtClean="0"/>
+              <a:t>14</a:t>
+            </a:fld>
+            <a:endParaRPr lang="ko-KR" altLang="en-US"/>
+          </a:p>
+        </p:txBody>
+      </p:sp>
+    </p:spTree>
+    <p:extLst>
+      <p:ext uri="{BB962C8B-B14F-4D97-AF65-F5344CB8AC3E}">
+        <p14:creationId xmlns:p14="http://schemas.microsoft.com/office/powerpoint/2010/main" val="2764072528"/>
+      </p:ext>
+    </p:extLst>
+  </p:cSld>
+  <p:clrMapOvr>
+    <a:masterClrMapping/>
+  </p:clrMapOvr>
+</p:notes>
+</file>
+
+<file path=ppt/notesSlides/notesSlide13.xml><?xml version="1.0" encoding="utf-8"?>
+<p:notes xmlns:a="http://schemas.openxmlformats.org/drawingml/2006/main" xmlns:r="http://schemas.openxmlformats.org/officeDocument/2006/relationships" xmlns:p="http://schemas.openxmlformats.org/presentationml/2006/main">
+  <p:cSld>
+    <p:spTree>
+      <p:nvGrpSpPr>
+        <p:cNvPr id="1" name=""/>
+        <p:cNvGrpSpPr/>
+        <p:nvPr/>
+      </p:nvGrpSpPr>
+      <p:grpSpPr>
+        <a:xfrm>
+          <a:off x="0" y="0"/>
+          <a:ext cx="0" cy="0"/>
+          <a:chOff x="0" y="0"/>
+          <a:chExt cx="0" cy="0"/>
+        </a:xfrm>
+      </p:grpSpPr>
+      <p:sp>
+        <p:nvSpPr>
+          <p:cNvPr id="2" name="슬라이드 이미지 개체 틀 1"/>
+          <p:cNvSpPr>
+            <a:spLocks noGrp="1" noRot="1" noChangeAspect="1"/>
+          </p:cNvSpPr>
+          <p:nvPr>
+            <p:ph type="sldImg"/>
+          </p:nvPr>
+        </p:nvSpPr>
+        <p:spPr/>
+      </p:sp>
+      <p:sp>
+        <p:nvSpPr>
+          <p:cNvPr id="3" name="슬라이드 노트 개체 틀 2"/>
+          <p:cNvSpPr>
+            <a:spLocks noGrp="1"/>
+          </p:cNvSpPr>
+          <p:nvPr>
+            <p:ph type="body" idx="1"/>
+          </p:nvPr>
+        </p:nvSpPr>
+        <p:spPr/>
+        <p:txBody>
+          <a:bodyPr/>
+          <a:lstStyle/>
+          <a:p>
+            <a:endParaRPr lang="en-US" altLang="ko-KR" sz="1200" dirty="0">
+              <a:solidFill>
+                <a:srgbClr val="FF0000"/>
+              </a:solidFill>
+            </a:endParaRPr>
+          </a:p>
+        </p:txBody>
+      </p:sp>
+      <p:sp>
+        <p:nvSpPr>
+          <p:cNvPr id="4" name="슬라이드 번호 개체 틀 3"/>
+          <p:cNvSpPr>
+            <a:spLocks noGrp="1"/>
+          </p:cNvSpPr>
+          <p:nvPr>
+            <p:ph type="sldNum" sz="quarter" idx="10"/>
+          </p:nvPr>
+        </p:nvSpPr>
+        <p:spPr/>
+        <p:txBody>
+          <a:bodyPr/>
+          <a:lstStyle/>
+          <a:p>
+            <a:fld id="{7DB34C37-C895-434E-BBE2-9A61276AE486}" type="slidenum">
+              <a:rPr lang="ko-KR" altLang="en-US" smtClean="0"/>
+              <a:t>15</a:t>
+            </a:fld>
+            <a:endParaRPr lang="ko-KR" altLang="en-US"/>
+          </a:p>
+        </p:txBody>
+      </p:sp>
+    </p:spTree>
+    <p:extLst>
+      <p:ext uri="{BB962C8B-B14F-4D97-AF65-F5344CB8AC3E}">
+        <p14:creationId xmlns:p14="http://schemas.microsoft.com/office/powerpoint/2010/main" val="3836977474"/>
+      </p:ext>
+    </p:extLst>
+  </p:cSld>
+  <p:clrMapOvr>
+    <a:masterClrMapping/>
+  </p:clrMapOvr>
+</p:notes>
+</file>
+
 <file path=ppt/notesSlides/notesSlide2.xml><?xml version="1.0" encoding="utf-8"?>
 <p:notes xmlns:a="http://schemas.openxmlformats.org/drawingml/2006/main" xmlns:r="http://schemas.openxmlformats.org/officeDocument/2006/relationships" xmlns:p="http://schemas.openxmlformats.org/presentationml/2006/main">
   <p:cSld>
@@ -1591,7 +1769,7 @@
           <a:p>
             <a:fld id="{EEF404DD-73CD-47E6-A613-3FD5CC73BA8C}" type="datetimeFigureOut">
               <a:rPr lang="ko-KR" altLang="en-US" smtClean="0"/>
-              <a:t>2021-08-23</a:t>
+              <a:t>2021-08-24</a:t>
             </a:fld>
             <a:endParaRPr lang="ko-KR" altLang="en-US"/>
           </a:p>
@@ -1789,7 +1967,7 @@
           <a:p>
             <a:fld id="{EEF404DD-73CD-47E6-A613-3FD5CC73BA8C}" type="datetimeFigureOut">
               <a:rPr lang="ko-KR" altLang="en-US" smtClean="0"/>
-              <a:t>2021-08-23</a:t>
+              <a:t>2021-08-24</a:t>
             </a:fld>
             <a:endParaRPr lang="ko-KR" altLang="en-US"/>
           </a:p>
@@ -1997,7 +2175,7 @@
           <a:p>
             <a:fld id="{EEF404DD-73CD-47E6-A613-3FD5CC73BA8C}" type="datetimeFigureOut">
               <a:rPr lang="ko-KR" altLang="en-US" smtClean="0"/>
-              <a:t>2021-08-23</a:t>
+              <a:t>2021-08-24</a:t>
             </a:fld>
             <a:endParaRPr lang="ko-KR" altLang="en-US"/>
           </a:p>
@@ -6005,7 +6183,7 @@
           <a:p>
             <a:fld id="{EEF404DD-73CD-47E6-A613-3FD5CC73BA8C}" type="datetimeFigureOut">
               <a:rPr lang="ko-KR" altLang="en-US" smtClean="0"/>
-              <a:t>2021-08-23</a:t>
+              <a:t>2021-08-24</a:t>
             </a:fld>
             <a:endParaRPr lang="ko-KR" altLang="en-US"/>
           </a:p>
@@ -6280,7 +6458,7 @@
           <a:p>
             <a:fld id="{EEF404DD-73CD-47E6-A613-3FD5CC73BA8C}" type="datetimeFigureOut">
               <a:rPr lang="ko-KR" altLang="en-US" smtClean="0"/>
-              <a:t>2021-08-23</a:t>
+              <a:t>2021-08-24</a:t>
             </a:fld>
             <a:endParaRPr lang="ko-KR" altLang="en-US"/>
           </a:p>
@@ -6545,7 +6723,7 @@
           <a:p>
             <a:fld id="{EEF404DD-73CD-47E6-A613-3FD5CC73BA8C}" type="datetimeFigureOut">
               <a:rPr lang="ko-KR" altLang="en-US" smtClean="0"/>
-              <a:t>2021-08-23</a:t>
+              <a:t>2021-08-24</a:t>
             </a:fld>
             <a:endParaRPr lang="ko-KR" altLang="en-US"/>
           </a:p>
@@ -6957,7 +7135,7 @@
           <a:p>
             <a:fld id="{EEF404DD-73CD-47E6-A613-3FD5CC73BA8C}" type="datetimeFigureOut">
               <a:rPr lang="ko-KR" altLang="en-US" smtClean="0"/>
-              <a:t>2021-08-23</a:t>
+              <a:t>2021-08-24</a:t>
             </a:fld>
             <a:endParaRPr lang="ko-KR" altLang="en-US"/>
           </a:p>
@@ -7098,7 +7276,7 @@
           <a:p>
             <a:fld id="{EEF404DD-73CD-47E6-A613-3FD5CC73BA8C}" type="datetimeFigureOut">
               <a:rPr lang="ko-KR" altLang="en-US" smtClean="0"/>
-              <a:t>2021-08-23</a:t>
+              <a:t>2021-08-24</a:t>
             </a:fld>
             <a:endParaRPr lang="ko-KR" altLang="en-US"/>
           </a:p>
@@ -7211,7 +7389,7 @@
           <a:p>
             <a:fld id="{EEF404DD-73CD-47E6-A613-3FD5CC73BA8C}" type="datetimeFigureOut">
               <a:rPr lang="ko-KR" altLang="en-US" smtClean="0"/>
-              <a:t>2021-08-23</a:t>
+              <a:t>2021-08-24</a:t>
             </a:fld>
             <a:endParaRPr lang="ko-KR" altLang="en-US"/>
           </a:p>
@@ -7522,7 +7700,7 @@
           <a:p>
             <a:fld id="{EEF404DD-73CD-47E6-A613-3FD5CC73BA8C}" type="datetimeFigureOut">
               <a:rPr lang="ko-KR" altLang="en-US" smtClean="0"/>
-              <a:t>2021-08-23</a:t>
+              <a:t>2021-08-24</a:t>
             </a:fld>
             <a:endParaRPr lang="ko-KR" altLang="en-US"/>
           </a:p>
@@ -7810,7 +7988,7 @@
           <a:p>
             <a:fld id="{EEF404DD-73CD-47E6-A613-3FD5CC73BA8C}" type="datetimeFigureOut">
               <a:rPr lang="ko-KR" altLang="en-US" smtClean="0"/>
-              <a:t>2021-08-23</a:t>
+              <a:t>2021-08-24</a:t>
             </a:fld>
             <a:endParaRPr lang="ko-KR" altLang="en-US"/>
           </a:p>
@@ -8051,7 +8229,7 @@
           <a:p>
             <a:fld id="{EEF404DD-73CD-47E6-A613-3FD5CC73BA8C}" type="datetimeFigureOut">
               <a:rPr lang="ko-KR" altLang="en-US" smtClean="0"/>
-              <a:t>2021-08-23</a:t>
+              <a:t>2021-08-24</a:t>
             </a:fld>
             <a:endParaRPr lang="ko-KR" altLang="en-US"/>
           </a:p>
@@ -23407,6 +23585,767 @@
     <p:extLst>
       <p:ext uri="{BB962C8B-B14F-4D97-AF65-F5344CB8AC3E}">
         <p14:creationId xmlns:p14="http://schemas.microsoft.com/office/powerpoint/2010/main" val="1530256209"/>
+      </p:ext>
+    </p:extLst>
+  </p:cSld>
+  <p:clrMapOvr>
+    <a:masterClrMapping/>
+  </p:clrMapOvr>
+</p:sld>
+</file>
+
+<file path=ppt/slides/slide14.xml><?xml version="1.0" encoding="utf-8"?>
+<p:sld xmlns:a="http://schemas.openxmlformats.org/drawingml/2006/main" xmlns:r="http://schemas.openxmlformats.org/officeDocument/2006/relationships" xmlns:p="http://schemas.openxmlformats.org/presentationml/2006/main">
+  <p:cSld>
+    <p:spTree>
+      <p:nvGrpSpPr>
+        <p:cNvPr id="1" name=""/>
+        <p:cNvGrpSpPr/>
+        <p:nvPr/>
+      </p:nvGrpSpPr>
+      <p:grpSpPr>
+        <a:xfrm>
+          <a:off x="0" y="0"/>
+          <a:ext cx="0" cy="0"/>
+          <a:chOff x="0" y="0"/>
+          <a:chExt cx="0" cy="0"/>
+        </a:xfrm>
+      </p:grpSpPr>
+      <p:sp>
+        <p:nvSpPr>
+          <p:cNvPr id="54" name="직사각형 53"/>
+          <p:cNvSpPr/>
+          <p:nvPr/>
+        </p:nvSpPr>
+        <p:spPr>
+          <a:xfrm>
+            <a:off x="1408702" y="392782"/>
+            <a:ext cx="1619284" cy="139653"/>
+          </a:xfrm>
+          <a:prstGeom prst="rect">
+            <a:avLst/>
+          </a:prstGeom>
+          <a:noFill/>
+          <a:ln>
+            <a:noFill/>
+          </a:ln>
+        </p:spPr>
+        <p:style>
+          <a:lnRef idx="2">
+            <a:schemeClr val="accent1">
+              <a:shade val="50000"/>
+            </a:schemeClr>
+          </a:lnRef>
+          <a:fillRef idx="1">
+            <a:schemeClr val="accent1"/>
+          </a:fillRef>
+          <a:effectRef idx="0">
+            <a:schemeClr val="accent1"/>
+          </a:effectRef>
+          <a:fontRef idx="minor">
+            <a:schemeClr val="lt1"/>
+          </a:fontRef>
+        </p:style>
+        <p:txBody>
+          <a:bodyPr rtlCol="0" anchor="ctr"/>
+          <a:lstStyle/>
+          <a:p>
+            <a:pPr algn="r"/>
+            <a:r>
+              <a:rPr lang="ko-KR" altLang="en-US" sz="900" dirty="0">
+                <a:solidFill>
+                  <a:schemeClr val="tx1"/>
+                </a:solidFill>
+              </a:rPr>
+              <a:t>미흡 내역 등록</a:t>
+            </a:r>
+          </a:p>
+        </p:txBody>
+      </p:sp>
+      <p:sp>
+        <p:nvSpPr>
+          <p:cNvPr id="37" name="직사각형 36"/>
+          <p:cNvSpPr/>
+          <p:nvPr/>
+        </p:nvSpPr>
+        <p:spPr>
+          <a:xfrm>
+            <a:off x="804890" y="1653196"/>
+            <a:ext cx="6802140" cy="2588064"/>
+          </a:xfrm>
+          <a:prstGeom prst="rect">
+            <a:avLst/>
+          </a:prstGeom>
+          <a:noFill/>
+        </p:spPr>
+        <p:style>
+          <a:lnRef idx="2">
+            <a:schemeClr val="accent1">
+              <a:shade val="50000"/>
+            </a:schemeClr>
+          </a:lnRef>
+          <a:fillRef idx="1">
+            <a:schemeClr val="accent1"/>
+          </a:fillRef>
+          <a:effectRef idx="0">
+            <a:schemeClr val="accent1"/>
+          </a:effectRef>
+          <a:fontRef idx="minor">
+            <a:schemeClr val="lt1"/>
+          </a:fontRef>
+        </p:style>
+        <p:txBody>
+          <a:bodyPr rtlCol="0" anchor="ctr"/>
+          <a:lstStyle/>
+          <a:p>
+            <a:pPr algn="ctr"/>
+            <a:r>
+              <a:rPr lang="en-US" altLang="ko-KR" dirty="0">
+                <a:solidFill>
+                  <a:schemeClr val="tx1"/>
+                </a:solidFill>
+              </a:rPr>
+              <a:t>TEXT OR IMAGE</a:t>
+            </a:r>
+            <a:r>
+              <a:rPr lang="ko-KR" altLang="en-US" dirty="0">
+                <a:solidFill>
+                  <a:schemeClr val="tx1"/>
+                </a:solidFill>
+              </a:rPr>
+              <a:t> </a:t>
+            </a:r>
+          </a:p>
+        </p:txBody>
+      </p:sp>
+      <p:sp>
+        <p:nvSpPr>
+          <p:cNvPr id="2" name="직사각형 1"/>
+          <p:cNvSpPr/>
+          <p:nvPr/>
+        </p:nvSpPr>
+        <p:spPr>
+          <a:xfrm>
+            <a:off x="804890" y="1456076"/>
+            <a:ext cx="501498" cy="197120"/>
+          </a:xfrm>
+          <a:prstGeom prst="rect">
+            <a:avLst/>
+          </a:prstGeom>
+          <a:noFill/>
+        </p:spPr>
+        <p:style>
+          <a:lnRef idx="2">
+            <a:schemeClr val="accent1">
+              <a:shade val="50000"/>
+            </a:schemeClr>
+          </a:lnRef>
+          <a:fillRef idx="1">
+            <a:schemeClr val="accent1"/>
+          </a:fillRef>
+          <a:effectRef idx="0">
+            <a:schemeClr val="accent1"/>
+          </a:effectRef>
+          <a:fontRef idx="minor">
+            <a:schemeClr val="lt1"/>
+          </a:fontRef>
+        </p:style>
+        <p:txBody>
+          <a:bodyPr rtlCol="0" anchor="ctr"/>
+          <a:lstStyle/>
+          <a:p>
+            <a:pPr algn="ctr"/>
+            <a:r>
+              <a:rPr lang="ko-KR" altLang="en-US" sz="800" dirty="0">
+                <a:solidFill>
+                  <a:schemeClr val="tx1"/>
+                </a:solidFill>
+              </a:rPr>
+              <a:t>텍스트</a:t>
+            </a:r>
+          </a:p>
+        </p:txBody>
+      </p:sp>
+      <p:sp>
+        <p:nvSpPr>
+          <p:cNvPr id="6" name="직사각형 5"/>
+          <p:cNvSpPr/>
+          <p:nvPr/>
+        </p:nvSpPr>
+        <p:spPr>
+          <a:xfrm>
+            <a:off x="1325050" y="1456076"/>
+            <a:ext cx="501498" cy="197120"/>
+          </a:xfrm>
+          <a:prstGeom prst="rect">
+            <a:avLst/>
+          </a:prstGeom>
+          <a:noFill/>
+        </p:spPr>
+        <p:style>
+          <a:lnRef idx="2">
+            <a:schemeClr val="accent1">
+              <a:shade val="50000"/>
+            </a:schemeClr>
+          </a:lnRef>
+          <a:fillRef idx="1">
+            <a:schemeClr val="accent1"/>
+          </a:fillRef>
+          <a:effectRef idx="0">
+            <a:schemeClr val="accent1"/>
+          </a:effectRef>
+          <a:fontRef idx="minor">
+            <a:schemeClr val="lt1"/>
+          </a:fontRef>
+        </p:style>
+        <p:txBody>
+          <a:bodyPr rtlCol="0" anchor="ctr"/>
+          <a:lstStyle/>
+          <a:p>
+            <a:pPr algn="ctr"/>
+            <a:r>
+              <a:rPr lang="ko-KR" altLang="en-US" sz="800" dirty="0">
+                <a:solidFill>
+                  <a:schemeClr val="tx1"/>
+                </a:solidFill>
+              </a:rPr>
+              <a:t>이미지</a:t>
+            </a:r>
+          </a:p>
+        </p:txBody>
+      </p:sp>
+    </p:spTree>
+    <p:extLst>
+      <p:ext uri="{BB962C8B-B14F-4D97-AF65-F5344CB8AC3E}">
+        <p14:creationId xmlns:p14="http://schemas.microsoft.com/office/powerpoint/2010/main" val="838615179"/>
+      </p:ext>
+    </p:extLst>
+  </p:cSld>
+  <p:clrMapOvr>
+    <a:masterClrMapping/>
+  </p:clrMapOvr>
+</p:sld>
+</file>
+
+<file path=ppt/slides/slide15.xml><?xml version="1.0" encoding="utf-8"?>
+<p:sld xmlns:a="http://schemas.openxmlformats.org/drawingml/2006/main" xmlns:r="http://schemas.openxmlformats.org/officeDocument/2006/relationships" xmlns:p="http://schemas.openxmlformats.org/presentationml/2006/main">
+  <p:cSld>
+    <p:spTree>
+      <p:nvGrpSpPr>
+        <p:cNvPr id="1" name=""/>
+        <p:cNvGrpSpPr/>
+        <p:nvPr/>
+      </p:nvGrpSpPr>
+      <p:grpSpPr>
+        <a:xfrm>
+          <a:off x="0" y="0"/>
+          <a:ext cx="0" cy="0"/>
+          <a:chOff x="0" y="0"/>
+          <a:chExt cx="0" cy="0"/>
+        </a:xfrm>
+      </p:grpSpPr>
+      <p:sp>
+        <p:nvSpPr>
+          <p:cNvPr id="54" name="직사각형 53"/>
+          <p:cNvSpPr/>
+          <p:nvPr/>
+        </p:nvSpPr>
+        <p:spPr>
+          <a:xfrm>
+            <a:off x="1408702" y="392782"/>
+            <a:ext cx="1619284" cy="139653"/>
+          </a:xfrm>
+          <a:prstGeom prst="rect">
+            <a:avLst/>
+          </a:prstGeom>
+          <a:noFill/>
+          <a:ln>
+            <a:noFill/>
+          </a:ln>
+        </p:spPr>
+        <p:style>
+          <a:lnRef idx="2">
+            <a:schemeClr val="accent1">
+              <a:shade val="50000"/>
+            </a:schemeClr>
+          </a:lnRef>
+          <a:fillRef idx="1">
+            <a:schemeClr val="accent1"/>
+          </a:fillRef>
+          <a:effectRef idx="0">
+            <a:schemeClr val="accent1"/>
+          </a:effectRef>
+          <a:fontRef idx="minor">
+            <a:schemeClr val="lt1"/>
+          </a:fontRef>
+        </p:style>
+        <p:txBody>
+          <a:bodyPr rtlCol="0" anchor="ctr"/>
+          <a:lstStyle/>
+          <a:p>
+            <a:pPr algn="r"/>
+            <a:r>
+              <a:rPr lang="ko-KR" altLang="en-US" sz="900" dirty="0">
+                <a:solidFill>
+                  <a:schemeClr val="tx1"/>
+                </a:solidFill>
+              </a:rPr>
+              <a:t>점검 결과 확인서명 </a:t>
+            </a:r>
+            <a:r>
+              <a:rPr lang="en-US" altLang="ko-KR" sz="900" dirty="0">
+                <a:solidFill>
+                  <a:schemeClr val="tx1"/>
+                </a:solidFill>
+              </a:rPr>
+              <a:t>(</a:t>
+            </a:r>
+            <a:r>
+              <a:rPr lang="ko-KR" altLang="en-US" sz="900" dirty="0" err="1">
+                <a:solidFill>
+                  <a:schemeClr val="tx1"/>
+                </a:solidFill>
+              </a:rPr>
+              <a:t>앱</a:t>
+            </a:r>
+            <a:r>
+              <a:rPr lang="en-US" altLang="ko-KR" sz="900" dirty="0">
+                <a:solidFill>
+                  <a:schemeClr val="tx1"/>
+                </a:solidFill>
+              </a:rPr>
+              <a:t>)</a:t>
+            </a:r>
+            <a:endParaRPr lang="ko-KR" altLang="en-US" sz="900" dirty="0">
+              <a:solidFill>
+                <a:schemeClr val="tx1"/>
+              </a:solidFill>
+            </a:endParaRPr>
+          </a:p>
+        </p:txBody>
+      </p:sp>
+      <p:sp>
+        <p:nvSpPr>
+          <p:cNvPr id="37" name="직사각형 36"/>
+          <p:cNvSpPr/>
+          <p:nvPr/>
+        </p:nvSpPr>
+        <p:spPr>
+          <a:xfrm>
+            <a:off x="1411270" y="1682379"/>
+            <a:ext cx="1312475" cy="922648"/>
+          </a:xfrm>
+          <a:prstGeom prst="rect">
+            <a:avLst/>
+          </a:prstGeom>
+          <a:noFill/>
+        </p:spPr>
+        <p:style>
+          <a:lnRef idx="2">
+            <a:schemeClr val="accent1">
+              <a:shade val="50000"/>
+            </a:schemeClr>
+          </a:lnRef>
+          <a:fillRef idx="1">
+            <a:schemeClr val="accent1"/>
+          </a:fillRef>
+          <a:effectRef idx="0">
+            <a:schemeClr val="accent1"/>
+          </a:effectRef>
+          <a:fontRef idx="minor">
+            <a:schemeClr val="lt1"/>
+          </a:fontRef>
+        </p:style>
+        <p:txBody>
+          <a:bodyPr rtlCol="0" anchor="ctr"/>
+          <a:lstStyle/>
+          <a:p>
+            <a:pPr algn="ctr"/>
+            <a:r>
+              <a:rPr lang="ko-KR" altLang="en-US">
+                <a:solidFill>
+                  <a:schemeClr val="tx1"/>
+                </a:solidFill>
+              </a:rPr>
+              <a:t>사인 </a:t>
+            </a:r>
+            <a:endParaRPr lang="ko-KR" altLang="en-US" dirty="0">
+              <a:solidFill>
+                <a:schemeClr val="tx1"/>
+              </a:solidFill>
+            </a:endParaRPr>
+          </a:p>
+        </p:txBody>
+      </p:sp>
+      <p:sp>
+        <p:nvSpPr>
+          <p:cNvPr id="4" name="직사각형 3"/>
+          <p:cNvSpPr/>
+          <p:nvPr/>
+        </p:nvSpPr>
+        <p:spPr>
+          <a:xfrm>
+            <a:off x="804890" y="1311385"/>
+            <a:ext cx="2826431" cy="209397"/>
+          </a:xfrm>
+          <a:prstGeom prst="rect">
+            <a:avLst/>
+          </a:prstGeom>
+          <a:solidFill>
+            <a:schemeClr val="bg1">
+              <a:lumMod val="95000"/>
+            </a:schemeClr>
+          </a:solidFill>
+        </p:spPr>
+        <p:style>
+          <a:lnRef idx="2">
+            <a:schemeClr val="accent1">
+              <a:shade val="50000"/>
+            </a:schemeClr>
+          </a:lnRef>
+          <a:fillRef idx="1">
+            <a:schemeClr val="accent1"/>
+          </a:fillRef>
+          <a:effectRef idx="0">
+            <a:schemeClr val="accent1"/>
+          </a:effectRef>
+          <a:fontRef idx="minor">
+            <a:schemeClr val="lt1"/>
+          </a:fontRef>
+        </p:style>
+        <p:txBody>
+          <a:bodyPr rtlCol="0" anchor="ctr"/>
+          <a:lstStyle/>
+          <a:p>
+            <a:pPr algn="ctr"/>
+            <a:r>
+              <a:rPr lang="ko-KR" altLang="en-US" sz="900" dirty="0">
+                <a:solidFill>
+                  <a:schemeClr val="tx1"/>
+                </a:solidFill>
+              </a:rPr>
+              <a:t>등록자의 사원명</a:t>
+            </a:r>
+            <a:r>
+              <a:rPr lang="en-US" altLang="ko-KR" sz="900" dirty="0">
+                <a:solidFill>
+                  <a:schemeClr val="tx1"/>
+                </a:solidFill>
+              </a:rPr>
+              <a:t>,</a:t>
+            </a:r>
+            <a:r>
+              <a:rPr lang="ko-KR" altLang="en-US" sz="900" dirty="0">
+                <a:solidFill>
+                  <a:schemeClr val="tx1"/>
+                </a:solidFill>
+              </a:rPr>
+              <a:t>직책</a:t>
+            </a:r>
+            <a:r>
+              <a:rPr lang="en-US" altLang="ko-KR" sz="900" dirty="0">
+                <a:solidFill>
+                  <a:schemeClr val="tx1"/>
+                </a:solidFill>
+              </a:rPr>
+              <a:t>/</a:t>
+            </a:r>
+            <a:r>
+              <a:rPr lang="ko-KR" altLang="en-US" sz="900" dirty="0">
+                <a:solidFill>
+                  <a:schemeClr val="tx1"/>
+                </a:solidFill>
+              </a:rPr>
+              <a:t>호칭</a:t>
+            </a:r>
+            <a:r>
+              <a:rPr lang="en-US" altLang="ko-KR" sz="900" dirty="0">
+                <a:solidFill>
+                  <a:schemeClr val="tx1"/>
+                </a:solidFill>
+              </a:rPr>
+              <a:t>,</a:t>
+            </a:r>
+            <a:r>
+              <a:rPr lang="ko-KR" altLang="en-US" sz="900" dirty="0">
+                <a:solidFill>
+                  <a:schemeClr val="tx1"/>
+                </a:solidFill>
+              </a:rPr>
+              <a:t>소속이 출력됩니다</a:t>
+            </a:r>
+          </a:p>
+        </p:txBody>
+      </p:sp>
+      <p:sp>
+        <p:nvSpPr>
+          <p:cNvPr id="5" name="직사각형 4"/>
+          <p:cNvSpPr/>
+          <p:nvPr/>
+        </p:nvSpPr>
+        <p:spPr>
+          <a:xfrm>
+            <a:off x="198576" y="1041788"/>
+            <a:ext cx="1044059" cy="216000"/>
+          </a:xfrm>
+          <a:prstGeom prst="rect">
+            <a:avLst/>
+          </a:prstGeom>
+          <a:noFill/>
+          <a:ln>
+            <a:noFill/>
+          </a:ln>
+        </p:spPr>
+        <p:style>
+          <a:lnRef idx="2">
+            <a:schemeClr val="accent1">
+              <a:shade val="50000"/>
+            </a:schemeClr>
+          </a:lnRef>
+          <a:fillRef idx="1">
+            <a:schemeClr val="accent1"/>
+          </a:fillRef>
+          <a:effectRef idx="0">
+            <a:schemeClr val="accent1"/>
+          </a:effectRef>
+          <a:fontRef idx="minor">
+            <a:schemeClr val="lt1"/>
+          </a:fontRef>
+        </p:style>
+        <p:txBody>
+          <a:bodyPr rtlCol="0" anchor="ctr"/>
+          <a:lstStyle/>
+          <a:p>
+            <a:pPr algn="r"/>
+            <a:r>
+              <a:rPr lang="ko-KR" altLang="en-US" sz="900" dirty="0" err="1">
+                <a:solidFill>
+                  <a:schemeClr val="tx1"/>
+                </a:solidFill>
+              </a:rPr>
+              <a:t>점검자</a:t>
+            </a:r>
+            <a:endParaRPr lang="ko-KR" altLang="en-US" sz="900" dirty="0">
+              <a:solidFill>
+                <a:schemeClr val="tx1"/>
+              </a:solidFill>
+            </a:endParaRPr>
+          </a:p>
+        </p:txBody>
+      </p:sp>
+      <p:sp>
+        <p:nvSpPr>
+          <p:cNvPr id="7" name="직사각형 6"/>
+          <p:cNvSpPr/>
+          <p:nvPr/>
+        </p:nvSpPr>
+        <p:spPr>
+          <a:xfrm>
+            <a:off x="804890" y="2922267"/>
+            <a:ext cx="2826431" cy="209397"/>
+          </a:xfrm>
+          <a:prstGeom prst="rect">
+            <a:avLst/>
+          </a:prstGeom>
+          <a:solidFill>
+            <a:schemeClr val="bg1">
+              <a:lumMod val="95000"/>
+            </a:schemeClr>
+          </a:solidFill>
+        </p:spPr>
+        <p:style>
+          <a:lnRef idx="2">
+            <a:schemeClr val="accent1">
+              <a:shade val="50000"/>
+            </a:schemeClr>
+          </a:lnRef>
+          <a:fillRef idx="1">
+            <a:schemeClr val="accent1"/>
+          </a:fillRef>
+          <a:effectRef idx="0">
+            <a:schemeClr val="accent1"/>
+          </a:effectRef>
+          <a:fontRef idx="minor">
+            <a:schemeClr val="lt1"/>
+          </a:fontRef>
+        </p:style>
+        <p:txBody>
+          <a:bodyPr rtlCol="0" anchor="ctr"/>
+          <a:lstStyle/>
+          <a:p>
+            <a:pPr algn="ctr"/>
+            <a:r>
+              <a:rPr lang="ko-KR" altLang="en-US" sz="900" dirty="0">
+                <a:solidFill>
+                  <a:schemeClr val="tx1"/>
+                </a:solidFill>
+              </a:rPr>
+              <a:t>등록자의 사원명</a:t>
+            </a:r>
+            <a:r>
+              <a:rPr lang="en-US" altLang="ko-KR" sz="900" dirty="0">
+                <a:solidFill>
+                  <a:schemeClr val="tx1"/>
+                </a:solidFill>
+              </a:rPr>
+              <a:t>,</a:t>
+            </a:r>
+            <a:r>
+              <a:rPr lang="ko-KR" altLang="en-US" sz="900" dirty="0">
+                <a:solidFill>
+                  <a:schemeClr val="tx1"/>
+                </a:solidFill>
+              </a:rPr>
+              <a:t>직책</a:t>
+            </a:r>
+            <a:r>
+              <a:rPr lang="en-US" altLang="ko-KR" sz="900" dirty="0">
+                <a:solidFill>
+                  <a:schemeClr val="tx1"/>
+                </a:solidFill>
+              </a:rPr>
+              <a:t>/</a:t>
+            </a:r>
+            <a:r>
+              <a:rPr lang="ko-KR" altLang="en-US" sz="900" dirty="0">
+                <a:solidFill>
+                  <a:schemeClr val="tx1"/>
+                </a:solidFill>
+              </a:rPr>
+              <a:t>호칭</a:t>
+            </a:r>
+            <a:r>
+              <a:rPr lang="en-US" altLang="ko-KR" sz="900" dirty="0">
+                <a:solidFill>
+                  <a:schemeClr val="tx1"/>
+                </a:solidFill>
+              </a:rPr>
+              <a:t>,</a:t>
+            </a:r>
+            <a:r>
+              <a:rPr lang="ko-KR" altLang="en-US" sz="900" dirty="0">
+                <a:solidFill>
+                  <a:schemeClr val="tx1"/>
+                </a:solidFill>
+              </a:rPr>
+              <a:t>소속이 출력됩니다</a:t>
+            </a:r>
+          </a:p>
+        </p:txBody>
+      </p:sp>
+      <p:sp>
+        <p:nvSpPr>
+          <p:cNvPr id="8" name="직사각형 7"/>
+          <p:cNvSpPr/>
+          <p:nvPr/>
+        </p:nvSpPr>
+        <p:spPr>
+          <a:xfrm>
+            <a:off x="198576" y="2688799"/>
+            <a:ext cx="1044059" cy="216000"/>
+          </a:xfrm>
+          <a:prstGeom prst="rect">
+            <a:avLst/>
+          </a:prstGeom>
+          <a:noFill/>
+          <a:ln>
+            <a:noFill/>
+          </a:ln>
+        </p:spPr>
+        <p:style>
+          <a:lnRef idx="2">
+            <a:schemeClr val="accent1">
+              <a:shade val="50000"/>
+            </a:schemeClr>
+          </a:lnRef>
+          <a:fillRef idx="1">
+            <a:schemeClr val="accent1"/>
+          </a:fillRef>
+          <a:effectRef idx="0">
+            <a:schemeClr val="accent1"/>
+          </a:effectRef>
+          <a:fontRef idx="minor">
+            <a:schemeClr val="lt1"/>
+          </a:fontRef>
+        </p:style>
+        <p:txBody>
+          <a:bodyPr rtlCol="0" anchor="ctr"/>
+          <a:lstStyle/>
+          <a:p>
+            <a:pPr algn="r"/>
+            <a:r>
+              <a:rPr lang="ko-KR" altLang="en-US" sz="900" dirty="0" err="1">
+                <a:solidFill>
+                  <a:schemeClr val="tx1"/>
+                </a:solidFill>
+              </a:rPr>
+              <a:t>확인자</a:t>
+            </a:r>
+            <a:endParaRPr lang="ko-KR" altLang="en-US" sz="900" dirty="0">
+              <a:solidFill>
+                <a:schemeClr val="tx1"/>
+              </a:solidFill>
+            </a:endParaRPr>
+          </a:p>
+        </p:txBody>
+      </p:sp>
+      <p:sp>
+        <p:nvSpPr>
+          <p:cNvPr id="11" name="직사각형 10"/>
+          <p:cNvSpPr/>
+          <p:nvPr/>
+        </p:nvSpPr>
+        <p:spPr>
+          <a:xfrm>
+            <a:off x="1375043" y="3293261"/>
+            <a:ext cx="1312475" cy="922648"/>
+          </a:xfrm>
+          <a:prstGeom prst="rect">
+            <a:avLst/>
+          </a:prstGeom>
+          <a:noFill/>
+        </p:spPr>
+        <p:style>
+          <a:lnRef idx="2">
+            <a:schemeClr val="accent1">
+              <a:shade val="50000"/>
+            </a:schemeClr>
+          </a:lnRef>
+          <a:fillRef idx="1">
+            <a:schemeClr val="accent1"/>
+          </a:fillRef>
+          <a:effectRef idx="0">
+            <a:schemeClr val="accent1"/>
+          </a:effectRef>
+          <a:fontRef idx="minor">
+            <a:schemeClr val="lt1"/>
+          </a:fontRef>
+        </p:style>
+        <p:txBody>
+          <a:bodyPr rtlCol="0" anchor="ctr"/>
+          <a:lstStyle/>
+          <a:p>
+            <a:pPr algn="ctr"/>
+            <a:r>
+              <a:rPr lang="ko-KR" altLang="en-US">
+                <a:solidFill>
+                  <a:schemeClr val="tx1"/>
+                </a:solidFill>
+              </a:rPr>
+              <a:t>사인 </a:t>
+            </a:r>
+            <a:endParaRPr lang="ko-KR" altLang="en-US" dirty="0">
+              <a:solidFill>
+                <a:schemeClr val="tx1"/>
+              </a:solidFill>
+            </a:endParaRPr>
+          </a:p>
+        </p:txBody>
+      </p:sp>
+    </p:spTree>
+    <p:extLst>
+      <p:ext uri="{BB962C8B-B14F-4D97-AF65-F5344CB8AC3E}">
+        <p14:creationId xmlns:p14="http://schemas.microsoft.com/office/powerpoint/2010/main" val="3140010969"/>
       </p:ext>
     </p:extLst>
   </p:cSld>

--- a/docs/퍼블_모달작업.pptx
+++ b/docs/퍼블_모달작업.pptx
@@ -211,7 +211,7 @@
           <a:p>
             <a:fld id="{C9E2D283-24E8-43BF-8699-4850E5B0C771}" type="datetimeFigureOut">
               <a:rPr lang="ko-KR" altLang="en-US" smtClean="0"/>
-              <a:t>2021-08-24</a:t>
+              <a:t>2021-08-25</a:t>
             </a:fld>
             <a:endParaRPr lang="ko-KR" altLang="en-US"/>
           </a:p>
@@ -1769,7 +1769,7 @@
           <a:p>
             <a:fld id="{EEF404DD-73CD-47E6-A613-3FD5CC73BA8C}" type="datetimeFigureOut">
               <a:rPr lang="ko-KR" altLang="en-US" smtClean="0"/>
-              <a:t>2021-08-24</a:t>
+              <a:t>2021-08-25</a:t>
             </a:fld>
             <a:endParaRPr lang="ko-KR" altLang="en-US"/>
           </a:p>
@@ -1967,7 +1967,7 @@
           <a:p>
             <a:fld id="{EEF404DD-73CD-47E6-A613-3FD5CC73BA8C}" type="datetimeFigureOut">
               <a:rPr lang="ko-KR" altLang="en-US" smtClean="0"/>
-              <a:t>2021-08-24</a:t>
+              <a:t>2021-08-25</a:t>
             </a:fld>
             <a:endParaRPr lang="ko-KR" altLang="en-US"/>
           </a:p>
@@ -2175,7 +2175,7 @@
           <a:p>
             <a:fld id="{EEF404DD-73CD-47E6-A613-3FD5CC73BA8C}" type="datetimeFigureOut">
               <a:rPr lang="ko-KR" altLang="en-US" smtClean="0"/>
-              <a:t>2021-08-24</a:t>
+              <a:t>2021-08-25</a:t>
             </a:fld>
             <a:endParaRPr lang="ko-KR" altLang="en-US"/>
           </a:p>
@@ -6183,7 +6183,7 @@
           <a:p>
             <a:fld id="{EEF404DD-73CD-47E6-A613-3FD5CC73BA8C}" type="datetimeFigureOut">
               <a:rPr lang="ko-KR" altLang="en-US" smtClean="0"/>
-              <a:t>2021-08-24</a:t>
+              <a:t>2021-08-25</a:t>
             </a:fld>
             <a:endParaRPr lang="ko-KR" altLang="en-US"/>
           </a:p>
@@ -6458,7 +6458,7 @@
           <a:p>
             <a:fld id="{EEF404DD-73CD-47E6-A613-3FD5CC73BA8C}" type="datetimeFigureOut">
               <a:rPr lang="ko-KR" altLang="en-US" smtClean="0"/>
-              <a:t>2021-08-24</a:t>
+              <a:t>2021-08-25</a:t>
             </a:fld>
             <a:endParaRPr lang="ko-KR" altLang="en-US"/>
           </a:p>
@@ -6723,7 +6723,7 @@
           <a:p>
             <a:fld id="{EEF404DD-73CD-47E6-A613-3FD5CC73BA8C}" type="datetimeFigureOut">
               <a:rPr lang="ko-KR" altLang="en-US" smtClean="0"/>
-              <a:t>2021-08-24</a:t>
+              <a:t>2021-08-25</a:t>
             </a:fld>
             <a:endParaRPr lang="ko-KR" altLang="en-US"/>
           </a:p>
@@ -7135,7 +7135,7 @@
           <a:p>
             <a:fld id="{EEF404DD-73CD-47E6-A613-3FD5CC73BA8C}" type="datetimeFigureOut">
               <a:rPr lang="ko-KR" altLang="en-US" smtClean="0"/>
-              <a:t>2021-08-24</a:t>
+              <a:t>2021-08-25</a:t>
             </a:fld>
             <a:endParaRPr lang="ko-KR" altLang="en-US"/>
           </a:p>
@@ -7276,7 +7276,7 @@
           <a:p>
             <a:fld id="{EEF404DD-73CD-47E6-A613-3FD5CC73BA8C}" type="datetimeFigureOut">
               <a:rPr lang="ko-KR" altLang="en-US" smtClean="0"/>
-              <a:t>2021-08-24</a:t>
+              <a:t>2021-08-25</a:t>
             </a:fld>
             <a:endParaRPr lang="ko-KR" altLang="en-US"/>
           </a:p>
@@ -7389,7 +7389,7 @@
           <a:p>
             <a:fld id="{EEF404DD-73CD-47E6-A613-3FD5CC73BA8C}" type="datetimeFigureOut">
               <a:rPr lang="ko-KR" altLang="en-US" smtClean="0"/>
-              <a:t>2021-08-24</a:t>
+              <a:t>2021-08-25</a:t>
             </a:fld>
             <a:endParaRPr lang="ko-KR" altLang="en-US"/>
           </a:p>
@@ -7700,7 +7700,7 @@
           <a:p>
             <a:fld id="{EEF404DD-73CD-47E6-A613-3FD5CC73BA8C}" type="datetimeFigureOut">
               <a:rPr lang="ko-KR" altLang="en-US" smtClean="0"/>
-              <a:t>2021-08-24</a:t>
+              <a:t>2021-08-25</a:t>
             </a:fld>
             <a:endParaRPr lang="ko-KR" altLang="en-US"/>
           </a:p>
@@ -7988,7 +7988,7 @@
           <a:p>
             <a:fld id="{EEF404DD-73CD-47E6-A613-3FD5CC73BA8C}" type="datetimeFigureOut">
               <a:rPr lang="ko-KR" altLang="en-US" smtClean="0"/>
-              <a:t>2021-08-24</a:t>
+              <a:t>2021-08-25</a:t>
             </a:fld>
             <a:endParaRPr lang="ko-KR" altLang="en-US"/>
           </a:p>
@@ -8229,7 +8229,7 @@
           <a:p>
             <a:fld id="{EEF404DD-73CD-47E6-A613-3FD5CC73BA8C}" type="datetimeFigureOut">
               <a:rPr lang="ko-KR" altLang="en-US" smtClean="0"/>
-              <a:t>2021-08-24</a:t>
+              <a:t>2021-08-25</a:t>
             </a:fld>
             <a:endParaRPr lang="ko-KR" altLang="en-US"/>
           </a:p>
@@ -12704,205 +12704,6 @@
           </a:prstGeom>
         </p:spPr>
       </p:pic>
-      <p:sp>
-        <p:nvSpPr>
-          <p:cNvPr id="4" name="직사각형 3">
-            <a:extLst>
-              <a:ext uri="{FF2B5EF4-FFF2-40B4-BE49-F238E27FC236}">
-                <a16:creationId xmlns:a16="http://schemas.microsoft.com/office/drawing/2014/main" id="{FF4197DF-ACF0-4279-A6D6-AAA439336A90}"/>
-              </a:ext>
-            </a:extLst>
-          </p:cNvPr>
-          <p:cNvSpPr/>
-          <p:nvPr/>
-        </p:nvSpPr>
-        <p:spPr>
-          <a:xfrm>
-            <a:off x="-1404730" y="4818720"/>
-            <a:ext cx="6226083" cy="1270556"/>
-          </a:xfrm>
-          <a:prstGeom prst="rect">
-            <a:avLst/>
-          </a:prstGeom>
-          <a:solidFill>
-            <a:schemeClr val="accent6"/>
-          </a:solidFill>
-        </p:spPr>
-        <p:style>
-          <a:lnRef idx="2">
-            <a:schemeClr val="accent1">
-              <a:shade val="50000"/>
-            </a:schemeClr>
-          </a:lnRef>
-          <a:fillRef idx="1">
-            <a:schemeClr val="accent1"/>
-          </a:fillRef>
-          <a:effectRef idx="0">
-            <a:schemeClr val="accent1"/>
-          </a:effectRef>
-          <a:fontRef idx="minor">
-            <a:schemeClr val="lt1"/>
-          </a:fontRef>
-        </p:style>
-        <p:txBody>
-          <a:bodyPr rtlCol="0" anchor="ctr"/>
-          <a:lstStyle/>
-          <a:p>
-            <a:r>
-              <a:rPr lang="en-US" altLang="ko-KR" sz="1200" dirty="0"/>
-              <a:t>1.</a:t>
-            </a:r>
-            <a:r>
-              <a:rPr lang="ko-KR" altLang="en-US" sz="1200" dirty="0"/>
-              <a:t>모바일에서는 트리 </a:t>
-            </a:r>
-            <a:r>
-              <a:rPr lang="ko-KR" altLang="en-US" sz="1200" dirty="0" err="1"/>
-              <a:t>숨겨짐</a:t>
-            </a:r>
-            <a:endParaRPr lang="en-US" altLang="ko-KR" sz="1200" dirty="0"/>
-          </a:p>
-          <a:p>
-            <a:r>
-              <a:rPr lang="en-US" altLang="ko-KR" sz="1200" dirty="0"/>
-              <a:t>2.</a:t>
-            </a:r>
-            <a:r>
-              <a:rPr lang="ko-KR" altLang="en-US" sz="1200" dirty="0"/>
-              <a:t>우측에 사진의 테이블의 첫번째 숫자는 무시</a:t>
-            </a:r>
-            <a:endParaRPr lang="en-US" altLang="ko-KR" sz="1200" dirty="0"/>
-          </a:p>
-          <a:p>
-            <a:r>
-              <a:rPr lang="en-US" altLang="ko-KR" sz="1200" dirty="0"/>
-              <a:t>3.</a:t>
-            </a:r>
-            <a:r>
-              <a:rPr lang="ko-KR" altLang="en-US" sz="1200" dirty="0" err="1"/>
-              <a:t>모달</a:t>
-            </a:r>
-            <a:r>
-              <a:rPr lang="ko-KR" altLang="en-US" sz="1200" dirty="0"/>
-              <a:t> 사이즈는 모바일에서는 풀 팝업</a:t>
-            </a:r>
-            <a:r>
-              <a:rPr lang="en-US" altLang="ko-KR" sz="1200" dirty="0"/>
-              <a:t>, </a:t>
-            </a:r>
-            <a:r>
-              <a:rPr lang="ko-KR" altLang="en-US" sz="1200" dirty="0"/>
-              <a:t>데스크탑에서는 중간 풀 </a:t>
-            </a:r>
-            <a:r>
-              <a:rPr lang="ko-KR" altLang="en-US" sz="1200" dirty="0" err="1"/>
-              <a:t>모달</a:t>
-            </a:r>
-            <a:endParaRPr lang="en-US" altLang="ko-KR" sz="1200" dirty="0"/>
-          </a:p>
-          <a:p>
-            <a:r>
-              <a:rPr lang="en-US" altLang="ko-KR" sz="1200" dirty="0"/>
-              <a:t>4.</a:t>
-            </a:r>
-            <a:r>
-              <a:rPr lang="ko-KR" altLang="en-US" sz="1200" dirty="0"/>
-              <a:t>좌측 트리는 </a:t>
-            </a:r>
-            <a:r>
-              <a:rPr lang="en-US" altLang="ko-KR" sz="1200" dirty="0" err="1"/>
-              <a:t>antd</a:t>
-            </a:r>
-            <a:r>
-              <a:rPr lang="en-US" altLang="ko-KR" sz="1200" dirty="0"/>
-              <a:t> tree </a:t>
-            </a:r>
-            <a:r>
-              <a:rPr lang="ko-KR" altLang="en-US" sz="1200" dirty="0"/>
-              <a:t>사용할 예정</a:t>
-            </a:r>
-            <a:endParaRPr lang="en-US" altLang="ko-KR" sz="1200" dirty="0"/>
-          </a:p>
-          <a:p>
-            <a:r>
-              <a:rPr lang="en-US" altLang="ko-KR" sz="1200" dirty="0"/>
-              <a:t>5.</a:t>
-            </a:r>
-            <a:r>
-              <a:rPr lang="ko-KR" altLang="en-US" sz="1200" dirty="0"/>
-              <a:t>검색 필드는 좌측에 </a:t>
-            </a:r>
-            <a:r>
-              <a:rPr lang="ko-KR" altLang="en-US" sz="1200" b="1" dirty="0">
-                <a:solidFill>
-                  <a:srgbClr val="FF0000"/>
-                </a:solidFill>
-              </a:rPr>
-              <a:t>검색 아이콘</a:t>
-            </a:r>
-            <a:r>
-              <a:rPr lang="en-US" altLang="ko-KR" sz="1200" dirty="0"/>
-              <a:t>, </a:t>
-            </a:r>
-            <a:r>
-              <a:rPr lang="ko-KR" altLang="en-US" sz="1200" dirty="0"/>
-              <a:t>내용이 존재하는 경우 필드 우측에 </a:t>
-            </a:r>
-            <a:r>
-              <a:rPr lang="en-US" altLang="ko-KR" sz="1200" dirty="0"/>
-              <a:t>x </a:t>
-            </a:r>
-            <a:r>
-              <a:rPr lang="ko-KR" altLang="en-US" sz="1200" dirty="0"/>
-              <a:t>버튼</a:t>
-            </a:r>
-            <a:endParaRPr lang="en-US" altLang="ko-KR" sz="1200" dirty="0"/>
-          </a:p>
-          <a:p>
-            <a:r>
-              <a:rPr lang="en-US" altLang="ko-KR" sz="1200" dirty="0"/>
-              <a:t>6.</a:t>
-            </a:r>
-            <a:r>
-              <a:rPr lang="ko-KR" altLang="en-US" sz="1200" dirty="0" err="1"/>
-              <a:t>페이징</a:t>
-            </a:r>
-            <a:r>
-              <a:rPr lang="ko-KR" altLang="en-US" sz="1200" dirty="0"/>
-              <a:t> 처리하므로 </a:t>
-            </a:r>
-            <a:r>
-              <a:rPr lang="en-US" altLang="ko-KR" sz="1200" dirty="0"/>
-              <a:t>“</a:t>
-            </a:r>
-            <a:r>
-              <a:rPr lang="ko-KR" altLang="en-US" sz="1200" dirty="0"/>
-              <a:t>최대 </a:t>
-            </a:r>
-            <a:r>
-              <a:rPr lang="en-US" altLang="ko-KR" sz="1200" dirty="0"/>
-              <a:t>100</a:t>
-            </a:r>
-            <a:r>
-              <a:rPr lang="ko-KR" altLang="en-US" sz="1200" dirty="0" err="1"/>
-              <a:t>명까지만</a:t>
-            </a:r>
-            <a:r>
-              <a:rPr lang="ko-KR" altLang="en-US" sz="1200" dirty="0"/>
-              <a:t> 출력됩니다</a:t>
-            </a:r>
-            <a:r>
-              <a:rPr lang="en-US" altLang="ko-KR" sz="1200" dirty="0"/>
-              <a:t>” </a:t>
-            </a:r>
-            <a:r>
-              <a:rPr lang="ko-KR" altLang="en-US" sz="1200" dirty="0"/>
-              <a:t>라벨은 무시 </a:t>
-            </a:r>
-            <a:endParaRPr lang="en-US" altLang="ko-KR" sz="1200" dirty="0"/>
-          </a:p>
-        </p:txBody>
-      </p:sp>
     </p:spTree>
     <p:extLst>
       <p:ext uri="{BB962C8B-B14F-4D97-AF65-F5344CB8AC3E}">
@@ -30365,121 +30166,6 @@
           </a:p>
         </p:txBody>
       </p:sp>
-      <p:sp>
-        <p:nvSpPr>
-          <p:cNvPr id="36" name="직사각형 35">
-            <a:extLst>
-              <a:ext uri="{FF2B5EF4-FFF2-40B4-BE49-F238E27FC236}">
-                <a16:creationId xmlns:a16="http://schemas.microsoft.com/office/drawing/2014/main" id="{FF7024FF-637C-41C6-B0A4-7F09AC35AC30}"/>
-              </a:ext>
-            </a:extLst>
-          </p:cNvPr>
-          <p:cNvSpPr/>
-          <p:nvPr/>
-        </p:nvSpPr>
-        <p:spPr>
-          <a:xfrm>
-            <a:off x="-90248" y="5637319"/>
-            <a:ext cx="6226083" cy="635277"/>
-          </a:xfrm>
-          <a:prstGeom prst="rect">
-            <a:avLst/>
-          </a:prstGeom>
-          <a:solidFill>
-            <a:schemeClr val="accent6"/>
-          </a:solidFill>
-        </p:spPr>
-        <p:style>
-          <a:lnRef idx="2">
-            <a:schemeClr val="accent1">
-              <a:shade val="50000"/>
-            </a:schemeClr>
-          </a:lnRef>
-          <a:fillRef idx="1">
-            <a:schemeClr val="accent1"/>
-          </a:fillRef>
-          <a:effectRef idx="0">
-            <a:schemeClr val="accent1"/>
-          </a:effectRef>
-          <a:fontRef idx="minor">
-            <a:schemeClr val="lt1"/>
-          </a:fontRef>
-        </p:style>
-        <p:txBody>
-          <a:bodyPr rtlCol="0" anchor="ctr"/>
-          <a:lstStyle/>
-          <a:p>
-            <a:r>
-              <a:rPr lang="en-US" altLang="ko-KR" sz="1200" dirty="0"/>
-              <a:t>1 </a:t>
-            </a:r>
-            <a:r>
-              <a:rPr lang="ko-KR" altLang="en-US" sz="1200" dirty="0"/>
-              <a:t>페이지의 </a:t>
-            </a:r>
-            <a:r>
-              <a:rPr lang="en-US" altLang="ko-KR" sz="1200" dirty="0"/>
-              <a:t>“</a:t>
-            </a:r>
-            <a:r>
-              <a:rPr lang="ko-KR" altLang="en-US" sz="1200" dirty="0"/>
-              <a:t>조직선택</a:t>
-            </a:r>
-            <a:r>
-              <a:rPr lang="en-US" altLang="ko-KR" sz="1200" dirty="0"/>
-              <a:t>“ </a:t>
-            </a:r>
-            <a:r>
-              <a:rPr lang="ko-KR" altLang="en-US" sz="1200" dirty="0"/>
-              <a:t>팝업과 동일한 패턴임</a:t>
-            </a:r>
-            <a:endParaRPr lang="en-US" altLang="ko-KR" sz="1200" dirty="0"/>
-          </a:p>
-          <a:p>
-            <a:r>
-              <a:rPr lang="en-US" altLang="ko-KR" sz="1200" dirty="0"/>
-              <a:t>2.</a:t>
-            </a:r>
-            <a:r>
-              <a:rPr lang="ko-KR" altLang="en-US" sz="1200" dirty="0" err="1"/>
-              <a:t>페이징</a:t>
-            </a:r>
-            <a:r>
-              <a:rPr lang="ko-KR" altLang="en-US" sz="1200" dirty="0"/>
-              <a:t> 처리하므로 </a:t>
-            </a:r>
-            <a:r>
-              <a:rPr lang="en-US" altLang="ko-KR" sz="1200" dirty="0"/>
-              <a:t>“</a:t>
-            </a:r>
-            <a:r>
-              <a:rPr lang="ko-KR" altLang="en-US" sz="1200" dirty="0"/>
-              <a:t>최대 </a:t>
-            </a:r>
-            <a:r>
-              <a:rPr lang="en-US" altLang="ko-KR" sz="1200" dirty="0"/>
-              <a:t>100</a:t>
-            </a:r>
-            <a:r>
-              <a:rPr lang="ko-KR" altLang="en-US" sz="1200" dirty="0" err="1"/>
-              <a:t>명까지만</a:t>
-            </a:r>
-            <a:r>
-              <a:rPr lang="ko-KR" altLang="en-US" sz="1200" dirty="0"/>
-              <a:t> 출력됩니다</a:t>
-            </a:r>
-            <a:r>
-              <a:rPr lang="en-US" altLang="ko-KR" sz="1200" dirty="0"/>
-              <a:t>” </a:t>
-            </a:r>
-            <a:r>
-              <a:rPr lang="ko-KR" altLang="en-US" sz="1200" dirty="0"/>
-              <a:t>라벨은 무시 </a:t>
-            </a:r>
-            <a:endParaRPr lang="en-US" altLang="ko-KR" sz="1200" dirty="0"/>
-          </a:p>
-        </p:txBody>
-      </p:sp>
       <p:pic>
         <p:nvPicPr>
           <p:cNvPr id="3" name="그림 2" descr="텍스트, 모니터, 스크린샷, 화면이(가) 표시된 사진&#10;&#10;자동 생성된 설명">
@@ -31909,207 +31595,6 @@
                 </a:solidFill>
               </a:rPr>
               <a:t>웹</a:t>
-            </a:r>
-          </a:p>
-        </p:txBody>
-      </p:sp>
-      <p:sp>
-        <p:nvSpPr>
-          <p:cNvPr id="39" name="직사각형 38">
-            <a:extLst>
-              <a:ext uri="{FF2B5EF4-FFF2-40B4-BE49-F238E27FC236}">
-                <a16:creationId xmlns:a16="http://schemas.microsoft.com/office/drawing/2014/main" id="{756BB174-1FEC-4906-A0EE-432A0F9F32C4}"/>
-              </a:ext>
-            </a:extLst>
-          </p:cNvPr>
-          <p:cNvSpPr/>
-          <p:nvPr/>
-        </p:nvSpPr>
-        <p:spPr>
-          <a:xfrm>
-            <a:off x="1578471" y="4438617"/>
-            <a:ext cx="6226083" cy="928751"/>
-          </a:xfrm>
-          <a:prstGeom prst="rect">
-            <a:avLst/>
-          </a:prstGeom>
-          <a:solidFill>
-            <a:schemeClr val="accent6"/>
-          </a:solidFill>
-        </p:spPr>
-        <p:style>
-          <a:lnRef idx="2">
-            <a:schemeClr val="accent1">
-              <a:shade val="50000"/>
-            </a:schemeClr>
-          </a:lnRef>
-          <a:fillRef idx="1">
-            <a:schemeClr val="accent1"/>
-          </a:fillRef>
-          <a:effectRef idx="0">
-            <a:schemeClr val="accent1"/>
-          </a:effectRef>
-          <a:fontRef idx="minor">
-            <a:schemeClr val="lt1"/>
-          </a:fontRef>
-        </p:style>
-        <p:txBody>
-          <a:bodyPr rtlCol="0" anchor="ctr"/>
-          <a:lstStyle/>
-          <a:p>
-            <a:pPr marL="228600" indent="-228600">
-              <a:buAutoNum type="arabicPeriod"/>
-            </a:pPr>
-            <a:r>
-              <a:rPr lang="ko-KR" altLang="en-US" sz="1200" dirty="0">
-                <a:solidFill>
-                  <a:schemeClr val="tx1"/>
-                </a:solidFill>
-              </a:rPr>
-              <a:t>기획서에 표기된 것 처럼 라벨을 왼쪽에 넣을지 아니면 </a:t>
-            </a:r>
-            <a:r>
-              <a:rPr lang="en-US" altLang="ko-KR" sz="1200" dirty="0">
-                <a:solidFill>
-                  <a:schemeClr val="tx1"/>
-                </a:solidFill>
-              </a:rPr>
-              <a:t>placeholder</a:t>
-            </a:r>
-            <a:r>
-              <a:rPr lang="ko-KR" altLang="en-US" sz="1200" dirty="0">
-                <a:solidFill>
-                  <a:schemeClr val="tx1"/>
-                </a:solidFill>
-              </a:rPr>
-              <a:t>로 처리할지 결정 필요 </a:t>
-            </a:r>
-            <a:r>
-              <a:rPr lang="en-US" altLang="ko-KR" sz="1200" dirty="0">
-                <a:solidFill>
-                  <a:schemeClr val="tx1"/>
-                </a:solidFill>
-              </a:rPr>
-              <a:t>: </a:t>
-            </a:r>
-            <a:r>
-              <a:rPr lang="ko-KR" altLang="en-US" sz="1200" dirty="0">
-                <a:solidFill>
-                  <a:schemeClr val="tx1"/>
-                </a:solidFill>
-              </a:rPr>
-              <a:t>왼쪽 라벨을 표기하면 됨</a:t>
-            </a:r>
-            <a:endParaRPr lang="en-US" altLang="ko-KR" sz="1200" dirty="0">
-              <a:solidFill>
-                <a:schemeClr val="tx1"/>
-              </a:solidFill>
-            </a:endParaRPr>
-          </a:p>
-          <a:p>
-            <a:r>
-              <a:rPr lang="en-US" altLang="ko-KR" sz="1200" b="1" dirty="0">
-                <a:solidFill>
-                  <a:srgbClr val="0070C0"/>
-                </a:solidFill>
-              </a:rPr>
-              <a:t>2. </a:t>
-            </a:r>
-            <a:r>
-              <a:rPr lang="ko-KR" altLang="en-US" sz="1200" b="1" dirty="0">
-                <a:solidFill>
-                  <a:srgbClr val="0070C0"/>
-                </a:solidFill>
-              </a:rPr>
-              <a:t>화면에 캡쳐는 </a:t>
-            </a:r>
-            <a:r>
-              <a:rPr lang="ko-KR" altLang="en-US" sz="1200" b="1" dirty="0" err="1">
-                <a:solidFill>
-                  <a:srgbClr val="0070C0"/>
-                </a:solidFill>
-              </a:rPr>
-              <a:t>않되있지만</a:t>
-            </a:r>
-            <a:r>
-              <a:rPr lang="ko-KR" altLang="en-US" sz="1200" b="1" dirty="0">
-                <a:solidFill>
-                  <a:srgbClr val="0070C0"/>
-                </a:solidFill>
-              </a:rPr>
-              <a:t> </a:t>
-            </a:r>
-            <a:r>
-              <a:rPr lang="en-US" altLang="ko-KR" sz="1200" b="1" dirty="0">
-                <a:solidFill>
-                  <a:srgbClr val="0070C0"/>
-                </a:solidFill>
-              </a:rPr>
-              <a:t>input </a:t>
-            </a:r>
-            <a:r>
-              <a:rPr lang="ko-KR" altLang="en-US" sz="1200" b="1" dirty="0">
-                <a:solidFill>
-                  <a:srgbClr val="0070C0"/>
-                </a:solidFill>
-              </a:rPr>
-              <a:t>필드에 </a:t>
-            </a:r>
-            <a:r>
-              <a:rPr lang="ko-KR" altLang="en-US" sz="1200" b="1" dirty="0" err="1">
-                <a:solidFill>
-                  <a:srgbClr val="0070C0"/>
-                </a:solidFill>
-              </a:rPr>
-              <a:t>포커싱이</a:t>
-            </a:r>
-            <a:r>
-              <a:rPr lang="ko-KR" altLang="en-US" sz="1200" b="1" dirty="0">
-                <a:solidFill>
-                  <a:srgbClr val="0070C0"/>
-                </a:solidFill>
-              </a:rPr>
-              <a:t> 되면 인풋 상단에 </a:t>
-            </a:r>
-            <a:r>
-              <a:rPr lang="en-US" altLang="ko-KR" sz="1200" b="1" dirty="0" err="1">
-                <a:solidFill>
-                  <a:srgbClr val="0070C0"/>
-                </a:solidFill>
-              </a:rPr>
-              <a:t>fieldset</a:t>
-            </a:r>
-            <a:r>
-              <a:rPr lang="ko-KR" altLang="en-US" sz="1200" b="1" dirty="0">
-                <a:solidFill>
-                  <a:srgbClr val="0070C0"/>
-                </a:solidFill>
-              </a:rPr>
-              <a:t>처럼 라벨이 표기됨</a:t>
-            </a:r>
-            <a:r>
-              <a:rPr lang="en-US" altLang="ko-KR" sz="1200" b="1" dirty="0">
-                <a:solidFill>
-                  <a:srgbClr val="0070C0"/>
-                </a:solidFill>
-              </a:rPr>
-              <a:t>(</a:t>
-            </a:r>
-            <a:r>
-              <a:rPr lang="ko-KR" altLang="en-US" sz="1200" b="1" dirty="0">
-                <a:solidFill>
-                  <a:srgbClr val="0070C0"/>
-                </a:solidFill>
-              </a:rPr>
-              <a:t>용성에게 문의</a:t>
-            </a:r>
-            <a:r>
-              <a:rPr lang="en-US" altLang="ko-KR" sz="1200" b="1" dirty="0">
-                <a:solidFill>
-                  <a:srgbClr val="0070C0"/>
-                </a:solidFill>
-              </a:rPr>
-              <a:t>)</a:t>
             </a:r>
           </a:p>
         </p:txBody>
@@ -32370,112 +31855,6 @@
           </a:prstGeom>
         </p:spPr>
       </p:pic>
-      <p:sp>
-        <p:nvSpPr>
-          <p:cNvPr id="40" name="직사각형 39">
-            <a:extLst>
-              <a:ext uri="{FF2B5EF4-FFF2-40B4-BE49-F238E27FC236}">
-                <a16:creationId xmlns:a16="http://schemas.microsoft.com/office/drawing/2014/main" id="{74D73BD9-8B21-4866-8698-3E0832AD3099}"/>
-              </a:ext>
-            </a:extLst>
-          </p:cNvPr>
-          <p:cNvSpPr/>
-          <p:nvPr/>
-        </p:nvSpPr>
-        <p:spPr>
-          <a:xfrm>
-            <a:off x="4788015" y="3867912"/>
-            <a:ext cx="6226083" cy="886808"/>
-          </a:xfrm>
-          <a:prstGeom prst="rect">
-            <a:avLst/>
-          </a:prstGeom>
-          <a:solidFill>
-            <a:schemeClr val="accent6"/>
-          </a:solidFill>
-        </p:spPr>
-        <p:style>
-          <a:lnRef idx="2">
-            <a:schemeClr val="accent1">
-              <a:shade val="50000"/>
-            </a:schemeClr>
-          </a:lnRef>
-          <a:fillRef idx="1">
-            <a:schemeClr val="accent1"/>
-          </a:fillRef>
-          <a:effectRef idx="0">
-            <a:schemeClr val="accent1"/>
-          </a:effectRef>
-          <a:fontRef idx="minor">
-            <a:schemeClr val="lt1"/>
-          </a:fontRef>
-        </p:style>
-        <p:txBody>
-          <a:bodyPr rtlCol="0" anchor="ctr"/>
-          <a:lstStyle/>
-          <a:p>
-            <a:pPr marL="228600" indent="-228600">
-              <a:buAutoNum type="arabicPeriod"/>
-            </a:pPr>
-            <a:r>
-              <a:rPr lang="ko-KR" altLang="en-US" sz="1200" b="1" dirty="0" err="1">
-                <a:solidFill>
-                  <a:schemeClr val="tx1"/>
-                </a:solidFill>
-              </a:rPr>
-              <a:t>캡쳐된</a:t>
-            </a:r>
-            <a:r>
-              <a:rPr lang="ko-KR" altLang="en-US" sz="1200" b="1" dirty="0">
-                <a:solidFill>
-                  <a:schemeClr val="tx1"/>
-                </a:solidFill>
-              </a:rPr>
-              <a:t> 화면은 권한이 한 개이지만 </a:t>
-            </a:r>
-            <a:r>
-              <a:rPr lang="en-US" altLang="ko-KR" sz="1200" b="1" dirty="0">
-                <a:solidFill>
-                  <a:schemeClr val="tx1"/>
-                </a:solidFill>
-              </a:rPr>
-              <a:t>5</a:t>
-            </a:r>
-            <a:r>
-              <a:rPr lang="ko-KR" altLang="en-US" sz="1200" b="1" dirty="0">
-                <a:solidFill>
-                  <a:schemeClr val="tx1"/>
-                </a:solidFill>
-              </a:rPr>
-              <a:t>개 정도 존재합니다</a:t>
-            </a:r>
-            <a:r>
-              <a:rPr lang="en-US" altLang="ko-KR" sz="1200" b="1" dirty="0">
-                <a:solidFill>
-                  <a:schemeClr val="tx1"/>
-                </a:solidFill>
-              </a:rPr>
-              <a:t>(</a:t>
-            </a:r>
-            <a:r>
-              <a:rPr lang="ko-KR" altLang="en-US" sz="1200" b="1" dirty="0">
-                <a:solidFill>
-                  <a:schemeClr val="tx1"/>
-                </a:solidFill>
-              </a:rPr>
-              <a:t>스위치 스타일로 반영해주시면 됩니다</a:t>
-            </a:r>
-            <a:r>
-              <a:rPr lang="en-US" altLang="ko-KR" sz="1200" b="1" dirty="0">
-                <a:solidFill>
-                  <a:schemeClr val="tx1"/>
-                </a:solidFill>
-              </a:rPr>
-              <a:t>)</a:t>
-            </a:r>
-          </a:p>
-        </p:txBody>
-      </p:sp>
     </p:spTree>
     <p:extLst>
       <p:ext uri="{BB962C8B-B14F-4D97-AF65-F5344CB8AC3E}">
@@ -35040,69 +34419,6 @@
           </a:p>
         </p:txBody>
       </p:sp>
-      <p:sp>
-        <p:nvSpPr>
-          <p:cNvPr id="17" name="직사각형 16">
-            <a:extLst>
-              <a:ext uri="{FF2B5EF4-FFF2-40B4-BE49-F238E27FC236}">
-                <a16:creationId xmlns:a16="http://schemas.microsoft.com/office/drawing/2014/main" id="{8F799306-E19E-4E1B-818E-B8D2B8E89DB4}"/>
-              </a:ext>
-            </a:extLst>
-          </p:cNvPr>
-          <p:cNvSpPr/>
-          <p:nvPr/>
-        </p:nvSpPr>
-        <p:spPr>
-          <a:xfrm>
-            <a:off x="310605" y="4714166"/>
-            <a:ext cx="5113652" cy="529165"/>
-          </a:xfrm>
-          <a:prstGeom prst="rect">
-            <a:avLst/>
-          </a:prstGeom>
-          <a:solidFill>
-            <a:schemeClr val="accent6"/>
-          </a:solidFill>
-        </p:spPr>
-        <p:style>
-          <a:lnRef idx="2">
-            <a:schemeClr val="accent1">
-              <a:shade val="50000"/>
-            </a:schemeClr>
-          </a:lnRef>
-          <a:fillRef idx="1">
-            <a:schemeClr val="accent1"/>
-          </a:fillRef>
-          <a:effectRef idx="0">
-            <a:schemeClr val="accent1"/>
-          </a:effectRef>
-          <a:fontRef idx="minor">
-            <a:schemeClr val="lt1"/>
-          </a:fontRef>
-        </p:style>
-        <p:txBody>
-          <a:bodyPr rtlCol="0" anchor="ctr"/>
-          <a:lstStyle/>
-          <a:p>
-            <a:pPr marL="228600" indent="-228600">
-              <a:buAutoNum type="arabicPeriod"/>
-            </a:pPr>
-            <a:r>
-              <a:rPr lang="ko-KR" altLang="en-US" sz="1200" b="1" dirty="0">
-                <a:solidFill>
-                  <a:srgbClr val="002060"/>
-                </a:solidFill>
-              </a:rPr>
-              <a:t>해당 화면은 팝업화면임</a:t>
-            </a:r>
-            <a:endParaRPr lang="en-US" altLang="ko-KR" sz="1200" b="1" dirty="0">
-              <a:solidFill>
-                <a:srgbClr val="002060"/>
-              </a:solidFill>
-            </a:endParaRPr>
-          </a:p>
-        </p:txBody>
-      </p:sp>
     </p:spTree>
     <p:extLst>
       <p:ext uri="{BB962C8B-B14F-4D97-AF65-F5344CB8AC3E}">
@@ -37814,171 +37130,6 @@
             <a:endParaRPr lang="ko-KR" altLang="en-US" sz="800" dirty="0">
               <a:solidFill>
                 <a:schemeClr val="tx1"/>
-              </a:solidFill>
-            </a:endParaRPr>
-          </a:p>
-        </p:txBody>
-      </p:sp>
-      <p:sp>
-        <p:nvSpPr>
-          <p:cNvPr id="39" name="직사각형 38">
-            <a:extLst>
-              <a:ext uri="{FF2B5EF4-FFF2-40B4-BE49-F238E27FC236}">
-                <a16:creationId xmlns:a16="http://schemas.microsoft.com/office/drawing/2014/main" id="{CCC04B9A-0FA9-42CD-9F3A-75338E8A4DE8}"/>
-              </a:ext>
-            </a:extLst>
-          </p:cNvPr>
-          <p:cNvSpPr/>
-          <p:nvPr/>
-        </p:nvSpPr>
-        <p:spPr>
-          <a:xfrm>
-            <a:off x="6365176" y="4436947"/>
-            <a:ext cx="4288028" cy="1190008"/>
-          </a:xfrm>
-          <a:prstGeom prst="rect">
-            <a:avLst/>
-          </a:prstGeom>
-          <a:solidFill>
-            <a:schemeClr val="accent6"/>
-          </a:solidFill>
-        </p:spPr>
-        <p:style>
-          <a:lnRef idx="2">
-            <a:schemeClr val="accent1">
-              <a:shade val="50000"/>
-            </a:schemeClr>
-          </a:lnRef>
-          <a:fillRef idx="1">
-            <a:schemeClr val="accent1"/>
-          </a:fillRef>
-          <a:effectRef idx="0">
-            <a:schemeClr val="accent1"/>
-          </a:effectRef>
-          <a:fontRef idx="minor">
-            <a:schemeClr val="lt1"/>
-          </a:fontRef>
-        </p:style>
-        <p:txBody>
-          <a:bodyPr rtlCol="0" anchor="ctr"/>
-          <a:lstStyle/>
-          <a:p>
-            <a:pPr marL="228600" indent="-228600">
-              <a:buAutoNum type="arabicPeriod"/>
-            </a:pPr>
-            <a:r>
-              <a:rPr lang="ko-KR" altLang="en-US" sz="1200" b="1" dirty="0">
-                <a:solidFill>
-                  <a:srgbClr val="002060"/>
-                </a:solidFill>
-              </a:rPr>
-              <a:t>해당 화면은 팝업화면임</a:t>
-            </a:r>
-            <a:endParaRPr lang="en-US" altLang="ko-KR" sz="1200" b="1" dirty="0">
-              <a:solidFill>
-                <a:srgbClr val="002060"/>
-              </a:solidFill>
-            </a:endParaRPr>
-          </a:p>
-          <a:p>
-            <a:pPr marL="228600" indent="-228600">
-              <a:buAutoNum type="arabicPeriod"/>
-            </a:pPr>
-            <a:r>
-              <a:rPr lang="ko-KR" altLang="en-US" sz="1200" b="1" dirty="0">
-                <a:solidFill>
-                  <a:srgbClr val="002060"/>
-                </a:solidFill>
-              </a:rPr>
-              <a:t>템플릿 분류는 </a:t>
-            </a:r>
-            <a:r>
-              <a:rPr lang="en-US" altLang="ko-KR" sz="1200" b="1" dirty="0" err="1">
-                <a:solidFill>
-                  <a:srgbClr val="002060"/>
-                </a:solidFill>
-              </a:rPr>
-              <a:t>selectbox</a:t>
-            </a:r>
-            <a:r>
-              <a:rPr lang="en-US" altLang="ko-KR" sz="1200" b="1" dirty="0">
-                <a:solidFill>
-                  <a:srgbClr val="002060"/>
-                </a:solidFill>
-              </a:rPr>
-              <a:t> </a:t>
-            </a:r>
-            <a:r>
-              <a:rPr lang="ko-KR" altLang="en-US" sz="1200" b="1" dirty="0">
-                <a:solidFill>
-                  <a:srgbClr val="002060"/>
-                </a:solidFill>
-              </a:rPr>
-              <a:t>입니다</a:t>
-            </a:r>
-            <a:endParaRPr lang="en-US" altLang="ko-KR" sz="1200" b="1" dirty="0">
-              <a:solidFill>
-                <a:srgbClr val="002060"/>
-              </a:solidFill>
-            </a:endParaRPr>
-          </a:p>
-          <a:p>
-            <a:pPr marL="228600" indent="-228600">
-              <a:buAutoNum type="arabicPeriod"/>
-            </a:pPr>
-            <a:r>
-              <a:rPr lang="ko-KR" altLang="en-US" sz="1200" b="1" dirty="0">
-                <a:solidFill>
-                  <a:srgbClr val="002060"/>
-                </a:solidFill>
-              </a:rPr>
-              <a:t>설명은 </a:t>
-            </a:r>
-            <a:r>
-              <a:rPr lang="en-US" altLang="ko-KR" sz="1200" b="1" dirty="0" err="1">
-                <a:solidFill>
-                  <a:srgbClr val="002060"/>
-                </a:solidFill>
-              </a:rPr>
-              <a:t>textarea</a:t>
-            </a:r>
-            <a:r>
-              <a:rPr lang="ko-KR" altLang="en-US" sz="1200" b="1" dirty="0">
-                <a:solidFill>
-                  <a:srgbClr val="002060"/>
-                </a:solidFill>
-              </a:rPr>
-              <a:t>로 구성되면 됩니다</a:t>
-            </a:r>
-            <a:endParaRPr lang="en-US" altLang="ko-KR" sz="1200" b="1" dirty="0">
-              <a:solidFill>
-                <a:srgbClr val="002060"/>
-              </a:solidFill>
-            </a:endParaRPr>
-          </a:p>
-          <a:p>
-            <a:pPr marL="228600" indent="-228600">
-              <a:buAutoNum type="arabicPeriod"/>
-            </a:pPr>
-            <a:r>
-              <a:rPr lang="en-US" altLang="ko-KR" sz="1200" b="1" dirty="0">
-                <a:solidFill>
-                  <a:srgbClr val="FF0000"/>
-                </a:solidFill>
-              </a:rPr>
-              <a:t>[?] </a:t>
-            </a:r>
-            <a:r>
-              <a:rPr lang="ko-KR" altLang="en-US" sz="1200" b="1" dirty="0">
-                <a:solidFill>
-                  <a:srgbClr val="FF0000"/>
-                </a:solidFill>
-              </a:rPr>
-              <a:t>아이콘 필요</a:t>
-            </a:r>
-            <a:endParaRPr lang="en-US" altLang="ko-KR" sz="1200" b="1" dirty="0">
-              <a:solidFill>
-                <a:srgbClr val="FF0000"/>
               </a:solidFill>
             </a:endParaRPr>
           </a:p>
@@ -40451,135 +39602,6 @@
             <a:endParaRPr lang="ko-KR" altLang="en-US" sz="800" dirty="0">
               <a:solidFill>
                 <a:schemeClr val="tx1"/>
-              </a:solidFill>
-            </a:endParaRPr>
-          </a:p>
-        </p:txBody>
-      </p:sp>
-      <p:sp>
-        <p:nvSpPr>
-          <p:cNvPr id="61" name="직사각형 60">
-            <a:extLst>
-              <a:ext uri="{FF2B5EF4-FFF2-40B4-BE49-F238E27FC236}">
-                <a16:creationId xmlns:a16="http://schemas.microsoft.com/office/drawing/2014/main" id="{B29B109B-0CFC-46C9-ADBC-9ECFFA6C02B9}"/>
-              </a:ext>
-            </a:extLst>
-          </p:cNvPr>
-          <p:cNvSpPr/>
-          <p:nvPr/>
-        </p:nvSpPr>
-        <p:spPr>
-          <a:xfrm>
-            <a:off x="6539512" y="3535443"/>
-            <a:ext cx="4288028" cy="1190008"/>
-          </a:xfrm>
-          <a:prstGeom prst="rect">
-            <a:avLst/>
-          </a:prstGeom>
-          <a:solidFill>
-            <a:schemeClr val="accent6"/>
-          </a:solidFill>
-        </p:spPr>
-        <p:style>
-          <a:lnRef idx="2">
-            <a:schemeClr val="accent1">
-              <a:shade val="50000"/>
-            </a:schemeClr>
-          </a:lnRef>
-          <a:fillRef idx="1">
-            <a:schemeClr val="accent1"/>
-          </a:fillRef>
-          <a:effectRef idx="0">
-            <a:schemeClr val="accent1"/>
-          </a:effectRef>
-          <a:fontRef idx="minor">
-            <a:schemeClr val="lt1"/>
-          </a:fontRef>
-        </p:style>
-        <p:txBody>
-          <a:bodyPr rtlCol="0" anchor="ctr"/>
-          <a:lstStyle/>
-          <a:p>
-            <a:pPr marL="228600" indent="-228600">
-              <a:buAutoNum type="arabicPeriod"/>
-            </a:pPr>
-            <a:r>
-              <a:rPr lang="en-US" altLang="ko-KR" sz="1200" b="1" dirty="0">
-                <a:solidFill>
-                  <a:srgbClr val="FF0000"/>
-                </a:solidFill>
-              </a:rPr>
-              <a:t>[+], [-] </a:t>
-            </a:r>
-            <a:r>
-              <a:rPr lang="ko-KR" altLang="en-US" sz="1200" b="1" dirty="0">
-                <a:solidFill>
-                  <a:srgbClr val="FF0000"/>
-                </a:solidFill>
-              </a:rPr>
-              <a:t>아이콘 필요</a:t>
-            </a:r>
-            <a:endParaRPr lang="en-US" altLang="ko-KR" sz="1200" b="1" dirty="0">
-              <a:solidFill>
-                <a:srgbClr val="FF0000"/>
-              </a:solidFill>
-            </a:endParaRPr>
-          </a:p>
-          <a:p>
-            <a:pPr marL="228600" indent="-228600">
-              <a:buAutoNum type="arabicPeriod"/>
-            </a:pPr>
-            <a:r>
-              <a:rPr lang="ko-KR" altLang="en-US" sz="1200" b="1" dirty="0">
-                <a:solidFill>
-                  <a:srgbClr val="002060"/>
-                </a:solidFill>
-              </a:rPr>
-              <a:t>안의 </a:t>
-            </a:r>
-            <a:r>
-              <a:rPr lang="en-US" altLang="ko-KR" sz="1200" b="1" dirty="0">
-                <a:solidFill>
-                  <a:srgbClr val="002060"/>
-                </a:solidFill>
-              </a:rPr>
-              <a:t>input </a:t>
-            </a:r>
-            <a:r>
-              <a:rPr lang="ko-KR" altLang="en-US" sz="1200" b="1" dirty="0">
-                <a:solidFill>
-                  <a:srgbClr val="002060"/>
-                </a:solidFill>
-              </a:rPr>
-              <a:t>필드는 모두 </a:t>
-            </a:r>
-            <a:r>
-              <a:rPr lang="en-US" altLang="ko-KR" sz="1200" b="1" dirty="0" err="1">
-                <a:solidFill>
-                  <a:srgbClr val="002060"/>
-                </a:solidFill>
-              </a:rPr>
-              <a:t>selectbox</a:t>
-            </a:r>
-            <a:r>
-              <a:rPr lang="en-US" altLang="ko-KR" sz="1200" b="1" dirty="0">
-                <a:solidFill>
-                  <a:srgbClr val="002060"/>
-                </a:solidFill>
-              </a:rPr>
-              <a:t> </a:t>
-            </a:r>
-            <a:r>
-              <a:rPr lang="ko-KR" altLang="en-US" sz="1200" b="1" dirty="0">
-                <a:solidFill>
-                  <a:srgbClr val="002060"/>
-                </a:solidFill>
-              </a:rPr>
-              <a:t>입니다</a:t>
-            </a:r>
-            <a:endParaRPr lang="en-US" altLang="ko-KR" sz="1200" b="1" dirty="0">
-              <a:solidFill>
-                <a:srgbClr val="002060"/>
               </a:solidFill>
             </a:endParaRPr>
           </a:p>

--- a/docs/퍼블_모달작업.pptx
+++ b/docs/퍼블_모달작업.pptx
@@ -23382,6 +23382,344 @@
           </a:p>
         </p:txBody>
       </p:sp>
+      <p:sp>
+        <p:nvSpPr>
+          <p:cNvPr id="36" name="직사각형 35">
+            <a:extLst>
+              <a:ext uri="{FF2B5EF4-FFF2-40B4-BE49-F238E27FC236}">
+                <a16:creationId xmlns:a16="http://schemas.microsoft.com/office/drawing/2014/main" id="{B5E04624-C2F0-4CB1-A5F3-4D88FBB920CD}"/>
+              </a:ext>
+            </a:extLst>
+          </p:cNvPr>
+          <p:cNvSpPr/>
+          <p:nvPr/>
+        </p:nvSpPr>
+        <p:spPr>
+          <a:xfrm>
+            <a:off x="4336491" y="2056822"/>
+            <a:ext cx="1044059" cy="216000"/>
+          </a:xfrm>
+          <a:prstGeom prst="rect">
+            <a:avLst/>
+          </a:prstGeom>
+          <a:noFill/>
+          <a:ln>
+            <a:noFill/>
+          </a:ln>
+        </p:spPr>
+        <p:style>
+          <a:lnRef idx="2">
+            <a:schemeClr val="accent1">
+              <a:shade val="50000"/>
+            </a:schemeClr>
+          </a:lnRef>
+          <a:fillRef idx="1">
+            <a:schemeClr val="accent1"/>
+          </a:fillRef>
+          <a:effectRef idx="0">
+            <a:schemeClr val="accent1"/>
+          </a:effectRef>
+          <a:fontRef idx="minor">
+            <a:schemeClr val="lt1"/>
+          </a:fontRef>
+        </p:style>
+        <p:txBody>
+          <a:bodyPr rtlCol="0" anchor="ctr"/>
+          <a:lstStyle/>
+          <a:p>
+            <a:pPr algn="r"/>
+            <a:r>
+              <a:rPr lang="en-US" altLang="ko-KR" sz="900" dirty="0">
+                <a:solidFill>
+                  <a:schemeClr val="tx1"/>
+                </a:solidFill>
+              </a:rPr>
+              <a:t>WBS ID</a:t>
+            </a:r>
+            <a:endParaRPr lang="ko-KR" altLang="en-US" sz="900" dirty="0">
+              <a:solidFill>
+                <a:schemeClr val="tx1"/>
+              </a:solidFill>
+            </a:endParaRPr>
+          </a:p>
+        </p:txBody>
+      </p:sp>
+      <p:sp>
+        <p:nvSpPr>
+          <p:cNvPr id="42" name="직사각형 41">
+            <a:extLst>
+              <a:ext uri="{FF2B5EF4-FFF2-40B4-BE49-F238E27FC236}">
+                <a16:creationId xmlns:a16="http://schemas.microsoft.com/office/drawing/2014/main" id="{731401C4-5D5E-4539-AE2B-42BE58BE0719}"/>
+              </a:ext>
+            </a:extLst>
+          </p:cNvPr>
+          <p:cNvSpPr/>
+          <p:nvPr/>
+        </p:nvSpPr>
+        <p:spPr>
+          <a:xfrm>
+            <a:off x="5348178" y="2061517"/>
+            <a:ext cx="760775" cy="180000"/>
+          </a:xfrm>
+          <a:prstGeom prst="rect">
+            <a:avLst/>
+          </a:prstGeom>
+          <a:noFill/>
+        </p:spPr>
+        <p:style>
+          <a:lnRef idx="2">
+            <a:schemeClr val="accent1">
+              <a:shade val="50000"/>
+            </a:schemeClr>
+          </a:lnRef>
+          <a:fillRef idx="1">
+            <a:schemeClr val="accent1"/>
+          </a:fillRef>
+          <a:effectRef idx="0">
+            <a:schemeClr val="accent1"/>
+          </a:effectRef>
+          <a:fontRef idx="minor">
+            <a:schemeClr val="lt1"/>
+          </a:fontRef>
+        </p:style>
+        <p:txBody>
+          <a:bodyPr rtlCol="0" anchor="ctr"/>
+          <a:lstStyle/>
+          <a:p>
+            <a:pPr algn="ctr"/>
+            <a:endParaRPr lang="ko-KR" altLang="en-US" dirty="0">
+              <a:solidFill>
+                <a:schemeClr val="bg2">
+                  <a:lumMod val="90000"/>
+                </a:schemeClr>
+              </a:solidFill>
+            </a:endParaRPr>
+          </a:p>
+        </p:txBody>
+      </p:sp>
+      <p:sp>
+        <p:nvSpPr>
+          <p:cNvPr id="51" name="직사각형 50">
+            <a:extLst>
+              <a:ext uri="{FF2B5EF4-FFF2-40B4-BE49-F238E27FC236}">
+                <a16:creationId xmlns:a16="http://schemas.microsoft.com/office/drawing/2014/main" id="{27460358-328C-4186-AB27-E43EC3388A00}"/>
+              </a:ext>
+            </a:extLst>
+          </p:cNvPr>
+          <p:cNvSpPr/>
+          <p:nvPr/>
+        </p:nvSpPr>
+        <p:spPr>
+          <a:xfrm>
+            <a:off x="2344366" y="2077924"/>
+            <a:ext cx="2377005" cy="170474"/>
+          </a:xfrm>
+          <a:prstGeom prst="rect">
+            <a:avLst/>
+          </a:prstGeom>
+          <a:noFill/>
+        </p:spPr>
+        <p:style>
+          <a:lnRef idx="2">
+            <a:schemeClr val="accent1">
+              <a:shade val="50000"/>
+            </a:schemeClr>
+          </a:lnRef>
+          <a:fillRef idx="1">
+            <a:schemeClr val="accent1"/>
+          </a:fillRef>
+          <a:effectRef idx="0">
+            <a:schemeClr val="accent1"/>
+          </a:effectRef>
+          <a:fontRef idx="minor">
+            <a:schemeClr val="lt1"/>
+          </a:fontRef>
+        </p:style>
+        <p:txBody>
+          <a:bodyPr rtlCol="0" anchor="ctr"/>
+          <a:lstStyle/>
+          <a:p>
+            <a:pPr algn="ctr"/>
+            <a:endParaRPr lang="ko-KR" altLang="en-US" sz="800" dirty="0">
+              <a:solidFill>
+                <a:schemeClr val="bg2">
+                  <a:lumMod val="90000"/>
+                </a:schemeClr>
+              </a:solidFill>
+            </a:endParaRPr>
+          </a:p>
+        </p:txBody>
+      </p:sp>
+      <p:sp>
+        <p:nvSpPr>
+          <p:cNvPr id="53" name="직사각형 52">
+            <a:extLst>
+              <a:ext uri="{FF2B5EF4-FFF2-40B4-BE49-F238E27FC236}">
+                <a16:creationId xmlns:a16="http://schemas.microsoft.com/office/drawing/2014/main" id="{AD92A596-7A5B-432E-99D4-0F17F4615388}"/>
+              </a:ext>
+            </a:extLst>
+          </p:cNvPr>
+          <p:cNvSpPr/>
+          <p:nvPr/>
+        </p:nvSpPr>
+        <p:spPr>
+          <a:xfrm>
+            <a:off x="756245" y="2095362"/>
+            <a:ext cx="701123" cy="151875"/>
+          </a:xfrm>
+          <a:prstGeom prst="rect">
+            <a:avLst/>
+          </a:prstGeom>
+          <a:noFill/>
+        </p:spPr>
+        <p:style>
+          <a:lnRef idx="2">
+            <a:schemeClr val="accent1">
+              <a:shade val="50000"/>
+            </a:schemeClr>
+          </a:lnRef>
+          <a:fillRef idx="1">
+            <a:schemeClr val="accent1"/>
+          </a:fillRef>
+          <a:effectRef idx="0">
+            <a:schemeClr val="accent1"/>
+          </a:effectRef>
+          <a:fontRef idx="minor">
+            <a:schemeClr val="lt1"/>
+          </a:fontRef>
+        </p:style>
+        <p:txBody>
+          <a:bodyPr rtlCol="0" anchor="ctr"/>
+          <a:lstStyle/>
+          <a:p>
+            <a:pPr algn="ctr"/>
+            <a:r>
+              <a:rPr lang="ko-KR" altLang="en-US" sz="800" dirty="0">
+                <a:solidFill>
+                  <a:schemeClr val="tx1"/>
+                </a:solidFill>
+              </a:rPr>
+              <a:t>전체</a:t>
+            </a:r>
+          </a:p>
+        </p:txBody>
+      </p:sp>
+      <p:sp>
+        <p:nvSpPr>
+          <p:cNvPr id="55" name="직사각형 54">
+            <a:extLst>
+              <a:ext uri="{FF2B5EF4-FFF2-40B4-BE49-F238E27FC236}">
+                <a16:creationId xmlns:a16="http://schemas.microsoft.com/office/drawing/2014/main" id="{987F8CD3-A4DE-408F-A431-DFA458AD5417}"/>
+              </a:ext>
+            </a:extLst>
+          </p:cNvPr>
+          <p:cNvSpPr/>
+          <p:nvPr/>
+        </p:nvSpPr>
+        <p:spPr>
+          <a:xfrm>
+            <a:off x="-16712" y="2080007"/>
+            <a:ext cx="956048" cy="180000"/>
+          </a:xfrm>
+          <a:prstGeom prst="rect">
+            <a:avLst/>
+          </a:prstGeom>
+          <a:noFill/>
+          <a:ln>
+            <a:noFill/>
+          </a:ln>
+        </p:spPr>
+        <p:style>
+          <a:lnRef idx="2">
+            <a:schemeClr val="accent1">
+              <a:shade val="50000"/>
+            </a:schemeClr>
+          </a:lnRef>
+          <a:fillRef idx="1">
+            <a:schemeClr val="accent1"/>
+          </a:fillRef>
+          <a:effectRef idx="0">
+            <a:schemeClr val="accent1"/>
+          </a:effectRef>
+          <a:fontRef idx="minor">
+            <a:schemeClr val="lt1"/>
+          </a:fontRef>
+        </p:style>
+        <p:txBody>
+          <a:bodyPr rtlCol="0" anchor="ctr"/>
+          <a:lstStyle/>
+          <a:p>
+            <a:pPr algn="ctr"/>
+            <a:r>
+              <a:rPr lang="ko-KR" altLang="en-US" sz="900" dirty="0">
+                <a:solidFill>
+                  <a:schemeClr val="tx1"/>
+                </a:solidFill>
+              </a:rPr>
+              <a:t>공사유형</a:t>
+            </a:r>
+          </a:p>
+        </p:txBody>
+      </p:sp>
+      <p:sp>
+        <p:nvSpPr>
+          <p:cNvPr id="56" name="직사각형 55">
+            <a:extLst>
+              <a:ext uri="{FF2B5EF4-FFF2-40B4-BE49-F238E27FC236}">
+                <a16:creationId xmlns:a16="http://schemas.microsoft.com/office/drawing/2014/main" id="{B0B17802-C1ED-4538-9EDB-9953C07EAE01}"/>
+              </a:ext>
+            </a:extLst>
+          </p:cNvPr>
+          <p:cNvSpPr/>
+          <p:nvPr/>
+        </p:nvSpPr>
+        <p:spPr>
+          <a:xfrm>
+            <a:off x="1469550" y="2080007"/>
+            <a:ext cx="199663" cy="167230"/>
+          </a:xfrm>
+          <a:prstGeom prst="rect">
+            <a:avLst/>
+          </a:prstGeom>
+          <a:noFill/>
+        </p:spPr>
+        <p:style>
+          <a:lnRef idx="2">
+            <a:schemeClr val="accent1">
+              <a:shade val="50000"/>
+            </a:schemeClr>
+          </a:lnRef>
+          <a:fillRef idx="1">
+            <a:schemeClr val="accent1"/>
+          </a:fillRef>
+          <a:effectRef idx="0">
+            <a:schemeClr val="accent1"/>
+          </a:effectRef>
+          <a:fontRef idx="minor">
+            <a:schemeClr val="lt1"/>
+          </a:fontRef>
+        </p:style>
+        <p:txBody>
+          <a:bodyPr rtlCol="0" anchor="ctr"/>
+          <a:lstStyle/>
+          <a:p>
+            <a:pPr algn="ctr"/>
+            <a:r>
+              <a:rPr lang="en-US" altLang="ko-KR" sz="800" dirty="0">
+                <a:solidFill>
+                  <a:schemeClr val="tx1"/>
+                </a:solidFill>
+              </a:rPr>
+              <a:t>v</a:t>
+            </a:r>
+            <a:endParaRPr lang="ko-KR" altLang="en-US" sz="800" dirty="0">
+              <a:solidFill>
+                <a:schemeClr val="tx1"/>
+              </a:solidFill>
+            </a:endParaRPr>
+          </a:p>
+        </p:txBody>
+      </p:sp>
     </p:spTree>
     <p:extLst>
       <p:ext uri="{BB962C8B-B14F-4D97-AF65-F5344CB8AC3E}">
@@ -31635,6 +31973,179 @@
           </a:prstGeom>
         </p:spPr>
       </p:pic>
+      <p:sp>
+        <p:nvSpPr>
+          <p:cNvPr id="28" name="직사각형 27">
+            <a:extLst>
+              <a:ext uri="{FF2B5EF4-FFF2-40B4-BE49-F238E27FC236}">
+                <a16:creationId xmlns:a16="http://schemas.microsoft.com/office/drawing/2014/main" id="{1AEE2A90-D49F-4E50-BDD0-DE06D6E59995}"/>
+              </a:ext>
+            </a:extLst>
+          </p:cNvPr>
+          <p:cNvSpPr/>
+          <p:nvPr/>
+        </p:nvSpPr>
+        <p:spPr>
+          <a:xfrm>
+            <a:off x="1614430" y="2857100"/>
+            <a:ext cx="2287616" cy="180000"/>
+          </a:xfrm>
+          <a:prstGeom prst="rect">
+            <a:avLst/>
+          </a:prstGeom>
+          <a:noFill/>
+        </p:spPr>
+        <p:style>
+          <a:lnRef idx="2">
+            <a:schemeClr val="accent1">
+              <a:shade val="50000"/>
+            </a:schemeClr>
+          </a:lnRef>
+          <a:fillRef idx="1">
+            <a:schemeClr val="accent1"/>
+          </a:fillRef>
+          <a:effectRef idx="0">
+            <a:schemeClr val="accent1"/>
+          </a:effectRef>
+          <a:fontRef idx="minor">
+            <a:schemeClr val="lt1"/>
+          </a:fontRef>
+        </p:style>
+        <p:txBody>
+          <a:bodyPr rtlCol="0" anchor="ctr"/>
+          <a:lstStyle/>
+          <a:p>
+            <a:r>
+              <a:rPr lang="ko-KR" altLang="en-US" sz="800" dirty="0">
+                <a:solidFill>
+                  <a:schemeClr val="tx1"/>
+                </a:solidFill>
+              </a:rPr>
+              <a:t>선택</a:t>
+            </a:r>
+            <a:endParaRPr lang="en-US" altLang="ko-KR" sz="800" dirty="0">
+              <a:solidFill>
+                <a:schemeClr val="tx1"/>
+              </a:solidFill>
+            </a:endParaRPr>
+          </a:p>
+        </p:txBody>
+      </p:sp>
+      <p:sp>
+        <p:nvSpPr>
+          <p:cNvPr id="29" name="직사각형 28">
+            <a:extLst>
+              <a:ext uri="{FF2B5EF4-FFF2-40B4-BE49-F238E27FC236}">
+                <a16:creationId xmlns:a16="http://schemas.microsoft.com/office/drawing/2014/main" id="{4E1DE45A-9E97-45B5-97CA-79B14DA5F312}"/>
+              </a:ext>
+            </a:extLst>
+          </p:cNvPr>
+          <p:cNvSpPr/>
+          <p:nvPr/>
+        </p:nvSpPr>
+        <p:spPr>
+          <a:xfrm>
+            <a:off x="570371" y="2857100"/>
+            <a:ext cx="1044059" cy="180000"/>
+          </a:xfrm>
+          <a:prstGeom prst="rect">
+            <a:avLst/>
+          </a:prstGeom>
+          <a:noFill/>
+          <a:ln>
+            <a:noFill/>
+          </a:ln>
+        </p:spPr>
+        <p:style>
+          <a:lnRef idx="2">
+            <a:schemeClr val="accent1">
+              <a:shade val="50000"/>
+            </a:schemeClr>
+          </a:lnRef>
+          <a:fillRef idx="1">
+            <a:schemeClr val="accent1"/>
+          </a:fillRef>
+          <a:effectRef idx="0">
+            <a:schemeClr val="accent1"/>
+          </a:effectRef>
+          <a:fontRef idx="minor">
+            <a:schemeClr val="lt1"/>
+          </a:fontRef>
+        </p:style>
+        <p:txBody>
+          <a:bodyPr rtlCol="0" anchor="ctr"/>
+          <a:lstStyle/>
+          <a:p>
+            <a:pPr algn="r"/>
+            <a:r>
+              <a:rPr lang="ko-KR" altLang="en-US" sz="800" dirty="0" err="1">
+                <a:solidFill>
+                  <a:schemeClr val="tx1"/>
+                </a:solidFill>
+              </a:rPr>
+              <a:t>직급명</a:t>
+            </a:r>
+            <a:endParaRPr lang="ko-KR" altLang="en-US" sz="800" dirty="0">
+              <a:solidFill>
+                <a:schemeClr val="tx1"/>
+              </a:solidFill>
+            </a:endParaRPr>
+          </a:p>
+        </p:txBody>
+      </p:sp>
+      <p:sp>
+        <p:nvSpPr>
+          <p:cNvPr id="30" name="직사각형 29">
+            <a:extLst>
+              <a:ext uri="{FF2B5EF4-FFF2-40B4-BE49-F238E27FC236}">
+                <a16:creationId xmlns:a16="http://schemas.microsoft.com/office/drawing/2014/main" id="{2A7AD7AC-1EBF-4329-AD29-BFD6EA6ABB45}"/>
+              </a:ext>
+            </a:extLst>
+          </p:cNvPr>
+          <p:cNvSpPr/>
+          <p:nvPr/>
+        </p:nvSpPr>
+        <p:spPr>
+          <a:xfrm>
+            <a:off x="3902046" y="2857100"/>
+            <a:ext cx="233104" cy="180000"/>
+          </a:xfrm>
+          <a:prstGeom prst="rect">
+            <a:avLst/>
+          </a:prstGeom>
+          <a:noFill/>
+        </p:spPr>
+        <p:style>
+          <a:lnRef idx="2">
+            <a:schemeClr val="accent1">
+              <a:shade val="50000"/>
+            </a:schemeClr>
+          </a:lnRef>
+          <a:fillRef idx="1">
+            <a:schemeClr val="accent1"/>
+          </a:fillRef>
+          <a:effectRef idx="0">
+            <a:schemeClr val="accent1"/>
+          </a:effectRef>
+          <a:fontRef idx="minor">
+            <a:schemeClr val="lt1"/>
+          </a:fontRef>
+        </p:style>
+        <p:txBody>
+          <a:bodyPr rtlCol="0" anchor="ctr"/>
+          <a:lstStyle/>
+          <a:p>
+            <a:r>
+              <a:rPr lang="en-US" altLang="ko-KR" sz="800" dirty="0">
+                <a:solidFill>
+                  <a:schemeClr val="tx1"/>
+                </a:solidFill>
+              </a:rPr>
+              <a:t>V</a:t>
+            </a:r>
+          </a:p>
+        </p:txBody>
+      </p:sp>
     </p:spTree>
     <p:extLst>
       <p:ext uri="{BB962C8B-B14F-4D97-AF65-F5344CB8AC3E}">
@@ -31847,8 +32358,44 @@
         </p:blipFill>
         <p:spPr>
           <a:xfrm>
-            <a:off x="920496" y="1161288"/>
+            <a:off x="485067" y="1219345"/>
             <a:ext cx="5846508" cy="3429000"/>
+          </a:xfrm>
+          <a:prstGeom prst="rect">
+            <a:avLst/>
+          </a:prstGeom>
+        </p:spPr>
+      </p:pic>
+      <p:pic>
+        <p:nvPicPr>
+          <p:cNvPr id="3" name="그림 2">
+            <a:extLst>
+              <a:ext uri="{FF2B5EF4-FFF2-40B4-BE49-F238E27FC236}">
+                <a16:creationId xmlns:a16="http://schemas.microsoft.com/office/drawing/2014/main" id="{D1A2B511-AAAB-4B50-8E88-1944420BAF92}"/>
+              </a:ext>
+            </a:extLst>
+          </p:cNvPr>
+          <p:cNvPicPr>
+            <a:picLocks noChangeAspect="1"/>
+          </p:cNvPicPr>
+          <p:nvPr/>
+        </p:nvPicPr>
+        <p:blipFill>
+          <a:blip r:embed="rId4">
+            <a:extLst>
+              <a:ext uri="{28A0092B-C50C-407E-A947-70E740481C1C}">
+                <a14:useLocalDpi xmlns:a14="http://schemas.microsoft.com/office/drawing/2010/main" val="0"/>
+              </a:ext>
+            </a:extLst>
+          </a:blip>
+          <a:stretch>
+            <a:fillRect/>
+          </a:stretch>
+        </p:blipFill>
+        <p:spPr>
+          <a:xfrm>
+            <a:off x="6500656" y="784601"/>
+            <a:ext cx="5175504" cy="5296942"/>
           </a:xfrm>
           <a:prstGeom prst="rect">
             <a:avLst/>
@@ -34451,67 +34998,6 @@
       </p:grpSpPr>
       <p:sp>
         <p:nvSpPr>
-          <p:cNvPr id="28" name="직사각형 27"/>
-          <p:cNvSpPr/>
-          <p:nvPr/>
-        </p:nvSpPr>
-        <p:spPr>
-          <a:xfrm>
-            <a:off x="2060322" y="3028820"/>
-            <a:ext cx="5187324" cy="180000"/>
-          </a:xfrm>
-          <a:prstGeom prst="rect">
-            <a:avLst/>
-          </a:prstGeom>
-          <a:noFill/>
-        </p:spPr>
-        <p:style>
-          <a:lnRef idx="2">
-            <a:schemeClr val="accent1">
-              <a:shade val="50000"/>
-            </a:schemeClr>
-          </a:lnRef>
-          <a:fillRef idx="1">
-            <a:schemeClr val="accent1"/>
-          </a:fillRef>
-          <a:effectRef idx="0">
-            <a:schemeClr val="accent1"/>
-          </a:effectRef>
-          <a:fontRef idx="minor">
-            <a:schemeClr val="lt1"/>
-          </a:fontRef>
-        </p:style>
-        <p:txBody>
-          <a:bodyPr rtlCol="0" anchor="ctr"/>
-          <a:lstStyle/>
-          <a:p>
-            <a:pPr algn="ctr"/>
-            <a:r>
-              <a:rPr lang="ko-KR" altLang="en-US" sz="800" dirty="0">
-                <a:solidFill>
-                  <a:schemeClr val="tx1"/>
-                </a:solidFill>
-              </a:rPr>
-              <a:t>산업안전보건위원회 회의결과 공지 </a:t>
-            </a:r>
-            <a:r>
-              <a:rPr lang="ko-KR" altLang="en-US" sz="800" dirty="0" err="1">
-                <a:solidFill>
-                  <a:schemeClr val="tx1"/>
-                </a:solidFill>
-              </a:rPr>
-              <a:t>증빙자료사</a:t>
-            </a:r>
-            <a:endParaRPr lang="ko-KR" altLang="en-US" sz="800" dirty="0">
-              <a:solidFill>
-                <a:schemeClr val="tx1"/>
-              </a:solidFill>
-            </a:endParaRPr>
-          </a:p>
-        </p:txBody>
-      </p:sp>
-      <p:sp>
-        <p:nvSpPr>
           <p:cNvPr id="54" name="직사각형 53"/>
           <p:cNvSpPr/>
           <p:nvPr/>
@@ -34556,320 +35042,6 @@
                 </a:solidFill>
               </a:rPr>
               <a:t>안전 서류 템플릿 을 등록 혹은 수정</a:t>
-            </a:r>
-          </a:p>
-        </p:txBody>
-      </p:sp>
-      <p:sp>
-        <p:nvSpPr>
-          <p:cNvPr id="27" name="직사각형 26"/>
-          <p:cNvSpPr/>
-          <p:nvPr/>
-        </p:nvSpPr>
-        <p:spPr>
-          <a:xfrm>
-            <a:off x="1099258" y="1338482"/>
-            <a:ext cx="1044059" cy="180000"/>
-          </a:xfrm>
-          <a:prstGeom prst="rect">
-            <a:avLst/>
-          </a:prstGeom>
-          <a:noFill/>
-          <a:ln>
-            <a:noFill/>
-          </a:ln>
-        </p:spPr>
-        <p:style>
-          <a:lnRef idx="2">
-            <a:schemeClr val="accent1">
-              <a:shade val="50000"/>
-            </a:schemeClr>
-          </a:lnRef>
-          <a:fillRef idx="1">
-            <a:schemeClr val="accent1"/>
-          </a:fillRef>
-          <a:effectRef idx="0">
-            <a:schemeClr val="accent1"/>
-          </a:effectRef>
-          <a:fontRef idx="minor">
-            <a:schemeClr val="lt1"/>
-          </a:fontRef>
-        </p:style>
-        <p:txBody>
-          <a:bodyPr rtlCol="0" anchor="ctr"/>
-          <a:lstStyle/>
-          <a:p>
-            <a:pPr algn="r"/>
-            <a:r>
-              <a:rPr lang="ko-KR" altLang="en-US" sz="800" dirty="0">
-                <a:solidFill>
-                  <a:schemeClr val="tx1"/>
-                </a:solidFill>
-              </a:rPr>
-              <a:t>템플릿 </a:t>
-            </a:r>
-            <a:r>
-              <a:rPr lang="en-US" altLang="ko-KR" sz="800" dirty="0">
-                <a:solidFill>
-                  <a:schemeClr val="tx1"/>
-                </a:solidFill>
-              </a:rPr>
-              <a:t>ID</a:t>
-            </a:r>
-            <a:endParaRPr lang="ko-KR" altLang="en-US" sz="800" dirty="0">
-              <a:solidFill>
-                <a:schemeClr val="tx1"/>
-              </a:solidFill>
-            </a:endParaRPr>
-          </a:p>
-        </p:txBody>
-      </p:sp>
-      <p:sp>
-        <p:nvSpPr>
-          <p:cNvPr id="29" name="직사각형 28"/>
-          <p:cNvSpPr/>
-          <p:nvPr/>
-        </p:nvSpPr>
-        <p:spPr>
-          <a:xfrm>
-            <a:off x="2095790" y="1338482"/>
-            <a:ext cx="898270" cy="180000"/>
-          </a:xfrm>
-          <a:prstGeom prst="rect">
-            <a:avLst/>
-          </a:prstGeom>
-          <a:solidFill>
-            <a:schemeClr val="bg1">
-              <a:lumMod val="95000"/>
-            </a:schemeClr>
-          </a:solidFill>
-        </p:spPr>
-        <p:style>
-          <a:lnRef idx="2">
-            <a:schemeClr val="accent1">
-              <a:shade val="50000"/>
-            </a:schemeClr>
-          </a:lnRef>
-          <a:fillRef idx="1">
-            <a:schemeClr val="accent1"/>
-          </a:fillRef>
-          <a:effectRef idx="0">
-            <a:schemeClr val="accent1"/>
-          </a:effectRef>
-          <a:fontRef idx="minor">
-            <a:schemeClr val="lt1"/>
-          </a:fontRef>
-        </p:style>
-        <p:txBody>
-          <a:bodyPr rtlCol="0" anchor="ctr"/>
-          <a:lstStyle/>
-          <a:p>
-            <a:pPr algn="ctr"/>
-            <a:r>
-              <a:rPr lang="en-US" altLang="ko-KR" sz="800" dirty="0">
-                <a:solidFill>
-                  <a:schemeClr val="tx1"/>
-                </a:solidFill>
-              </a:rPr>
-              <a:t>123456789</a:t>
-            </a:r>
-            <a:endParaRPr lang="ko-KR" altLang="en-US" sz="800" dirty="0">
-              <a:solidFill>
-                <a:schemeClr val="tx1"/>
-              </a:solidFill>
-            </a:endParaRPr>
-          </a:p>
-        </p:txBody>
-      </p:sp>
-      <p:sp>
-        <p:nvSpPr>
-          <p:cNvPr id="35" name="직사각형 34"/>
-          <p:cNvSpPr/>
-          <p:nvPr/>
-        </p:nvSpPr>
-        <p:spPr>
-          <a:xfrm>
-            <a:off x="3204984" y="5585856"/>
-            <a:ext cx="732303" cy="180000"/>
-          </a:xfrm>
-          <a:prstGeom prst="rect">
-            <a:avLst/>
-          </a:prstGeom>
-        </p:spPr>
-        <p:style>
-          <a:lnRef idx="2">
-            <a:schemeClr val="accent1">
-              <a:shade val="50000"/>
-            </a:schemeClr>
-          </a:lnRef>
-          <a:fillRef idx="1">
-            <a:schemeClr val="accent1"/>
-          </a:fillRef>
-          <a:effectRef idx="0">
-            <a:schemeClr val="accent1"/>
-          </a:effectRef>
-          <a:fontRef idx="minor">
-            <a:schemeClr val="lt1"/>
-          </a:fontRef>
-        </p:style>
-        <p:txBody>
-          <a:bodyPr rtlCol="0" anchor="ctr"/>
-          <a:lstStyle/>
-          <a:p>
-            <a:pPr algn="ctr"/>
-            <a:r>
-              <a:rPr lang="ko-KR" altLang="en-US" sz="800" dirty="0"/>
-              <a:t>저장</a:t>
-            </a:r>
-          </a:p>
-        </p:txBody>
-      </p:sp>
-      <p:sp>
-        <p:nvSpPr>
-          <p:cNvPr id="37" name="직사각형 36"/>
-          <p:cNvSpPr/>
-          <p:nvPr/>
-        </p:nvSpPr>
-        <p:spPr>
-          <a:xfrm>
-            <a:off x="1055512" y="3065296"/>
-            <a:ext cx="1044059" cy="180000"/>
-          </a:xfrm>
-          <a:prstGeom prst="rect">
-            <a:avLst/>
-          </a:prstGeom>
-          <a:noFill/>
-          <a:ln>
-            <a:noFill/>
-          </a:ln>
-        </p:spPr>
-        <p:style>
-          <a:lnRef idx="2">
-            <a:schemeClr val="accent1">
-              <a:shade val="50000"/>
-            </a:schemeClr>
-          </a:lnRef>
-          <a:fillRef idx="1">
-            <a:schemeClr val="accent1"/>
-          </a:fillRef>
-          <a:effectRef idx="0">
-            <a:schemeClr val="accent1"/>
-          </a:effectRef>
-          <a:fontRef idx="minor">
-            <a:schemeClr val="lt1"/>
-          </a:fontRef>
-        </p:style>
-        <p:txBody>
-          <a:bodyPr rtlCol="0" anchor="ctr"/>
-          <a:lstStyle/>
-          <a:p>
-            <a:pPr algn="r"/>
-            <a:r>
-              <a:rPr lang="ko-KR" altLang="en-US" sz="800" dirty="0">
-                <a:solidFill>
-                  <a:schemeClr val="tx1"/>
-                </a:solidFill>
-              </a:rPr>
-              <a:t>템플릿 명</a:t>
-            </a:r>
-          </a:p>
-        </p:txBody>
-      </p:sp>
-      <p:sp>
-        <p:nvSpPr>
-          <p:cNvPr id="106" name="직사각형 105"/>
-          <p:cNvSpPr/>
-          <p:nvPr/>
-        </p:nvSpPr>
-        <p:spPr>
-          <a:xfrm>
-            <a:off x="2052318" y="3356795"/>
-            <a:ext cx="5195327" cy="180000"/>
-          </a:xfrm>
-          <a:prstGeom prst="rect">
-            <a:avLst/>
-          </a:prstGeom>
-          <a:noFill/>
-        </p:spPr>
-        <p:style>
-          <a:lnRef idx="2">
-            <a:schemeClr val="accent1">
-              <a:shade val="50000"/>
-            </a:schemeClr>
-          </a:lnRef>
-          <a:fillRef idx="1">
-            <a:schemeClr val="accent1"/>
-          </a:fillRef>
-          <a:effectRef idx="0">
-            <a:schemeClr val="accent1"/>
-          </a:effectRef>
-          <a:fontRef idx="minor">
-            <a:schemeClr val="lt1"/>
-          </a:fontRef>
-        </p:style>
-        <p:txBody>
-          <a:bodyPr rtlCol="0" anchor="ctr"/>
-          <a:lstStyle/>
-          <a:p>
-            <a:pPr algn="ctr"/>
-            <a:r>
-              <a:rPr lang="ko-KR" altLang="en-US" sz="800" dirty="0">
-                <a:solidFill>
-                  <a:schemeClr val="tx1"/>
-                </a:solidFill>
-              </a:rPr>
-              <a:t>게시 등으로 공지하였음을 입증할 자료</a:t>
-            </a:r>
-          </a:p>
-        </p:txBody>
-      </p:sp>
-      <p:sp>
-        <p:nvSpPr>
-          <p:cNvPr id="107" name="직사각형 106"/>
-          <p:cNvSpPr/>
-          <p:nvPr/>
-        </p:nvSpPr>
-        <p:spPr>
-          <a:xfrm>
-            <a:off x="1047509" y="3393272"/>
-            <a:ext cx="1044059" cy="180000"/>
-          </a:xfrm>
-          <a:prstGeom prst="rect">
-            <a:avLst/>
-          </a:prstGeom>
-          <a:noFill/>
-          <a:ln>
-            <a:noFill/>
-          </a:ln>
-        </p:spPr>
-        <p:style>
-          <a:lnRef idx="2">
-            <a:schemeClr val="accent1">
-              <a:shade val="50000"/>
-            </a:schemeClr>
-          </a:lnRef>
-          <a:fillRef idx="1">
-            <a:schemeClr val="accent1"/>
-          </a:fillRef>
-          <a:effectRef idx="0">
-            <a:schemeClr val="accent1"/>
-          </a:effectRef>
-          <a:fontRef idx="minor">
-            <a:schemeClr val="lt1"/>
-          </a:fontRef>
-        </p:style>
-        <p:txBody>
-          <a:bodyPr rtlCol="0" anchor="ctr"/>
-          <a:lstStyle/>
-          <a:p>
-            <a:pPr algn="r"/>
-            <a:r>
-              <a:rPr lang="ko-KR" altLang="en-US" sz="800" dirty="0">
-                <a:solidFill>
-                  <a:schemeClr val="tx1"/>
-                </a:solidFill>
-              </a:rPr>
-              <a:t>설명</a:t>
             </a:r>
           </a:p>
         </p:txBody>
@@ -35697,387 +35869,6 @@
       </p:graphicFrame>
       <p:sp>
         <p:nvSpPr>
-          <p:cNvPr id="110" name="직사각형 109"/>
-          <p:cNvSpPr/>
-          <p:nvPr/>
-        </p:nvSpPr>
-        <p:spPr>
-          <a:xfrm>
-            <a:off x="2052319" y="2718158"/>
-            <a:ext cx="3634225" cy="180000"/>
-          </a:xfrm>
-          <a:prstGeom prst="rect">
-            <a:avLst/>
-          </a:prstGeom>
-          <a:noFill/>
-        </p:spPr>
-        <p:style>
-          <a:lnRef idx="2">
-            <a:schemeClr val="accent1">
-              <a:shade val="50000"/>
-            </a:schemeClr>
-          </a:lnRef>
-          <a:fillRef idx="1">
-            <a:schemeClr val="accent1"/>
-          </a:fillRef>
-          <a:effectRef idx="0">
-            <a:schemeClr val="accent1"/>
-          </a:effectRef>
-          <a:fontRef idx="minor">
-            <a:schemeClr val="lt1"/>
-          </a:fontRef>
-        </p:style>
-        <p:txBody>
-          <a:bodyPr rtlCol="0" anchor="ctr"/>
-          <a:lstStyle/>
-          <a:p>
-            <a:pPr algn="ctr"/>
-            <a:r>
-              <a:rPr lang="ko-KR" altLang="en-US" sz="800" dirty="0">
-                <a:solidFill>
-                  <a:schemeClr val="tx1"/>
-                </a:solidFill>
-              </a:rPr>
-              <a:t>산업안전보건위원회</a:t>
-            </a:r>
-          </a:p>
-        </p:txBody>
-      </p:sp>
-      <p:sp>
-        <p:nvSpPr>
-          <p:cNvPr id="111" name="직사각형 110"/>
-          <p:cNvSpPr/>
-          <p:nvPr/>
-        </p:nvSpPr>
-        <p:spPr>
-          <a:xfrm>
-            <a:off x="1047509" y="2754633"/>
-            <a:ext cx="1044059" cy="180000"/>
-          </a:xfrm>
-          <a:prstGeom prst="rect">
-            <a:avLst/>
-          </a:prstGeom>
-          <a:noFill/>
-          <a:ln>
-            <a:noFill/>
-          </a:ln>
-        </p:spPr>
-        <p:style>
-          <a:lnRef idx="2">
-            <a:schemeClr val="accent1">
-              <a:shade val="50000"/>
-            </a:schemeClr>
-          </a:lnRef>
-          <a:fillRef idx="1">
-            <a:schemeClr val="accent1"/>
-          </a:fillRef>
-          <a:effectRef idx="0">
-            <a:schemeClr val="accent1"/>
-          </a:effectRef>
-          <a:fontRef idx="minor">
-            <a:schemeClr val="lt1"/>
-          </a:fontRef>
-        </p:style>
-        <p:txBody>
-          <a:bodyPr rtlCol="0" anchor="ctr"/>
-          <a:lstStyle/>
-          <a:p>
-            <a:pPr algn="r"/>
-            <a:r>
-              <a:rPr lang="ko-KR" altLang="en-US" sz="800" dirty="0">
-                <a:solidFill>
-                  <a:schemeClr val="tx1"/>
-                </a:solidFill>
-              </a:rPr>
-              <a:t>템플릿 분류</a:t>
-            </a:r>
-          </a:p>
-        </p:txBody>
-      </p:sp>
-      <p:sp>
-        <p:nvSpPr>
-          <p:cNvPr id="112" name="직사각형 111"/>
-          <p:cNvSpPr/>
-          <p:nvPr/>
-        </p:nvSpPr>
-        <p:spPr>
-          <a:xfrm>
-            <a:off x="5673492" y="2718422"/>
-            <a:ext cx="231494" cy="180000"/>
-          </a:xfrm>
-          <a:prstGeom prst="rect">
-            <a:avLst/>
-          </a:prstGeom>
-          <a:noFill/>
-        </p:spPr>
-        <p:style>
-          <a:lnRef idx="2">
-            <a:schemeClr val="accent1">
-              <a:shade val="50000"/>
-            </a:schemeClr>
-          </a:lnRef>
-          <a:fillRef idx="1">
-            <a:schemeClr val="accent1"/>
-          </a:fillRef>
-          <a:effectRef idx="0">
-            <a:schemeClr val="accent1"/>
-          </a:effectRef>
-          <a:fontRef idx="minor">
-            <a:schemeClr val="lt1"/>
-          </a:fontRef>
-        </p:style>
-        <p:txBody>
-          <a:bodyPr rtlCol="0" anchor="ctr"/>
-          <a:lstStyle/>
-          <a:p>
-            <a:pPr algn="ctr"/>
-            <a:r>
-              <a:rPr lang="en-US" altLang="ko-KR" sz="800" dirty="0">
-                <a:solidFill>
-                  <a:schemeClr val="tx1"/>
-                </a:solidFill>
-              </a:rPr>
-              <a:t>V</a:t>
-            </a:r>
-            <a:endParaRPr lang="ko-KR" altLang="en-US" sz="800" dirty="0">
-              <a:solidFill>
-                <a:schemeClr val="tx1"/>
-              </a:solidFill>
-            </a:endParaRPr>
-          </a:p>
-        </p:txBody>
-      </p:sp>
-      <p:sp>
-        <p:nvSpPr>
-          <p:cNvPr id="114" name="직사각형 113"/>
-          <p:cNvSpPr/>
-          <p:nvPr/>
-        </p:nvSpPr>
-        <p:spPr>
-          <a:xfrm>
-            <a:off x="2059325" y="2488338"/>
-            <a:ext cx="327033" cy="180000"/>
-          </a:xfrm>
-          <a:prstGeom prst="rect">
-            <a:avLst/>
-          </a:prstGeom>
-          <a:noFill/>
-        </p:spPr>
-        <p:style>
-          <a:lnRef idx="2">
-            <a:schemeClr val="accent1">
-              <a:shade val="50000"/>
-            </a:schemeClr>
-          </a:lnRef>
-          <a:fillRef idx="1">
-            <a:schemeClr val="accent1"/>
-          </a:fillRef>
-          <a:effectRef idx="0">
-            <a:schemeClr val="accent1"/>
-          </a:effectRef>
-          <a:fontRef idx="minor">
-            <a:schemeClr val="lt1"/>
-          </a:fontRef>
-        </p:style>
-        <p:txBody>
-          <a:bodyPr rtlCol="0" anchor="ctr"/>
-          <a:lstStyle/>
-          <a:p>
-            <a:pPr algn="ctr"/>
-            <a:endParaRPr lang="ko-KR" altLang="en-US" sz="800" dirty="0">
-              <a:solidFill>
-                <a:schemeClr val="tx1"/>
-              </a:solidFill>
-            </a:endParaRPr>
-          </a:p>
-        </p:txBody>
-      </p:sp>
-      <p:sp>
-        <p:nvSpPr>
-          <p:cNvPr id="115" name="직사각형 114"/>
-          <p:cNvSpPr/>
-          <p:nvPr/>
-        </p:nvSpPr>
-        <p:spPr>
-          <a:xfrm>
-            <a:off x="1016264" y="3990868"/>
-            <a:ext cx="1044059" cy="180000"/>
-          </a:xfrm>
-          <a:prstGeom prst="rect">
-            <a:avLst/>
-          </a:prstGeom>
-          <a:noFill/>
-          <a:ln>
-            <a:noFill/>
-          </a:ln>
-        </p:spPr>
-        <p:style>
-          <a:lnRef idx="2">
-            <a:schemeClr val="accent1">
-              <a:shade val="50000"/>
-            </a:schemeClr>
-          </a:lnRef>
-          <a:fillRef idx="1">
-            <a:schemeClr val="accent1"/>
-          </a:fillRef>
-          <a:effectRef idx="0">
-            <a:schemeClr val="accent1"/>
-          </a:effectRef>
-          <a:fontRef idx="minor">
-            <a:schemeClr val="lt1"/>
-          </a:fontRef>
-        </p:style>
-        <p:txBody>
-          <a:bodyPr rtlCol="0" anchor="ctr"/>
-          <a:lstStyle/>
-          <a:p>
-            <a:pPr algn="r"/>
-            <a:r>
-              <a:rPr lang="ko-KR" altLang="en-US" sz="800" dirty="0">
-                <a:solidFill>
-                  <a:schemeClr val="tx1"/>
-                </a:solidFill>
-              </a:rPr>
-              <a:t>보존연한</a:t>
-            </a:r>
-            <a:r>
-              <a:rPr lang="en-US" altLang="ko-KR" sz="800" dirty="0">
-                <a:solidFill>
-                  <a:schemeClr val="tx1"/>
-                </a:solidFill>
-              </a:rPr>
-              <a:t>(</a:t>
-            </a:r>
-            <a:r>
-              <a:rPr lang="ko-KR" altLang="en-US" sz="800" dirty="0">
-                <a:solidFill>
-                  <a:schemeClr val="tx1"/>
-                </a:solidFill>
-              </a:rPr>
-              <a:t>년</a:t>
-            </a:r>
-            <a:r>
-              <a:rPr lang="en-US" altLang="ko-KR" sz="800" dirty="0">
-                <a:solidFill>
-                  <a:schemeClr val="tx1"/>
-                </a:solidFill>
-              </a:rPr>
-              <a:t>)</a:t>
-            </a:r>
-            <a:endParaRPr lang="ko-KR" altLang="en-US" sz="800" dirty="0">
-              <a:solidFill>
-                <a:schemeClr val="tx1"/>
-              </a:solidFill>
-            </a:endParaRPr>
-          </a:p>
-        </p:txBody>
-      </p:sp>
-      <p:sp>
-        <p:nvSpPr>
-          <p:cNvPr id="119" name="직사각형 118"/>
-          <p:cNvSpPr/>
-          <p:nvPr/>
-        </p:nvSpPr>
-        <p:spPr>
-          <a:xfrm>
-            <a:off x="996216" y="4313596"/>
-            <a:ext cx="1044059" cy="180000"/>
-          </a:xfrm>
-          <a:prstGeom prst="rect">
-            <a:avLst/>
-          </a:prstGeom>
-          <a:noFill/>
-          <a:ln>
-            <a:noFill/>
-          </a:ln>
-        </p:spPr>
-        <p:style>
-          <a:lnRef idx="2">
-            <a:schemeClr val="accent1">
-              <a:shade val="50000"/>
-            </a:schemeClr>
-          </a:lnRef>
-          <a:fillRef idx="1">
-            <a:schemeClr val="accent1"/>
-          </a:fillRef>
-          <a:effectRef idx="0">
-            <a:schemeClr val="accent1"/>
-          </a:effectRef>
-          <a:fontRef idx="minor">
-            <a:schemeClr val="lt1"/>
-          </a:fontRef>
-        </p:style>
-        <p:txBody>
-          <a:bodyPr rtlCol="0" anchor="ctr"/>
-          <a:lstStyle/>
-          <a:p>
-            <a:pPr algn="r"/>
-            <a:r>
-              <a:rPr lang="ko-KR" altLang="en-US" sz="800" dirty="0">
-                <a:solidFill>
-                  <a:schemeClr val="tx1"/>
-                </a:solidFill>
-              </a:rPr>
-              <a:t>템플릿 양식</a:t>
-            </a:r>
-          </a:p>
-        </p:txBody>
-      </p:sp>
-      <p:sp>
-        <p:nvSpPr>
-          <p:cNvPr id="120" name="직사각형 119"/>
-          <p:cNvSpPr/>
-          <p:nvPr/>
-        </p:nvSpPr>
-        <p:spPr>
-          <a:xfrm>
-            <a:off x="2063098" y="4313596"/>
-            <a:ext cx="2916592" cy="180000"/>
-          </a:xfrm>
-          <a:prstGeom prst="rect">
-            <a:avLst/>
-          </a:prstGeom>
-          <a:noFill/>
-        </p:spPr>
-        <p:style>
-          <a:lnRef idx="2">
-            <a:schemeClr val="accent1">
-              <a:shade val="50000"/>
-            </a:schemeClr>
-          </a:lnRef>
-          <a:fillRef idx="1">
-            <a:schemeClr val="accent1"/>
-          </a:fillRef>
-          <a:effectRef idx="0">
-            <a:schemeClr val="accent1"/>
-          </a:effectRef>
-          <a:fontRef idx="minor">
-            <a:schemeClr val="lt1"/>
-          </a:fontRef>
-        </p:style>
-        <p:txBody>
-          <a:bodyPr rtlCol="0" anchor="ctr"/>
-          <a:lstStyle/>
-          <a:p>
-            <a:pPr algn="ctr"/>
-            <a:r>
-              <a:rPr lang="en-US" altLang="ko-KR" sz="800" dirty="0">
-                <a:solidFill>
-                  <a:schemeClr val="tx1"/>
-                </a:solidFill>
-              </a:rPr>
-              <a:t>xxxxxxxxxxxxxxxxxxxxx.ppt</a:t>
-            </a:r>
-            <a:endParaRPr lang="ko-KR" altLang="en-US" sz="800" dirty="0">
-              <a:solidFill>
-                <a:schemeClr val="tx1"/>
-              </a:solidFill>
-            </a:endParaRPr>
-          </a:p>
-        </p:txBody>
-      </p:sp>
-      <p:sp>
-        <p:nvSpPr>
           <p:cNvPr id="123" name="직사각형 122"/>
           <p:cNvSpPr/>
           <p:nvPr/>
@@ -36271,389 +36062,6 @@
           <a:p>
             <a:pPr algn="ctr"/>
             <a:endParaRPr lang="ko-KR" altLang="en-US" dirty="0"/>
-          </a:p>
-        </p:txBody>
-      </p:sp>
-      <p:sp>
-        <p:nvSpPr>
-          <p:cNvPr id="53" name="직사각형 52"/>
-          <p:cNvSpPr/>
-          <p:nvPr/>
-        </p:nvSpPr>
-        <p:spPr>
-          <a:xfrm>
-            <a:off x="5122448" y="4313596"/>
-            <a:ext cx="234751" cy="180000"/>
-          </a:xfrm>
-          <a:prstGeom prst="rect">
-            <a:avLst/>
-          </a:prstGeom>
-          <a:noFill/>
-        </p:spPr>
-        <p:style>
-          <a:lnRef idx="2">
-            <a:schemeClr val="accent1">
-              <a:shade val="50000"/>
-            </a:schemeClr>
-          </a:lnRef>
-          <a:fillRef idx="1">
-            <a:schemeClr val="accent1"/>
-          </a:fillRef>
-          <a:effectRef idx="0">
-            <a:schemeClr val="accent1"/>
-          </a:effectRef>
-          <a:fontRef idx="minor">
-            <a:schemeClr val="lt1"/>
-          </a:fontRef>
-        </p:style>
-        <p:txBody>
-          <a:bodyPr rtlCol="0" anchor="ctr"/>
-          <a:lstStyle/>
-          <a:p>
-            <a:pPr algn="ctr"/>
-            <a:r>
-              <a:rPr lang="en-US" altLang="ko-KR" sz="800" dirty="0">
-                <a:solidFill>
-                  <a:schemeClr val="tx1"/>
-                </a:solidFill>
-              </a:rPr>
-              <a:t>?</a:t>
-            </a:r>
-            <a:endParaRPr lang="ko-KR" altLang="en-US" sz="800" dirty="0">
-              <a:solidFill>
-                <a:schemeClr val="tx1"/>
-              </a:solidFill>
-            </a:endParaRPr>
-          </a:p>
-        </p:txBody>
-      </p:sp>
-      <p:sp>
-        <p:nvSpPr>
-          <p:cNvPr id="55" name="직사각형 54"/>
-          <p:cNvSpPr/>
-          <p:nvPr/>
-        </p:nvSpPr>
-        <p:spPr>
-          <a:xfrm>
-            <a:off x="5417528" y="4313596"/>
-            <a:ext cx="234751" cy="180000"/>
-          </a:xfrm>
-          <a:prstGeom prst="rect">
-            <a:avLst/>
-          </a:prstGeom>
-          <a:noFill/>
-        </p:spPr>
-        <p:style>
-          <a:lnRef idx="2">
-            <a:schemeClr val="accent1">
-              <a:shade val="50000"/>
-            </a:schemeClr>
-          </a:lnRef>
-          <a:fillRef idx="1">
-            <a:schemeClr val="accent1"/>
-          </a:fillRef>
-          <a:effectRef idx="0">
-            <a:schemeClr val="accent1"/>
-          </a:effectRef>
-          <a:fontRef idx="minor">
-            <a:schemeClr val="lt1"/>
-          </a:fontRef>
-        </p:style>
-        <p:txBody>
-          <a:bodyPr rtlCol="0" anchor="ctr"/>
-          <a:lstStyle/>
-          <a:p>
-            <a:pPr algn="ctr"/>
-            <a:r>
-              <a:rPr lang="en-US" altLang="ko-KR" sz="800" dirty="0">
-                <a:solidFill>
-                  <a:schemeClr val="tx1"/>
-                </a:solidFill>
-              </a:rPr>
-              <a:t>X</a:t>
-            </a:r>
-            <a:endParaRPr lang="ko-KR" altLang="en-US" sz="800" dirty="0">
-              <a:solidFill>
-                <a:schemeClr val="tx1"/>
-              </a:solidFill>
-            </a:endParaRPr>
-          </a:p>
-        </p:txBody>
-      </p:sp>
-      <p:sp>
-        <p:nvSpPr>
-          <p:cNvPr id="2" name="줄무늬가 있는 오른쪽 화살표 1"/>
-          <p:cNvSpPr/>
-          <p:nvPr/>
-        </p:nvSpPr>
-        <p:spPr>
-          <a:xfrm rot="5400000">
-            <a:off x="5752293" y="4337511"/>
-            <a:ext cx="227829" cy="180000"/>
-          </a:xfrm>
-          <a:prstGeom prst="stripedRightArrow">
-            <a:avLst/>
-          </a:prstGeom>
-          <a:noFill/>
-        </p:spPr>
-        <p:style>
-          <a:lnRef idx="2">
-            <a:schemeClr val="accent1">
-              <a:shade val="50000"/>
-            </a:schemeClr>
-          </a:lnRef>
-          <a:fillRef idx="1">
-            <a:schemeClr val="accent1"/>
-          </a:fillRef>
-          <a:effectRef idx="0">
-            <a:schemeClr val="accent1"/>
-          </a:effectRef>
-          <a:fontRef idx="minor">
-            <a:schemeClr val="lt1"/>
-          </a:fontRef>
-        </p:style>
-        <p:txBody>
-          <a:bodyPr rtlCol="0" anchor="ctr"/>
-          <a:lstStyle/>
-          <a:p>
-            <a:pPr algn="ctr"/>
-            <a:endParaRPr lang="ko-KR" altLang="en-US" sz="800"/>
-          </a:p>
-        </p:txBody>
-      </p:sp>
-      <p:sp>
-        <p:nvSpPr>
-          <p:cNvPr id="60" name="직사각형 59"/>
-          <p:cNvSpPr/>
-          <p:nvPr/>
-        </p:nvSpPr>
-        <p:spPr>
-          <a:xfrm>
-            <a:off x="1015266" y="4637446"/>
-            <a:ext cx="1044059" cy="180000"/>
-          </a:xfrm>
-          <a:prstGeom prst="rect">
-            <a:avLst/>
-          </a:prstGeom>
-          <a:noFill/>
-          <a:ln>
-            <a:noFill/>
-          </a:ln>
-        </p:spPr>
-        <p:style>
-          <a:lnRef idx="2">
-            <a:schemeClr val="accent1">
-              <a:shade val="50000"/>
-            </a:schemeClr>
-          </a:lnRef>
-          <a:fillRef idx="1">
-            <a:schemeClr val="accent1"/>
-          </a:fillRef>
-          <a:effectRef idx="0">
-            <a:schemeClr val="accent1"/>
-          </a:effectRef>
-          <a:fontRef idx="minor">
-            <a:schemeClr val="lt1"/>
-          </a:fontRef>
-        </p:style>
-        <p:txBody>
-          <a:bodyPr rtlCol="0" anchor="ctr"/>
-          <a:lstStyle/>
-          <a:p>
-            <a:pPr algn="r"/>
-            <a:r>
-              <a:rPr lang="ko-KR" altLang="en-US" sz="800" dirty="0">
-                <a:solidFill>
-                  <a:schemeClr val="tx1"/>
-                </a:solidFill>
-              </a:rPr>
-              <a:t>연결 </a:t>
-            </a:r>
-            <a:r>
-              <a:rPr lang="en-US" altLang="ko-KR" sz="800" dirty="0">
-                <a:solidFill>
-                  <a:schemeClr val="tx1"/>
-                </a:solidFill>
-              </a:rPr>
-              <a:t>URL</a:t>
-            </a:r>
-            <a:endParaRPr lang="ko-KR" altLang="en-US" sz="800" dirty="0">
-              <a:solidFill>
-                <a:schemeClr val="tx1"/>
-              </a:solidFill>
-            </a:endParaRPr>
-          </a:p>
-        </p:txBody>
-      </p:sp>
-      <p:sp>
-        <p:nvSpPr>
-          <p:cNvPr id="61" name="직사각형 60"/>
-          <p:cNvSpPr/>
-          <p:nvPr/>
-        </p:nvSpPr>
-        <p:spPr>
-          <a:xfrm>
-            <a:off x="2082148" y="4637446"/>
-            <a:ext cx="2916592" cy="180000"/>
-          </a:xfrm>
-          <a:prstGeom prst="rect">
-            <a:avLst/>
-          </a:prstGeom>
-          <a:noFill/>
-        </p:spPr>
-        <p:style>
-          <a:lnRef idx="2">
-            <a:schemeClr val="accent1">
-              <a:shade val="50000"/>
-            </a:schemeClr>
-          </a:lnRef>
-          <a:fillRef idx="1">
-            <a:schemeClr val="accent1"/>
-          </a:fillRef>
-          <a:effectRef idx="0">
-            <a:schemeClr val="accent1"/>
-          </a:effectRef>
-          <a:fontRef idx="minor">
-            <a:schemeClr val="lt1"/>
-          </a:fontRef>
-        </p:style>
-        <p:txBody>
-          <a:bodyPr rtlCol="0" anchor="ctr"/>
-          <a:lstStyle/>
-          <a:p>
-            <a:pPr algn="ctr"/>
-            <a:endParaRPr lang="ko-KR" altLang="en-US" sz="800" dirty="0">
-              <a:solidFill>
-                <a:schemeClr val="tx1"/>
-              </a:solidFill>
-            </a:endParaRPr>
-          </a:p>
-        </p:txBody>
-      </p:sp>
-      <p:sp>
-        <p:nvSpPr>
-          <p:cNvPr id="65" name="직사각형 64"/>
-          <p:cNvSpPr/>
-          <p:nvPr/>
-        </p:nvSpPr>
-        <p:spPr>
-          <a:xfrm>
-            <a:off x="1083364" y="1573617"/>
-            <a:ext cx="1044059" cy="180000"/>
-          </a:xfrm>
-          <a:prstGeom prst="rect">
-            <a:avLst/>
-          </a:prstGeom>
-          <a:noFill/>
-          <a:ln>
-            <a:noFill/>
-          </a:ln>
-        </p:spPr>
-        <p:style>
-          <a:lnRef idx="2">
-            <a:schemeClr val="accent1">
-              <a:shade val="50000"/>
-            </a:schemeClr>
-          </a:lnRef>
-          <a:fillRef idx="1">
-            <a:schemeClr val="accent1"/>
-          </a:fillRef>
-          <a:effectRef idx="0">
-            <a:schemeClr val="accent1"/>
-          </a:effectRef>
-          <a:fontRef idx="minor">
-            <a:schemeClr val="lt1"/>
-          </a:fontRef>
-        </p:style>
-        <p:txBody>
-          <a:bodyPr rtlCol="0" anchor="ctr"/>
-          <a:lstStyle/>
-          <a:p>
-            <a:pPr algn="r"/>
-            <a:r>
-              <a:rPr lang="ko-KR" altLang="en-US" sz="800" dirty="0">
-                <a:solidFill>
-                  <a:schemeClr val="tx1"/>
-                </a:solidFill>
-              </a:rPr>
-              <a:t>등록자</a:t>
-            </a:r>
-            <a:r>
-              <a:rPr lang="en-US" altLang="ko-KR" sz="800" dirty="0">
-                <a:solidFill>
-                  <a:schemeClr val="tx1"/>
-                </a:solidFill>
-              </a:rPr>
-              <a:t>/</a:t>
-            </a:r>
-            <a:r>
-              <a:rPr lang="ko-KR" altLang="en-US" sz="800" dirty="0">
-                <a:solidFill>
-                  <a:schemeClr val="tx1"/>
-                </a:solidFill>
-              </a:rPr>
-              <a:t>일시</a:t>
-            </a:r>
-          </a:p>
-        </p:txBody>
-      </p:sp>
-      <p:sp>
-        <p:nvSpPr>
-          <p:cNvPr id="73" name="직사각형 72"/>
-          <p:cNvSpPr/>
-          <p:nvPr/>
-        </p:nvSpPr>
-        <p:spPr>
-          <a:xfrm>
-            <a:off x="2091568" y="1563360"/>
-            <a:ext cx="3805415" cy="180000"/>
-          </a:xfrm>
-          <a:prstGeom prst="rect">
-            <a:avLst/>
-          </a:prstGeom>
-          <a:solidFill>
-            <a:schemeClr val="bg1">
-              <a:lumMod val="95000"/>
-            </a:schemeClr>
-          </a:solidFill>
-        </p:spPr>
-        <p:style>
-          <a:lnRef idx="2">
-            <a:schemeClr val="accent1">
-              <a:shade val="50000"/>
-            </a:schemeClr>
-          </a:lnRef>
-          <a:fillRef idx="1">
-            <a:schemeClr val="accent1"/>
-          </a:fillRef>
-          <a:effectRef idx="0">
-            <a:schemeClr val="accent1"/>
-          </a:effectRef>
-          <a:fontRef idx="minor">
-            <a:schemeClr val="lt1"/>
-          </a:fontRef>
-        </p:style>
-        <p:txBody>
-          <a:bodyPr rtlCol="0" anchor="ctr"/>
-          <a:lstStyle/>
-          <a:p>
-            <a:pPr algn="ctr"/>
-            <a:r>
-              <a:rPr lang="ko-KR" altLang="en-US" sz="800" dirty="0" err="1">
-                <a:solidFill>
-                  <a:schemeClr val="tx1"/>
-                </a:solidFill>
-              </a:rPr>
-              <a:t>등록일시</a:t>
-            </a:r>
-            <a:r>
-              <a:rPr lang="ko-KR" altLang="en-US" sz="800" dirty="0">
-                <a:solidFill>
-                  <a:schemeClr val="tx1"/>
-                </a:solidFill>
-              </a:rPr>
-              <a:t> 이름 소속</a:t>
-            </a:r>
           </a:p>
         </p:txBody>
       </p:sp>
@@ -36793,7 +36201,1328 @@
       </p:sp>
       <p:sp>
         <p:nvSpPr>
-          <p:cNvPr id="64" name="직사각형 63"/>
+          <p:cNvPr id="68" name="직사각형 67"/>
+          <p:cNvSpPr/>
+          <p:nvPr/>
+        </p:nvSpPr>
+        <p:spPr>
+          <a:xfrm>
+            <a:off x="1510592" y="150893"/>
+            <a:ext cx="2184751" cy="180000"/>
+          </a:xfrm>
+          <a:prstGeom prst="rect">
+            <a:avLst/>
+          </a:prstGeom>
+          <a:noFill/>
+          <a:ln>
+            <a:noFill/>
+          </a:ln>
+        </p:spPr>
+        <p:style>
+          <a:lnRef idx="2">
+            <a:schemeClr val="accent1">
+              <a:shade val="50000"/>
+            </a:schemeClr>
+          </a:lnRef>
+          <a:fillRef idx="1">
+            <a:schemeClr val="accent1"/>
+          </a:fillRef>
+          <a:effectRef idx="0">
+            <a:schemeClr val="accent1"/>
+          </a:effectRef>
+          <a:fontRef idx="minor">
+            <a:schemeClr val="lt1"/>
+          </a:fontRef>
+        </p:style>
+        <p:txBody>
+          <a:bodyPr rtlCol="0" anchor="ctr"/>
+          <a:lstStyle/>
+          <a:p>
+            <a:r>
+              <a:rPr lang="ko-KR" altLang="en-US" sz="800" dirty="0">
+                <a:solidFill>
+                  <a:schemeClr val="tx1"/>
+                </a:solidFill>
+              </a:rPr>
+              <a:t>안전 서류 템플릿 등록</a:t>
+            </a:r>
+          </a:p>
+        </p:txBody>
+      </p:sp>
+      <p:sp>
+        <p:nvSpPr>
+          <p:cNvPr id="96" name="직사각형 95">
+            <a:extLst>
+              <a:ext uri="{FF2B5EF4-FFF2-40B4-BE49-F238E27FC236}">
+                <a16:creationId xmlns:a16="http://schemas.microsoft.com/office/drawing/2014/main" id="{C22B1B91-F480-4917-95E5-E668047B2443}"/>
+              </a:ext>
+            </a:extLst>
+          </p:cNvPr>
+          <p:cNvSpPr/>
+          <p:nvPr/>
+        </p:nvSpPr>
+        <p:spPr>
+          <a:xfrm>
+            <a:off x="2060322" y="2448523"/>
+            <a:ext cx="5187324" cy="180000"/>
+          </a:xfrm>
+          <a:prstGeom prst="rect">
+            <a:avLst/>
+          </a:prstGeom>
+          <a:noFill/>
+        </p:spPr>
+        <p:style>
+          <a:lnRef idx="2">
+            <a:schemeClr val="accent1">
+              <a:shade val="50000"/>
+            </a:schemeClr>
+          </a:lnRef>
+          <a:fillRef idx="1">
+            <a:schemeClr val="accent1"/>
+          </a:fillRef>
+          <a:effectRef idx="0">
+            <a:schemeClr val="accent1"/>
+          </a:effectRef>
+          <a:fontRef idx="minor">
+            <a:schemeClr val="lt1"/>
+          </a:fontRef>
+        </p:style>
+        <p:txBody>
+          <a:bodyPr rtlCol="0" anchor="ctr"/>
+          <a:lstStyle/>
+          <a:p>
+            <a:pPr algn="ctr"/>
+            <a:r>
+              <a:rPr lang="ko-KR" altLang="en-US" sz="800" dirty="0">
+                <a:solidFill>
+                  <a:schemeClr val="tx1"/>
+                </a:solidFill>
+              </a:rPr>
+              <a:t>산업안전보건위원회 회의결과 공지 </a:t>
+            </a:r>
+            <a:r>
+              <a:rPr lang="ko-KR" altLang="en-US" sz="800" dirty="0" err="1">
+                <a:solidFill>
+                  <a:schemeClr val="tx1"/>
+                </a:solidFill>
+              </a:rPr>
+              <a:t>증빙자료사</a:t>
+            </a:r>
+            <a:endParaRPr lang="ko-KR" altLang="en-US" sz="800" dirty="0">
+              <a:solidFill>
+                <a:schemeClr val="tx1"/>
+              </a:solidFill>
+            </a:endParaRPr>
+          </a:p>
+        </p:txBody>
+      </p:sp>
+      <p:sp>
+        <p:nvSpPr>
+          <p:cNvPr id="97" name="직사각형 96">
+            <a:extLst>
+              <a:ext uri="{FF2B5EF4-FFF2-40B4-BE49-F238E27FC236}">
+                <a16:creationId xmlns:a16="http://schemas.microsoft.com/office/drawing/2014/main" id="{002C7337-7C0E-4A2A-B916-CBBAC7477E00}"/>
+              </a:ext>
+            </a:extLst>
+          </p:cNvPr>
+          <p:cNvSpPr/>
+          <p:nvPr/>
+        </p:nvSpPr>
+        <p:spPr>
+          <a:xfrm>
+            <a:off x="1099258" y="1338482"/>
+            <a:ext cx="1044059" cy="180000"/>
+          </a:xfrm>
+          <a:prstGeom prst="rect">
+            <a:avLst/>
+          </a:prstGeom>
+          <a:noFill/>
+          <a:ln>
+            <a:noFill/>
+          </a:ln>
+        </p:spPr>
+        <p:style>
+          <a:lnRef idx="2">
+            <a:schemeClr val="accent1">
+              <a:shade val="50000"/>
+            </a:schemeClr>
+          </a:lnRef>
+          <a:fillRef idx="1">
+            <a:schemeClr val="accent1"/>
+          </a:fillRef>
+          <a:effectRef idx="0">
+            <a:schemeClr val="accent1"/>
+          </a:effectRef>
+          <a:fontRef idx="minor">
+            <a:schemeClr val="lt1"/>
+          </a:fontRef>
+        </p:style>
+        <p:txBody>
+          <a:bodyPr rtlCol="0" anchor="ctr"/>
+          <a:lstStyle/>
+          <a:p>
+            <a:pPr algn="r"/>
+            <a:r>
+              <a:rPr lang="ko-KR" altLang="en-US" sz="800" dirty="0">
+                <a:solidFill>
+                  <a:schemeClr val="tx1"/>
+                </a:solidFill>
+              </a:rPr>
+              <a:t>템플릿 </a:t>
+            </a:r>
+            <a:r>
+              <a:rPr lang="en-US" altLang="ko-KR" sz="800" dirty="0">
+                <a:solidFill>
+                  <a:schemeClr val="tx1"/>
+                </a:solidFill>
+              </a:rPr>
+              <a:t>ID</a:t>
+            </a:r>
+            <a:endParaRPr lang="ko-KR" altLang="en-US" sz="800" dirty="0">
+              <a:solidFill>
+                <a:schemeClr val="tx1"/>
+              </a:solidFill>
+            </a:endParaRPr>
+          </a:p>
+        </p:txBody>
+      </p:sp>
+      <p:sp>
+        <p:nvSpPr>
+          <p:cNvPr id="98" name="직사각형 97">
+            <a:extLst>
+              <a:ext uri="{FF2B5EF4-FFF2-40B4-BE49-F238E27FC236}">
+                <a16:creationId xmlns:a16="http://schemas.microsoft.com/office/drawing/2014/main" id="{9192956B-907B-430D-B8A1-7806CD183749}"/>
+              </a:ext>
+            </a:extLst>
+          </p:cNvPr>
+          <p:cNvSpPr/>
+          <p:nvPr/>
+        </p:nvSpPr>
+        <p:spPr>
+          <a:xfrm>
+            <a:off x="2095790" y="1338482"/>
+            <a:ext cx="898270" cy="180000"/>
+          </a:xfrm>
+          <a:prstGeom prst="rect">
+            <a:avLst/>
+          </a:prstGeom>
+          <a:solidFill>
+            <a:schemeClr val="bg1">
+              <a:lumMod val="95000"/>
+            </a:schemeClr>
+          </a:solidFill>
+        </p:spPr>
+        <p:style>
+          <a:lnRef idx="2">
+            <a:schemeClr val="accent1">
+              <a:shade val="50000"/>
+            </a:schemeClr>
+          </a:lnRef>
+          <a:fillRef idx="1">
+            <a:schemeClr val="accent1"/>
+          </a:fillRef>
+          <a:effectRef idx="0">
+            <a:schemeClr val="accent1"/>
+          </a:effectRef>
+          <a:fontRef idx="minor">
+            <a:schemeClr val="lt1"/>
+          </a:fontRef>
+        </p:style>
+        <p:txBody>
+          <a:bodyPr rtlCol="0" anchor="ctr"/>
+          <a:lstStyle/>
+          <a:p>
+            <a:pPr algn="ctr"/>
+            <a:r>
+              <a:rPr lang="en-US" altLang="ko-KR" sz="800" dirty="0">
+                <a:solidFill>
+                  <a:schemeClr val="tx1"/>
+                </a:solidFill>
+              </a:rPr>
+              <a:t>123456789</a:t>
+            </a:r>
+            <a:endParaRPr lang="ko-KR" altLang="en-US" sz="800" dirty="0">
+              <a:solidFill>
+                <a:schemeClr val="tx1"/>
+              </a:solidFill>
+            </a:endParaRPr>
+          </a:p>
+        </p:txBody>
+      </p:sp>
+      <p:sp>
+        <p:nvSpPr>
+          <p:cNvPr id="99" name="직사각형 98">
+            <a:extLst>
+              <a:ext uri="{FF2B5EF4-FFF2-40B4-BE49-F238E27FC236}">
+                <a16:creationId xmlns:a16="http://schemas.microsoft.com/office/drawing/2014/main" id="{1AA5A152-6986-46A2-A7E1-7A4A4333FCBC}"/>
+              </a:ext>
+            </a:extLst>
+          </p:cNvPr>
+          <p:cNvSpPr/>
+          <p:nvPr/>
+        </p:nvSpPr>
+        <p:spPr>
+          <a:xfrm>
+            <a:off x="3204984" y="5585856"/>
+            <a:ext cx="732303" cy="180000"/>
+          </a:xfrm>
+          <a:prstGeom prst="rect">
+            <a:avLst/>
+          </a:prstGeom>
+        </p:spPr>
+        <p:style>
+          <a:lnRef idx="2">
+            <a:schemeClr val="accent1">
+              <a:shade val="50000"/>
+            </a:schemeClr>
+          </a:lnRef>
+          <a:fillRef idx="1">
+            <a:schemeClr val="accent1"/>
+          </a:fillRef>
+          <a:effectRef idx="0">
+            <a:schemeClr val="accent1"/>
+          </a:effectRef>
+          <a:fontRef idx="minor">
+            <a:schemeClr val="lt1"/>
+          </a:fontRef>
+        </p:style>
+        <p:txBody>
+          <a:bodyPr rtlCol="0" anchor="ctr"/>
+          <a:lstStyle/>
+          <a:p>
+            <a:pPr algn="ctr"/>
+            <a:r>
+              <a:rPr lang="ko-KR" altLang="en-US" sz="800" dirty="0"/>
+              <a:t>저장</a:t>
+            </a:r>
+          </a:p>
+        </p:txBody>
+      </p:sp>
+      <p:sp>
+        <p:nvSpPr>
+          <p:cNvPr id="100" name="직사각형 99">
+            <a:extLst>
+              <a:ext uri="{FF2B5EF4-FFF2-40B4-BE49-F238E27FC236}">
+                <a16:creationId xmlns:a16="http://schemas.microsoft.com/office/drawing/2014/main" id="{0F039F47-C32C-436C-9276-2239A7B39F5B}"/>
+              </a:ext>
+            </a:extLst>
+          </p:cNvPr>
+          <p:cNvSpPr/>
+          <p:nvPr/>
+        </p:nvSpPr>
+        <p:spPr>
+          <a:xfrm>
+            <a:off x="1055512" y="2484999"/>
+            <a:ext cx="1044059" cy="180000"/>
+          </a:xfrm>
+          <a:prstGeom prst="rect">
+            <a:avLst/>
+          </a:prstGeom>
+          <a:noFill/>
+          <a:ln>
+            <a:noFill/>
+          </a:ln>
+        </p:spPr>
+        <p:style>
+          <a:lnRef idx="2">
+            <a:schemeClr val="accent1">
+              <a:shade val="50000"/>
+            </a:schemeClr>
+          </a:lnRef>
+          <a:fillRef idx="1">
+            <a:schemeClr val="accent1"/>
+          </a:fillRef>
+          <a:effectRef idx="0">
+            <a:schemeClr val="accent1"/>
+          </a:effectRef>
+          <a:fontRef idx="minor">
+            <a:schemeClr val="lt1"/>
+          </a:fontRef>
+        </p:style>
+        <p:txBody>
+          <a:bodyPr rtlCol="0" anchor="ctr"/>
+          <a:lstStyle/>
+          <a:p>
+            <a:pPr algn="r"/>
+            <a:r>
+              <a:rPr lang="ko-KR" altLang="en-US" sz="800" dirty="0">
+                <a:solidFill>
+                  <a:schemeClr val="tx1"/>
+                </a:solidFill>
+              </a:rPr>
+              <a:t>템플릿 명</a:t>
+            </a:r>
+          </a:p>
+        </p:txBody>
+      </p:sp>
+      <p:sp>
+        <p:nvSpPr>
+          <p:cNvPr id="101" name="직사각형 100">
+            <a:extLst>
+              <a:ext uri="{FF2B5EF4-FFF2-40B4-BE49-F238E27FC236}">
+                <a16:creationId xmlns:a16="http://schemas.microsoft.com/office/drawing/2014/main" id="{E84254D3-14AA-4333-A465-82317DD82EBE}"/>
+              </a:ext>
+            </a:extLst>
+          </p:cNvPr>
+          <p:cNvSpPr/>
+          <p:nvPr/>
+        </p:nvSpPr>
+        <p:spPr>
+          <a:xfrm>
+            <a:off x="2052318" y="2776498"/>
+            <a:ext cx="5195327" cy="180000"/>
+          </a:xfrm>
+          <a:prstGeom prst="rect">
+            <a:avLst/>
+          </a:prstGeom>
+          <a:noFill/>
+        </p:spPr>
+        <p:style>
+          <a:lnRef idx="2">
+            <a:schemeClr val="accent1">
+              <a:shade val="50000"/>
+            </a:schemeClr>
+          </a:lnRef>
+          <a:fillRef idx="1">
+            <a:schemeClr val="accent1"/>
+          </a:fillRef>
+          <a:effectRef idx="0">
+            <a:schemeClr val="accent1"/>
+          </a:effectRef>
+          <a:fontRef idx="minor">
+            <a:schemeClr val="lt1"/>
+          </a:fontRef>
+        </p:style>
+        <p:txBody>
+          <a:bodyPr rtlCol="0" anchor="ctr"/>
+          <a:lstStyle/>
+          <a:p>
+            <a:pPr algn="ctr"/>
+            <a:r>
+              <a:rPr lang="ko-KR" altLang="en-US" sz="800" dirty="0">
+                <a:solidFill>
+                  <a:schemeClr val="tx1"/>
+                </a:solidFill>
+              </a:rPr>
+              <a:t>게시 등으로 공지하였음을 입증할 자료</a:t>
+            </a:r>
+          </a:p>
+        </p:txBody>
+      </p:sp>
+      <p:sp>
+        <p:nvSpPr>
+          <p:cNvPr id="102" name="직사각형 101">
+            <a:extLst>
+              <a:ext uri="{FF2B5EF4-FFF2-40B4-BE49-F238E27FC236}">
+                <a16:creationId xmlns:a16="http://schemas.microsoft.com/office/drawing/2014/main" id="{B43A11FD-26AA-4DFF-9970-BE8D255B3171}"/>
+              </a:ext>
+            </a:extLst>
+          </p:cNvPr>
+          <p:cNvSpPr/>
+          <p:nvPr/>
+        </p:nvSpPr>
+        <p:spPr>
+          <a:xfrm>
+            <a:off x="1047509" y="2812975"/>
+            <a:ext cx="1044059" cy="180000"/>
+          </a:xfrm>
+          <a:prstGeom prst="rect">
+            <a:avLst/>
+          </a:prstGeom>
+          <a:noFill/>
+          <a:ln>
+            <a:noFill/>
+          </a:ln>
+        </p:spPr>
+        <p:style>
+          <a:lnRef idx="2">
+            <a:schemeClr val="accent1">
+              <a:shade val="50000"/>
+            </a:schemeClr>
+          </a:lnRef>
+          <a:fillRef idx="1">
+            <a:schemeClr val="accent1"/>
+          </a:fillRef>
+          <a:effectRef idx="0">
+            <a:schemeClr val="accent1"/>
+          </a:effectRef>
+          <a:fontRef idx="minor">
+            <a:schemeClr val="lt1"/>
+          </a:fontRef>
+        </p:style>
+        <p:txBody>
+          <a:bodyPr rtlCol="0" anchor="ctr"/>
+          <a:lstStyle/>
+          <a:p>
+            <a:pPr algn="r"/>
+            <a:r>
+              <a:rPr lang="ko-KR" altLang="en-US" sz="800" dirty="0">
+                <a:solidFill>
+                  <a:schemeClr val="tx1"/>
+                </a:solidFill>
+              </a:rPr>
+              <a:t>설명</a:t>
+            </a:r>
+          </a:p>
+        </p:txBody>
+      </p:sp>
+      <p:sp>
+        <p:nvSpPr>
+          <p:cNvPr id="103" name="직사각형 102">
+            <a:extLst>
+              <a:ext uri="{FF2B5EF4-FFF2-40B4-BE49-F238E27FC236}">
+                <a16:creationId xmlns:a16="http://schemas.microsoft.com/office/drawing/2014/main" id="{D64C391B-1267-4D01-BC07-913988FB3BD7}"/>
+              </a:ext>
+            </a:extLst>
+          </p:cNvPr>
+          <p:cNvSpPr/>
+          <p:nvPr/>
+        </p:nvSpPr>
+        <p:spPr>
+          <a:xfrm>
+            <a:off x="2052319" y="2137861"/>
+            <a:ext cx="3634225" cy="180000"/>
+          </a:xfrm>
+          <a:prstGeom prst="rect">
+            <a:avLst/>
+          </a:prstGeom>
+          <a:noFill/>
+        </p:spPr>
+        <p:style>
+          <a:lnRef idx="2">
+            <a:schemeClr val="accent1">
+              <a:shade val="50000"/>
+            </a:schemeClr>
+          </a:lnRef>
+          <a:fillRef idx="1">
+            <a:schemeClr val="accent1"/>
+          </a:fillRef>
+          <a:effectRef idx="0">
+            <a:schemeClr val="accent1"/>
+          </a:effectRef>
+          <a:fontRef idx="minor">
+            <a:schemeClr val="lt1"/>
+          </a:fontRef>
+        </p:style>
+        <p:txBody>
+          <a:bodyPr rtlCol="0" anchor="ctr"/>
+          <a:lstStyle/>
+          <a:p>
+            <a:pPr algn="ctr"/>
+            <a:r>
+              <a:rPr lang="ko-KR" altLang="en-US" sz="800" dirty="0">
+                <a:solidFill>
+                  <a:schemeClr val="tx1"/>
+                </a:solidFill>
+              </a:rPr>
+              <a:t>산업안전보건위원회</a:t>
+            </a:r>
+          </a:p>
+        </p:txBody>
+      </p:sp>
+      <p:sp>
+        <p:nvSpPr>
+          <p:cNvPr id="104" name="직사각형 103">
+            <a:extLst>
+              <a:ext uri="{FF2B5EF4-FFF2-40B4-BE49-F238E27FC236}">
+                <a16:creationId xmlns:a16="http://schemas.microsoft.com/office/drawing/2014/main" id="{6ED15C02-F064-4154-8051-A5876A7A99F6}"/>
+              </a:ext>
+            </a:extLst>
+          </p:cNvPr>
+          <p:cNvSpPr/>
+          <p:nvPr/>
+        </p:nvSpPr>
+        <p:spPr>
+          <a:xfrm>
+            <a:off x="1047509" y="2174336"/>
+            <a:ext cx="1044059" cy="180000"/>
+          </a:xfrm>
+          <a:prstGeom prst="rect">
+            <a:avLst/>
+          </a:prstGeom>
+          <a:noFill/>
+          <a:ln>
+            <a:noFill/>
+          </a:ln>
+        </p:spPr>
+        <p:style>
+          <a:lnRef idx="2">
+            <a:schemeClr val="accent1">
+              <a:shade val="50000"/>
+            </a:schemeClr>
+          </a:lnRef>
+          <a:fillRef idx="1">
+            <a:schemeClr val="accent1"/>
+          </a:fillRef>
+          <a:effectRef idx="0">
+            <a:schemeClr val="accent1"/>
+          </a:effectRef>
+          <a:fontRef idx="minor">
+            <a:schemeClr val="lt1"/>
+          </a:fontRef>
+        </p:style>
+        <p:txBody>
+          <a:bodyPr rtlCol="0" anchor="ctr"/>
+          <a:lstStyle/>
+          <a:p>
+            <a:pPr algn="r"/>
+            <a:r>
+              <a:rPr lang="ko-KR" altLang="en-US" sz="800" dirty="0">
+                <a:solidFill>
+                  <a:schemeClr val="tx1"/>
+                </a:solidFill>
+              </a:rPr>
+              <a:t>템플릿 분류</a:t>
+            </a:r>
+          </a:p>
+        </p:txBody>
+      </p:sp>
+      <p:sp>
+        <p:nvSpPr>
+          <p:cNvPr id="105" name="직사각형 104">
+            <a:extLst>
+              <a:ext uri="{FF2B5EF4-FFF2-40B4-BE49-F238E27FC236}">
+                <a16:creationId xmlns:a16="http://schemas.microsoft.com/office/drawing/2014/main" id="{F30B988F-2AD4-47BC-AC8E-1171192943C4}"/>
+              </a:ext>
+            </a:extLst>
+          </p:cNvPr>
+          <p:cNvSpPr/>
+          <p:nvPr/>
+        </p:nvSpPr>
+        <p:spPr>
+          <a:xfrm>
+            <a:off x="5673492" y="2138125"/>
+            <a:ext cx="231494" cy="180000"/>
+          </a:xfrm>
+          <a:prstGeom prst="rect">
+            <a:avLst/>
+          </a:prstGeom>
+          <a:noFill/>
+        </p:spPr>
+        <p:style>
+          <a:lnRef idx="2">
+            <a:schemeClr val="accent1">
+              <a:shade val="50000"/>
+            </a:schemeClr>
+          </a:lnRef>
+          <a:fillRef idx="1">
+            <a:schemeClr val="accent1"/>
+          </a:fillRef>
+          <a:effectRef idx="0">
+            <a:schemeClr val="accent1"/>
+          </a:effectRef>
+          <a:fontRef idx="minor">
+            <a:schemeClr val="lt1"/>
+          </a:fontRef>
+        </p:style>
+        <p:txBody>
+          <a:bodyPr rtlCol="0" anchor="ctr"/>
+          <a:lstStyle/>
+          <a:p>
+            <a:pPr algn="ctr"/>
+            <a:r>
+              <a:rPr lang="en-US" altLang="ko-KR" sz="800" dirty="0">
+                <a:solidFill>
+                  <a:schemeClr val="tx1"/>
+                </a:solidFill>
+              </a:rPr>
+              <a:t>V</a:t>
+            </a:r>
+            <a:endParaRPr lang="ko-KR" altLang="en-US" sz="800" dirty="0">
+              <a:solidFill>
+                <a:schemeClr val="tx1"/>
+              </a:solidFill>
+            </a:endParaRPr>
+          </a:p>
+        </p:txBody>
+      </p:sp>
+      <p:sp>
+        <p:nvSpPr>
+          <p:cNvPr id="108" name="직사각형 107">
+            <a:extLst>
+              <a:ext uri="{FF2B5EF4-FFF2-40B4-BE49-F238E27FC236}">
+                <a16:creationId xmlns:a16="http://schemas.microsoft.com/office/drawing/2014/main" id="{35BC8540-1518-4963-B6FD-4E3AFD67861E}"/>
+              </a:ext>
+            </a:extLst>
+          </p:cNvPr>
+          <p:cNvSpPr/>
+          <p:nvPr/>
+        </p:nvSpPr>
+        <p:spPr>
+          <a:xfrm>
+            <a:off x="2059325" y="1908041"/>
+            <a:ext cx="327033" cy="180000"/>
+          </a:xfrm>
+          <a:prstGeom prst="rect">
+            <a:avLst/>
+          </a:prstGeom>
+          <a:noFill/>
+        </p:spPr>
+        <p:style>
+          <a:lnRef idx="2">
+            <a:schemeClr val="accent1">
+              <a:shade val="50000"/>
+            </a:schemeClr>
+          </a:lnRef>
+          <a:fillRef idx="1">
+            <a:schemeClr val="accent1"/>
+          </a:fillRef>
+          <a:effectRef idx="0">
+            <a:schemeClr val="accent1"/>
+          </a:effectRef>
+          <a:fontRef idx="minor">
+            <a:schemeClr val="lt1"/>
+          </a:fontRef>
+        </p:style>
+        <p:txBody>
+          <a:bodyPr rtlCol="0" anchor="ctr"/>
+          <a:lstStyle/>
+          <a:p>
+            <a:pPr algn="ctr"/>
+            <a:endParaRPr lang="ko-KR" altLang="en-US" sz="800" dirty="0">
+              <a:solidFill>
+                <a:schemeClr val="tx1"/>
+              </a:solidFill>
+            </a:endParaRPr>
+          </a:p>
+        </p:txBody>
+      </p:sp>
+      <p:sp>
+        <p:nvSpPr>
+          <p:cNvPr id="113" name="직사각형 112">
+            <a:extLst>
+              <a:ext uri="{FF2B5EF4-FFF2-40B4-BE49-F238E27FC236}">
+                <a16:creationId xmlns:a16="http://schemas.microsoft.com/office/drawing/2014/main" id="{11A41D7D-FCE4-40DD-8814-43EECD44C4D3}"/>
+              </a:ext>
+            </a:extLst>
+          </p:cNvPr>
+          <p:cNvSpPr/>
+          <p:nvPr/>
+        </p:nvSpPr>
+        <p:spPr>
+          <a:xfrm>
+            <a:off x="1016264" y="3410571"/>
+            <a:ext cx="1044059" cy="180000"/>
+          </a:xfrm>
+          <a:prstGeom prst="rect">
+            <a:avLst/>
+          </a:prstGeom>
+          <a:noFill/>
+          <a:ln>
+            <a:noFill/>
+          </a:ln>
+        </p:spPr>
+        <p:style>
+          <a:lnRef idx="2">
+            <a:schemeClr val="accent1">
+              <a:shade val="50000"/>
+            </a:schemeClr>
+          </a:lnRef>
+          <a:fillRef idx="1">
+            <a:schemeClr val="accent1"/>
+          </a:fillRef>
+          <a:effectRef idx="0">
+            <a:schemeClr val="accent1"/>
+          </a:effectRef>
+          <a:fontRef idx="minor">
+            <a:schemeClr val="lt1"/>
+          </a:fontRef>
+        </p:style>
+        <p:txBody>
+          <a:bodyPr rtlCol="0" anchor="ctr"/>
+          <a:lstStyle/>
+          <a:p>
+            <a:pPr algn="r"/>
+            <a:r>
+              <a:rPr lang="ko-KR" altLang="en-US" sz="800" dirty="0">
+                <a:solidFill>
+                  <a:schemeClr val="tx1"/>
+                </a:solidFill>
+              </a:rPr>
+              <a:t>보존연한</a:t>
+            </a:r>
+            <a:r>
+              <a:rPr lang="en-US" altLang="ko-KR" sz="800" dirty="0">
+                <a:solidFill>
+                  <a:schemeClr val="tx1"/>
+                </a:solidFill>
+              </a:rPr>
+              <a:t>(</a:t>
+            </a:r>
+            <a:r>
+              <a:rPr lang="ko-KR" altLang="en-US" sz="800" dirty="0">
+                <a:solidFill>
+                  <a:schemeClr val="tx1"/>
+                </a:solidFill>
+              </a:rPr>
+              <a:t>년</a:t>
+            </a:r>
+            <a:r>
+              <a:rPr lang="en-US" altLang="ko-KR" sz="800" dirty="0">
+                <a:solidFill>
+                  <a:schemeClr val="tx1"/>
+                </a:solidFill>
+              </a:rPr>
+              <a:t>)</a:t>
+            </a:r>
+            <a:endParaRPr lang="ko-KR" altLang="en-US" sz="800" dirty="0">
+              <a:solidFill>
+                <a:schemeClr val="tx1"/>
+              </a:solidFill>
+            </a:endParaRPr>
+          </a:p>
+        </p:txBody>
+      </p:sp>
+      <p:sp>
+        <p:nvSpPr>
+          <p:cNvPr id="116" name="직사각형 115">
+            <a:extLst>
+              <a:ext uri="{FF2B5EF4-FFF2-40B4-BE49-F238E27FC236}">
+                <a16:creationId xmlns:a16="http://schemas.microsoft.com/office/drawing/2014/main" id="{20E8A706-8E75-40F4-A912-6623D53C7F79}"/>
+              </a:ext>
+            </a:extLst>
+          </p:cNvPr>
+          <p:cNvSpPr/>
+          <p:nvPr/>
+        </p:nvSpPr>
+        <p:spPr>
+          <a:xfrm>
+            <a:off x="996216" y="3733299"/>
+            <a:ext cx="1044059" cy="180000"/>
+          </a:xfrm>
+          <a:prstGeom prst="rect">
+            <a:avLst/>
+          </a:prstGeom>
+          <a:noFill/>
+          <a:ln>
+            <a:noFill/>
+          </a:ln>
+        </p:spPr>
+        <p:style>
+          <a:lnRef idx="2">
+            <a:schemeClr val="accent1">
+              <a:shade val="50000"/>
+            </a:schemeClr>
+          </a:lnRef>
+          <a:fillRef idx="1">
+            <a:schemeClr val="accent1"/>
+          </a:fillRef>
+          <a:effectRef idx="0">
+            <a:schemeClr val="accent1"/>
+          </a:effectRef>
+          <a:fontRef idx="minor">
+            <a:schemeClr val="lt1"/>
+          </a:fontRef>
+        </p:style>
+        <p:txBody>
+          <a:bodyPr rtlCol="0" anchor="ctr"/>
+          <a:lstStyle/>
+          <a:p>
+            <a:pPr algn="r"/>
+            <a:r>
+              <a:rPr lang="ko-KR" altLang="en-US" sz="800" dirty="0">
+                <a:solidFill>
+                  <a:schemeClr val="tx1"/>
+                </a:solidFill>
+              </a:rPr>
+              <a:t>템플릿 양식</a:t>
+            </a:r>
+          </a:p>
+        </p:txBody>
+      </p:sp>
+      <p:sp>
+        <p:nvSpPr>
+          <p:cNvPr id="117" name="직사각형 116">
+            <a:extLst>
+              <a:ext uri="{FF2B5EF4-FFF2-40B4-BE49-F238E27FC236}">
+                <a16:creationId xmlns:a16="http://schemas.microsoft.com/office/drawing/2014/main" id="{DD03E8F6-7D57-4A09-9AB2-93CE4D1C3FA3}"/>
+              </a:ext>
+            </a:extLst>
+          </p:cNvPr>
+          <p:cNvSpPr/>
+          <p:nvPr/>
+        </p:nvSpPr>
+        <p:spPr>
+          <a:xfrm>
+            <a:off x="2063098" y="3733299"/>
+            <a:ext cx="2916592" cy="180000"/>
+          </a:xfrm>
+          <a:prstGeom prst="rect">
+            <a:avLst/>
+          </a:prstGeom>
+          <a:noFill/>
+        </p:spPr>
+        <p:style>
+          <a:lnRef idx="2">
+            <a:schemeClr val="accent1">
+              <a:shade val="50000"/>
+            </a:schemeClr>
+          </a:lnRef>
+          <a:fillRef idx="1">
+            <a:schemeClr val="accent1"/>
+          </a:fillRef>
+          <a:effectRef idx="0">
+            <a:schemeClr val="accent1"/>
+          </a:effectRef>
+          <a:fontRef idx="minor">
+            <a:schemeClr val="lt1"/>
+          </a:fontRef>
+        </p:style>
+        <p:txBody>
+          <a:bodyPr rtlCol="0" anchor="ctr"/>
+          <a:lstStyle/>
+          <a:p>
+            <a:pPr algn="ctr"/>
+            <a:r>
+              <a:rPr lang="en-US" altLang="ko-KR" sz="800" dirty="0">
+                <a:solidFill>
+                  <a:schemeClr val="tx1"/>
+                </a:solidFill>
+              </a:rPr>
+              <a:t>xxxxxxxxxxxxxxxxxxxxx.ppt</a:t>
+            </a:r>
+            <a:endParaRPr lang="ko-KR" altLang="en-US" sz="800" dirty="0">
+              <a:solidFill>
+                <a:schemeClr val="tx1"/>
+              </a:solidFill>
+            </a:endParaRPr>
+          </a:p>
+        </p:txBody>
+      </p:sp>
+      <p:sp>
+        <p:nvSpPr>
+          <p:cNvPr id="118" name="직사각형 117">
+            <a:extLst>
+              <a:ext uri="{FF2B5EF4-FFF2-40B4-BE49-F238E27FC236}">
+                <a16:creationId xmlns:a16="http://schemas.microsoft.com/office/drawing/2014/main" id="{01703F46-F7F0-4BC9-95FF-EEC1D49CB3A1}"/>
+              </a:ext>
+            </a:extLst>
+          </p:cNvPr>
+          <p:cNvSpPr/>
+          <p:nvPr/>
+        </p:nvSpPr>
+        <p:spPr>
+          <a:xfrm>
+            <a:off x="5122448" y="3733299"/>
+            <a:ext cx="234751" cy="180000"/>
+          </a:xfrm>
+          <a:prstGeom prst="rect">
+            <a:avLst/>
+          </a:prstGeom>
+          <a:noFill/>
+        </p:spPr>
+        <p:style>
+          <a:lnRef idx="2">
+            <a:schemeClr val="accent1">
+              <a:shade val="50000"/>
+            </a:schemeClr>
+          </a:lnRef>
+          <a:fillRef idx="1">
+            <a:schemeClr val="accent1"/>
+          </a:fillRef>
+          <a:effectRef idx="0">
+            <a:schemeClr val="accent1"/>
+          </a:effectRef>
+          <a:fontRef idx="minor">
+            <a:schemeClr val="lt1"/>
+          </a:fontRef>
+        </p:style>
+        <p:txBody>
+          <a:bodyPr rtlCol="0" anchor="ctr"/>
+          <a:lstStyle/>
+          <a:p>
+            <a:pPr algn="ctr"/>
+            <a:r>
+              <a:rPr lang="en-US" altLang="ko-KR" sz="800" dirty="0">
+                <a:solidFill>
+                  <a:schemeClr val="tx1"/>
+                </a:solidFill>
+              </a:rPr>
+              <a:t>?</a:t>
+            </a:r>
+            <a:endParaRPr lang="ko-KR" altLang="en-US" sz="800" dirty="0">
+              <a:solidFill>
+                <a:schemeClr val="tx1"/>
+              </a:solidFill>
+            </a:endParaRPr>
+          </a:p>
+        </p:txBody>
+      </p:sp>
+      <p:sp>
+        <p:nvSpPr>
+          <p:cNvPr id="121" name="직사각형 120">
+            <a:extLst>
+              <a:ext uri="{FF2B5EF4-FFF2-40B4-BE49-F238E27FC236}">
+                <a16:creationId xmlns:a16="http://schemas.microsoft.com/office/drawing/2014/main" id="{8CCDE96C-7E8A-4783-945B-A7ABE692D87A}"/>
+              </a:ext>
+            </a:extLst>
+          </p:cNvPr>
+          <p:cNvSpPr/>
+          <p:nvPr/>
+        </p:nvSpPr>
+        <p:spPr>
+          <a:xfrm>
+            <a:off x="5417528" y="3733299"/>
+            <a:ext cx="234751" cy="180000"/>
+          </a:xfrm>
+          <a:prstGeom prst="rect">
+            <a:avLst/>
+          </a:prstGeom>
+          <a:noFill/>
+        </p:spPr>
+        <p:style>
+          <a:lnRef idx="2">
+            <a:schemeClr val="accent1">
+              <a:shade val="50000"/>
+            </a:schemeClr>
+          </a:lnRef>
+          <a:fillRef idx="1">
+            <a:schemeClr val="accent1"/>
+          </a:fillRef>
+          <a:effectRef idx="0">
+            <a:schemeClr val="accent1"/>
+          </a:effectRef>
+          <a:fontRef idx="minor">
+            <a:schemeClr val="lt1"/>
+          </a:fontRef>
+        </p:style>
+        <p:txBody>
+          <a:bodyPr rtlCol="0" anchor="ctr"/>
+          <a:lstStyle/>
+          <a:p>
+            <a:pPr algn="ctr"/>
+            <a:r>
+              <a:rPr lang="en-US" altLang="ko-KR" sz="800" dirty="0">
+                <a:solidFill>
+                  <a:schemeClr val="tx1"/>
+                </a:solidFill>
+              </a:rPr>
+              <a:t>X</a:t>
+            </a:r>
+            <a:endParaRPr lang="ko-KR" altLang="en-US" sz="800" dirty="0">
+              <a:solidFill>
+                <a:schemeClr val="tx1"/>
+              </a:solidFill>
+            </a:endParaRPr>
+          </a:p>
+        </p:txBody>
+      </p:sp>
+      <p:sp>
+        <p:nvSpPr>
+          <p:cNvPr id="122" name="줄무늬가 있는 오른쪽 화살표 1">
+            <a:extLst>
+              <a:ext uri="{FF2B5EF4-FFF2-40B4-BE49-F238E27FC236}">
+                <a16:creationId xmlns:a16="http://schemas.microsoft.com/office/drawing/2014/main" id="{F04DA3DE-99EE-40D7-AB7A-C052100312D7}"/>
+              </a:ext>
+            </a:extLst>
+          </p:cNvPr>
+          <p:cNvSpPr/>
+          <p:nvPr/>
+        </p:nvSpPr>
+        <p:spPr>
+          <a:xfrm rot="5400000">
+            <a:off x="5752293" y="3757214"/>
+            <a:ext cx="227829" cy="180000"/>
+          </a:xfrm>
+          <a:prstGeom prst="stripedRightArrow">
+            <a:avLst/>
+          </a:prstGeom>
+          <a:noFill/>
+        </p:spPr>
+        <p:style>
+          <a:lnRef idx="2">
+            <a:schemeClr val="accent1">
+              <a:shade val="50000"/>
+            </a:schemeClr>
+          </a:lnRef>
+          <a:fillRef idx="1">
+            <a:schemeClr val="accent1"/>
+          </a:fillRef>
+          <a:effectRef idx="0">
+            <a:schemeClr val="accent1"/>
+          </a:effectRef>
+          <a:fontRef idx="minor">
+            <a:schemeClr val="lt1"/>
+          </a:fontRef>
+        </p:style>
+        <p:txBody>
+          <a:bodyPr rtlCol="0" anchor="ctr"/>
+          <a:lstStyle/>
+          <a:p>
+            <a:pPr algn="ctr"/>
+            <a:endParaRPr lang="ko-KR" altLang="en-US" sz="800"/>
+          </a:p>
+        </p:txBody>
+      </p:sp>
+      <p:sp>
+        <p:nvSpPr>
+          <p:cNvPr id="124" name="직사각형 123">
+            <a:extLst>
+              <a:ext uri="{FF2B5EF4-FFF2-40B4-BE49-F238E27FC236}">
+                <a16:creationId xmlns:a16="http://schemas.microsoft.com/office/drawing/2014/main" id="{CD450528-39CF-4EE7-858D-81AA9D4FC9B1}"/>
+              </a:ext>
+            </a:extLst>
+          </p:cNvPr>
+          <p:cNvSpPr/>
+          <p:nvPr/>
+        </p:nvSpPr>
+        <p:spPr>
+          <a:xfrm>
+            <a:off x="1015266" y="4057149"/>
+            <a:ext cx="1044059" cy="180000"/>
+          </a:xfrm>
+          <a:prstGeom prst="rect">
+            <a:avLst/>
+          </a:prstGeom>
+          <a:noFill/>
+          <a:ln>
+            <a:noFill/>
+          </a:ln>
+        </p:spPr>
+        <p:style>
+          <a:lnRef idx="2">
+            <a:schemeClr val="accent1">
+              <a:shade val="50000"/>
+            </a:schemeClr>
+          </a:lnRef>
+          <a:fillRef idx="1">
+            <a:schemeClr val="accent1"/>
+          </a:fillRef>
+          <a:effectRef idx="0">
+            <a:schemeClr val="accent1"/>
+          </a:effectRef>
+          <a:fontRef idx="minor">
+            <a:schemeClr val="lt1"/>
+          </a:fontRef>
+        </p:style>
+        <p:txBody>
+          <a:bodyPr rtlCol="0" anchor="ctr"/>
+          <a:lstStyle/>
+          <a:p>
+            <a:pPr algn="r"/>
+            <a:r>
+              <a:rPr lang="ko-KR" altLang="en-US" sz="800" dirty="0">
+                <a:solidFill>
+                  <a:schemeClr val="tx1"/>
+                </a:solidFill>
+              </a:rPr>
+              <a:t>연결 </a:t>
+            </a:r>
+            <a:r>
+              <a:rPr lang="en-US" altLang="ko-KR" sz="800" dirty="0">
+                <a:solidFill>
+                  <a:schemeClr val="tx1"/>
+                </a:solidFill>
+              </a:rPr>
+              <a:t>URL</a:t>
+            </a:r>
+            <a:endParaRPr lang="ko-KR" altLang="en-US" sz="800" dirty="0">
+              <a:solidFill>
+                <a:schemeClr val="tx1"/>
+              </a:solidFill>
+            </a:endParaRPr>
+          </a:p>
+        </p:txBody>
+      </p:sp>
+      <p:sp>
+        <p:nvSpPr>
+          <p:cNvPr id="125" name="직사각형 124">
+            <a:extLst>
+              <a:ext uri="{FF2B5EF4-FFF2-40B4-BE49-F238E27FC236}">
+                <a16:creationId xmlns:a16="http://schemas.microsoft.com/office/drawing/2014/main" id="{E762E04A-C090-491D-922D-540ABDE86491}"/>
+              </a:ext>
+            </a:extLst>
+          </p:cNvPr>
+          <p:cNvSpPr/>
+          <p:nvPr/>
+        </p:nvSpPr>
+        <p:spPr>
+          <a:xfrm>
+            <a:off x="2082148" y="4057149"/>
+            <a:ext cx="2916592" cy="180000"/>
+          </a:xfrm>
+          <a:prstGeom prst="rect">
+            <a:avLst/>
+          </a:prstGeom>
+          <a:noFill/>
+        </p:spPr>
+        <p:style>
+          <a:lnRef idx="2">
+            <a:schemeClr val="accent1">
+              <a:shade val="50000"/>
+            </a:schemeClr>
+          </a:lnRef>
+          <a:fillRef idx="1">
+            <a:schemeClr val="accent1"/>
+          </a:fillRef>
+          <a:effectRef idx="0">
+            <a:schemeClr val="accent1"/>
+          </a:effectRef>
+          <a:fontRef idx="minor">
+            <a:schemeClr val="lt1"/>
+          </a:fontRef>
+        </p:style>
+        <p:txBody>
+          <a:bodyPr rtlCol="0" anchor="ctr"/>
+          <a:lstStyle/>
+          <a:p>
+            <a:pPr algn="ctr"/>
+            <a:endParaRPr lang="ko-KR" altLang="en-US" sz="800" dirty="0">
+              <a:solidFill>
+                <a:schemeClr val="tx1"/>
+              </a:solidFill>
+            </a:endParaRPr>
+          </a:p>
+        </p:txBody>
+      </p:sp>
+      <p:sp>
+        <p:nvSpPr>
+          <p:cNvPr id="126" name="직사각형 125">
+            <a:extLst>
+              <a:ext uri="{FF2B5EF4-FFF2-40B4-BE49-F238E27FC236}">
+                <a16:creationId xmlns:a16="http://schemas.microsoft.com/office/drawing/2014/main" id="{B50134C3-A47D-4AED-BE23-9231D341A67B}"/>
+              </a:ext>
+            </a:extLst>
+          </p:cNvPr>
+          <p:cNvSpPr/>
+          <p:nvPr/>
+        </p:nvSpPr>
+        <p:spPr>
+          <a:xfrm>
+            <a:off x="1083364" y="1573617"/>
+            <a:ext cx="1044059" cy="180000"/>
+          </a:xfrm>
+          <a:prstGeom prst="rect">
+            <a:avLst/>
+          </a:prstGeom>
+          <a:noFill/>
+          <a:ln>
+            <a:noFill/>
+          </a:ln>
+        </p:spPr>
+        <p:style>
+          <a:lnRef idx="2">
+            <a:schemeClr val="accent1">
+              <a:shade val="50000"/>
+            </a:schemeClr>
+          </a:lnRef>
+          <a:fillRef idx="1">
+            <a:schemeClr val="accent1"/>
+          </a:fillRef>
+          <a:effectRef idx="0">
+            <a:schemeClr val="accent1"/>
+          </a:effectRef>
+          <a:fontRef idx="minor">
+            <a:schemeClr val="lt1"/>
+          </a:fontRef>
+        </p:style>
+        <p:txBody>
+          <a:bodyPr rtlCol="0" anchor="ctr"/>
+          <a:lstStyle/>
+          <a:p>
+            <a:pPr algn="r"/>
+            <a:r>
+              <a:rPr lang="ko-KR" altLang="en-US" sz="800" dirty="0">
+                <a:solidFill>
+                  <a:schemeClr val="tx1"/>
+                </a:solidFill>
+              </a:rPr>
+              <a:t>등록자</a:t>
+            </a:r>
+            <a:r>
+              <a:rPr lang="en-US" altLang="ko-KR" sz="800" dirty="0">
+                <a:solidFill>
+                  <a:schemeClr val="tx1"/>
+                </a:solidFill>
+              </a:rPr>
+              <a:t>/</a:t>
+            </a:r>
+            <a:r>
+              <a:rPr lang="ko-KR" altLang="en-US" sz="800" dirty="0">
+                <a:solidFill>
+                  <a:schemeClr val="tx1"/>
+                </a:solidFill>
+              </a:rPr>
+              <a:t>일시</a:t>
+            </a:r>
+          </a:p>
+        </p:txBody>
+      </p:sp>
+      <p:sp>
+        <p:nvSpPr>
+          <p:cNvPr id="127" name="직사각형 126">
+            <a:extLst>
+              <a:ext uri="{FF2B5EF4-FFF2-40B4-BE49-F238E27FC236}">
+                <a16:creationId xmlns:a16="http://schemas.microsoft.com/office/drawing/2014/main" id="{7FF21E66-6B56-42A0-9801-824C69F26043}"/>
+              </a:ext>
+            </a:extLst>
+          </p:cNvPr>
+          <p:cNvSpPr/>
+          <p:nvPr/>
+        </p:nvSpPr>
+        <p:spPr>
+          <a:xfrm>
+            <a:off x="2091568" y="1563360"/>
+            <a:ext cx="3805415" cy="180000"/>
+          </a:xfrm>
+          <a:prstGeom prst="rect">
+            <a:avLst/>
+          </a:prstGeom>
+          <a:solidFill>
+            <a:schemeClr val="bg1">
+              <a:lumMod val="95000"/>
+            </a:schemeClr>
+          </a:solidFill>
+        </p:spPr>
+        <p:style>
+          <a:lnRef idx="2">
+            <a:schemeClr val="accent1">
+              <a:shade val="50000"/>
+            </a:schemeClr>
+          </a:lnRef>
+          <a:fillRef idx="1">
+            <a:schemeClr val="accent1"/>
+          </a:fillRef>
+          <a:effectRef idx="0">
+            <a:schemeClr val="accent1"/>
+          </a:effectRef>
+          <a:fontRef idx="minor">
+            <a:schemeClr val="lt1"/>
+          </a:fontRef>
+        </p:style>
+        <p:txBody>
+          <a:bodyPr rtlCol="0" anchor="ctr"/>
+          <a:lstStyle/>
+          <a:p>
+            <a:pPr algn="ctr"/>
+            <a:r>
+              <a:rPr lang="ko-KR" altLang="en-US" sz="800" dirty="0" err="1">
+                <a:solidFill>
+                  <a:schemeClr val="tx1"/>
+                </a:solidFill>
+              </a:rPr>
+              <a:t>등록일시</a:t>
+            </a:r>
+            <a:r>
+              <a:rPr lang="ko-KR" altLang="en-US" sz="800" dirty="0">
+                <a:solidFill>
+                  <a:schemeClr val="tx1"/>
+                </a:solidFill>
+              </a:rPr>
+              <a:t> 이름 소속</a:t>
+            </a:r>
+          </a:p>
+        </p:txBody>
+      </p:sp>
+      <p:sp>
+        <p:nvSpPr>
+          <p:cNvPr id="128" name="직사각형 127">
+            <a:extLst>
+              <a:ext uri="{FF2B5EF4-FFF2-40B4-BE49-F238E27FC236}">
+                <a16:creationId xmlns:a16="http://schemas.microsoft.com/office/drawing/2014/main" id="{7F579F0E-B111-4922-B11D-B3C462FADCFD}"/>
+              </a:ext>
+            </a:extLst>
+          </p:cNvPr>
           <p:cNvSpPr/>
           <p:nvPr/>
         </p:nvSpPr>
@@ -36850,63 +37579,19 @@
       </p:sp>
       <p:sp>
         <p:nvSpPr>
-          <p:cNvPr id="68" name="직사각형 67"/>
+          <p:cNvPr id="129" name="직사각형 128">
+            <a:extLst>
+              <a:ext uri="{FF2B5EF4-FFF2-40B4-BE49-F238E27FC236}">
+                <a16:creationId xmlns:a16="http://schemas.microsoft.com/office/drawing/2014/main" id="{96326DE7-D549-4076-BA3D-16286C9F40D4}"/>
+              </a:ext>
+            </a:extLst>
+          </p:cNvPr>
           <p:cNvSpPr/>
           <p:nvPr/>
         </p:nvSpPr>
         <p:spPr>
           <a:xfrm>
-            <a:off x="1510592" y="150893"/>
-            <a:ext cx="2184751" cy="180000"/>
-          </a:xfrm>
-          <a:prstGeom prst="rect">
-            <a:avLst/>
-          </a:prstGeom>
-          <a:noFill/>
-          <a:ln>
-            <a:noFill/>
-          </a:ln>
-        </p:spPr>
-        <p:style>
-          <a:lnRef idx="2">
-            <a:schemeClr val="accent1">
-              <a:shade val="50000"/>
-            </a:schemeClr>
-          </a:lnRef>
-          <a:fillRef idx="1">
-            <a:schemeClr val="accent1"/>
-          </a:fillRef>
-          <a:effectRef idx="0">
-            <a:schemeClr val="accent1"/>
-          </a:effectRef>
-          <a:fontRef idx="minor">
-            <a:schemeClr val="lt1"/>
-          </a:fontRef>
-        </p:style>
-        <p:txBody>
-          <a:bodyPr rtlCol="0" anchor="ctr"/>
-          <a:lstStyle/>
-          <a:p>
-            <a:r>
-              <a:rPr lang="ko-KR" altLang="en-US" sz="800" dirty="0">
-                <a:solidFill>
-                  <a:schemeClr val="tx1"/>
-                </a:solidFill>
-              </a:rPr>
-              <a:t>안전 서류 템플릿 등록</a:t>
-            </a:r>
-          </a:p>
-        </p:txBody>
-      </p:sp>
-      <p:sp>
-        <p:nvSpPr>
-          <p:cNvPr id="77" name="직사각형 76"/>
-          <p:cNvSpPr/>
-          <p:nvPr/>
-        </p:nvSpPr>
-        <p:spPr>
-          <a:xfrm>
-            <a:off x="2059325" y="4008907"/>
+            <a:off x="2059325" y="3428610"/>
             <a:ext cx="719019" cy="180000"/>
           </a:xfrm>
           <a:prstGeom prst="rect">
@@ -36945,13 +37630,19 @@
       </p:sp>
       <p:sp>
         <p:nvSpPr>
-          <p:cNvPr id="78" name="직사각형 77"/>
+          <p:cNvPr id="130" name="직사각형 129">
+            <a:extLst>
+              <a:ext uri="{FF2B5EF4-FFF2-40B4-BE49-F238E27FC236}">
+                <a16:creationId xmlns:a16="http://schemas.microsoft.com/office/drawing/2014/main" id="{9327C6E5-ABD0-4ED0-AECA-D9D3462024CA}"/>
+              </a:ext>
+            </a:extLst>
+          </p:cNvPr>
           <p:cNvSpPr/>
           <p:nvPr/>
         </p:nvSpPr>
         <p:spPr>
           <a:xfrm>
-            <a:off x="1041480" y="2495948"/>
+            <a:off x="1041480" y="1915651"/>
             <a:ext cx="1044059" cy="180000"/>
           </a:xfrm>
           <a:prstGeom prst="rect">
@@ -36996,13 +37687,19 @@
       </p:sp>
       <p:sp>
         <p:nvSpPr>
-          <p:cNvPr id="81" name="직사각형 80"/>
+          <p:cNvPr id="131" name="직사각형 130">
+            <a:extLst>
+              <a:ext uri="{FF2B5EF4-FFF2-40B4-BE49-F238E27FC236}">
+                <a16:creationId xmlns:a16="http://schemas.microsoft.com/office/drawing/2014/main" id="{76B3E8C7-9DB7-4A5E-90C4-1DC1C6D39195}"/>
+              </a:ext>
+            </a:extLst>
+          </p:cNvPr>
           <p:cNvSpPr/>
           <p:nvPr/>
         </p:nvSpPr>
         <p:spPr>
           <a:xfrm>
-            <a:off x="2762565" y="4008907"/>
+            <a:off x="2762565" y="3428610"/>
             <a:ext cx="231494" cy="180000"/>
           </a:xfrm>
           <a:prstGeom prst="rect">
@@ -37049,7 +37746,13 @@
       </p:sp>
       <p:sp>
         <p:nvSpPr>
-          <p:cNvPr id="36" name="직사각형 35"/>
+          <p:cNvPr id="132" name="직사각형 131">
+            <a:extLst>
+              <a:ext uri="{FF2B5EF4-FFF2-40B4-BE49-F238E27FC236}">
+                <a16:creationId xmlns:a16="http://schemas.microsoft.com/office/drawing/2014/main" id="{B19BB06F-F2EC-4CB5-BE38-CD58A7A60815}"/>
+              </a:ext>
+            </a:extLst>
+          </p:cNvPr>
           <p:cNvSpPr/>
           <p:nvPr/>
         </p:nvSpPr>
@@ -37092,7 +37795,13 @@
       </p:sp>
       <p:sp>
         <p:nvSpPr>
-          <p:cNvPr id="38" name="직사각형 37"/>
+          <p:cNvPr id="133" name="직사각형 132">
+            <a:extLst>
+              <a:ext uri="{FF2B5EF4-FFF2-40B4-BE49-F238E27FC236}">
+                <a16:creationId xmlns:a16="http://schemas.microsoft.com/office/drawing/2014/main" id="{B15E2D34-0213-4DFE-8C6F-F3BA0A16DCCF}"/>
+              </a:ext>
+            </a:extLst>
+          </p:cNvPr>
           <p:cNvSpPr/>
           <p:nvPr/>
         </p:nvSpPr>
@@ -37132,6 +37841,863 @@
                 <a:schemeClr val="tx1"/>
               </a:solidFill>
             </a:endParaRPr>
+          </a:p>
+        </p:txBody>
+      </p:sp>
+      <p:sp>
+        <p:nvSpPr>
+          <p:cNvPr id="134" name="직사각형 133">
+            <a:extLst>
+              <a:ext uri="{FF2B5EF4-FFF2-40B4-BE49-F238E27FC236}">
+                <a16:creationId xmlns:a16="http://schemas.microsoft.com/office/drawing/2014/main" id="{2C708154-3F7A-442C-B221-70BF4A2AD8EC}"/>
+              </a:ext>
+            </a:extLst>
+          </p:cNvPr>
+          <p:cNvSpPr/>
+          <p:nvPr/>
+        </p:nvSpPr>
+        <p:spPr>
+          <a:xfrm>
+            <a:off x="1019198" y="3114560"/>
+            <a:ext cx="1044059" cy="180000"/>
+          </a:xfrm>
+          <a:prstGeom prst="rect">
+            <a:avLst/>
+          </a:prstGeom>
+          <a:noFill/>
+          <a:ln>
+            <a:noFill/>
+          </a:ln>
+        </p:spPr>
+        <p:style>
+          <a:lnRef idx="2">
+            <a:schemeClr val="accent1">
+              <a:shade val="50000"/>
+            </a:schemeClr>
+          </a:lnRef>
+          <a:fillRef idx="1">
+            <a:schemeClr val="accent1"/>
+          </a:fillRef>
+          <a:effectRef idx="0">
+            <a:schemeClr val="accent1"/>
+          </a:effectRef>
+          <a:fontRef idx="minor">
+            <a:schemeClr val="lt1"/>
+          </a:fontRef>
+        </p:style>
+        <p:txBody>
+          <a:bodyPr rtlCol="0" anchor="ctr"/>
+          <a:lstStyle/>
+          <a:p>
+            <a:pPr algn="r"/>
+            <a:r>
+              <a:rPr lang="ko-KR" altLang="en-US" sz="800" dirty="0">
+                <a:solidFill>
+                  <a:schemeClr val="tx1"/>
+                </a:solidFill>
+              </a:rPr>
+              <a:t>작성주기</a:t>
+            </a:r>
+          </a:p>
+        </p:txBody>
+      </p:sp>
+      <p:sp>
+        <p:nvSpPr>
+          <p:cNvPr id="135" name="직사각형 134">
+            <a:extLst>
+              <a:ext uri="{FF2B5EF4-FFF2-40B4-BE49-F238E27FC236}">
+                <a16:creationId xmlns:a16="http://schemas.microsoft.com/office/drawing/2014/main" id="{4E07973B-7E04-4C76-93E5-583B40B2059F}"/>
+              </a:ext>
+            </a:extLst>
+          </p:cNvPr>
+          <p:cNvSpPr/>
+          <p:nvPr/>
+        </p:nvSpPr>
+        <p:spPr>
+          <a:xfrm>
+            <a:off x="2062259" y="3132599"/>
+            <a:ext cx="719019" cy="180000"/>
+          </a:xfrm>
+          <a:prstGeom prst="rect">
+            <a:avLst/>
+          </a:prstGeom>
+          <a:noFill/>
+        </p:spPr>
+        <p:style>
+          <a:lnRef idx="2">
+            <a:schemeClr val="accent1">
+              <a:shade val="50000"/>
+            </a:schemeClr>
+          </a:lnRef>
+          <a:fillRef idx="1">
+            <a:schemeClr val="accent1"/>
+          </a:fillRef>
+          <a:effectRef idx="0">
+            <a:schemeClr val="accent1"/>
+          </a:effectRef>
+          <a:fontRef idx="minor">
+            <a:schemeClr val="lt1"/>
+          </a:fontRef>
+        </p:style>
+        <p:txBody>
+          <a:bodyPr rtlCol="0" anchor="ctr"/>
+          <a:lstStyle/>
+          <a:p>
+            <a:pPr algn="ctr"/>
+            <a:endParaRPr lang="ko-KR" altLang="en-US" sz="800" dirty="0">
+              <a:solidFill>
+                <a:schemeClr val="tx1"/>
+              </a:solidFill>
+            </a:endParaRPr>
+          </a:p>
+        </p:txBody>
+      </p:sp>
+      <p:sp>
+        <p:nvSpPr>
+          <p:cNvPr id="136" name="직사각형 135">
+            <a:extLst>
+              <a:ext uri="{FF2B5EF4-FFF2-40B4-BE49-F238E27FC236}">
+                <a16:creationId xmlns:a16="http://schemas.microsoft.com/office/drawing/2014/main" id="{52684656-B48F-4CB5-928A-658A743E4A1C}"/>
+              </a:ext>
+            </a:extLst>
+          </p:cNvPr>
+          <p:cNvSpPr/>
+          <p:nvPr/>
+        </p:nvSpPr>
+        <p:spPr>
+          <a:xfrm>
+            <a:off x="2765499" y="3132599"/>
+            <a:ext cx="231494" cy="180000"/>
+          </a:xfrm>
+          <a:prstGeom prst="rect">
+            <a:avLst/>
+          </a:prstGeom>
+          <a:noFill/>
+        </p:spPr>
+        <p:style>
+          <a:lnRef idx="2">
+            <a:schemeClr val="accent1">
+              <a:shade val="50000"/>
+            </a:schemeClr>
+          </a:lnRef>
+          <a:fillRef idx="1">
+            <a:schemeClr val="accent1"/>
+          </a:fillRef>
+          <a:effectRef idx="0">
+            <a:schemeClr val="accent1"/>
+          </a:effectRef>
+          <a:fontRef idx="minor">
+            <a:schemeClr val="lt1"/>
+          </a:fontRef>
+        </p:style>
+        <p:txBody>
+          <a:bodyPr rtlCol="0" anchor="ctr"/>
+          <a:lstStyle/>
+          <a:p>
+            <a:pPr algn="ctr"/>
+            <a:r>
+              <a:rPr lang="en-US" altLang="ko-KR" sz="800" dirty="0">
+                <a:solidFill>
+                  <a:schemeClr val="tx1"/>
+                </a:solidFill>
+              </a:rPr>
+              <a:t>V</a:t>
+            </a:r>
+            <a:endParaRPr lang="ko-KR" altLang="en-US" sz="800" dirty="0">
+              <a:solidFill>
+                <a:schemeClr val="tx1"/>
+              </a:solidFill>
+            </a:endParaRPr>
+          </a:p>
+        </p:txBody>
+      </p:sp>
+      <p:sp>
+        <p:nvSpPr>
+          <p:cNvPr id="137" name="직사각형 136">
+            <a:extLst>
+              <a:ext uri="{FF2B5EF4-FFF2-40B4-BE49-F238E27FC236}">
+                <a16:creationId xmlns:a16="http://schemas.microsoft.com/office/drawing/2014/main" id="{ED0779C7-813D-463E-9404-C41EDC6FABAE}"/>
+              </a:ext>
+            </a:extLst>
+          </p:cNvPr>
+          <p:cNvSpPr/>
+          <p:nvPr/>
+        </p:nvSpPr>
+        <p:spPr>
+          <a:xfrm>
+            <a:off x="2038460" y="4397791"/>
+            <a:ext cx="2287616" cy="180000"/>
+          </a:xfrm>
+          <a:prstGeom prst="rect">
+            <a:avLst/>
+          </a:prstGeom>
+          <a:noFill/>
+        </p:spPr>
+        <p:style>
+          <a:lnRef idx="2">
+            <a:schemeClr val="accent1">
+              <a:shade val="50000"/>
+            </a:schemeClr>
+          </a:lnRef>
+          <a:fillRef idx="1">
+            <a:schemeClr val="accent1"/>
+          </a:fillRef>
+          <a:effectRef idx="0">
+            <a:schemeClr val="accent1"/>
+          </a:effectRef>
+          <a:fontRef idx="minor">
+            <a:schemeClr val="lt1"/>
+          </a:fontRef>
+        </p:style>
+        <p:txBody>
+          <a:bodyPr rtlCol="0" anchor="ctr"/>
+          <a:lstStyle/>
+          <a:p>
+            <a:r>
+              <a:rPr lang="ko-KR" altLang="en-US" sz="800" dirty="0" err="1">
+                <a:solidFill>
+                  <a:schemeClr val="tx1"/>
+                </a:solidFill>
+              </a:rPr>
+              <a:t>ㅇㅇ</a:t>
+            </a:r>
+            <a:endParaRPr lang="en-US" altLang="ko-KR" sz="800" dirty="0">
+              <a:solidFill>
+                <a:schemeClr val="tx1"/>
+              </a:solidFill>
+            </a:endParaRPr>
+          </a:p>
+        </p:txBody>
+      </p:sp>
+      <p:sp>
+        <p:nvSpPr>
+          <p:cNvPr id="138" name="직사각형 137">
+            <a:extLst>
+              <a:ext uri="{FF2B5EF4-FFF2-40B4-BE49-F238E27FC236}">
+                <a16:creationId xmlns:a16="http://schemas.microsoft.com/office/drawing/2014/main" id="{BDEDBDA8-E83C-49DC-A057-EBADEB6EF349}"/>
+              </a:ext>
+            </a:extLst>
+          </p:cNvPr>
+          <p:cNvSpPr/>
+          <p:nvPr/>
+        </p:nvSpPr>
+        <p:spPr>
+          <a:xfrm>
+            <a:off x="994401" y="4397791"/>
+            <a:ext cx="1044059" cy="180000"/>
+          </a:xfrm>
+          <a:prstGeom prst="rect">
+            <a:avLst/>
+          </a:prstGeom>
+          <a:noFill/>
+          <a:ln>
+            <a:noFill/>
+          </a:ln>
+        </p:spPr>
+        <p:style>
+          <a:lnRef idx="2">
+            <a:schemeClr val="accent1">
+              <a:shade val="50000"/>
+            </a:schemeClr>
+          </a:lnRef>
+          <a:fillRef idx="1">
+            <a:schemeClr val="accent1"/>
+          </a:fillRef>
+          <a:effectRef idx="0">
+            <a:schemeClr val="accent1"/>
+          </a:effectRef>
+          <a:fontRef idx="minor">
+            <a:schemeClr val="lt1"/>
+          </a:fontRef>
+        </p:style>
+        <p:txBody>
+          <a:bodyPr rtlCol="0" anchor="ctr"/>
+          <a:lstStyle/>
+          <a:p>
+            <a:pPr algn="r"/>
+            <a:r>
+              <a:rPr lang="ko-KR" altLang="en-US" sz="800" dirty="0">
+                <a:solidFill>
+                  <a:schemeClr val="tx1"/>
+                </a:solidFill>
+              </a:rPr>
+              <a:t>결재선</a:t>
+            </a:r>
+          </a:p>
+        </p:txBody>
+      </p:sp>
+      <p:sp>
+        <p:nvSpPr>
+          <p:cNvPr id="139" name="직사각형 138">
+            <a:extLst>
+              <a:ext uri="{FF2B5EF4-FFF2-40B4-BE49-F238E27FC236}">
+                <a16:creationId xmlns:a16="http://schemas.microsoft.com/office/drawing/2014/main" id="{8090B7AE-4195-4B26-978C-6E7A5C521FB2}"/>
+              </a:ext>
+            </a:extLst>
+          </p:cNvPr>
+          <p:cNvSpPr/>
+          <p:nvPr/>
+        </p:nvSpPr>
+        <p:spPr>
+          <a:xfrm>
+            <a:off x="4326076" y="4397791"/>
+            <a:ext cx="233104" cy="180000"/>
+          </a:xfrm>
+          <a:prstGeom prst="rect">
+            <a:avLst/>
+          </a:prstGeom>
+          <a:noFill/>
+        </p:spPr>
+        <p:style>
+          <a:lnRef idx="2">
+            <a:schemeClr val="accent1">
+              <a:shade val="50000"/>
+            </a:schemeClr>
+          </a:lnRef>
+          <a:fillRef idx="1">
+            <a:schemeClr val="accent1"/>
+          </a:fillRef>
+          <a:effectRef idx="0">
+            <a:schemeClr val="accent1"/>
+          </a:effectRef>
+          <a:fontRef idx="minor">
+            <a:schemeClr val="lt1"/>
+          </a:fontRef>
+        </p:style>
+        <p:txBody>
+          <a:bodyPr rtlCol="0" anchor="ctr"/>
+          <a:lstStyle/>
+          <a:p>
+            <a:r>
+              <a:rPr lang="en-US" altLang="ko-KR" sz="800" dirty="0">
+                <a:solidFill>
+                  <a:schemeClr val="tx1"/>
+                </a:solidFill>
+              </a:rPr>
+              <a:t>V</a:t>
+            </a:r>
+          </a:p>
+        </p:txBody>
+      </p:sp>
+      <p:sp>
+        <p:nvSpPr>
+          <p:cNvPr id="140" name="직사각형 139">
+            <a:extLst>
+              <a:ext uri="{FF2B5EF4-FFF2-40B4-BE49-F238E27FC236}">
+                <a16:creationId xmlns:a16="http://schemas.microsoft.com/office/drawing/2014/main" id="{B9180D57-84AB-4306-9DFA-F9EC0A3BB848}"/>
+              </a:ext>
+            </a:extLst>
+          </p:cNvPr>
+          <p:cNvSpPr/>
+          <p:nvPr/>
+        </p:nvSpPr>
+        <p:spPr>
+          <a:xfrm>
+            <a:off x="2038460" y="4602324"/>
+            <a:ext cx="2287616" cy="180000"/>
+          </a:xfrm>
+          <a:prstGeom prst="rect">
+            <a:avLst/>
+          </a:prstGeom>
+          <a:noFill/>
+        </p:spPr>
+        <p:style>
+          <a:lnRef idx="2">
+            <a:schemeClr val="accent1">
+              <a:shade val="50000"/>
+            </a:schemeClr>
+          </a:lnRef>
+          <a:fillRef idx="1">
+            <a:schemeClr val="accent1"/>
+          </a:fillRef>
+          <a:effectRef idx="0">
+            <a:schemeClr val="accent1"/>
+          </a:effectRef>
+          <a:fontRef idx="minor">
+            <a:schemeClr val="lt1"/>
+          </a:fontRef>
+        </p:style>
+        <p:txBody>
+          <a:bodyPr rtlCol="0" anchor="ctr"/>
+          <a:lstStyle/>
+          <a:p>
+            <a:r>
+              <a:rPr lang="ko-KR" altLang="en-US" sz="800" dirty="0" err="1">
+                <a:solidFill>
+                  <a:schemeClr val="tx1"/>
+                </a:solidFill>
+              </a:rPr>
+              <a:t>ㅇㅇ</a:t>
+            </a:r>
+            <a:endParaRPr lang="en-US" altLang="ko-KR" sz="800" dirty="0">
+              <a:solidFill>
+                <a:schemeClr val="tx1"/>
+              </a:solidFill>
+            </a:endParaRPr>
+          </a:p>
+        </p:txBody>
+      </p:sp>
+      <p:sp>
+        <p:nvSpPr>
+          <p:cNvPr id="141" name="직사각형 140">
+            <a:extLst>
+              <a:ext uri="{FF2B5EF4-FFF2-40B4-BE49-F238E27FC236}">
+                <a16:creationId xmlns:a16="http://schemas.microsoft.com/office/drawing/2014/main" id="{2D4FFC08-5C8E-49BC-9869-7C66C2305E32}"/>
+              </a:ext>
+            </a:extLst>
+          </p:cNvPr>
+          <p:cNvSpPr/>
+          <p:nvPr/>
+        </p:nvSpPr>
+        <p:spPr>
+          <a:xfrm>
+            <a:off x="4326076" y="4602324"/>
+            <a:ext cx="233104" cy="180000"/>
+          </a:xfrm>
+          <a:prstGeom prst="rect">
+            <a:avLst/>
+          </a:prstGeom>
+          <a:noFill/>
+        </p:spPr>
+        <p:style>
+          <a:lnRef idx="2">
+            <a:schemeClr val="accent1">
+              <a:shade val="50000"/>
+            </a:schemeClr>
+          </a:lnRef>
+          <a:fillRef idx="1">
+            <a:schemeClr val="accent1"/>
+          </a:fillRef>
+          <a:effectRef idx="0">
+            <a:schemeClr val="accent1"/>
+          </a:effectRef>
+          <a:fontRef idx="minor">
+            <a:schemeClr val="lt1"/>
+          </a:fontRef>
+        </p:style>
+        <p:txBody>
+          <a:bodyPr rtlCol="0" anchor="ctr"/>
+          <a:lstStyle/>
+          <a:p>
+            <a:r>
+              <a:rPr lang="en-US" altLang="ko-KR" sz="800" dirty="0">
+                <a:solidFill>
+                  <a:schemeClr val="tx1"/>
+                </a:solidFill>
+              </a:rPr>
+              <a:t>V</a:t>
+            </a:r>
+          </a:p>
+        </p:txBody>
+      </p:sp>
+      <p:sp>
+        <p:nvSpPr>
+          <p:cNvPr id="142" name="직사각형 141">
+            <a:extLst>
+              <a:ext uri="{FF2B5EF4-FFF2-40B4-BE49-F238E27FC236}">
+                <a16:creationId xmlns:a16="http://schemas.microsoft.com/office/drawing/2014/main" id="{DD5D51DB-C780-456D-B50D-3CA0440467A8}"/>
+              </a:ext>
+            </a:extLst>
+          </p:cNvPr>
+          <p:cNvSpPr/>
+          <p:nvPr/>
+        </p:nvSpPr>
+        <p:spPr>
+          <a:xfrm>
+            <a:off x="2038460" y="4806717"/>
+            <a:ext cx="2287616" cy="180000"/>
+          </a:xfrm>
+          <a:prstGeom prst="rect">
+            <a:avLst/>
+          </a:prstGeom>
+          <a:noFill/>
+        </p:spPr>
+        <p:style>
+          <a:lnRef idx="2">
+            <a:schemeClr val="accent1">
+              <a:shade val="50000"/>
+            </a:schemeClr>
+          </a:lnRef>
+          <a:fillRef idx="1">
+            <a:schemeClr val="accent1"/>
+          </a:fillRef>
+          <a:effectRef idx="0">
+            <a:schemeClr val="accent1"/>
+          </a:effectRef>
+          <a:fontRef idx="minor">
+            <a:schemeClr val="lt1"/>
+          </a:fontRef>
+        </p:style>
+        <p:txBody>
+          <a:bodyPr rtlCol="0" anchor="ctr"/>
+          <a:lstStyle/>
+          <a:p>
+            <a:r>
+              <a:rPr lang="ko-KR" altLang="en-US" sz="800" dirty="0" err="1">
+                <a:solidFill>
+                  <a:schemeClr val="tx1"/>
+                </a:solidFill>
+              </a:rPr>
+              <a:t>ㅇㅇ</a:t>
+            </a:r>
+            <a:endParaRPr lang="en-US" altLang="ko-KR" sz="800" dirty="0">
+              <a:solidFill>
+                <a:schemeClr val="tx1"/>
+              </a:solidFill>
+            </a:endParaRPr>
+          </a:p>
+        </p:txBody>
+      </p:sp>
+      <p:sp>
+        <p:nvSpPr>
+          <p:cNvPr id="143" name="직사각형 142">
+            <a:extLst>
+              <a:ext uri="{FF2B5EF4-FFF2-40B4-BE49-F238E27FC236}">
+                <a16:creationId xmlns:a16="http://schemas.microsoft.com/office/drawing/2014/main" id="{5232CEE8-02CF-4EBB-AB80-A003B3B4A82B}"/>
+              </a:ext>
+            </a:extLst>
+          </p:cNvPr>
+          <p:cNvSpPr/>
+          <p:nvPr/>
+        </p:nvSpPr>
+        <p:spPr>
+          <a:xfrm>
+            <a:off x="4326076" y="4806717"/>
+            <a:ext cx="233104" cy="180000"/>
+          </a:xfrm>
+          <a:prstGeom prst="rect">
+            <a:avLst/>
+          </a:prstGeom>
+          <a:noFill/>
+        </p:spPr>
+        <p:style>
+          <a:lnRef idx="2">
+            <a:schemeClr val="accent1">
+              <a:shade val="50000"/>
+            </a:schemeClr>
+          </a:lnRef>
+          <a:fillRef idx="1">
+            <a:schemeClr val="accent1"/>
+          </a:fillRef>
+          <a:effectRef idx="0">
+            <a:schemeClr val="accent1"/>
+          </a:effectRef>
+          <a:fontRef idx="minor">
+            <a:schemeClr val="lt1"/>
+          </a:fontRef>
+        </p:style>
+        <p:txBody>
+          <a:bodyPr rtlCol="0" anchor="ctr"/>
+          <a:lstStyle/>
+          <a:p>
+            <a:r>
+              <a:rPr lang="en-US" altLang="ko-KR" sz="800" dirty="0">
+                <a:solidFill>
+                  <a:schemeClr val="tx1"/>
+                </a:solidFill>
+              </a:rPr>
+              <a:t>V</a:t>
+            </a:r>
+          </a:p>
+        </p:txBody>
+      </p:sp>
+      <p:sp>
+        <p:nvSpPr>
+          <p:cNvPr id="144" name="직사각형 143">
+            <a:extLst>
+              <a:ext uri="{FF2B5EF4-FFF2-40B4-BE49-F238E27FC236}">
+                <a16:creationId xmlns:a16="http://schemas.microsoft.com/office/drawing/2014/main" id="{25E11DF8-3182-43E6-97B6-CD4CF3F06006}"/>
+              </a:ext>
+            </a:extLst>
+          </p:cNvPr>
+          <p:cNvSpPr/>
+          <p:nvPr/>
+        </p:nvSpPr>
+        <p:spPr>
+          <a:xfrm>
+            <a:off x="4615800" y="4397791"/>
+            <a:ext cx="208220" cy="180000"/>
+          </a:xfrm>
+          <a:prstGeom prst="rect">
+            <a:avLst/>
+          </a:prstGeom>
+        </p:spPr>
+        <p:style>
+          <a:lnRef idx="2">
+            <a:schemeClr val="accent1">
+              <a:shade val="50000"/>
+            </a:schemeClr>
+          </a:lnRef>
+          <a:fillRef idx="1">
+            <a:schemeClr val="accent1"/>
+          </a:fillRef>
+          <a:effectRef idx="0">
+            <a:schemeClr val="accent1"/>
+          </a:effectRef>
+          <a:fontRef idx="minor">
+            <a:schemeClr val="lt1"/>
+          </a:fontRef>
+        </p:style>
+        <p:txBody>
+          <a:bodyPr rtlCol="0" anchor="ctr"/>
+          <a:lstStyle/>
+          <a:p>
+            <a:pPr algn="ctr"/>
+            <a:r>
+              <a:rPr lang="en-US" altLang="ko-KR" sz="800" dirty="0"/>
+              <a:t>+</a:t>
+            </a:r>
+            <a:endParaRPr lang="ko-KR" altLang="en-US" sz="800" dirty="0"/>
+          </a:p>
+        </p:txBody>
+      </p:sp>
+      <p:sp>
+        <p:nvSpPr>
+          <p:cNvPr id="145" name="직사각형 144">
+            <a:extLst>
+              <a:ext uri="{FF2B5EF4-FFF2-40B4-BE49-F238E27FC236}">
+                <a16:creationId xmlns:a16="http://schemas.microsoft.com/office/drawing/2014/main" id="{FCD21EE2-48DB-4B82-BD9E-70918495A22D}"/>
+              </a:ext>
+            </a:extLst>
+          </p:cNvPr>
+          <p:cNvSpPr/>
+          <p:nvPr/>
+        </p:nvSpPr>
+        <p:spPr>
+          <a:xfrm>
+            <a:off x="4615800" y="4602324"/>
+            <a:ext cx="208220" cy="180000"/>
+          </a:xfrm>
+          <a:prstGeom prst="rect">
+            <a:avLst/>
+          </a:prstGeom>
+        </p:spPr>
+        <p:style>
+          <a:lnRef idx="2">
+            <a:schemeClr val="accent1">
+              <a:shade val="50000"/>
+            </a:schemeClr>
+          </a:lnRef>
+          <a:fillRef idx="1">
+            <a:schemeClr val="accent1"/>
+          </a:fillRef>
+          <a:effectRef idx="0">
+            <a:schemeClr val="accent1"/>
+          </a:effectRef>
+          <a:fontRef idx="minor">
+            <a:schemeClr val="lt1"/>
+          </a:fontRef>
+        </p:style>
+        <p:txBody>
+          <a:bodyPr rtlCol="0" anchor="ctr"/>
+          <a:lstStyle/>
+          <a:p>
+            <a:pPr algn="ctr"/>
+            <a:r>
+              <a:rPr lang="en-US" altLang="ko-KR" sz="800" dirty="0"/>
+              <a:t>+</a:t>
+            </a:r>
+            <a:endParaRPr lang="ko-KR" altLang="en-US" sz="800" dirty="0"/>
+          </a:p>
+        </p:txBody>
+      </p:sp>
+      <p:sp>
+        <p:nvSpPr>
+          <p:cNvPr id="146" name="직사각형 145">
+            <a:extLst>
+              <a:ext uri="{FF2B5EF4-FFF2-40B4-BE49-F238E27FC236}">
+                <a16:creationId xmlns:a16="http://schemas.microsoft.com/office/drawing/2014/main" id="{2E881915-BE92-488C-B920-2953EE058D21}"/>
+              </a:ext>
+            </a:extLst>
+          </p:cNvPr>
+          <p:cNvSpPr/>
+          <p:nvPr/>
+        </p:nvSpPr>
+        <p:spPr>
+          <a:xfrm>
+            <a:off x="4615800" y="4806717"/>
+            <a:ext cx="208220" cy="180000"/>
+          </a:xfrm>
+          <a:prstGeom prst="rect">
+            <a:avLst/>
+          </a:prstGeom>
+        </p:spPr>
+        <p:style>
+          <a:lnRef idx="2">
+            <a:schemeClr val="accent1">
+              <a:shade val="50000"/>
+            </a:schemeClr>
+          </a:lnRef>
+          <a:fillRef idx="1">
+            <a:schemeClr val="accent1"/>
+          </a:fillRef>
+          <a:effectRef idx="0">
+            <a:schemeClr val="accent1"/>
+          </a:effectRef>
+          <a:fontRef idx="minor">
+            <a:schemeClr val="lt1"/>
+          </a:fontRef>
+        </p:style>
+        <p:txBody>
+          <a:bodyPr rtlCol="0" anchor="ctr"/>
+          <a:lstStyle/>
+          <a:p>
+            <a:pPr algn="ctr"/>
+            <a:r>
+              <a:rPr lang="en-US" altLang="ko-KR" sz="800" dirty="0"/>
+              <a:t>+</a:t>
+            </a:r>
+            <a:endParaRPr lang="ko-KR" altLang="en-US" sz="800" dirty="0"/>
+          </a:p>
+        </p:txBody>
+      </p:sp>
+      <p:sp>
+        <p:nvSpPr>
+          <p:cNvPr id="147" name="직사각형 146">
+            <a:extLst>
+              <a:ext uri="{FF2B5EF4-FFF2-40B4-BE49-F238E27FC236}">
+                <a16:creationId xmlns:a16="http://schemas.microsoft.com/office/drawing/2014/main" id="{DAA84740-76DA-4BA2-8760-CDF3A4A5D696}"/>
+              </a:ext>
+            </a:extLst>
+          </p:cNvPr>
+          <p:cNvSpPr/>
+          <p:nvPr/>
+        </p:nvSpPr>
+        <p:spPr>
+          <a:xfrm>
+            <a:off x="4848904" y="4397791"/>
+            <a:ext cx="208220" cy="180000"/>
+          </a:xfrm>
+          <a:prstGeom prst="rect">
+            <a:avLst/>
+          </a:prstGeom>
+        </p:spPr>
+        <p:style>
+          <a:lnRef idx="2">
+            <a:schemeClr val="accent1">
+              <a:shade val="50000"/>
+            </a:schemeClr>
+          </a:lnRef>
+          <a:fillRef idx="1">
+            <a:schemeClr val="accent1"/>
+          </a:fillRef>
+          <a:effectRef idx="0">
+            <a:schemeClr val="accent1"/>
+          </a:effectRef>
+          <a:fontRef idx="minor">
+            <a:schemeClr val="lt1"/>
+          </a:fontRef>
+        </p:style>
+        <p:txBody>
+          <a:bodyPr rtlCol="0" anchor="ctr"/>
+          <a:lstStyle/>
+          <a:p>
+            <a:pPr algn="ctr"/>
+            <a:r>
+              <a:rPr lang="en-US" altLang="ko-KR" sz="800" dirty="0"/>
+              <a:t>-</a:t>
+            </a:r>
+            <a:endParaRPr lang="ko-KR" altLang="en-US" sz="800" dirty="0"/>
+          </a:p>
+        </p:txBody>
+      </p:sp>
+      <p:sp>
+        <p:nvSpPr>
+          <p:cNvPr id="148" name="직사각형 147">
+            <a:extLst>
+              <a:ext uri="{FF2B5EF4-FFF2-40B4-BE49-F238E27FC236}">
+                <a16:creationId xmlns:a16="http://schemas.microsoft.com/office/drawing/2014/main" id="{86AF261A-7D1B-4DB5-BBF8-8739DE0CA96C}"/>
+              </a:ext>
+            </a:extLst>
+          </p:cNvPr>
+          <p:cNvSpPr/>
+          <p:nvPr/>
+        </p:nvSpPr>
+        <p:spPr>
+          <a:xfrm>
+            <a:off x="4848904" y="4602324"/>
+            <a:ext cx="208220" cy="180000"/>
+          </a:xfrm>
+          <a:prstGeom prst="rect">
+            <a:avLst/>
+          </a:prstGeom>
+        </p:spPr>
+        <p:style>
+          <a:lnRef idx="2">
+            <a:schemeClr val="accent1">
+              <a:shade val="50000"/>
+            </a:schemeClr>
+          </a:lnRef>
+          <a:fillRef idx="1">
+            <a:schemeClr val="accent1"/>
+          </a:fillRef>
+          <a:effectRef idx="0">
+            <a:schemeClr val="accent1"/>
+          </a:effectRef>
+          <a:fontRef idx="minor">
+            <a:schemeClr val="lt1"/>
+          </a:fontRef>
+        </p:style>
+        <p:txBody>
+          <a:bodyPr rtlCol="0" anchor="ctr"/>
+          <a:lstStyle/>
+          <a:p>
+            <a:pPr algn="ctr"/>
+            <a:r>
+              <a:rPr lang="en-US" altLang="ko-KR" sz="800" dirty="0"/>
+              <a:t>-</a:t>
+            </a:r>
+            <a:endParaRPr lang="ko-KR" altLang="en-US" sz="800" dirty="0"/>
+          </a:p>
+        </p:txBody>
+      </p:sp>
+      <p:sp>
+        <p:nvSpPr>
+          <p:cNvPr id="149" name="직사각형 148">
+            <a:extLst>
+              <a:ext uri="{FF2B5EF4-FFF2-40B4-BE49-F238E27FC236}">
+                <a16:creationId xmlns:a16="http://schemas.microsoft.com/office/drawing/2014/main" id="{F6D00D60-3738-4DB3-9E40-D5A7DE6ABB6F}"/>
+              </a:ext>
+            </a:extLst>
+          </p:cNvPr>
+          <p:cNvSpPr/>
+          <p:nvPr/>
+        </p:nvSpPr>
+        <p:spPr>
+          <a:xfrm>
+            <a:off x="4848904" y="4806717"/>
+            <a:ext cx="208220" cy="180000"/>
+          </a:xfrm>
+          <a:prstGeom prst="rect">
+            <a:avLst/>
+          </a:prstGeom>
+        </p:spPr>
+        <p:style>
+          <a:lnRef idx="2">
+            <a:schemeClr val="accent1">
+              <a:shade val="50000"/>
+            </a:schemeClr>
+          </a:lnRef>
+          <a:fillRef idx="1">
+            <a:schemeClr val="accent1"/>
+          </a:fillRef>
+          <a:effectRef idx="0">
+            <a:schemeClr val="accent1"/>
+          </a:effectRef>
+          <a:fontRef idx="minor">
+            <a:schemeClr val="lt1"/>
+          </a:fontRef>
+        </p:style>
+        <p:txBody>
+          <a:bodyPr rtlCol="0" anchor="ctr"/>
+          <a:lstStyle/>
+          <a:p>
+            <a:pPr algn="ctr"/>
+            <a:r>
+              <a:rPr lang="en-US" altLang="ko-KR" sz="800" dirty="0"/>
+              <a:t>-</a:t>
+            </a:r>
+            <a:endParaRPr lang="ko-KR" altLang="en-US" sz="800" dirty="0"/>
           </a:p>
         </p:txBody>
       </p:sp>

--- a/docs/퍼블_모달작업.pptx
+++ b/docs/퍼블_모달작업.pptx
@@ -30532,7 +30532,7 @@
         </p:blipFill>
         <p:spPr>
           <a:xfrm>
-            <a:off x="6581886" y="3551069"/>
+            <a:off x="7434668" y="2493687"/>
             <a:ext cx="5327794" cy="3185178"/>
           </a:xfrm>
           <a:prstGeom prst="rect">
